--- a/src/ppt/theory-of-reversible-computation.pptx
+++ b/src/ppt/theory-of-reversible-computation.pptx
@@ -6,18 +6,31 @@
   </p:sldMasterIdLst>
   <p:sldIdLst>
     <p:sldId id="258" r:id="rId2"/>
-    <p:sldId id="303" r:id="rId3"/>
-    <p:sldId id="309" r:id="rId4"/>
-    <p:sldId id="263" r:id="rId5"/>
-    <p:sldId id="310" r:id="rId6"/>
-    <p:sldId id="311" r:id="rId7"/>
-    <p:sldId id="304" r:id="rId8"/>
-    <p:sldId id="305" r:id="rId9"/>
-    <p:sldId id="312" r:id="rId10"/>
-    <p:sldId id="306" r:id="rId11"/>
-    <p:sldId id="307" r:id="rId12"/>
-    <p:sldId id="308" r:id="rId13"/>
-    <p:sldId id="313" r:id="rId14"/>
+    <p:sldId id="316" r:id="rId3"/>
+    <p:sldId id="317" r:id="rId4"/>
+    <p:sldId id="319" r:id="rId5"/>
+    <p:sldId id="320" r:id="rId6"/>
+    <p:sldId id="303" r:id="rId7"/>
+    <p:sldId id="309" r:id="rId8"/>
+    <p:sldId id="263" r:id="rId9"/>
+    <p:sldId id="310" r:id="rId10"/>
+    <p:sldId id="311" r:id="rId11"/>
+    <p:sldId id="314" r:id="rId12"/>
+    <p:sldId id="304" r:id="rId13"/>
+    <p:sldId id="305" r:id="rId14"/>
+    <p:sldId id="312" r:id="rId15"/>
+    <p:sldId id="318" r:id="rId16"/>
+    <p:sldId id="306" r:id="rId17"/>
+    <p:sldId id="325" r:id="rId18"/>
+    <p:sldId id="307" r:id="rId19"/>
+    <p:sldId id="308" r:id="rId20"/>
+    <p:sldId id="326" r:id="rId21"/>
+    <p:sldId id="313" r:id="rId22"/>
+    <p:sldId id="315" r:id="rId23"/>
+    <p:sldId id="321" r:id="rId24"/>
+    <p:sldId id="322" r:id="rId25"/>
+    <p:sldId id="323" r:id="rId26"/>
+    <p:sldId id="324" r:id="rId27"/>
   </p:sldIdLst>
   <p:sldSz cx="12192000" cy="6858000"/>
   <p:notesSz cx="6858000" cy="9144000"/>
@@ -283,7 +296,7 @@
           <a:p>
             <a:fld id="{781BEADB-AF5A-4392-865E-B1E711821C65}" type="datetimeFigureOut">
               <a:rPr lang="zh-CN" altLang="en-US" smtClean="0"/>
-              <a:t>2024/11/30</a:t>
+              <a:t>2024/12/1</a:t>
             </a:fld>
             <a:endParaRPr lang="zh-CN" altLang="en-US"/>
           </a:p>
@@ -481,7 +494,7 @@
           <a:p>
             <a:fld id="{781BEADB-AF5A-4392-865E-B1E711821C65}" type="datetimeFigureOut">
               <a:rPr lang="zh-CN" altLang="en-US" smtClean="0"/>
-              <a:t>2024/11/30</a:t>
+              <a:t>2024/12/1</a:t>
             </a:fld>
             <a:endParaRPr lang="zh-CN" altLang="en-US"/>
           </a:p>
@@ -689,7 +702,7 @@
           <a:p>
             <a:fld id="{781BEADB-AF5A-4392-865E-B1E711821C65}" type="datetimeFigureOut">
               <a:rPr lang="zh-CN" altLang="en-US" smtClean="0"/>
-              <a:t>2024/11/30</a:t>
+              <a:t>2024/12/1</a:t>
             </a:fld>
             <a:endParaRPr lang="zh-CN" altLang="en-US"/>
           </a:p>
@@ -887,7 +900,7 @@
           <a:p>
             <a:fld id="{781BEADB-AF5A-4392-865E-B1E711821C65}" type="datetimeFigureOut">
               <a:rPr lang="zh-CN" altLang="en-US" smtClean="0"/>
-              <a:t>2024/11/30</a:t>
+              <a:t>2024/12/1</a:t>
             </a:fld>
             <a:endParaRPr lang="zh-CN" altLang="en-US"/>
           </a:p>
@@ -1162,7 +1175,7 @@
           <a:p>
             <a:fld id="{781BEADB-AF5A-4392-865E-B1E711821C65}" type="datetimeFigureOut">
               <a:rPr lang="zh-CN" altLang="en-US" smtClean="0"/>
-              <a:t>2024/11/30</a:t>
+              <a:t>2024/12/1</a:t>
             </a:fld>
             <a:endParaRPr lang="zh-CN" altLang="en-US"/>
           </a:p>
@@ -1427,7 +1440,7 @@
           <a:p>
             <a:fld id="{781BEADB-AF5A-4392-865E-B1E711821C65}" type="datetimeFigureOut">
               <a:rPr lang="zh-CN" altLang="en-US" smtClean="0"/>
-              <a:t>2024/11/30</a:t>
+              <a:t>2024/12/1</a:t>
             </a:fld>
             <a:endParaRPr lang="zh-CN" altLang="en-US"/>
           </a:p>
@@ -1839,7 +1852,7 @@
           <a:p>
             <a:fld id="{781BEADB-AF5A-4392-865E-B1E711821C65}" type="datetimeFigureOut">
               <a:rPr lang="zh-CN" altLang="en-US" smtClean="0"/>
-              <a:t>2024/11/30</a:t>
+              <a:t>2024/12/1</a:t>
             </a:fld>
             <a:endParaRPr lang="zh-CN" altLang="en-US"/>
           </a:p>
@@ -1980,7 +1993,7 @@
           <a:p>
             <a:fld id="{781BEADB-AF5A-4392-865E-B1E711821C65}" type="datetimeFigureOut">
               <a:rPr lang="zh-CN" altLang="en-US" smtClean="0"/>
-              <a:t>2024/11/30</a:t>
+              <a:t>2024/12/1</a:t>
             </a:fld>
             <a:endParaRPr lang="zh-CN" altLang="en-US"/>
           </a:p>
@@ -2093,7 +2106,7 @@
           <a:p>
             <a:fld id="{781BEADB-AF5A-4392-865E-B1E711821C65}" type="datetimeFigureOut">
               <a:rPr lang="zh-CN" altLang="en-US" smtClean="0"/>
-              <a:t>2024/11/30</a:t>
+              <a:t>2024/12/1</a:t>
             </a:fld>
             <a:endParaRPr lang="zh-CN" altLang="en-US"/>
           </a:p>
@@ -2404,7 +2417,7 @@
           <a:p>
             <a:fld id="{781BEADB-AF5A-4392-865E-B1E711821C65}" type="datetimeFigureOut">
               <a:rPr lang="zh-CN" altLang="en-US" smtClean="0"/>
-              <a:t>2024/11/30</a:t>
+              <a:t>2024/12/1</a:t>
             </a:fld>
             <a:endParaRPr lang="zh-CN" altLang="en-US"/>
           </a:p>
@@ -2692,7 +2705,7 @@
           <a:p>
             <a:fld id="{781BEADB-AF5A-4392-865E-B1E711821C65}" type="datetimeFigureOut">
               <a:rPr lang="zh-CN" altLang="en-US" smtClean="0"/>
-              <a:t>2024/11/30</a:t>
+              <a:t>2024/12/1</a:t>
             </a:fld>
             <a:endParaRPr lang="zh-CN" altLang="en-US"/>
           </a:p>
@@ -2933,7 +2946,7 @@
           <a:p>
             <a:fld id="{781BEADB-AF5A-4392-865E-B1E711821C65}" type="datetimeFigureOut">
               <a:rPr lang="zh-CN" altLang="en-US" smtClean="0"/>
-              <a:t>2024/11/30</a:t>
+              <a:t>2024/12/1</a:t>
             </a:fld>
             <a:endParaRPr lang="zh-CN" altLang="en-US"/>
           </a:p>
@@ -3460,6 +3473,1160 @@
         <p:cNvPr id="1" name="">
           <a:extLst>
             <a:ext uri="{FF2B5EF4-FFF2-40B4-BE49-F238E27FC236}">
+              <a16:creationId xmlns:a16="http://schemas.microsoft.com/office/drawing/2014/main" id="{14C97A45-EF39-8A17-512B-D8315DCFD635}"/>
+            </a:ext>
+          </a:extLst>
+        </p:cNvPr>
+        <p:cNvGrpSpPr/>
+        <p:nvPr/>
+      </p:nvGrpSpPr>
+      <p:grpSpPr>
+        <a:xfrm>
+          <a:off x="0" y="0"/>
+          <a:ext cx="0" cy="0"/>
+          <a:chOff x="0" y="0"/>
+          <a:chExt cx="0" cy="0"/>
+        </a:xfrm>
+      </p:grpSpPr>
+      <p:sp>
+        <p:nvSpPr>
+          <p:cNvPr id="49" name="文本框 48">
+            <a:extLst>
+              <a:ext uri="{FF2B5EF4-FFF2-40B4-BE49-F238E27FC236}">
+                <a16:creationId xmlns:a16="http://schemas.microsoft.com/office/drawing/2014/main" id="{DC698740-73DC-CB3C-8567-21B4BD88215D}"/>
+              </a:ext>
+            </a:extLst>
+          </p:cNvPr>
+          <p:cNvSpPr txBox="1"/>
+          <p:nvPr/>
+        </p:nvSpPr>
+        <p:spPr>
+          <a:xfrm>
+            <a:off x="434688" y="267393"/>
+            <a:ext cx="2844539" cy="523220"/>
+          </a:xfrm>
+          <a:prstGeom prst="rect">
+            <a:avLst/>
+          </a:prstGeom>
+          <a:noFill/>
+        </p:spPr>
+        <p:txBody>
+          <a:bodyPr wrap="square" rtlCol="0">
+            <a:spAutoFit/>
+          </a:bodyPr>
+          <a:lstStyle/>
+          <a:p>
+            <a:r>
+              <a:rPr lang="en-US" altLang="zh-CN" sz="2800" b="1" dirty="0"/>
+              <a:t>Delta</a:t>
+            </a:r>
+            <a:r>
+              <a:rPr lang="zh-CN" altLang="en-US" sz="2800" b="1" dirty="0"/>
+              <a:t>的结合律</a:t>
+            </a:r>
+          </a:p>
+        </p:txBody>
+      </p:sp>
+      <p:sp>
+        <p:nvSpPr>
+          <p:cNvPr id="3" name="文本框 2">
+            <a:extLst>
+              <a:ext uri="{FF2B5EF4-FFF2-40B4-BE49-F238E27FC236}">
+                <a16:creationId xmlns:a16="http://schemas.microsoft.com/office/drawing/2014/main" id="{3D293AC0-641F-6AE4-4976-22E3A478C63D}"/>
+              </a:ext>
+            </a:extLst>
+          </p:cNvPr>
+          <p:cNvSpPr txBox="1"/>
+          <p:nvPr/>
+        </p:nvSpPr>
+        <p:spPr>
+          <a:xfrm>
+            <a:off x="3745888" y="1658532"/>
+            <a:ext cx="5511624" cy="1384995"/>
+          </a:xfrm>
+          <a:prstGeom prst="rect">
+            <a:avLst/>
+          </a:prstGeom>
+          <a:noFill/>
+        </p:spPr>
+        <p:txBody>
+          <a:bodyPr wrap="square" rtlCol="0">
+            <a:spAutoFit/>
+          </a:bodyPr>
+          <a:lstStyle/>
+          <a:p>
+            <a:r>
+              <a:rPr lang="en-US" altLang="zh-CN" sz="2800" dirty="0"/>
+              <a:t>X  = A + Delta1</a:t>
+            </a:r>
+          </a:p>
+          <a:p>
+            <a:r>
+              <a:rPr lang="en-US" altLang="zh-CN" sz="2800" dirty="0"/>
+              <a:t>Y  = B + Delta1 + Delta2</a:t>
+            </a:r>
+          </a:p>
+          <a:p>
+            <a:r>
+              <a:rPr lang="en-US" altLang="zh-CN" sz="2800" dirty="0"/>
+              <a:t>    = B + Delta3</a:t>
+            </a:r>
+            <a:endParaRPr lang="zh-CN" altLang="en-US" sz="2800" dirty="0"/>
+          </a:p>
+        </p:txBody>
+      </p:sp>
+      <p:sp>
+        <p:nvSpPr>
+          <p:cNvPr id="6" name="文本框 5">
+            <a:extLst>
+              <a:ext uri="{FF2B5EF4-FFF2-40B4-BE49-F238E27FC236}">
+                <a16:creationId xmlns:a16="http://schemas.microsoft.com/office/drawing/2014/main" id="{9BFBA7D9-4D13-51AF-555C-0B2F06D98660}"/>
+              </a:ext>
+            </a:extLst>
+          </p:cNvPr>
+          <p:cNvSpPr txBox="1"/>
+          <p:nvPr/>
+        </p:nvSpPr>
+        <p:spPr>
+          <a:xfrm>
+            <a:off x="1425202" y="3890930"/>
+            <a:ext cx="10197137" cy="1200329"/>
+          </a:xfrm>
+          <a:prstGeom prst="rect">
+            <a:avLst/>
+          </a:prstGeom>
+          <a:noFill/>
+        </p:spPr>
+        <p:txBody>
+          <a:bodyPr wrap="square" rtlCol="0">
+            <a:spAutoFit/>
+          </a:bodyPr>
+          <a:lstStyle/>
+          <a:p>
+            <a:pPr algn="ctr"/>
+            <a:r>
+              <a:rPr lang="zh-CN" altLang="en-US" sz="3600" dirty="0"/>
+              <a:t>同一个</a:t>
+            </a:r>
+            <a:r>
+              <a:rPr lang="en-US" altLang="zh-CN" sz="3600" dirty="0"/>
+              <a:t>Delta</a:t>
+            </a:r>
+            <a:r>
+              <a:rPr lang="zh-CN" altLang="en-US" sz="3600" dirty="0"/>
+              <a:t>可以与不同的</a:t>
+            </a:r>
+            <a:r>
+              <a:rPr lang="en-US" altLang="zh-CN" sz="3600" dirty="0"/>
+              <a:t>Base</a:t>
+            </a:r>
+            <a:r>
+              <a:rPr lang="zh-CN" altLang="en-US" sz="3600" dirty="0"/>
+              <a:t>结合</a:t>
+            </a:r>
+            <a:endParaRPr lang="en-US" altLang="zh-CN" sz="3600" dirty="0"/>
+          </a:p>
+          <a:p>
+            <a:pPr algn="ctr"/>
+            <a:r>
+              <a:rPr lang="zh-CN" altLang="en-US" sz="3600" dirty="0"/>
+              <a:t>多个</a:t>
+            </a:r>
+            <a:r>
+              <a:rPr lang="en-US" altLang="zh-CN" sz="3600" dirty="0"/>
+              <a:t>Delta</a:t>
+            </a:r>
+            <a:r>
+              <a:rPr lang="zh-CN" altLang="en-US" sz="3600" dirty="0"/>
+              <a:t>可以先行结合，然后再与</a:t>
+            </a:r>
+            <a:r>
+              <a:rPr lang="en-US" altLang="zh-CN" sz="3600" dirty="0"/>
+              <a:t>Base</a:t>
+            </a:r>
+            <a:r>
+              <a:rPr lang="zh-CN" altLang="en-US" sz="3600" dirty="0"/>
+              <a:t>结合</a:t>
+            </a:r>
+          </a:p>
+        </p:txBody>
+      </p:sp>
+    </p:spTree>
+    <p:extLst>
+      <p:ext uri="{BB962C8B-B14F-4D97-AF65-F5344CB8AC3E}">
+        <p14:creationId xmlns:p14="http://schemas.microsoft.com/office/powerpoint/2010/main" val="4131799239"/>
+      </p:ext>
+    </p:extLst>
+  </p:cSld>
+  <p:clrMapOvr>
+    <a:masterClrMapping/>
+  </p:clrMapOvr>
+</p:sld>
+</file>
+
+<file path=ppt/slides/slide11.xml><?xml version="1.0" encoding="utf-8"?>
+<p:sld xmlns:a="http://schemas.openxmlformats.org/drawingml/2006/main" xmlns:r="http://schemas.openxmlformats.org/officeDocument/2006/relationships" xmlns:p="http://schemas.openxmlformats.org/presentationml/2006/main">
+  <p:cSld>
+    <p:spTree>
+      <p:nvGrpSpPr>
+        <p:cNvPr id="1" name="">
+          <a:extLst>
+            <a:ext uri="{FF2B5EF4-FFF2-40B4-BE49-F238E27FC236}">
+              <a16:creationId xmlns:a16="http://schemas.microsoft.com/office/drawing/2014/main" id="{049803AB-1047-8415-E467-C09D303DF8C5}"/>
+            </a:ext>
+          </a:extLst>
+        </p:cNvPr>
+        <p:cNvGrpSpPr/>
+        <p:nvPr/>
+      </p:nvGrpSpPr>
+      <p:grpSpPr>
+        <a:xfrm>
+          <a:off x="0" y="0"/>
+          <a:ext cx="0" cy="0"/>
+          <a:chOff x="0" y="0"/>
+          <a:chExt cx="0" cy="0"/>
+        </a:xfrm>
+      </p:grpSpPr>
+      <p:sp>
+        <p:nvSpPr>
+          <p:cNvPr id="49" name="文本框 48">
+            <a:extLst>
+              <a:ext uri="{FF2B5EF4-FFF2-40B4-BE49-F238E27FC236}">
+                <a16:creationId xmlns:a16="http://schemas.microsoft.com/office/drawing/2014/main" id="{D98FA7B2-309F-F83B-3E14-8C8E2D7404CC}"/>
+              </a:ext>
+            </a:extLst>
+          </p:cNvPr>
+          <p:cNvSpPr txBox="1"/>
+          <p:nvPr/>
+        </p:nvSpPr>
+        <p:spPr>
+          <a:xfrm>
+            <a:off x="434689" y="267393"/>
+            <a:ext cx="2380430" cy="523220"/>
+          </a:xfrm>
+          <a:prstGeom prst="rect">
+            <a:avLst/>
+          </a:prstGeom>
+          <a:noFill/>
+        </p:spPr>
+        <p:txBody>
+          <a:bodyPr wrap="square" rtlCol="0">
+            <a:spAutoFit/>
+          </a:bodyPr>
+          <a:lstStyle/>
+          <a:p>
+            <a:r>
+              <a:rPr lang="en-US" altLang="zh-CN" sz="2800" b="1" dirty="0"/>
+              <a:t>Tree</a:t>
+            </a:r>
+            <a:r>
+              <a:rPr lang="zh-CN" altLang="en-US" sz="2800" b="1" dirty="0"/>
+              <a:t>结构空间</a:t>
+            </a:r>
+          </a:p>
+        </p:txBody>
+      </p:sp>
+      <p:sp>
+        <p:nvSpPr>
+          <p:cNvPr id="3" name="文本框 2">
+            <a:extLst>
+              <a:ext uri="{FF2B5EF4-FFF2-40B4-BE49-F238E27FC236}">
+                <a16:creationId xmlns:a16="http://schemas.microsoft.com/office/drawing/2014/main" id="{4757A578-A2A9-C500-F933-B519CA7906EE}"/>
+              </a:ext>
+            </a:extLst>
+          </p:cNvPr>
+          <p:cNvSpPr txBox="1"/>
+          <p:nvPr/>
+        </p:nvSpPr>
+        <p:spPr>
+          <a:xfrm>
+            <a:off x="2232397" y="1658532"/>
+            <a:ext cx="7271057" cy="1384995"/>
+          </a:xfrm>
+          <a:prstGeom prst="rect">
+            <a:avLst/>
+          </a:prstGeom>
+          <a:noFill/>
+        </p:spPr>
+        <p:txBody>
+          <a:bodyPr wrap="square" rtlCol="0">
+            <a:spAutoFit/>
+          </a:bodyPr>
+          <a:lstStyle/>
+          <a:p>
+            <a:r>
+              <a:rPr lang="zh-CN" altLang="en-US" sz="2800" dirty="0"/>
+              <a:t>面向对象：</a:t>
+            </a:r>
+            <a:r>
+              <a:rPr lang="en-US" altLang="zh-CN" sz="2800" dirty="0"/>
+              <a:t>Map = Map extends Map&lt;Map&gt;</a:t>
+            </a:r>
+          </a:p>
+          <a:p>
+            <a:endParaRPr lang="en-US" altLang="zh-CN" sz="2800" dirty="0"/>
+          </a:p>
+          <a:p>
+            <a:r>
+              <a:rPr lang="zh-CN" altLang="en-US" sz="2800" dirty="0"/>
+              <a:t>可逆计算</a:t>
+            </a:r>
+            <a:r>
+              <a:rPr lang="en-US" altLang="zh-CN" sz="2800" dirty="0"/>
+              <a:t>:   Tree = Tree x-extends Tree&lt;Tree&gt;</a:t>
+            </a:r>
+            <a:endParaRPr lang="zh-CN" altLang="en-US" sz="2800" dirty="0"/>
+          </a:p>
+        </p:txBody>
+      </p:sp>
+      <p:sp>
+        <p:nvSpPr>
+          <p:cNvPr id="6" name="文本框 5">
+            <a:extLst>
+              <a:ext uri="{FF2B5EF4-FFF2-40B4-BE49-F238E27FC236}">
+                <a16:creationId xmlns:a16="http://schemas.microsoft.com/office/drawing/2014/main" id="{8E22453F-DA90-B1D3-EEDF-9141DFE870A7}"/>
+              </a:ext>
+            </a:extLst>
+          </p:cNvPr>
+          <p:cNvSpPr txBox="1"/>
+          <p:nvPr/>
+        </p:nvSpPr>
+        <p:spPr>
+          <a:xfrm>
+            <a:off x="1068376" y="3645197"/>
+            <a:ext cx="10055248" cy="1200329"/>
+          </a:xfrm>
+          <a:prstGeom prst="rect">
+            <a:avLst/>
+          </a:prstGeom>
+          <a:noFill/>
+        </p:spPr>
+        <p:txBody>
+          <a:bodyPr wrap="square" rtlCol="0">
+            <a:spAutoFit/>
+          </a:bodyPr>
+          <a:lstStyle/>
+          <a:p>
+            <a:pPr algn="ctr"/>
+            <a:r>
+              <a:rPr lang="zh-CN" altLang="en-US" sz="3600" dirty="0"/>
+              <a:t>计算范式从</a:t>
+            </a:r>
+            <a:r>
+              <a:rPr lang="en-US" altLang="zh-CN" sz="3600" dirty="0"/>
+              <a:t>Map</a:t>
+            </a:r>
+            <a:r>
+              <a:rPr lang="zh-CN" altLang="en-US" sz="3600" dirty="0"/>
+              <a:t>结构扩展为</a:t>
+            </a:r>
+            <a:r>
+              <a:rPr lang="en-US" altLang="zh-CN" sz="3600" dirty="0"/>
+              <a:t>Tree</a:t>
+            </a:r>
+            <a:r>
+              <a:rPr lang="zh-CN" altLang="en-US" sz="3600" dirty="0"/>
+              <a:t>结构</a:t>
+            </a:r>
+            <a:endParaRPr lang="en-US" altLang="zh-CN" sz="3600" dirty="0"/>
+          </a:p>
+          <a:p>
+            <a:pPr algn="ctr"/>
+            <a:r>
+              <a:rPr lang="zh-CN" altLang="en-US" sz="3600" dirty="0"/>
+              <a:t>基于</a:t>
+            </a:r>
+            <a:r>
+              <a:rPr lang="en-US" altLang="zh-CN" sz="3600" dirty="0"/>
+              <a:t>Tree</a:t>
+            </a:r>
+            <a:r>
+              <a:rPr lang="zh-CN" altLang="en-US" sz="3600" dirty="0"/>
+              <a:t>和</a:t>
+            </a:r>
+            <a:r>
+              <a:rPr lang="en-US" altLang="zh-CN" sz="3600" dirty="0"/>
+              <a:t>Delta</a:t>
+            </a:r>
+            <a:r>
+              <a:rPr lang="zh-CN" altLang="en-US" sz="3600" dirty="0"/>
+              <a:t>概念重建程序结构空间</a:t>
+            </a:r>
+          </a:p>
+        </p:txBody>
+      </p:sp>
+    </p:spTree>
+    <p:extLst>
+      <p:ext uri="{BB962C8B-B14F-4D97-AF65-F5344CB8AC3E}">
+        <p14:creationId xmlns:p14="http://schemas.microsoft.com/office/powerpoint/2010/main" val="3120813011"/>
+      </p:ext>
+    </p:extLst>
+  </p:cSld>
+  <p:clrMapOvr>
+    <a:masterClrMapping/>
+  </p:clrMapOvr>
+</p:sld>
+</file>
+
+<file path=ppt/slides/slide12.xml><?xml version="1.0" encoding="utf-8"?>
+<p:sld xmlns:a="http://schemas.openxmlformats.org/drawingml/2006/main" xmlns:r="http://schemas.openxmlformats.org/officeDocument/2006/relationships" xmlns:p="http://schemas.openxmlformats.org/presentationml/2006/main">
+  <p:cSld>
+    <p:spTree>
+      <p:nvGrpSpPr>
+        <p:cNvPr id="1" name="">
+          <a:extLst>
+            <a:ext uri="{FF2B5EF4-FFF2-40B4-BE49-F238E27FC236}">
+              <a16:creationId xmlns:a16="http://schemas.microsoft.com/office/drawing/2014/main" id="{D74A3955-9B63-9517-97CD-DB43513C1215}"/>
+            </a:ext>
+          </a:extLst>
+        </p:cNvPr>
+        <p:cNvGrpSpPr/>
+        <p:nvPr/>
+      </p:nvGrpSpPr>
+      <p:grpSpPr>
+        <a:xfrm>
+          <a:off x="0" y="0"/>
+          <a:ext cx="0" cy="0"/>
+          <a:chOff x="0" y="0"/>
+          <a:chExt cx="0" cy="0"/>
+        </a:xfrm>
+      </p:grpSpPr>
+      <p:sp>
+        <p:nvSpPr>
+          <p:cNvPr id="49" name="文本框 48">
+            <a:extLst>
+              <a:ext uri="{FF2B5EF4-FFF2-40B4-BE49-F238E27FC236}">
+                <a16:creationId xmlns:a16="http://schemas.microsoft.com/office/drawing/2014/main" id="{13B76F7B-242F-B39D-C8C6-92452E4E17A2}"/>
+              </a:ext>
+            </a:extLst>
+          </p:cNvPr>
+          <p:cNvSpPr txBox="1"/>
+          <p:nvPr/>
+        </p:nvSpPr>
+        <p:spPr>
+          <a:xfrm>
+            <a:off x="434689" y="267393"/>
+            <a:ext cx="2380430" cy="523220"/>
+          </a:xfrm>
+          <a:prstGeom prst="rect">
+            <a:avLst/>
+          </a:prstGeom>
+          <a:noFill/>
+        </p:spPr>
+        <p:txBody>
+          <a:bodyPr wrap="square" rtlCol="0">
+            <a:spAutoFit/>
+          </a:bodyPr>
+          <a:lstStyle/>
+          <a:p>
+            <a:r>
+              <a:rPr lang="zh-CN" altLang="en-US" sz="2800" b="1" dirty="0"/>
+              <a:t>横向分解</a:t>
+            </a:r>
+          </a:p>
+        </p:txBody>
+      </p:sp>
+      <p:sp>
+        <p:nvSpPr>
+          <p:cNvPr id="3" name="文本框 2">
+            <a:extLst>
+              <a:ext uri="{FF2B5EF4-FFF2-40B4-BE49-F238E27FC236}">
+                <a16:creationId xmlns:a16="http://schemas.microsoft.com/office/drawing/2014/main" id="{8C940053-1FCB-8BAC-7449-FC04B2AC5FB4}"/>
+              </a:ext>
+            </a:extLst>
+          </p:cNvPr>
+          <p:cNvSpPr txBox="1"/>
+          <p:nvPr/>
+        </p:nvSpPr>
+        <p:spPr>
+          <a:xfrm>
+            <a:off x="2232397" y="1658532"/>
+            <a:ext cx="5833243" cy="954107"/>
+          </a:xfrm>
+          <a:prstGeom prst="rect">
+            <a:avLst/>
+          </a:prstGeom>
+          <a:noFill/>
+        </p:spPr>
+        <p:txBody>
+          <a:bodyPr wrap="square" rtlCol="0">
+            <a:spAutoFit/>
+          </a:bodyPr>
+          <a:lstStyle/>
+          <a:p>
+            <a:r>
+              <a:rPr lang="en-US" altLang="zh-CN" sz="2800" dirty="0"/>
+              <a:t>App = G&lt;</a:t>
+            </a:r>
+            <a:r>
+              <a:rPr lang="zh-CN" altLang="en-US" sz="2800" dirty="0"/>
+              <a:t>流程</a:t>
+            </a:r>
+            <a:r>
+              <a:rPr lang="en-US" altLang="zh-CN" sz="2800" dirty="0"/>
+              <a:t>&gt; + G&lt;</a:t>
+            </a:r>
+            <a:r>
+              <a:rPr lang="zh-CN" altLang="en-US" sz="2800" dirty="0"/>
+              <a:t>权限</a:t>
+            </a:r>
+            <a:r>
+              <a:rPr lang="en-US" altLang="zh-CN" sz="2800" dirty="0"/>
+              <a:t>&gt; + ..</a:t>
+            </a:r>
+          </a:p>
+          <a:p>
+            <a:r>
+              <a:rPr lang="en-US" altLang="zh-CN" sz="2800" dirty="0"/>
+              <a:t>App ~ [</a:t>
+            </a:r>
+            <a:r>
+              <a:rPr lang="zh-CN" altLang="en-US" sz="2800" dirty="0"/>
+              <a:t>流程，权限，</a:t>
+            </a:r>
+            <a:r>
+              <a:rPr lang="en-US" altLang="zh-CN" sz="2800" dirty="0"/>
+              <a:t>…]</a:t>
+            </a:r>
+            <a:endParaRPr lang="zh-CN" altLang="en-US" sz="2800" dirty="0"/>
+          </a:p>
+        </p:txBody>
+      </p:sp>
+      <p:sp>
+        <p:nvSpPr>
+          <p:cNvPr id="6" name="文本框 5">
+            <a:extLst>
+              <a:ext uri="{FF2B5EF4-FFF2-40B4-BE49-F238E27FC236}">
+                <a16:creationId xmlns:a16="http://schemas.microsoft.com/office/drawing/2014/main" id="{8C07BB29-489C-253C-F026-8D398F526B38}"/>
+              </a:ext>
+            </a:extLst>
+          </p:cNvPr>
+          <p:cNvSpPr txBox="1"/>
+          <p:nvPr/>
+        </p:nvSpPr>
+        <p:spPr>
+          <a:xfrm>
+            <a:off x="475679" y="3573338"/>
+            <a:ext cx="8034107" cy="646331"/>
+          </a:xfrm>
+          <a:prstGeom prst="rect">
+            <a:avLst/>
+          </a:prstGeom>
+          <a:noFill/>
+        </p:spPr>
+        <p:txBody>
+          <a:bodyPr wrap="square" rtlCol="0">
+            <a:spAutoFit/>
+          </a:bodyPr>
+          <a:lstStyle/>
+          <a:p>
+            <a:pPr algn="ctr"/>
+            <a:r>
+              <a:rPr lang="zh-CN" altLang="en-US" sz="3600" dirty="0"/>
+              <a:t>投影到特性向量空间</a:t>
+            </a:r>
+          </a:p>
+        </p:txBody>
+      </p:sp>
+    </p:spTree>
+    <p:extLst>
+      <p:ext uri="{BB962C8B-B14F-4D97-AF65-F5344CB8AC3E}">
+        <p14:creationId xmlns:p14="http://schemas.microsoft.com/office/powerpoint/2010/main" val="497211616"/>
+      </p:ext>
+    </p:extLst>
+  </p:cSld>
+  <p:clrMapOvr>
+    <a:masterClrMapping/>
+  </p:clrMapOvr>
+</p:sld>
+</file>
+
+<file path=ppt/slides/slide13.xml><?xml version="1.0" encoding="utf-8"?>
+<p:sld xmlns:a="http://schemas.openxmlformats.org/drawingml/2006/main" xmlns:r="http://schemas.openxmlformats.org/officeDocument/2006/relationships" xmlns:p="http://schemas.openxmlformats.org/presentationml/2006/main">
+  <p:cSld>
+    <p:spTree>
+      <p:nvGrpSpPr>
+        <p:cNvPr id="1" name="">
+          <a:extLst>
+            <a:ext uri="{FF2B5EF4-FFF2-40B4-BE49-F238E27FC236}">
+              <a16:creationId xmlns:a16="http://schemas.microsoft.com/office/drawing/2014/main" id="{FD92A35A-0336-B779-6530-1D28B31E3DB5}"/>
+            </a:ext>
+          </a:extLst>
+        </p:cNvPr>
+        <p:cNvGrpSpPr/>
+        <p:nvPr/>
+      </p:nvGrpSpPr>
+      <p:grpSpPr>
+        <a:xfrm>
+          <a:off x="0" y="0"/>
+          <a:ext cx="0" cy="0"/>
+          <a:chOff x="0" y="0"/>
+          <a:chExt cx="0" cy="0"/>
+        </a:xfrm>
+      </p:grpSpPr>
+      <p:sp>
+        <p:nvSpPr>
+          <p:cNvPr id="49" name="文本框 48">
+            <a:extLst>
+              <a:ext uri="{FF2B5EF4-FFF2-40B4-BE49-F238E27FC236}">
+                <a16:creationId xmlns:a16="http://schemas.microsoft.com/office/drawing/2014/main" id="{6E17B5F3-1A6B-B08B-FB65-B8B301BA2B8D}"/>
+              </a:ext>
+            </a:extLst>
+          </p:cNvPr>
+          <p:cNvSpPr txBox="1"/>
+          <p:nvPr/>
+        </p:nvSpPr>
+        <p:spPr>
+          <a:xfrm>
+            <a:off x="434689" y="267393"/>
+            <a:ext cx="2380430" cy="523220"/>
+          </a:xfrm>
+          <a:prstGeom prst="rect">
+            <a:avLst/>
+          </a:prstGeom>
+          <a:noFill/>
+        </p:spPr>
+        <p:txBody>
+          <a:bodyPr wrap="square" rtlCol="0">
+            <a:spAutoFit/>
+          </a:bodyPr>
+          <a:lstStyle/>
+          <a:p>
+            <a:r>
+              <a:rPr lang="zh-CN" altLang="en-US" sz="2800" b="1" dirty="0"/>
+              <a:t>纵向分解</a:t>
+            </a:r>
+          </a:p>
+        </p:txBody>
+      </p:sp>
+      <p:sp>
+        <p:nvSpPr>
+          <p:cNvPr id="3" name="文本框 2">
+            <a:extLst>
+              <a:ext uri="{FF2B5EF4-FFF2-40B4-BE49-F238E27FC236}">
+                <a16:creationId xmlns:a16="http://schemas.microsoft.com/office/drawing/2014/main" id="{98E9BEFB-15BA-97E0-A2F4-688FCA6309D3}"/>
+              </a:ext>
+            </a:extLst>
+          </p:cNvPr>
+          <p:cNvSpPr txBox="1"/>
+          <p:nvPr/>
+        </p:nvSpPr>
+        <p:spPr>
+          <a:xfrm>
+            <a:off x="2232397" y="1658532"/>
+            <a:ext cx="5833243" cy="1815882"/>
+          </a:xfrm>
+          <a:prstGeom prst="rect">
+            <a:avLst/>
+          </a:prstGeom>
+          <a:noFill/>
+        </p:spPr>
+        <p:txBody>
+          <a:bodyPr wrap="square" rtlCol="0">
+            <a:spAutoFit/>
+          </a:bodyPr>
+          <a:lstStyle/>
+          <a:p>
+            <a:r>
+              <a:rPr lang="en-US" altLang="zh-CN" sz="2800" dirty="0"/>
+              <a:t>ORM = Generator&lt;Excel&gt; + Delta1</a:t>
+            </a:r>
+          </a:p>
+          <a:p>
+            <a:r>
+              <a:rPr lang="en-US" altLang="zh-CN" sz="2800" dirty="0"/>
+              <a:t>Meta = Generator&lt;ORM&gt; + Delta2</a:t>
+            </a:r>
+          </a:p>
+          <a:p>
+            <a:r>
+              <a:rPr lang="en-US" altLang="zh-CN" sz="2800" dirty="0"/>
+              <a:t>View = Generator&lt;Meta&gt; + Delta3</a:t>
+            </a:r>
+          </a:p>
+          <a:p>
+            <a:r>
+              <a:rPr lang="en-US" altLang="zh-CN" sz="2800" dirty="0"/>
+              <a:t>Page = Generator&lt;View&gt; + Delta4</a:t>
+            </a:r>
+            <a:endParaRPr lang="zh-CN" altLang="en-US" sz="2800" dirty="0"/>
+          </a:p>
+        </p:txBody>
+      </p:sp>
+      <p:sp>
+        <p:nvSpPr>
+          <p:cNvPr id="6" name="文本框 5">
+            <a:extLst>
+              <a:ext uri="{FF2B5EF4-FFF2-40B4-BE49-F238E27FC236}">
+                <a16:creationId xmlns:a16="http://schemas.microsoft.com/office/drawing/2014/main" id="{7012AC7C-0FC5-1C1E-0502-D9EA9C71E6C0}"/>
+              </a:ext>
+            </a:extLst>
+          </p:cNvPr>
+          <p:cNvSpPr txBox="1"/>
+          <p:nvPr/>
+        </p:nvSpPr>
+        <p:spPr>
+          <a:xfrm>
+            <a:off x="1131964" y="3888648"/>
+            <a:ext cx="8034107" cy="1200329"/>
+          </a:xfrm>
+          <a:prstGeom prst="rect">
+            <a:avLst/>
+          </a:prstGeom>
+          <a:noFill/>
+        </p:spPr>
+        <p:txBody>
+          <a:bodyPr wrap="square" rtlCol="0">
+            <a:spAutoFit/>
+          </a:bodyPr>
+          <a:lstStyle/>
+          <a:p>
+            <a:pPr algn="ctr"/>
+            <a:r>
+              <a:rPr lang="zh-CN" altLang="en-US" sz="3600" dirty="0"/>
+              <a:t>类似深度学习的深度分解</a:t>
+            </a:r>
+            <a:endParaRPr lang="en-US" altLang="zh-CN" sz="3600" dirty="0"/>
+          </a:p>
+          <a:p>
+            <a:pPr algn="ctr"/>
+            <a:r>
+              <a:rPr lang="zh-CN" altLang="en-US" sz="3600" dirty="0"/>
+              <a:t>差量化的软件生产线</a:t>
+            </a:r>
+          </a:p>
+        </p:txBody>
+      </p:sp>
+    </p:spTree>
+    <p:extLst>
+      <p:ext uri="{BB962C8B-B14F-4D97-AF65-F5344CB8AC3E}">
+        <p14:creationId xmlns:p14="http://schemas.microsoft.com/office/powerpoint/2010/main" val="525846413"/>
+      </p:ext>
+    </p:extLst>
+  </p:cSld>
+  <p:clrMapOvr>
+    <a:masterClrMapping/>
+  </p:clrMapOvr>
+</p:sld>
+</file>
+
+<file path=ppt/slides/slide14.xml><?xml version="1.0" encoding="utf-8"?>
+<p:sld xmlns:a="http://schemas.openxmlformats.org/drawingml/2006/main" xmlns:r="http://schemas.openxmlformats.org/officeDocument/2006/relationships" xmlns:p="http://schemas.openxmlformats.org/presentationml/2006/main">
+  <p:cSld>
+    <p:spTree>
+      <p:nvGrpSpPr>
+        <p:cNvPr id="1" name="">
+          <a:extLst>
+            <a:ext uri="{FF2B5EF4-FFF2-40B4-BE49-F238E27FC236}">
+              <a16:creationId xmlns:a16="http://schemas.microsoft.com/office/drawing/2014/main" id="{398B4A8D-4A37-457A-B28A-60E5CBF7C159}"/>
+            </a:ext>
+          </a:extLst>
+        </p:cNvPr>
+        <p:cNvGrpSpPr/>
+        <p:nvPr/>
+      </p:nvGrpSpPr>
+      <p:grpSpPr>
+        <a:xfrm>
+          <a:off x="0" y="0"/>
+          <a:ext cx="0" cy="0"/>
+          <a:chOff x="0" y="0"/>
+          <a:chExt cx="0" cy="0"/>
+        </a:xfrm>
+      </p:grpSpPr>
+      <p:sp>
+        <p:nvSpPr>
+          <p:cNvPr id="49" name="文本框 48">
+            <a:extLst>
+              <a:ext uri="{FF2B5EF4-FFF2-40B4-BE49-F238E27FC236}">
+                <a16:creationId xmlns:a16="http://schemas.microsoft.com/office/drawing/2014/main" id="{BFEC9175-B4A9-FB50-360D-E1E59A4C4880}"/>
+              </a:ext>
+            </a:extLst>
+          </p:cNvPr>
+          <p:cNvSpPr txBox="1"/>
+          <p:nvPr/>
+        </p:nvSpPr>
+        <p:spPr>
+          <a:xfrm>
+            <a:off x="434689" y="267393"/>
+            <a:ext cx="2380430" cy="523220"/>
+          </a:xfrm>
+          <a:prstGeom prst="rect">
+            <a:avLst/>
+          </a:prstGeom>
+          <a:noFill/>
+        </p:spPr>
+        <p:txBody>
+          <a:bodyPr wrap="square" rtlCol="0">
+            <a:spAutoFit/>
+          </a:bodyPr>
+          <a:lstStyle/>
+          <a:p>
+            <a:r>
+              <a:rPr lang="en-US" altLang="zh-CN" sz="2800" b="1" dirty="0"/>
+              <a:t>DSL</a:t>
+            </a:r>
+            <a:r>
+              <a:rPr lang="zh-CN" altLang="en-US" sz="2800" b="1" dirty="0"/>
+              <a:t>森林</a:t>
+            </a:r>
+          </a:p>
+        </p:txBody>
+      </p:sp>
+      <p:sp>
+        <p:nvSpPr>
+          <p:cNvPr id="3" name="文本框 2">
+            <a:extLst>
+              <a:ext uri="{FF2B5EF4-FFF2-40B4-BE49-F238E27FC236}">
+                <a16:creationId xmlns:a16="http://schemas.microsoft.com/office/drawing/2014/main" id="{B3A5489D-AFD9-D052-2BEC-4D1F922701B3}"/>
+              </a:ext>
+            </a:extLst>
+          </p:cNvPr>
+          <p:cNvSpPr txBox="1"/>
+          <p:nvPr/>
+        </p:nvSpPr>
+        <p:spPr>
+          <a:xfrm>
+            <a:off x="1261241" y="1658532"/>
+            <a:ext cx="7977352" cy="1815882"/>
+          </a:xfrm>
+          <a:prstGeom prst="rect">
+            <a:avLst/>
+          </a:prstGeom>
+          <a:noFill/>
+        </p:spPr>
+        <p:txBody>
+          <a:bodyPr wrap="square" rtlCol="0">
+            <a:spAutoFit/>
+          </a:bodyPr>
+          <a:lstStyle/>
+          <a:p>
+            <a:r>
+              <a:rPr lang="zh-CN" altLang="en-US" sz="2800" dirty="0"/>
+              <a:t>软件结构空间中发生的一切都通过程序语言表达</a:t>
+            </a:r>
+            <a:endParaRPr lang="en-US" altLang="zh-CN" sz="2800" dirty="0"/>
+          </a:p>
+          <a:p>
+            <a:r>
+              <a:rPr lang="zh-CN" altLang="en-US" sz="2800" dirty="0"/>
+              <a:t>程序语言定义了软件结构空间的描述坐标系</a:t>
+            </a:r>
+            <a:endParaRPr lang="en-US" altLang="zh-CN" sz="2800" dirty="0"/>
+          </a:p>
+          <a:p>
+            <a:r>
+              <a:rPr lang="zh-CN" altLang="en-US" sz="2800" dirty="0"/>
+              <a:t>通用程序语言是全局坐标系</a:t>
+            </a:r>
+            <a:endParaRPr lang="en-US" altLang="zh-CN" sz="2800" dirty="0"/>
+          </a:p>
+          <a:p>
+            <a:r>
+              <a:rPr lang="en-US" altLang="zh-CN" sz="2800" dirty="0"/>
+              <a:t>DSL</a:t>
+            </a:r>
+            <a:r>
+              <a:rPr lang="zh-CN" altLang="en-US" sz="2800" dirty="0"/>
+              <a:t>森林在不同的局部采用不同的领域结构坐标系</a:t>
+            </a:r>
+            <a:endParaRPr lang="en-US" altLang="zh-CN" sz="2800" dirty="0"/>
+          </a:p>
+        </p:txBody>
+      </p:sp>
+      <p:sp>
+        <p:nvSpPr>
+          <p:cNvPr id="6" name="文本框 5">
+            <a:extLst>
+              <a:ext uri="{FF2B5EF4-FFF2-40B4-BE49-F238E27FC236}">
+                <a16:creationId xmlns:a16="http://schemas.microsoft.com/office/drawing/2014/main" id="{A8FBF210-C231-2603-92C2-840F4E6BF386}"/>
+              </a:ext>
+            </a:extLst>
+          </p:cNvPr>
+          <p:cNvSpPr txBox="1"/>
+          <p:nvPr/>
+        </p:nvSpPr>
+        <p:spPr>
+          <a:xfrm>
+            <a:off x="1131964" y="3888648"/>
+            <a:ext cx="8034107" cy="1754326"/>
+          </a:xfrm>
+          <a:prstGeom prst="rect">
+            <a:avLst/>
+          </a:prstGeom>
+          <a:noFill/>
+        </p:spPr>
+        <p:txBody>
+          <a:bodyPr wrap="square" rtlCol="0">
+            <a:spAutoFit/>
+          </a:bodyPr>
+          <a:lstStyle/>
+          <a:p>
+            <a:pPr algn="ctr"/>
+            <a:r>
+              <a:rPr lang="en-US" altLang="zh-CN" sz="3600" dirty="0"/>
+              <a:t>DSL</a:t>
+            </a:r>
+            <a:r>
+              <a:rPr lang="zh-CN" altLang="en-US" sz="3600" dirty="0"/>
+              <a:t>是</a:t>
+            </a:r>
+            <a:r>
+              <a:rPr lang="en-US" altLang="zh-CN" sz="3600" dirty="0"/>
+              <a:t>DDD</a:t>
+            </a:r>
+            <a:r>
+              <a:rPr lang="zh-CN" altLang="en-US" sz="3600" dirty="0"/>
+              <a:t>中领域语言的最高形态</a:t>
+            </a:r>
+            <a:endParaRPr lang="en-US" altLang="zh-CN" sz="3600" dirty="0"/>
+          </a:p>
+          <a:p>
+            <a:pPr algn="ctr"/>
+            <a:r>
+              <a:rPr lang="zh-CN" altLang="en-US" sz="3600" dirty="0"/>
+              <a:t>横向</a:t>
+            </a:r>
+            <a:r>
+              <a:rPr lang="en-US" altLang="zh-CN" sz="3600" dirty="0"/>
+              <a:t>+</a:t>
+            </a:r>
+            <a:r>
+              <a:rPr lang="zh-CN" altLang="en-US" sz="3600" dirty="0"/>
+              <a:t>纵向分解很自然的产生</a:t>
+            </a:r>
+            <a:r>
+              <a:rPr lang="en-US" altLang="zh-CN" sz="3600" dirty="0"/>
+              <a:t>DSL</a:t>
+            </a:r>
+            <a:r>
+              <a:rPr lang="zh-CN" altLang="en-US" sz="3600" dirty="0"/>
+              <a:t>森林</a:t>
+            </a:r>
+            <a:endParaRPr lang="en-US" altLang="zh-CN" sz="3600" dirty="0"/>
+          </a:p>
+          <a:p>
+            <a:pPr algn="ctr"/>
+            <a:endParaRPr lang="zh-CN" altLang="en-US" sz="3600" dirty="0"/>
+          </a:p>
+        </p:txBody>
+      </p:sp>
+    </p:spTree>
+    <p:extLst>
+      <p:ext uri="{BB962C8B-B14F-4D97-AF65-F5344CB8AC3E}">
+        <p14:creationId xmlns:p14="http://schemas.microsoft.com/office/powerpoint/2010/main" val="70641049"/>
+      </p:ext>
+    </p:extLst>
+  </p:cSld>
+  <p:clrMapOvr>
+    <a:masterClrMapping/>
+  </p:clrMapOvr>
+</p:sld>
+</file>
+
+<file path=ppt/slides/slide15.xml><?xml version="1.0" encoding="utf-8"?>
+<p:sld xmlns:a="http://schemas.openxmlformats.org/drawingml/2006/main" xmlns:r="http://schemas.openxmlformats.org/officeDocument/2006/relationships" xmlns:p="http://schemas.openxmlformats.org/presentationml/2006/main">
+  <p:cSld>
+    <p:spTree>
+      <p:nvGrpSpPr>
+        <p:cNvPr id="1" name="">
+          <a:extLst>
+            <a:ext uri="{FF2B5EF4-FFF2-40B4-BE49-F238E27FC236}">
+              <a16:creationId xmlns:a16="http://schemas.microsoft.com/office/drawing/2014/main" id="{73D596EB-6F2F-0AA5-EADC-54681399E5FC}"/>
+            </a:ext>
+          </a:extLst>
+        </p:cNvPr>
+        <p:cNvGrpSpPr/>
+        <p:nvPr/>
+      </p:nvGrpSpPr>
+      <p:grpSpPr>
+        <a:xfrm>
+          <a:off x="0" y="0"/>
+          <a:ext cx="0" cy="0"/>
+          <a:chOff x="0" y="0"/>
+          <a:chExt cx="0" cy="0"/>
+        </a:xfrm>
+      </p:grpSpPr>
+      <p:sp>
+        <p:nvSpPr>
+          <p:cNvPr id="49" name="文本框 48">
+            <a:extLst>
+              <a:ext uri="{FF2B5EF4-FFF2-40B4-BE49-F238E27FC236}">
+                <a16:creationId xmlns:a16="http://schemas.microsoft.com/office/drawing/2014/main" id="{0D68D1F0-F557-179C-279A-DA673AD929A8}"/>
+              </a:ext>
+            </a:extLst>
+          </p:cNvPr>
+          <p:cNvSpPr txBox="1"/>
+          <p:nvPr/>
+        </p:nvSpPr>
+        <p:spPr>
+          <a:xfrm>
+            <a:off x="434689" y="267393"/>
+            <a:ext cx="2380430" cy="523220"/>
+          </a:xfrm>
+          <a:prstGeom prst="rect">
+            <a:avLst/>
+          </a:prstGeom>
+          <a:noFill/>
+        </p:spPr>
+        <p:txBody>
+          <a:bodyPr wrap="square" rtlCol="0">
+            <a:spAutoFit/>
+          </a:bodyPr>
+          <a:lstStyle/>
+          <a:p>
+            <a:r>
+              <a:rPr lang="en-US" altLang="zh-CN" sz="2800" b="1" dirty="0"/>
+              <a:t>DSL</a:t>
+            </a:r>
+            <a:r>
+              <a:rPr lang="zh-CN" altLang="en-US" sz="2800" b="1" dirty="0"/>
+              <a:t>扩展</a:t>
+            </a:r>
+          </a:p>
+        </p:txBody>
+      </p:sp>
+      <p:sp>
+        <p:nvSpPr>
+          <p:cNvPr id="3" name="文本框 2">
+            <a:extLst>
+              <a:ext uri="{FF2B5EF4-FFF2-40B4-BE49-F238E27FC236}">
+                <a16:creationId xmlns:a16="http://schemas.microsoft.com/office/drawing/2014/main" id="{9EEE3978-706F-A45F-66F6-8E5D13B3B7FA}"/>
+              </a:ext>
+            </a:extLst>
+          </p:cNvPr>
+          <p:cNvSpPr txBox="1"/>
+          <p:nvPr/>
+        </p:nvSpPr>
+        <p:spPr>
+          <a:xfrm>
+            <a:off x="819808" y="1658532"/>
+            <a:ext cx="10083624" cy="523220"/>
+          </a:xfrm>
+          <a:prstGeom prst="rect">
+            <a:avLst/>
+          </a:prstGeom>
+          <a:noFill/>
+        </p:spPr>
+        <p:txBody>
+          <a:bodyPr wrap="square" rtlCol="0">
+            <a:spAutoFit/>
+          </a:bodyPr>
+          <a:lstStyle/>
+          <a:p>
+            <a:pPr algn="ctr"/>
+            <a:r>
+              <a:rPr lang="en-US" altLang="zh-CN" sz="2800" dirty="0" err="1"/>
+              <a:t>TaskFlow</a:t>
+            </a:r>
+            <a:r>
+              <a:rPr lang="en-US" altLang="zh-CN" sz="2800" dirty="0"/>
+              <a:t> = TaskFlow0 + G&lt;</a:t>
+            </a:r>
+            <a:r>
+              <a:rPr lang="en-US" altLang="zh-CN" sz="2800" dirty="0" err="1"/>
+              <a:t>BatchTask</a:t>
+            </a:r>
+            <a:r>
+              <a:rPr lang="en-US" altLang="zh-CN" sz="2800" dirty="0"/>
+              <a:t>&gt; +G&lt;</a:t>
+            </a:r>
+            <a:r>
+              <a:rPr lang="en-US" altLang="zh-CN" sz="2800" dirty="0" err="1"/>
+              <a:t>RecordModel</a:t>
+            </a:r>
+            <a:r>
+              <a:rPr lang="en-US" altLang="zh-CN" sz="2800" dirty="0"/>
+              <a:t>&gt;</a:t>
+            </a:r>
+          </a:p>
+        </p:txBody>
+      </p:sp>
+      <p:sp>
+        <p:nvSpPr>
+          <p:cNvPr id="6" name="文本框 5">
+            <a:extLst>
+              <a:ext uri="{FF2B5EF4-FFF2-40B4-BE49-F238E27FC236}">
+                <a16:creationId xmlns:a16="http://schemas.microsoft.com/office/drawing/2014/main" id="{24B167ED-34DF-C8B6-F5FE-D938DB40FD68}"/>
+              </a:ext>
+            </a:extLst>
+          </p:cNvPr>
+          <p:cNvSpPr txBox="1"/>
+          <p:nvPr/>
+        </p:nvSpPr>
+        <p:spPr>
+          <a:xfrm>
+            <a:off x="1358987" y="3131903"/>
+            <a:ext cx="9172379" cy="1754326"/>
+          </a:xfrm>
+          <a:prstGeom prst="rect">
+            <a:avLst/>
+          </a:prstGeom>
+          <a:noFill/>
+        </p:spPr>
+        <p:txBody>
+          <a:bodyPr wrap="square" rtlCol="0">
+            <a:spAutoFit/>
+          </a:bodyPr>
+          <a:lstStyle/>
+          <a:p>
+            <a:pPr algn="ctr"/>
+            <a:r>
+              <a:rPr lang="zh-CN" altLang="en-US" sz="3600" dirty="0"/>
+              <a:t>无需针对任何</a:t>
+            </a:r>
+            <a:r>
+              <a:rPr lang="en-US" altLang="zh-CN" sz="3600" dirty="0"/>
+              <a:t>XDSL</a:t>
+            </a:r>
+            <a:r>
+              <a:rPr lang="zh-CN" altLang="en-US" sz="3600" dirty="0"/>
+              <a:t>设计扩展机制</a:t>
+            </a:r>
+            <a:endParaRPr lang="en-US" altLang="zh-CN" sz="3600" dirty="0"/>
+          </a:p>
+          <a:p>
+            <a:pPr algn="ctr"/>
+            <a:r>
+              <a:rPr lang="en-US" altLang="zh-CN" sz="3600" dirty="0"/>
+              <a:t>XDSL</a:t>
+            </a:r>
+            <a:r>
+              <a:rPr lang="zh-CN" altLang="en-US" sz="3600" dirty="0"/>
+              <a:t>可以通过元编程实现无缝嵌入</a:t>
+            </a:r>
+            <a:endParaRPr lang="en-US" altLang="zh-CN" sz="3600" dirty="0"/>
+          </a:p>
+          <a:p>
+            <a:pPr algn="ctr"/>
+            <a:r>
+              <a:rPr lang="zh-CN" altLang="en-US" sz="3600" dirty="0"/>
+              <a:t>统一元模型</a:t>
+            </a:r>
+            <a:endParaRPr lang="en-US" altLang="zh-CN" sz="3600" dirty="0"/>
+          </a:p>
+        </p:txBody>
+      </p:sp>
+    </p:spTree>
+    <p:extLst>
+      <p:ext uri="{BB962C8B-B14F-4D97-AF65-F5344CB8AC3E}">
+        <p14:creationId xmlns:p14="http://schemas.microsoft.com/office/powerpoint/2010/main" val="3394564939"/>
+      </p:ext>
+    </p:extLst>
+  </p:cSld>
+  <p:clrMapOvr>
+    <a:masterClrMapping/>
+  </p:clrMapOvr>
+</p:sld>
+</file>
+
+<file path=ppt/slides/slide16.xml><?xml version="1.0" encoding="utf-8"?>
+<p:sld xmlns:a="http://schemas.openxmlformats.org/drawingml/2006/main" xmlns:r="http://schemas.openxmlformats.org/officeDocument/2006/relationships" xmlns:p="http://schemas.openxmlformats.org/presentationml/2006/main">
+  <p:cSld>
+    <p:spTree>
+      <p:nvGrpSpPr>
+        <p:cNvPr id="1" name="">
+          <a:extLst>
+            <a:ext uri="{FF2B5EF4-FFF2-40B4-BE49-F238E27FC236}">
               <a16:creationId xmlns:a16="http://schemas.microsoft.com/office/drawing/2014/main" id="{8B6B784D-64F9-9FC6-6478-B3BDB01F95E5}"/>
             </a:ext>
           </a:extLst>
@@ -3637,7 +4804,206 @@
 </p:sld>
 </file>
 
-<file path=ppt/slides/slide11.xml><?xml version="1.0" encoding="utf-8"?>
+<file path=ppt/slides/slide17.xml><?xml version="1.0" encoding="utf-8"?>
+<p:sld xmlns:a="http://schemas.openxmlformats.org/drawingml/2006/main" xmlns:r="http://schemas.openxmlformats.org/officeDocument/2006/relationships" xmlns:p="http://schemas.openxmlformats.org/presentationml/2006/main">
+  <p:cSld>
+    <p:spTree>
+      <p:nvGrpSpPr>
+        <p:cNvPr id="1" name="">
+          <a:extLst>
+            <a:ext uri="{FF2B5EF4-FFF2-40B4-BE49-F238E27FC236}">
+              <a16:creationId xmlns:a16="http://schemas.microsoft.com/office/drawing/2014/main" id="{1E8056B9-2174-E9E7-2716-980749CD4C32}"/>
+            </a:ext>
+          </a:extLst>
+        </p:cNvPr>
+        <p:cNvGrpSpPr/>
+        <p:nvPr/>
+      </p:nvGrpSpPr>
+      <p:grpSpPr>
+        <a:xfrm>
+          <a:off x="0" y="0"/>
+          <a:ext cx="0" cy="0"/>
+          <a:chOff x="0" y="0"/>
+          <a:chExt cx="0" cy="0"/>
+        </a:xfrm>
+      </p:grpSpPr>
+      <p:sp>
+        <p:nvSpPr>
+          <p:cNvPr id="49" name="文本框 48">
+            <a:extLst>
+              <a:ext uri="{FF2B5EF4-FFF2-40B4-BE49-F238E27FC236}">
+                <a16:creationId xmlns:a16="http://schemas.microsoft.com/office/drawing/2014/main" id="{7941B9C7-9907-23AC-9ACC-65D19F49BB84}"/>
+              </a:ext>
+            </a:extLst>
+          </p:cNvPr>
+          <p:cNvSpPr txBox="1"/>
+          <p:nvPr/>
+        </p:nvSpPr>
+        <p:spPr>
+          <a:xfrm>
+            <a:off x="434689" y="267393"/>
+            <a:ext cx="3557140" cy="523220"/>
+          </a:xfrm>
+          <a:prstGeom prst="rect">
+            <a:avLst/>
+          </a:prstGeom>
+          <a:noFill/>
+        </p:spPr>
+        <p:txBody>
+          <a:bodyPr wrap="square" rtlCol="0">
+            <a:spAutoFit/>
+          </a:bodyPr>
+          <a:lstStyle/>
+          <a:p>
+            <a:r>
+              <a:rPr lang="zh-CN" altLang="en-US" sz="2800" b="1" dirty="0"/>
+              <a:t>差量化编辑</a:t>
+            </a:r>
+          </a:p>
+        </p:txBody>
+      </p:sp>
+      <p:sp>
+        <p:nvSpPr>
+          <p:cNvPr id="6" name="文本框 5">
+            <a:extLst>
+              <a:ext uri="{FF2B5EF4-FFF2-40B4-BE49-F238E27FC236}">
+                <a16:creationId xmlns:a16="http://schemas.microsoft.com/office/drawing/2014/main" id="{21C57F9F-5326-38FE-8DEA-BA226F534187}"/>
+              </a:ext>
+            </a:extLst>
+          </p:cNvPr>
+          <p:cNvSpPr txBox="1"/>
+          <p:nvPr/>
+        </p:nvSpPr>
+        <p:spPr>
+          <a:xfrm>
+            <a:off x="770407" y="3170445"/>
+            <a:ext cx="9672671" cy="1200329"/>
+          </a:xfrm>
+          <a:prstGeom prst="rect">
+            <a:avLst/>
+          </a:prstGeom>
+          <a:noFill/>
+        </p:spPr>
+        <p:txBody>
+          <a:bodyPr wrap="square" rtlCol="0">
+            <a:spAutoFit/>
+          </a:bodyPr>
+          <a:lstStyle/>
+          <a:p>
+            <a:pPr algn="ctr"/>
+            <a:r>
+              <a:rPr lang="zh-CN" altLang="en-US" sz="3600" dirty="0"/>
+              <a:t>可视化编辑可以执行全量编辑</a:t>
+            </a:r>
+            <a:endParaRPr lang="en-US" altLang="zh-CN" sz="3600" dirty="0"/>
+          </a:p>
+          <a:p>
+            <a:pPr algn="ctr"/>
+            <a:r>
+              <a:rPr lang="zh-CN" altLang="en-US" sz="3600" dirty="0"/>
+              <a:t>自动计算差量变更并单独保存</a:t>
+            </a:r>
+            <a:endParaRPr lang="en-US" altLang="zh-CN" sz="3600" dirty="0"/>
+          </a:p>
+        </p:txBody>
+      </p:sp>
+      <p:sp>
+        <p:nvSpPr>
+          <p:cNvPr id="5" name="文本框 4">
+            <a:extLst>
+              <a:ext uri="{FF2B5EF4-FFF2-40B4-BE49-F238E27FC236}">
+                <a16:creationId xmlns:a16="http://schemas.microsoft.com/office/drawing/2014/main" id="{F8058F2F-2100-4E4B-539A-3DC84DAD8AC1}"/>
+              </a:ext>
+            </a:extLst>
+          </p:cNvPr>
+          <p:cNvSpPr txBox="1"/>
+          <p:nvPr/>
+        </p:nvSpPr>
+        <p:spPr>
+          <a:xfrm>
+            <a:off x="239636" y="979798"/>
+            <a:ext cx="11761076" cy="1077218"/>
+          </a:xfrm>
+          <a:prstGeom prst="rect">
+            <a:avLst/>
+          </a:prstGeom>
+          <a:noFill/>
+        </p:spPr>
+        <p:txBody>
+          <a:bodyPr wrap="square" rtlCol="0">
+            <a:spAutoFit/>
+          </a:bodyPr>
+          <a:lstStyle/>
+          <a:p>
+            <a:pPr algn="ctr"/>
+            <a:r>
+              <a:rPr lang="en-US" altLang="zh-CN" sz="3200" dirty="0" err="1"/>
+              <a:t>PageInEditor</a:t>
+            </a:r>
+            <a:r>
+              <a:rPr lang="en-US" altLang="zh-CN" sz="3200" dirty="0"/>
+              <a:t> = </a:t>
+            </a:r>
+            <a:r>
+              <a:rPr lang="en-US" altLang="zh-CN" sz="3200" dirty="0" err="1"/>
+              <a:t>DeltaPage</a:t>
+            </a:r>
+            <a:r>
+              <a:rPr lang="en-US" altLang="zh-CN" sz="3200" dirty="0"/>
+              <a:t> x-extends Generator&lt;</a:t>
+            </a:r>
+            <a:r>
+              <a:rPr lang="en-US" altLang="zh-CN" sz="3200" dirty="0" err="1"/>
+              <a:t>ViewModel</a:t>
+            </a:r>
+            <a:r>
+              <a:rPr lang="en-US" altLang="zh-CN" sz="3200" dirty="0"/>
+              <a:t>&gt;</a:t>
+            </a:r>
+          </a:p>
+          <a:p>
+            <a:pPr algn="ctr"/>
+            <a:r>
+              <a:rPr lang="en-US" altLang="zh-CN" sz="3200" dirty="0" err="1"/>
+              <a:t>DeltaPage</a:t>
+            </a:r>
+            <a:r>
+              <a:rPr lang="en-US" altLang="zh-CN" sz="3200" dirty="0"/>
+              <a:t> = </a:t>
+            </a:r>
+            <a:r>
+              <a:rPr lang="en-US" altLang="zh-CN" sz="3200" dirty="0" err="1"/>
+              <a:t>PageInEditor</a:t>
+            </a:r>
+            <a:r>
+              <a:rPr lang="en-US" altLang="zh-CN" sz="3200" dirty="0"/>
+              <a:t> x-diff Generator&lt;</a:t>
+            </a:r>
+            <a:r>
+              <a:rPr lang="en-US" altLang="zh-CN" sz="3200" dirty="0" err="1"/>
+              <a:t>ViewModel</a:t>
+            </a:r>
+            <a:r>
+              <a:rPr lang="en-US" altLang="zh-CN" sz="3200" dirty="0"/>
+              <a:t>&gt;</a:t>
+            </a:r>
+          </a:p>
+        </p:txBody>
+      </p:sp>
+    </p:spTree>
+    <p:extLst>
+      <p:ext uri="{BB962C8B-B14F-4D97-AF65-F5344CB8AC3E}">
+        <p14:creationId xmlns:p14="http://schemas.microsoft.com/office/powerpoint/2010/main" val="1105445930"/>
+      </p:ext>
+    </p:extLst>
+  </p:cSld>
+  <p:clrMapOvr>
+    <a:masterClrMapping/>
+  </p:clrMapOvr>
+</p:sld>
+</file>
+
+<file path=ppt/slides/slide18.xml><?xml version="1.0" encoding="utf-8"?>
 <p:sld xmlns:a="http://schemas.openxmlformats.org/drawingml/2006/main" xmlns:r="http://schemas.openxmlformats.org/officeDocument/2006/relationships" xmlns:p="http://schemas.openxmlformats.org/presentationml/2006/main">
   <p:cSld>
     <p:spTree>
@@ -3834,7 +5200,7 @@
 </p:sld>
 </file>
 
-<file path=ppt/slides/slide12.xml><?xml version="1.0" encoding="utf-8"?>
+<file path=ppt/slides/slide19.xml><?xml version="1.0" encoding="utf-8"?>
 <p:sld xmlns:a="http://schemas.openxmlformats.org/drawingml/2006/main" xmlns:r="http://schemas.openxmlformats.org/officeDocument/2006/relationships" xmlns:p="http://schemas.openxmlformats.org/presentationml/2006/main">
   <p:cSld>
     <p:spTree>
@@ -4096,7 +5462,457 @@
 </p:sld>
 </file>
 
-<file path=ppt/slides/slide13.xml><?xml version="1.0" encoding="utf-8"?>
+<file path=ppt/slides/slide2.xml><?xml version="1.0" encoding="utf-8"?>
+<p:sld xmlns:a="http://schemas.openxmlformats.org/drawingml/2006/main" xmlns:r="http://schemas.openxmlformats.org/officeDocument/2006/relationships" xmlns:p="http://schemas.openxmlformats.org/presentationml/2006/main">
+  <p:cSld>
+    <p:spTree>
+      <p:nvGrpSpPr>
+        <p:cNvPr id="1" name="">
+          <a:extLst>
+            <a:ext uri="{FF2B5EF4-FFF2-40B4-BE49-F238E27FC236}">
+              <a16:creationId xmlns:a16="http://schemas.microsoft.com/office/drawing/2014/main" id="{A06C4391-B621-F9A0-5FCF-E6CDFDE59F42}"/>
+            </a:ext>
+          </a:extLst>
+        </p:cNvPr>
+        <p:cNvGrpSpPr/>
+        <p:nvPr/>
+      </p:nvGrpSpPr>
+      <p:grpSpPr>
+        <a:xfrm>
+          <a:off x="0" y="0"/>
+          <a:ext cx="0" cy="0"/>
+          <a:chOff x="0" y="0"/>
+          <a:chExt cx="0" cy="0"/>
+        </a:xfrm>
+      </p:grpSpPr>
+      <p:sp>
+        <p:nvSpPr>
+          <p:cNvPr id="49" name="文本框 48">
+            <a:extLst>
+              <a:ext uri="{FF2B5EF4-FFF2-40B4-BE49-F238E27FC236}">
+                <a16:creationId xmlns:a16="http://schemas.microsoft.com/office/drawing/2014/main" id="{FCCFA090-07AF-74B8-33CF-E33873817493}"/>
+              </a:ext>
+            </a:extLst>
+          </p:cNvPr>
+          <p:cNvSpPr txBox="1"/>
+          <p:nvPr/>
+        </p:nvSpPr>
+        <p:spPr>
+          <a:xfrm>
+            <a:off x="434688" y="267393"/>
+            <a:ext cx="4591359" cy="523220"/>
+          </a:xfrm>
+          <a:prstGeom prst="rect">
+            <a:avLst/>
+          </a:prstGeom>
+          <a:noFill/>
+        </p:spPr>
+        <p:txBody>
+          <a:bodyPr wrap="square" rtlCol="0">
+            <a:spAutoFit/>
+          </a:bodyPr>
+          <a:lstStyle/>
+          <a:p>
+            <a:pPr marL="0" marR="0" lvl="0" indent="0" algn="l" defTabSz="914400" rtl="0" eaLnBrk="1" fontAlgn="auto" latinLnBrk="0" hangingPunct="1">
+              <a:lnSpc>
+                <a:spcPct val="100000"/>
+              </a:lnSpc>
+              <a:spcBef>
+                <a:spcPts val="0"/>
+              </a:spcBef>
+              <a:spcAft>
+                <a:spcPts val="0"/>
+              </a:spcAft>
+              <a:buClrTx/>
+              <a:buSzTx/>
+              <a:buFontTx/>
+              <a:buNone/>
+              <a:tabLst/>
+              <a:defRPr/>
+            </a:pPr>
+            <a:r>
+              <a:rPr kumimoji="0" lang="zh-CN" altLang="en-US" sz="2800" b="1" i="0" u="none" strike="noStrike" kern="1200" cap="none" spc="0" normalizeH="0" baseline="0" noProof="0" dirty="0">
+                <a:ln>
+                  <a:noFill/>
+                </a:ln>
+                <a:solidFill>
+                  <a:prstClr val="black"/>
+                </a:solidFill>
+                <a:effectLst/>
+                <a:uLnTx/>
+                <a:uFillTx/>
+                <a:latin typeface="等线" panose="020F0502020204030204"/>
+                <a:ea typeface="等线" panose="02010600030101010101" pitchFamily="2" charset="-122"/>
+                <a:cs typeface="+mn-cs"/>
+              </a:rPr>
+              <a:t>图灵完备的第三条技术路线</a:t>
+            </a:r>
+          </a:p>
+        </p:txBody>
+      </p:sp>
+      <p:sp>
+        <p:nvSpPr>
+          <p:cNvPr id="2" name="文本框 1">
+            <a:extLst>
+              <a:ext uri="{FF2B5EF4-FFF2-40B4-BE49-F238E27FC236}">
+                <a16:creationId xmlns:a16="http://schemas.microsoft.com/office/drawing/2014/main" id="{123AE87D-C3A1-2EF7-09D9-800E153C6DAD}"/>
+              </a:ext>
+            </a:extLst>
+          </p:cNvPr>
+          <p:cNvSpPr txBox="1"/>
+          <p:nvPr/>
+        </p:nvSpPr>
+        <p:spPr>
+          <a:xfrm>
+            <a:off x="1954924" y="1416723"/>
+            <a:ext cx="7699879" cy="2554545"/>
+          </a:xfrm>
+          <a:prstGeom prst="rect">
+            <a:avLst/>
+          </a:prstGeom>
+          <a:noFill/>
+        </p:spPr>
+        <p:txBody>
+          <a:bodyPr wrap="square" rtlCol="0">
+            <a:spAutoFit/>
+          </a:bodyPr>
+          <a:lstStyle/>
+          <a:p>
+            <a:r>
+              <a:rPr lang="en-US" altLang="zh-CN" sz="4000" dirty="0"/>
+              <a:t>           Y = F(X)</a:t>
+            </a:r>
+          </a:p>
+          <a:p>
+            <a:pPr algn="ctr"/>
+            <a:r>
+              <a:rPr lang="en-US" altLang="zh-CN" sz="4000" dirty="0"/>
+              <a:t>  = (F0+F1)(X0+X1)</a:t>
+            </a:r>
+          </a:p>
+          <a:p>
+            <a:pPr algn="ctr"/>
+            <a:r>
+              <a:rPr lang="en-US" altLang="zh-CN" sz="4000" dirty="0"/>
+              <a:t>= F0(X0) + Delta</a:t>
+            </a:r>
+          </a:p>
+          <a:p>
+            <a:pPr algn="ctr"/>
+            <a:r>
+              <a:rPr lang="zh-CN" altLang="en-US" sz="4000" dirty="0"/>
+              <a:t>    </a:t>
+            </a:r>
+            <a:endParaRPr lang="en-US" altLang="zh-CN" sz="4000" dirty="0"/>
+          </a:p>
+        </p:txBody>
+      </p:sp>
+      <mc:AlternateContent xmlns:mc="http://schemas.openxmlformats.org/markup-compatibility/2006" xmlns:a14="http://schemas.microsoft.com/office/drawing/2010/main">
+        <mc:Choice Requires="a14">
+          <p:sp>
+            <p:nvSpPr>
+              <p:cNvPr id="3" name="文本框 2">
+                <a:extLst>
+                  <a:ext uri="{FF2B5EF4-FFF2-40B4-BE49-F238E27FC236}">
+                    <a16:creationId xmlns:a16="http://schemas.microsoft.com/office/drawing/2014/main" id="{24E2CD5D-C17B-E1E9-59C4-0C3F645A63B3}"/>
+                  </a:ext>
+                </a:extLst>
+              </p:cNvPr>
+              <p:cNvSpPr txBox="1"/>
+              <p:nvPr/>
+            </p:nvSpPr>
+            <p:spPr>
+              <a:xfrm>
+                <a:off x="1954924" y="3826744"/>
+                <a:ext cx="7863839" cy="1938992"/>
+              </a:xfrm>
+              <a:prstGeom prst="rect">
+                <a:avLst/>
+              </a:prstGeom>
+              <a:noFill/>
+            </p:spPr>
+            <p:txBody>
+              <a:bodyPr wrap="square" rtlCol="0">
+                <a:spAutoFit/>
+              </a:bodyPr>
+              <a:lstStyle/>
+              <a:p>
+                <a:pPr algn="ctr"/>
+                <a:r>
+                  <a:rPr lang="zh-CN" altLang="en-US" sz="4000" dirty="0"/>
+                  <a:t>    图灵机：固定机器，无限数据</a:t>
+                </a:r>
+                <a:endParaRPr lang="en-US" altLang="zh-CN" sz="4000" dirty="0"/>
+              </a:p>
+              <a:p>
+                <a:pPr algn="ctr"/>
+                <a14:m>
+                  <m:oMath xmlns:m="http://schemas.openxmlformats.org/officeDocument/2006/math">
+                    <m:r>
+                      <a:rPr lang="en-US" altLang="zh-CN" sz="4000" b="0" i="1" smtClean="0">
+                        <a:latin typeface="Cambria Math" panose="02040503050406030204" pitchFamily="18" charset="0"/>
+                      </a:rPr>
+                      <m:t>       </m:t>
+                    </m:r>
+                    <m:r>
+                      <a:rPr lang="zh-CN" altLang="en-US" sz="4000" i="1" smtClean="0">
+                        <a:latin typeface="Cambria Math" panose="02040503050406030204" pitchFamily="18" charset="0"/>
+                      </a:rPr>
+                      <m:t>𝜆</m:t>
+                    </m:r>
+                    <m:r>
+                      <a:rPr lang="zh-CN" altLang="en-US" sz="4000" i="1">
+                        <a:latin typeface="Cambria Math" panose="02040503050406030204" pitchFamily="18" charset="0"/>
+                      </a:rPr>
+                      <m:t>演算</m:t>
+                    </m:r>
+                  </m:oMath>
+                </a14:m>
+                <a:r>
+                  <a:rPr lang="zh-CN" altLang="en-US" sz="4000" dirty="0"/>
+                  <a:t>：固定数据，无限机器</a:t>
+                </a:r>
+                <a:endParaRPr lang="en-US" altLang="zh-CN" sz="4000" dirty="0"/>
+              </a:p>
+              <a:p>
+                <a:pPr algn="ctr"/>
+                <a:r>
+                  <a:rPr lang="zh-CN" altLang="en-US" sz="4000" dirty="0"/>
+                  <a:t>可逆计算：有限认知，微扰展开</a:t>
+                </a:r>
+                <a:endParaRPr lang="en-US" altLang="zh-CN" sz="4000" dirty="0"/>
+              </a:p>
+            </p:txBody>
+          </p:sp>
+        </mc:Choice>
+        <mc:Fallback xmlns="">
+          <p:sp>
+            <p:nvSpPr>
+              <p:cNvPr id="3" name="文本框 2">
+                <a:extLst>
+                  <a:ext uri="{FF2B5EF4-FFF2-40B4-BE49-F238E27FC236}">
+                    <a16:creationId xmlns:a16="http://schemas.microsoft.com/office/drawing/2014/main" id="{24E2CD5D-C17B-E1E9-59C4-0C3F645A63B3}"/>
+                  </a:ext>
+                </a:extLst>
+              </p:cNvPr>
+              <p:cNvSpPr txBox="1">
+                <a:spLocks noRot="1" noChangeAspect="1" noMove="1" noResize="1" noEditPoints="1" noAdjustHandles="1" noChangeArrowheads="1" noChangeShapeType="1" noTextEdit="1"/>
+              </p:cNvSpPr>
+              <p:nvPr/>
+            </p:nvSpPr>
+            <p:spPr>
+              <a:xfrm>
+                <a:off x="1954924" y="3826744"/>
+                <a:ext cx="7863839" cy="1938992"/>
+              </a:xfrm>
+              <a:prstGeom prst="rect">
+                <a:avLst/>
+              </a:prstGeom>
+              <a:blipFill>
+                <a:blip r:embed="rId2"/>
+                <a:stretch>
+                  <a:fillRect t="-5660" b="-12579"/>
+                </a:stretch>
+              </a:blipFill>
+            </p:spPr>
+            <p:txBody>
+              <a:bodyPr/>
+              <a:lstStyle/>
+              <a:p>
+                <a:r>
+                  <a:rPr lang="zh-CN" altLang="en-US">
+                    <a:noFill/>
+                  </a:rPr>
+                  <a:t> </a:t>
+                </a:r>
+              </a:p>
+            </p:txBody>
+          </p:sp>
+        </mc:Fallback>
+      </mc:AlternateContent>
+    </p:spTree>
+    <p:extLst>
+      <p:ext uri="{BB962C8B-B14F-4D97-AF65-F5344CB8AC3E}">
+        <p14:creationId xmlns:p14="http://schemas.microsoft.com/office/powerpoint/2010/main" val="4251900169"/>
+      </p:ext>
+    </p:extLst>
+  </p:cSld>
+  <p:clrMapOvr>
+    <a:masterClrMapping/>
+  </p:clrMapOvr>
+</p:sld>
+</file>
+
+<file path=ppt/slides/slide20.xml><?xml version="1.0" encoding="utf-8"?>
+<p:sld xmlns:a="http://schemas.openxmlformats.org/drawingml/2006/main" xmlns:r="http://schemas.openxmlformats.org/officeDocument/2006/relationships" xmlns:p="http://schemas.openxmlformats.org/presentationml/2006/main">
+  <p:cSld>
+    <p:spTree>
+      <p:nvGrpSpPr>
+        <p:cNvPr id="1" name="">
+          <a:extLst>
+            <a:ext uri="{FF2B5EF4-FFF2-40B4-BE49-F238E27FC236}">
+              <a16:creationId xmlns:a16="http://schemas.microsoft.com/office/drawing/2014/main" id="{28055157-B8D2-CDBA-EA65-3754909AEC4D}"/>
+            </a:ext>
+          </a:extLst>
+        </p:cNvPr>
+        <p:cNvGrpSpPr/>
+        <p:nvPr/>
+      </p:nvGrpSpPr>
+      <p:grpSpPr>
+        <a:xfrm>
+          <a:off x="0" y="0"/>
+          <a:ext cx="0" cy="0"/>
+          <a:chOff x="0" y="0"/>
+          <a:chExt cx="0" cy="0"/>
+        </a:xfrm>
+      </p:grpSpPr>
+      <p:sp>
+        <p:nvSpPr>
+          <p:cNvPr id="49" name="文本框 48">
+            <a:extLst>
+              <a:ext uri="{FF2B5EF4-FFF2-40B4-BE49-F238E27FC236}">
+                <a16:creationId xmlns:a16="http://schemas.microsoft.com/office/drawing/2014/main" id="{339E7B26-E165-6268-08DD-3CB9CF0FA869}"/>
+              </a:ext>
+            </a:extLst>
+          </p:cNvPr>
+          <p:cNvSpPr txBox="1"/>
+          <p:nvPr/>
+        </p:nvSpPr>
+        <p:spPr>
+          <a:xfrm>
+            <a:off x="434689" y="267393"/>
+            <a:ext cx="3557140" cy="523220"/>
+          </a:xfrm>
+          <a:prstGeom prst="rect">
+            <a:avLst/>
+          </a:prstGeom>
+          <a:noFill/>
+        </p:spPr>
+        <p:txBody>
+          <a:bodyPr wrap="square" rtlCol="0">
+            <a:spAutoFit/>
+          </a:bodyPr>
+          <a:lstStyle/>
+          <a:p>
+            <a:r>
+              <a:rPr lang="zh-CN" altLang="en-US" sz="2800" b="1" dirty="0"/>
+              <a:t>沿时间线逆行</a:t>
+            </a:r>
+          </a:p>
+        </p:txBody>
+      </p:sp>
+      <p:sp>
+        <p:nvSpPr>
+          <p:cNvPr id="3" name="文本框 2">
+            <a:extLst>
+              <a:ext uri="{FF2B5EF4-FFF2-40B4-BE49-F238E27FC236}">
+                <a16:creationId xmlns:a16="http://schemas.microsoft.com/office/drawing/2014/main" id="{C5C883B5-DEE5-9872-BC7A-DDC8D12C038B}"/>
+              </a:ext>
+            </a:extLst>
+          </p:cNvPr>
+          <p:cNvSpPr txBox="1"/>
+          <p:nvPr/>
+        </p:nvSpPr>
+        <p:spPr>
+          <a:xfrm>
+            <a:off x="832419" y="1412590"/>
+            <a:ext cx="9919664" cy="523220"/>
+          </a:xfrm>
+          <a:prstGeom prst="rect">
+            <a:avLst/>
+          </a:prstGeom>
+          <a:noFill/>
+        </p:spPr>
+        <p:txBody>
+          <a:bodyPr wrap="square" rtlCol="0">
+            <a:spAutoFit/>
+          </a:bodyPr>
+          <a:lstStyle/>
+          <a:p>
+            <a:r>
+              <a:rPr lang="en-US" altLang="zh-CN" sz="2800" dirty="0"/>
+              <a:t>              App[t] = Delta[t-1] x-extends Generator[t]&lt;DSL[t]&gt;</a:t>
+            </a:r>
+          </a:p>
+        </p:txBody>
+      </p:sp>
+      <p:sp>
+        <p:nvSpPr>
+          <p:cNvPr id="6" name="文本框 5">
+            <a:extLst>
+              <a:ext uri="{FF2B5EF4-FFF2-40B4-BE49-F238E27FC236}">
+                <a16:creationId xmlns:a16="http://schemas.microsoft.com/office/drawing/2014/main" id="{5CCDF486-3B48-164B-FD42-552E98030241}"/>
+              </a:ext>
+            </a:extLst>
+          </p:cNvPr>
+          <p:cNvSpPr txBox="1"/>
+          <p:nvPr/>
+        </p:nvSpPr>
+        <p:spPr>
+          <a:xfrm>
+            <a:off x="1165072" y="2838797"/>
+            <a:ext cx="9418318" cy="1200329"/>
+          </a:xfrm>
+          <a:prstGeom prst="rect">
+            <a:avLst/>
+          </a:prstGeom>
+          <a:noFill/>
+        </p:spPr>
+        <p:txBody>
+          <a:bodyPr wrap="square" rtlCol="0">
+            <a:spAutoFit/>
+          </a:bodyPr>
+          <a:lstStyle/>
+          <a:p>
+            <a:pPr algn="ctr"/>
+            <a:r>
+              <a:rPr lang="zh-CN" altLang="en-US" sz="3600" dirty="0"/>
+              <a:t>可以在</a:t>
+            </a:r>
+            <a:r>
+              <a:rPr lang="en-US" altLang="zh-CN" sz="3600" dirty="0"/>
+              <a:t>t</a:t>
+            </a:r>
+            <a:r>
+              <a:rPr lang="zh-CN" altLang="en-US" sz="3600" dirty="0"/>
+              <a:t>时刻再确定</a:t>
+            </a:r>
+            <a:r>
+              <a:rPr lang="en-US" altLang="zh-CN" sz="3600" dirty="0"/>
+              <a:t>Generator</a:t>
+            </a:r>
+            <a:r>
+              <a:rPr lang="zh-CN" altLang="en-US" sz="3600" dirty="0"/>
+              <a:t>和</a:t>
+            </a:r>
+            <a:r>
+              <a:rPr lang="en-US" altLang="zh-CN" sz="3600" dirty="0"/>
+              <a:t>DSL</a:t>
+            </a:r>
+          </a:p>
+          <a:p>
+            <a:pPr algn="ctr"/>
+            <a:r>
+              <a:rPr lang="zh-CN" altLang="en-US" sz="3600" dirty="0"/>
+              <a:t>基类的变化独立于派生类</a:t>
+            </a:r>
+          </a:p>
+        </p:txBody>
+      </p:sp>
+    </p:spTree>
+    <p:extLst>
+      <p:ext uri="{BB962C8B-B14F-4D97-AF65-F5344CB8AC3E}">
+        <p14:creationId xmlns:p14="http://schemas.microsoft.com/office/powerpoint/2010/main" val="636794130"/>
+      </p:ext>
+    </p:extLst>
+  </p:cSld>
+  <p:clrMapOvr>
+    <a:masterClrMapping/>
+  </p:clrMapOvr>
+</p:sld>
+</file>
+
+<file path=ppt/slides/slide21.xml><?xml version="1.0" encoding="utf-8"?>
 <p:sld xmlns:a="http://schemas.openxmlformats.org/drawingml/2006/main" xmlns:r="http://schemas.openxmlformats.org/officeDocument/2006/relationships" xmlns:p="http://schemas.openxmlformats.org/presentationml/2006/main">
   <p:cSld>
     <p:spTree>
@@ -4154,8 +5970,8 @@
           </a:p>
         </p:txBody>
       </p:sp>
-      <mc:AlternateContent xmlns:mc="http://schemas.openxmlformats.org/markup-compatibility/2006">
-        <mc:Choice xmlns:a14="http://schemas.microsoft.com/office/drawing/2010/main" Requires="a14">
+      <mc:AlternateContent xmlns:mc="http://schemas.openxmlformats.org/markup-compatibility/2006" xmlns:a14="http://schemas.microsoft.com/office/drawing/2010/main">
+        <mc:Choice Requires="a14">
           <p:sp>
             <p:nvSpPr>
               <p:cNvPr id="3" name="文本框 2">
@@ -4184,6 +6000,7 @@
               </a:bodyPr>
               <a:lstStyle/>
               <a:p>
+                <a:pPr/>
                 <a14:m>
                   <m:oMathPara xmlns:m="http://schemas.openxmlformats.org/officeDocument/2006/math">
                     <m:oMathParaPr>
@@ -4582,6 +6399,7 @@
                 </a:endParaRPr>
               </a:p>
               <a:p>
+                <a:pPr/>
                 <a14:m>
                   <m:oMathPara xmlns:m="http://schemas.openxmlformats.org/officeDocument/2006/math">
                     <m:oMathParaPr>
@@ -4650,7 +6468,16 @@
                             <a:rPr lang="en-US" altLang="zh-CN" sz="2800" i="1">
                               <a:latin typeface="Cambria Math" panose="02040503050406030204" pitchFamily="18" charset="0"/>
                             </a:rPr>
-                            <m:t>ij</m:t>
+                            <m:t>i</m:t>
+                          </m:r>
+                          <m:r>
+                            <m:rPr>
+                              <m:sty m:val="p"/>
+                            </m:rPr>
+                            <a:rPr lang="en-US" altLang="zh-CN" sz="2800" i="1">
+                              <a:latin typeface="Cambria Math" panose="02040503050406030204" pitchFamily="18" charset="0"/>
+                            </a:rPr>
+                            <m:t>j</m:t>
                           </m:r>
                         </m:sub>
                         <m:sup/>
@@ -4792,6 +6619,7 @@
                 <a:endParaRPr lang="en-US" altLang="zh-CN" sz="2800" dirty="0"/>
               </a:p>
               <a:p>
+                <a:pPr/>
                 <a14:m>
                   <m:oMathPara xmlns:m="http://schemas.openxmlformats.org/officeDocument/2006/math">
                     <m:oMathParaPr>
@@ -4869,7 +6697,7 @@
             </p:txBody>
           </p:sp>
         </mc:Choice>
-        <mc:Fallback>
+        <mc:Fallback xmlns="">
           <p:sp>
             <p:nvSpPr>
               <p:cNvPr id="3" name="文本框 2">
@@ -4945,7 +6773,7 @@
             <a:pPr algn="ctr"/>
             <a:r>
               <a:rPr lang="zh-CN" altLang="en-US" sz="3600" dirty="0"/>
-              <a:t>框架的作用类似张量积上的线性运算</a:t>
+              <a:t>框架的作用类似于张量积上的线性运算</a:t>
             </a:r>
           </a:p>
         </p:txBody>
@@ -4963,7 +6791,1768 @@
 </p:sld>
 </file>
 
-<file path=ppt/slides/slide2.xml><?xml version="1.0" encoding="utf-8"?>
+<file path=ppt/slides/slide22.xml><?xml version="1.0" encoding="utf-8"?>
+<p:sld xmlns:a="http://schemas.openxmlformats.org/drawingml/2006/main" xmlns:r="http://schemas.openxmlformats.org/officeDocument/2006/relationships" xmlns:p="http://schemas.openxmlformats.org/presentationml/2006/main">
+  <p:cSld>
+    <p:spTree>
+      <p:nvGrpSpPr>
+        <p:cNvPr id="1" name="">
+          <a:extLst>
+            <a:ext uri="{FF2B5EF4-FFF2-40B4-BE49-F238E27FC236}">
+              <a16:creationId xmlns:a16="http://schemas.microsoft.com/office/drawing/2014/main" id="{48D29302-1AD0-C9FE-543C-8AF9367676CB}"/>
+            </a:ext>
+          </a:extLst>
+        </p:cNvPr>
+        <p:cNvGrpSpPr/>
+        <p:nvPr/>
+      </p:nvGrpSpPr>
+      <p:grpSpPr>
+        <a:xfrm>
+          <a:off x="0" y="0"/>
+          <a:ext cx="0" cy="0"/>
+          <a:chOff x="0" y="0"/>
+          <a:chExt cx="0" cy="0"/>
+        </a:xfrm>
+      </p:grpSpPr>
+      <p:sp>
+        <p:nvSpPr>
+          <p:cNvPr id="49" name="文本框 48">
+            <a:extLst>
+              <a:ext uri="{FF2B5EF4-FFF2-40B4-BE49-F238E27FC236}">
+                <a16:creationId xmlns:a16="http://schemas.microsoft.com/office/drawing/2014/main" id="{F4F0DD3B-5CCF-7D26-34A7-6CA94D20B253}"/>
+              </a:ext>
+            </a:extLst>
+          </p:cNvPr>
+          <p:cNvSpPr txBox="1"/>
+          <p:nvPr/>
+        </p:nvSpPr>
+        <p:spPr>
+          <a:xfrm>
+            <a:off x="434689" y="267393"/>
+            <a:ext cx="3557140" cy="523220"/>
+          </a:xfrm>
+          <a:prstGeom prst="rect">
+            <a:avLst/>
+          </a:prstGeom>
+          <a:noFill/>
+        </p:spPr>
+        <p:txBody>
+          <a:bodyPr wrap="square" rtlCol="0">
+            <a:spAutoFit/>
+          </a:bodyPr>
+          <a:lstStyle/>
+          <a:p>
+            <a:r>
+              <a:rPr lang="zh-CN" altLang="en-US" sz="2800" b="1" dirty="0"/>
+              <a:t>对偶设计</a:t>
+            </a:r>
+          </a:p>
+        </p:txBody>
+      </p:sp>
+      <p:sp>
+        <p:nvSpPr>
+          <p:cNvPr id="3" name="文本框 2">
+            <a:extLst>
+              <a:ext uri="{FF2B5EF4-FFF2-40B4-BE49-F238E27FC236}">
+                <a16:creationId xmlns:a16="http://schemas.microsoft.com/office/drawing/2014/main" id="{6E40C094-A575-F9A9-CB54-5968C7C99FC6}"/>
+              </a:ext>
+            </a:extLst>
+          </p:cNvPr>
+          <p:cNvSpPr txBox="1"/>
+          <p:nvPr/>
+        </p:nvSpPr>
+        <p:spPr>
+          <a:xfrm>
+            <a:off x="365760" y="1008994"/>
+            <a:ext cx="11111537" cy="1384995"/>
+          </a:xfrm>
+          <a:prstGeom prst="rect">
+            <a:avLst/>
+          </a:prstGeom>
+          <a:noFill/>
+        </p:spPr>
+        <p:txBody>
+          <a:bodyPr wrap="square" rtlCol="0">
+            <a:spAutoFit/>
+          </a:bodyPr>
+          <a:lstStyle/>
+          <a:p>
+            <a:pPr algn="ctr"/>
+            <a:r>
+              <a:rPr lang="en-US" altLang="zh-CN" sz="2800" dirty="0"/>
+              <a:t>F(A) ~ B,   A ~ G(B)</a:t>
+            </a:r>
+          </a:p>
+          <a:p>
+            <a:pPr algn="ctr"/>
+            <a:r>
+              <a:rPr lang="en-US" altLang="zh-CN" sz="2800" dirty="0"/>
+              <a:t>F(</a:t>
+            </a:r>
+            <a:r>
+              <a:rPr lang="en-US" altLang="zh-CN" sz="2800" dirty="0" err="1"/>
+              <a:t>A+dA</a:t>
+            </a:r>
+            <a:r>
+              <a:rPr lang="en-US" altLang="zh-CN" sz="2800" dirty="0"/>
+              <a:t>) = B + dB,  A + </a:t>
+            </a:r>
+            <a:r>
+              <a:rPr lang="en-US" altLang="zh-CN" sz="2800" dirty="0" err="1"/>
+              <a:t>dA</a:t>
+            </a:r>
+            <a:r>
+              <a:rPr lang="en-US" altLang="zh-CN" sz="2800" dirty="0"/>
+              <a:t> = G(B + dB)</a:t>
+            </a:r>
+          </a:p>
+          <a:p>
+            <a:pPr algn="ctr"/>
+            <a:r>
+              <a:rPr lang="en-US" altLang="zh-CN" sz="2800" dirty="0"/>
+              <a:t>JSON + Meta =&gt; Entity, Entity + Meta =&gt; JSON</a:t>
+            </a:r>
+          </a:p>
+        </p:txBody>
+      </p:sp>
+      <p:sp>
+        <p:nvSpPr>
+          <p:cNvPr id="6" name="文本框 5">
+            <a:extLst>
+              <a:ext uri="{FF2B5EF4-FFF2-40B4-BE49-F238E27FC236}">
+                <a16:creationId xmlns:a16="http://schemas.microsoft.com/office/drawing/2014/main" id="{EACD1A48-4D76-3936-E66C-D35F8E3E183D}"/>
+              </a:ext>
+            </a:extLst>
+          </p:cNvPr>
+          <p:cNvSpPr txBox="1"/>
+          <p:nvPr/>
+        </p:nvSpPr>
+        <p:spPr>
+          <a:xfrm>
+            <a:off x="1646971" y="2951305"/>
+            <a:ext cx="8898058" cy="2308324"/>
+          </a:xfrm>
+          <a:prstGeom prst="rect">
+            <a:avLst/>
+          </a:prstGeom>
+          <a:noFill/>
+        </p:spPr>
+        <p:txBody>
+          <a:bodyPr wrap="square" rtlCol="0">
+            <a:spAutoFit/>
+          </a:bodyPr>
+          <a:lstStyle/>
+          <a:p>
+            <a:pPr algn="ctr"/>
+            <a:r>
+              <a:rPr lang="zh-CN" altLang="en-US" sz="3600" dirty="0"/>
+              <a:t>信息守恒</a:t>
+            </a:r>
+            <a:endParaRPr lang="en-US" altLang="zh-CN" sz="3600" dirty="0"/>
+          </a:p>
+          <a:p>
+            <a:pPr algn="ctr"/>
+            <a:r>
+              <a:rPr lang="zh-CN" altLang="en-US" sz="3600" dirty="0"/>
+              <a:t>永远采用</a:t>
+            </a:r>
+            <a:r>
+              <a:rPr lang="en-US" altLang="zh-CN" sz="3600" dirty="0"/>
+              <a:t>data + metadata</a:t>
+            </a:r>
+            <a:r>
+              <a:rPr lang="zh-CN" altLang="en-US" sz="3600" dirty="0"/>
+              <a:t>的配对设计</a:t>
+            </a:r>
+            <a:endParaRPr lang="en-US" altLang="zh-CN" sz="3600" dirty="0"/>
+          </a:p>
+          <a:p>
+            <a:pPr algn="ctr"/>
+            <a:r>
+              <a:rPr lang="en-US" altLang="zh-CN" sz="3600" dirty="0"/>
+              <a:t>Delta</a:t>
+            </a:r>
+            <a:r>
+              <a:rPr lang="zh-CN" altLang="en-US" sz="3600" dirty="0"/>
+              <a:t>扩展信息可以作为</a:t>
+            </a:r>
+            <a:r>
+              <a:rPr lang="en-US" altLang="zh-CN" sz="3600" dirty="0"/>
+              <a:t>metadata</a:t>
+            </a:r>
+            <a:r>
+              <a:rPr lang="zh-CN" altLang="en-US" sz="3600" dirty="0"/>
+              <a:t>保存</a:t>
+            </a:r>
+            <a:endParaRPr lang="en-US" altLang="zh-CN" sz="3600" dirty="0"/>
+          </a:p>
+          <a:p>
+            <a:pPr algn="ctr"/>
+            <a:r>
+              <a:rPr lang="zh-CN" altLang="en-US" sz="3600" dirty="0"/>
+              <a:t>通过补充</a:t>
+            </a:r>
+            <a:r>
+              <a:rPr lang="en-US" altLang="zh-CN" sz="3600" dirty="0"/>
+              <a:t>Delta</a:t>
+            </a:r>
+            <a:r>
+              <a:rPr lang="zh-CN" altLang="en-US" sz="3600" dirty="0"/>
+              <a:t>信息实现双向可逆转换</a:t>
+            </a:r>
+            <a:endParaRPr lang="en-US" altLang="zh-CN" sz="3600" dirty="0"/>
+          </a:p>
+        </p:txBody>
+      </p:sp>
+    </p:spTree>
+    <p:extLst>
+      <p:ext uri="{BB962C8B-B14F-4D97-AF65-F5344CB8AC3E}">
+        <p14:creationId xmlns:p14="http://schemas.microsoft.com/office/powerpoint/2010/main" val="2063886484"/>
+      </p:ext>
+    </p:extLst>
+  </p:cSld>
+  <p:clrMapOvr>
+    <a:masterClrMapping/>
+  </p:clrMapOvr>
+</p:sld>
+</file>
+
+<file path=ppt/slides/slide23.xml><?xml version="1.0" encoding="utf-8"?>
+<p:sld xmlns:a="http://schemas.openxmlformats.org/drawingml/2006/main" xmlns:r="http://schemas.openxmlformats.org/officeDocument/2006/relationships" xmlns:p="http://schemas.openxmlformats.org/presentationml/2006/main">
+  <p:cSld>
+    <p:spTree>
+      <p:nvGrpSpPr>
+        <p:cNvPr id="1" name="">
+          <a:extLst>
+            <a:ext uri="{FF2B5EF4-FFF2-40B4-BE49-F238E27FC236}">
+              <a16:creationId xmlns:a16="http://schemas.microsoft.com/office/drawing/2014/main" id="{32FF5750-EAC6-9850-F0BA-8B57BD40EB36}"/>
+            </a:ext>
+          </a:extLst>
+        </p:cNvPr>
+        <p:cNvGrpSpPr/>
+        <p:nvPr/>
+      </p:nvGrpSpPr>
+      <p:grpSpPr>
+        <a:xfrm>
+          <a:off x="0" y="0"/>
+          <a:ext cx="0" cy="0"/>
+          <a:chOff x="0" y="0"/>
+          <a:chExt cx="0" cy="0"/>
+        </a:xfrm>
+      </p:grpSpPr>
+      <p:sp>
+        <p:nvSpPr>
+          <p:cNvPr id="49" name="文本框 48">
+            <a:extLst>
+              <a:ext uri="{FF2B5EF4-FFF2-40B4-BE49-F238E27FC236}">
+                <a16:creationId xmlns:a16="http://schemas.microsoft.com/office/drawing/2014/main" id="{F37EA013-F51C-457C-E416-D0A42228768F}"/>
+              </a:ext>
+            </a:extLst>
+          </p:cNvPr>
+          <p:cNvSpPr txBox="1"/>
+          <p:nvPr/>
+        </p:nvSpPr>
+        <p:spPr>
+          <a:xfrm>
+            <a:off x="434689" y="267393"/>
+            <a:ext cx="3557140" cy="523220"/>
+          </a:xfrm>
+          <a:prstGeom prst="rect">
+            <a:avLst/>
+          </a:prstGeom>
+          <a:noFill/>
+        </p:spPr>
+        <p:txBody>
+          <a:bodyPr wrap="square" rtlCol="0">
+            <a:spAutoFit/>
+          </a:bodyPr>
+          <a:lstStyle/>
+          <a:p>
+            <a:r>
+              <a:rPr lang="zh-CN" altLang="en-US" sz="2800" b="1" dirty="0"/>
+              <a:t>描述式 </a:t>
+            </a:r>
+            <a:r>
+              <a:rPr lang="en-US" altLang="zh-CN" sz="2800" b="1" dirty="0"/>
+              <a:t>vs. </a:t>
+            </a:r>
+            <a:r>
+              <a:rPr lang="zh-CN" altLang="en-US" sz="2800" b="1" dirty="0"/>
+              <a:t>命令式</a:t>
+            </a:r>
+          </a:p>
+        </p:txBody>
+      </p:sp>
+      <p:sp>
+        <p:nvSpPr>
+          <p:cNvPr id="6" name="文本框 5">
+            <a:extLst>
+              <a:ext uri="{FF2B5EF4-FFF2-40B4-BE49-F238E27FC236}">
+                <a16:creationId xmlns:a16="http://schemas.microsoft.com/office/drawing/2014/main" id="{9491CBC1-39CF-BE60-B548-24668B72ABAE}"/>
+              </a:ext>
+            </a:extLst>
+          </p:cNvPr>
+          <p:cNvSpPr txBox="1"/>
+          <p:nvPr/>
+        </p:nvSpPr>
+        <p:spPr>
+          <a:xfrm>
+            <a:off x="1691114" y="4370201"/>
+            <a:ext cx="8898058" cy="1754326"/>
+          </a:xfrm>
+          <a:prstGeom prst="rect">
+            <a:avLst/>
+          </a:prstGeom>
+          <a:noFill/>
+        </p:spPr>
+        <p:txBody>
+          <a:bodyPr wrap="square" rtlCol="0">
+            <a:spAutoFit/>
+          </a:bodyPr>
+          <a:lstStyle/>
+          <a:p>
+            <a:pPr algn="ctr"/>
+            <a:r>
+              <a:rPr lang="zh-CN" altLang="en-US" sz="3600" dirty="0"/>
+              <a:t>命令式指定详细执行路径</a:t>
+            </a:r>
+            <a:endParaRPr lang="en-US" altLang="zh-CN" sz="3600" dirty="0"/>
+          </a:p>
+          <a:p>
+            <a:pPr algn="ctr"/>
+            <a:r>
+              <a:rPr lang="zh-CN" altLang="en-US" sz="3600" dirty="0"/>
+              <a:t>描述式仅指定当前位置和期望目标</a:t>
+            </a:r>
+            <a:endParaRPr lang="en-US" altLang="zh-CN" sz="3600" dirty="0"/>
+          </a:p>
+          <a:p>
+            <a:pPr algn="ctr"/>
+            <a:r>
+              <a:rPr lang="zh-CN" altLang="en-US" sz="3600" dirty="0"/>
+              <a:t>自动推导、选择优化路径</a:t>
+            </a:r>
+            <a:endParaRPr lang="en-US" altLang="zh-CN" sz="3600" dirty="0"/>
+          </a:p>
+        </p:txBody>
+      </p:sp>
+      <p:pic>
+        <p:nvPicPr>
+          <p:cNvPr id="4" name="图片 3">
+            <a:extLst>
+              <a:ext uri="{FF2B5EF4-FFF2-40B4-BE49-F238E27FC236}">
+                <a16:creationId xmlns:a16="http://schemas.microsoft.com/office/drawing/2014/main" id="{6EE09E64-0159-7A52-D3B4-922A60B5077A}"/>
+              </a:ext>
+            </a:extLst>
+          </p:cNvPr>
+          <p:cNvPicPr>
+            <a:picLocks noChangeAspect="1"/>
+          </p:cNvPicPr>
+          <p:nvPr/>
+        </p:nvPicPr>
+        <p:blipFill>
+          <a:blip r:embed="rId2">
+            <a:extLst>
+              <a:ext uri="{28A0092B-C50C-407E-A947-70E740481C1C}">
+                <a14:useLocalDpi xmlns:a14="http://schemas.microsoft.com/office/drawing/2010/main" val="0"/>
+              </a:ext>
+            </a:extLst>
+          </a:blip>
+          <a:stretch>
+            <a:fillRect/>
+          </a:stretch>
+        </p:blipFill>
+        <p:spPr>
+          <a:xfrm>
+            <a:off x="3793699" y="1683531"/>
+            <a:ext cx="3584563" cy="2477919"/>
+          </a:xfrm>
+          <a:prstGeom prst="rect">
+            <a:avLst/>
+          </a:prstGeom>
+        </p:spPr>
+      </p:pic>
+      <p:sp>
+        <p:nvSpPr>
+          <p:cNvPr id="5" name="文本框 4">
+            <a:extLst>
+              <a:ext uri="{FF2B5EF4-FFF2-40B4-BE49-F238E27FC236}">
+                <a16:creationId xmlns:a16="http://schemas.microsoft.com/office/drawing/2014/main" id="{71F64805-4EFE-CD00-F108-EFE154319287}"/>
+              </a:ext>
+            </a:extLst>
+          </p:cNvPr>
+          <p:cNvSpPr txBox="1"/>
+          <p:nvPr/>
+        </p:nvSpPr>
+        <p:spPr>
+          <a:xfrm>
+            <a:off x="1345324" y="979798"/>
+            <a:ext cx="8898058" cy="646331"/>
+          </a:xfrm>
+          <a:prstGeom prst="rect">
+            <a:avLst/>
+          </a:prstGeom>
+          <a:noFill/>
+        </p:spPr>
+        <p:txBody>
+          <a:bodyPr wrap="square" rtlCol="0">
+            <a:spAutoFit/>
+          </a:bodyPr>
+          <a:lstStyle/>
+          <a:p>
+            <a:pPr algn="ctr"/>
+            <a:r>
+              <a:rPr lang="zh-CN" altLang="en-US" sz="3600" dirty="0"/>
+              <a:t>命令式 </a:t>
+            </a:r>
+            <a:r>
+              <a:rPr lang="en-US" altLang="zh-CN" sz="3600" dirty="0"/>
+              <a:t>= Generator&lt;</a:t>
+            </a:r>
+            <a:r>
+              <a:rPr lang="zh-CN" altLang="en-US" sz="3600" dirty="0"/>
+              <a:t>描述式</a:t>
+            </a:r>
+            <a:r>
+              <a:rPr lang="en-US" altLang="zh-CN" sz="3600" dirty="0"/>
+              <a:t>&gt;</a:t>
+            </a:r>
+          </a:p>
+        </p:txBody>
+      </p:sp>
+    </p:spTree>
+    <p:extLst>
+      <p:ext uri="{BB962C8B-B14F-4D97-AF65-F5344CB8AC3E}">
+        <p14:creationId xmlns:p14="http://schemas.microsoft.com/office/powerpoint/2010/main" val="3471831200"/>
+      </p:ext>
+    </p:extLst>
+  </p:cSld>
+  <p:clrMapOvr>
+    <a:masterClrMapping/>
+  </p:clrMapOvr>
+</p:sld>
+</file>
+
+<file path=ppt/slides/slide24.xml><?xml version="1.0" encoding="utf-8"?>
+<p:sld xmlns:a="http://schemas.openxmlformats.org/drawingml/2006/main" xmlns:r="http://schemas.openxmlformats.org/officeDocument/2006/relationships" xmlns:p="http://schemas.openxmlformats.org/presentationml/2006/main">
+  <p:cSld>
+    <p:spTree>
+      <p:nvGrpSpPr>
+        <p:cNvPr id="1" name="">
+          <a:extLst>
+            <a:ext uri="{FF2B5EF4-FFF2-40B4-BE49-F238E27FC236}">
+              <a16:creationId xmlns:a16="http://schemas.microsoft.com/office/drawing/2014/main" id="{9BAE65B3-7AA0-255B-1227-2862865C655A}"/>
+            </a:ext>
+          </a:extLst>
+        </p:cNvPr>
+        <p:cNvGrpSpPr/>
+        <p:nvPr/>
+      </p:nvGrpSpPr>
+      <p:grpSpPr>
+        <a:xfrm>
+          <a:off x="0" y="0"/>
+          <a:ext cx="0" cy="0"/>
+          <a:chOff x="0" y="0"/>
+          <a:chExt cx="0" cy="0"/>
+        </a:xfrm>
+      </p:grpSpPr>
+      <p:sp>
+        <p:nvSpPr>
+          <p:cNvPr id="49" name="文本框 48">
+            <a:extLst>
+              <a:ext uri="{FF2B5EF4-FFF2-40B4-BE49-F238E27FC236}">
+                <a16:creationId xmlns:a16="http://schemas.microsoft.com/office/drawing/2014/main" id="{581FF340-4D5B-F9B7-8249-75BD2B2CF5F0}"/>
+              </a:ext>
+            </a:extLst>
+          </p:cNvPr>
+          <p:cNvSpPr txBox="1"/>
+          <p:nvPr/>
+        </p:nvSpPr>
+        <p:spPr>
+          <a:xfrm>
+            <a:off x="434689" y="267393"/>
+            <a:ext cx="3557140" cy="523220"/>
+          </a:xfrm>
+          <a:prstGeom prst="rect">
+            <a:avLst/>
+          </a:prstGeom>
+          <a:noFill/>
+        </p:spPr>
+        <p:txBody>
+          <a:bodyPr wrap="square" rtlCol="0">
+            <a:spAutoFit/>
+          </a:bodyPr>
+          <a:lstStyle/>
+          <a:p>
+            <a:r>
+              <a:rPr lang="zh-CN" altLang="en-US" sz="2800" b="1" dirty="0"/>
+              <a:t>框架无关性</a:t>
+            </a:r>
+          </a:p>
+        </p:txBody>
+      </p:sp>
+      <p:sp>
+        <p:nvSpPr>
+          <p:cNvPr id="6" name="文本框 5">
+            <a:extLst>
+              <a:ext uri="{FF2B5EF4-FFF2-40B4-BE49-F238E27FC236}">
+                <a16:creationId xmlns:a16="http://schemas.microsoft.com/office/drawing/2014/main" id="{36662274-4646-DA60-2D39-9FF11A8E4106}"/>
+              </a:ext>
+            </a:extLst>
+          </p:cNvPr>
+          <p:cNvSpPr txBox="1"/>
+          <p:nvPr/>
+        </p:nvSpPr>
+        <p:spPr>
+          <a:xfrm>
+            <a:off x="1259664" y="3391162"/>
+            <a:ext cx="9672671" cy="1754326"/>
+          </a:xfrm>
+          <a:prstGeom prst="rect">
+            <a:avLst/>
+          </a:prstGeom>
+          <a:noFill/>
+        </p:spPr>
+        <p:txBody>
+          <a:bodyPr wrap="square" rtlCol="0">
+            <a:spAutoFit/>
+          </a:bodyPr>
+          <a:lstStyle/>
+          <a:p>
+            <a:pPr algn="ctr"/>
+            <a:r>
+              <a:rPr lang="zh-CN" altLang="en-US" sz="3600" dirty="0"/>
+              <a:t>最小化信息表达具有某种唯一性</a:t>
+            </a:r>
+            <a:endParaRPr lang="en-US" altLang="zh-CN" sz="3600" dirty="0"/>
+          </a:p>
+          <a:p>
+            <a:pPr algn="ctr"/>
+            <a:r>
+              <a:rPr lang="zh-CN" altLang="en-US" sz="3600" dirty="0"/>
+              <a:t>同一信息的不同表象之间可以进行可逆转换</a:t>
+            </a:r>
+            <a:endParaRPr lang="en-US" altLang="zh-CN" sz="3600" dirty="0"/>
+          </a:p>
+          <a:p>
+            <a:pPr algn="ctr"/>
+            <a:r>
+              <a:rPr lang="zh-CN" altLang="en-US" sz="3600" dirty="0"/>
+              <a:t>业务与技术无关，存在于某个信息表达子空间</a:t>
+            </a:r>
+            <a:endParaRPr lang="en-US" altLang="zh-CN" sz="3600" dirty="0"/>
+          </a:p>
+        </p:txBody>
+      </p:sp>
+      <mc:AlternateContent xmlns:mc="http://schemas.openxmlformats.org/markup-compatibility/2006">
+        <mc:Choice xmlns:a14="http://schemas.microsoft.com/office/drawing/2010/main" Requires="a14">
+          <p:sp>
+            <p:nvSpPr>
+              <p:cNvPr id="5" name="文本框 4">
+                <a:extLst>
+                  <a:ext uri="{FF2B5EF4-FFF2-40B4-BE49-F238E27FC236}">
+                    <a16:creationId xmlns:a16="http://schemas.microsoft.com/office/drawing/2014/main" id="{A81B5851-AAF6-34E3-3892-7A8327EBC8D3}"/>
+                  </a:ext>
+                </a:extLst>
+              </p:cNvPr>
+              <p:cNvSpPr txBox="1"/>
+              <p:nvPr/>
+            </p:nvSpPr>
+            <p:spPr>
+              <a:xfrm>
+                <a:off x="1345324" y="979798"/>
+                <a:ext cx="9431984" cy="1754326"/>
+              </a:xfrm>
+              <a:prstGeom prst="rect">
+                <a:avLst/>
+              </a:prstGeom>
+              <a:noFill/>
+            </p:spPr>
+            <p:txBody>
+              <a:bodyPr wrap="square" rtlCol="0">
+                <a:spAutoFit/>
+              </a:bodyPr>
+              <a:lstStyle/>
+              <a:p>
+                <a:pPr algn="ctr"/>
+                <a:r>
+                  <a:rPr lang="zh-CN" altLang="en-US" sz="3600" dirty="0"/>
+                  <a:t>技术实现 </a:t>
+                </a:r>
+                <a:r>
+                  <a:rPr lang="en-US" altLang="zh-CN" sz="3600" dirty="0"/>
+                  <a:t>= </a:t>
+                </a:r>
+                <a:r>
+                  <a:rPr lang="zh-CN" altLang="en-US" sz="3600" dirty="0"/>
+                  <a:t>必须的业务表达 </a:t>
+                </a:r>
+                <a:r>
+                  <a:rPr lang="en-US" altLang="zh-CN" sz="3600" dirty="0"/>
+                  <a:t>+ </a:t>
+                </a:r>
+                <a:r>
+                  <a:rPr lang="zh-CN" altLang="en-US" sz="3600" dirty="0"/>
+                  <a:t>技术细节</a:t>
+                </a:r>
+                <a:endParaRPr lang="en-US" altLang="zh-CN" sz="3600" dirty="0"/>
+              </a:p>
+              <a:p>
+                <a:pPr algn="ctr"/>
+                <a:endParaRPr lang="en-US" altLang="zh-CN" sz="3600" dirty="0"/>
+              </a:p>
+              <a:p>
+                <a:pPr algn="ctr"/>
+                <a:r>
+                  <a:rPr lang="en-US" altLang="zh-CN" sz="3600" dirty="0"/>
+                  <a:t>Min(</a:t>
+                </a:r>
+                <a:r>
+                  <a:rPr lang="zh-CN" altLang="en-US" sz="3600" dirty="0"/>
+                  <a:t>使用框架</a:t>
+                </a:r>
+                <a:r>
+                  <a:rPr lang="en-US" altLang="zh-CN" sz="3600" dirty="0"/>
+                  <a:t>1</a:t>
+                </a:r>
+                <a:r>
+                  <a:rPr lang="zh-CN" altLang="en-US" sz="3600" dirty="0"/>
+                  <a:t>表达）</a:t>
+                </a:r>
+                <a14:m>
+                  <m:oMath xmlns:m="http://schemas.openxmlformats.org/officeDocument/2006/math">
+                    <m:r>
+                      <a:rPr lang="zh-CN" altLang="en-US" sz="3600" i="1" smtClean="0">
+                        <a:latin typeface="Cambria Math" panose="02040503050406030204" pitchFamily="18" charset="0"/>
+                      </a:rPr>
+                      <m:t>≡</m:t>
+                    </m:r>
+                  </m:oMath>
+                </a14:m>
+                <a:r>
+                  <a:rPr lang="en-US" altLang="zh-CN" sz="3600" dirty="0"/>
+                  <a:t> Min(</a:t>
+                </a:r>
+                <a:r>
+                  <a:rPr lang="zh-CN" altLang="en-US" sz="3600" dirty="0"/>
+                  <a:t>使用框架</a:t>
+                </a:r>
+                <a:r>
+                  <a:rPr lang="en-US" altLang="zh-CN" sz="3600" dirty="0"/>
+                  <a:t>2</a:t>
+                </a:r>
+                <a:r>
+                  <a:rPr lang="zh-CN" altLang="en-US" sz="3600" dirty="0"/>
+                  <a:t>表达）</a:t>
+                </a:r>
+                <a:endParaRPr lang="en-US" altLang="zh-CN" sz="3600" dirty="0"/>
+              </a:p>
+            </p:txBody>
+          </p:sp>
+        </mc:Choice>
+        <mc:Fallback>
+          <p:sp>
+            <p:nvSpPr>
+              <p:cNvPr id="5" name="文本框 4">
+                <a:extLst>
+                  <a:ext uri="{FF2B5EF4-FFF2-40B4-BE49-F238E27FC236}">
+                    <a16:creationId xmlns:a16="http://schemas.microsoft.com/office/drawing/2014/main" id="{A81B5851-AAF6-34E3-3892-7A8327EBC8D3}"/>
+                  </a:ext>
+                </a:extLst>
+              </p:cNvPr>
+              <p:cNvSpPr txBox="1">
+                <a:spLocks noRot="1" noChangeAspect="1" noMove="1" noResize="1" noEditPoints="1" noAdjustHandles="1" noChangeArrowheads="1" noChangeShapeType="1" noTextEdit="1"/>
+              </p:cNvSpPr>
+              <p:nvPr/>
+            </p:nvSpPr>
+            <p:spPr>
+              <a:xfrm>
+                <a:off x="1345324" y="979798"/>
+                <a:ext cx="9431984" cy="1754326"/>
+              </a:xfrm>
+              <a:prstGeom prst="rect">
+                <a:avLst/>
+              </a:prstGeom>
+              <a:blipFill>
+                <a:blip r:embed="rId2"/>
+                <a:stretch>
+                  <a:fillRect l="-1357" t="-5556" r="-1228" b="-12153"/>
+                </a:stretch>
+              </a:blipFill>
+            </p:spPr>
+            <p:txBody>
+              <a:bodyPr/>
+              <a:lstStyle/>
+              <a:p>
+                <a:r>
+                  <a:rPr lang="zh-CN" altLang="en-US">
+                    <a:noFill/>
+                  </a:rPr>
+                  <a:t> </a:t>
+                </a:r>
+              </a:p>
+            </p:txBody>
+          </p:sp>
+        </mc:Fallback>
+      </mc:AlternateContent>
+    </p:spTree>
+    <p:extLst>
+      <p:ext uri="{BB962C8B-B14F-4D97-AF65-F5344CB8AC3E}">
+        <p14:creationId xmlns:p14="http://schemas.microsoft.com/office/powerpoint/2010/main" val="1299983063"/>
+      </p:ext>
+    </p:extLst>
+  </p:cSld>
+  <p:clrMapOvr>
+    <a:masterClrMapping/>
+  </p:clrMapOvr>
+</p:sld>
+</file>
+
+<file path=ppt/slides/slide25.xml><?xml version="1.0" encoding="utf-8"?>
+<p:sld xmlns:a="http://schemas.openxmlformats.org/drawingml/2006/main" xmlns:r="http://schemas.openxmlformats.org/officeDocument/2006/relationships" xmlns:p="http://schemas.openxmlformats.org/presentationml/2006/main">
+  <p:cSld>
+    <p:spTree>
+      <p:nvGrpSpPr>
+        <p:cNvPr id="1" name="">
+          <a:extLst>
+            <a:ext uri="{FF2B5EF4-FFF2-40B4-BE49-F238E27FC236}">
+              <a16:creationId xmlns:a16="http://schemas.microsoft.com/office/drawing/2014/main" id="{28BF0F4A-2B3E-7281-02F1-69C27E7EBF9E}"/>
+            </a:ext>
+          </a:extLst>
+        </p:cNvPr>
+        <p:cNvGrpSpPr/>
+        <p:nvPr/>
+      </p:nvGrpSpPr>
+      <p:grpSpPr>
+        <a:xfrm>
+          <a:off x="0" y="0"/>
+          <a:ext cx="0" cy="0"/>
+          <a:chOff x="0" y="0"/>
+          <a:chExt cx="0" cy="0"/>
+        </a:xfrm>
+      </p:grpSpPr>
+      <p:sp>
+        <p:nvSpPr>
+          <p:cNvPr id="49" name="文本框 48">
+            <a:extLst>
+              <a:ext uri="{FF2B5EF4-FFF2-40B4-BE49-F238E27FC236}">
+                <a16:creationId xmlns:a16="http://schemas.microsoft.com/office/drawing/2014/main" id="{B9731F48-3A90-E7D2-3401-272702467467}"/>
+              </a:ext>
+            </a:extLst>
+          </p:cNvPr>
+          <p:cNvSpPr txBox="1"/>
+          <p:nvPr/>
+        </p:nvSpPr>
+        <p:spPr>
+          <a:xfrm>
+            <a:off x="434689" y="267393"/>
+            <a:ext cx="3557140" cy="523220"/>
+          </a:xfrm>
+          <a:prstGeom prst="rect">
+            <a:avLst/>
+          </a:prstGeom>
+          <a:noFill/>
+        </p:spPr>
+        <p:txBody>
+          <a:bodyPr wrap="square" rtlCol="0">
+            <a:spAutoFit/>
+          </a:bodyPr>
+          <a:lstStyle/>
+          <a:p>
+            <a:r>
+              <a:rPr lang="zh-CN" altLang="en-US" sz="2800" b="1" dirty="0"/>
+              <a:t>编译器 </a:t>
+            </a:r>
+            <a:r>
+              <a:rPr lang="en-US" altLang="zh-CN" sz="2800" b="1" dirty="0"/>
+              <a:t>vs. </a:t>
+            </a:r>
+            <a:r>
+              <a:rPr lang="zh-CN" altLang="en-US" sz="2800" b="1" dirty="0"/>
+              <a:t>解释器</a:t>
+            </a:r>
+          </a:p>
+        </p:txBody>
+      </p:sp>
+      <p:sp>
+        <p:nvSpPr>
+          <p:cNvPr id="6" name="文本框 5">
+            <a:extLst>
+              <a:ext uri="{FF2B5EF4-FFF2-40B4-BE49-F238E27FC236}">
+                <a16:creationId xmlns:a16="http://schemas.microsoft.com/office/drawing/2014/main" id="{ACCECC5A-97C6-667E-416E-E6F34E98099E}"/>
+              </a:ext>
+            </a:extLst>
+          </p:cNvPr>
+          <p:cNvSpPr txBox="1"/>
+          <p:nvPr/>
+        </p:nvSpPr>
+        <p:spPr>
+          <a:xfrm>
+            <a:off x="1167699" y="4671323"/>
+            <a:ext cx="9672671" cy="1200329"/>
+          </a:xfrm>
+          <a:prstGeom prst="rect">
+            <a:avLst/>
+          </a:prstGeom>
+          <a:noFill/>
+        </p:spPr>
+        <p:txBody>
+          <a:bodyPr wrap="square" rtlCol="0">
+            <a:spAutoFit/>
+          </a:bodyPr>
+          <a:lstStyle/>
+          <a:p>
+            <a:pPr algn="ctr"/>
+            <a:r>
+              <a:rPr lang="zh-CN" altLang="en-US" sz="3600" dirty="0"/>
+              <a:t>编译相当于函数的</a:t>
+            </a:r>
+            <a:r>
+              <a:rPr lang="en-US" altLang="zh-CN" sz="3600" dirty="0"/>
+              <a:t>partial apply</a:t>
+            </a:r>
+          </a:p>
+          <a:p>
+            <a:pPr algn="ctr"/>
+            <a:r>
+              <a:rPr lang="zh-CN" altLang="en-US" sz="3600" dirty="0"/>
+              <a:t>低代码并不意味着低性能</a:t>
+            </a:r>
+            <a:endParaRPr lang="en-US" altLang="zh-CN" sz="3600" dirty="0"/>
+          </a:p>
+        </p:txBody>
+      </p:sp>
+      <p:sp>
+        <p:nvSpPr>
+          <p:cNvPr id="5" name="文本框 4">
+            <a:extLst>
+              <a:ext uri="{FF2B5EF4-FFF2-40B4-BE49-F238E27FC236}">
+                <a16:creationId xmlns:a16="http://schemas.microsoft.com/office/drawing/2014/main" id="{752472F3-BA56-1492-4AD7-05349B111F2B}"/>
+              </a:ext>
+            </a:extLst>
+          </p:cNvPr>
+          <p:cNvSpPr txBox="1"/>
+          <p:nvPr/>
+        </p:nvSpPr>
+        <p:spPr>
+          <a:xfrm>
+            <a:off x="1345324" y="979798"/>
+            <a:ext cx="9431984" cy="2862322"/>
+          </a:xfrm>
+          <a:prstGeom prst="rect">
+            <a:avLst/>
+          </a:prstGeom>
+          <a:noFill/>
+        </p:spPr>
+        <p:txBody>
+          <a:bodyPr wrap="square" rtlCol="0">
+            <a:spAutoFit/>
+          </a:bodyPr>
+          <a:lstStyle/>
+          <a:p>
+            <a:pPr algn="ctr"/>
+            <a:r>
+              <a:rPr lang="en-US" altLang="zh-CN" sz="3600" dirty="0"/>
+              <a:t>Page = </a:t>
+            </a:r>
+            <a:r>
+              <a:rPr lang="en-US" altLang="zh-CN" sz="3600" dirty="0" err="1"/>
+              <a:t>renderAmis</a:t>
+            </a:r>
+            <a:r>
+              <a:rPr lang="en-US" altLang="zh-CN" sz="3600" dirty="0"/>
+              <a:t>(</a:t>
+            </a:r>
+            <a:r>
+              <a:rPr lang="en-US" altLang="zh-CN" sz="3600" dirty="0" err="1"/>
+              <a:t>json</a:t>
+            </a:r>
+            <a:r>
+              <a:rPr lang="en-US" altLang="zh-CN" sz="3600" dirty="0"/>
+              <a:t>, data)</a:t>
+            </a:r>
+          </a:p>
+          <a:p>
+            <a:pPr algn="ctr"/>
+            <a:r>
+              <a:rPr lang="en-US" altLang="zh-CN" sz="3600" dirty="0"/>
+              <a:t>            = (</a:t>
+            </a:r>
+            <a:r>
+              <a:rPr lang="en-US" altLang="zh-CN" sz="3600" dirty="0" err="1"/>
+              <a:t>renderAmis</a:t>
+            </a:r>
+            <a:r>
+              <a:rPr lang="en-US" altLang="zh-CN" sz="3600" dirty="0"/>
+              <a:t>(</a:t>
+            </a:r>
+            <a:r>
+              <a:rPr lang="en-US" altLang="zh-CN" sz="3600" dirty="0" err="1"/>
+              <a:t>json</a:t>
+            </a:r>
+            <a:r>
+              <a:rPr lang="en-US" altLang="zh-CN" sz="3600" dirty="0"/>
+              <a:t>))(data)</a:t>
+            </a:r>
+          </a:p>
+          <a:p>
+            <a:pPr algn="ctr"/>
+            <a:endParaRPr lang="en-US" altLang="zh-CN" sz="3600" dirty="0"/>
+          </a:p>
+          <a:p>
+            <a:pPr algn="ctr"/>
+            <a:r>
+              <a:rPr lang="en-US" altLang="zh-CN" sz="3600" dirty="0"/>
+              <a:t>Component = </a:t>
+            </a:r>
+            <a:r>
+              <a:rPr lang="en-US" altLang="zh-CN" sz="3600" dirty="0" err="1"/>
+              <a:t>renderAmis</a:t>
+            </a:r>
+            <a:r>
+              <a:rPr lang="en-US" altLang="zh-CN" sz="3600" dirty="0"/>
+              <a:t>(</a:t>
+            </a:r>
+            <a:r>
+              <a:rPr lang="en-US" altLang="zh-CN" sz="3600" dirty="0" err="1"/>
+              <a:t>json</a:t>
+            </a:r>
+            <a:r>
+              <a:rPr lang="en-US" altLang="zh-CN" sz="3600" dirty="0"/>
+              <a:t>)  // </a:t>
+            </a:r>
+            <a:r>
+              <a:rPr lang="zh-CN" altLang="en-US" sz="3600" dirty="0"/>
+              <a:t>编译</a:t>
+            </a:r>
+            <a:endParaRPr lang="en-US" altLang="zh-CN" sz="3600" dirty="0"/>
+          </a:p>
+          <a:p>
+            <a:pPr algn="ctr"/>
+            <a:r>
+              <a:rPr lang="en-US" altLang="zh-CN" sz="3600" dirty="0"/>
+              <a:t>           Page = Component(data) // </a:t>
+            </a:r>
+            <a:r>
+              <a:rPr lang="zh-CN" altLang="en-US" sz="3600" dirty="0"/>
+              <a:t>运行</a:t>
+            </a:r>
+            <a:endParaRPr lang="en-US" altLang="zh-CN" sz="3600" dirty="0"/>
+          </a:p>
+        </p:txBody>
+      </p:sp>
+    </p:spTree>
+    <p:extLst>
+      <p:ext uri="{BB962C8B-B14F-4D97-AF65-F5344CB8AC3E}">
+        <p14:creationId xmlns:p14="http://schemas.microsoft.com/office/powerpoint/2010/main" val="2497793653"/>
+      </p:ext>
+    </p:extLst>
+  </p:cSld>
+  <p:clrMapOvr>
+    <a:masterClrMapping/>
+  </p:clrMapOvr>
+</p:sld>
+</file>
+
+<file path=ppt/slides/slide26.xml><?xml version="1.0" encoding="utf-8"?>
+<p:sld xmlns:a="http://schemas.openxmlformats.org/drawingml/2006/main" xmlns:r="http://schemas.openxmlformats.org/officeDocument/2006/relationships" xmlns:p="http://schemas.openxmlformats.org/presentationml/2006/main">
+  <p:cSld>
+    <p:spTree>
+      <p:nvGrpSpPr>
+        <p:cNvPr id="1" name="">
+          <a:extLst>
+            <a:ext uri="{FF2B5EF4-FFF2-40B4-BE49-F238E27FC236}">
+              <a16:creationId xmlns:a16="http://schemas.microsoft.com/office/drawing/2014/main" id="{DDA3CA16-CDB7-96C5-AB19-CE9C76DE79D6}"/>
+            </a:ext>
+          </a:extLst>
+        </p:cNvPr>
+        <p:cNvGrpSpPr/>
+        <p:nvPr/>
+      </p:nvGrpSpPr>
+      <p:grpSpPr>
+        <a:xfrm>
+          <a:off x="0" y="0"/>
+          <a:ext cx="0" cy="0"/>
+          <a:chOff x="0" y="0"/>
+          <a:chExt cx="0" cy="0"/>
+        </a:xfrm>
+      </p:grpSpPr>
+      <p:sp>
+        <p:nvSpPr>
+          <p:cNvPr id="49" name="文本框 48">
+            <a:extLst>
+              <a:ext uri="{FF2B5EF4-FFF2-40B4-BE49-F238E27FC236}">
+                <a16:creationId xmlns:a16="http://schemas.microsoft.com/office/drawing/2014/main" id="{A593C644-28AA-05E3-123B-802B1171A447}"/>
+              </a:ext>
+            </a:extLst>
+          </p:cNvPr>
+          <p:cNvSpPr txBox="1"/>
+          <p:nvPr/>
+        </p:nvSpPr>
+        <p:spPr>
+          <a:xfrm>
+            <a:off x="434689" y="267393"/>
+            <a:ext cx="3557140" cy="523220"/>
+          </a:xfrm>
+          <a:prstGeom prst="rect">
+            <a:avLst/>
+          </a:prstGeom>
+          <a:noFill/>
+        </p:spPr>
+        <p:txBody>
+          <a:bodyPr wrap="square" rtlCol="0">
+            <a:spAutoFit/>
+          </a:bodyPr>
+          <a:lstStyle/>
+          <a:p>
+            <a:r>
+              <a:rPr lang="zh-CN" altLang="en-US" sz="2800" b="1" dirty="0"/>
+              <a:t>避免裸对象</a:t>
+            </a:r>
+          </a:p>
+        </p:txBody>
+      </p:sp>
+      <p:sp>
+        <p:nvSpPr>
+          <p:cNvPr id="6" name="文本框 5">
+            <a:extLst>
+              <a:ext uri="{FF2B5EF4-FFF2-40B4-BE49-F238E27FC236}">
+                <a16:creationId xmlns:a16="http://schemas.microsoft.com/office/drawing/2014/main" id="{C70C246C-CC82-6165-1FB6-FD91225777E0}"/>
+              </a:ext>
+            </a:extLst>
+          </p:cNvPr>
+          <p:cNvSpPr txBox="1"/>
+          <p:nvPr/>
+        </p:nvSpPr>
+        <p:spPr>
+          <a:xfrm>
+            <a:off x="770407" y="3170445"/>
+            <a:ext cx="9672671" cy="1200329"/>
+          </a:xfrm>
+          <a:prstGeom prst="rect">
+            <a:avLst/>
+          </a:prstGeom>
+          <a:noFill/>
+        </p:spPr>
+        <p:txBody>
+          <a:bodyPr wrap="square" rtlCol="0">
+            <a:spAutoFit/>
+          </a:bodyPr>
+          <a:lstStyle/>
+          <a:p>
+            <a:pPr algn="ctr"/>
+            <a:r>
+              <a:rPr lang="zh-CN" altLang="en-US" sz="3600" dirty="0"/>
+              <a:t>所有函数和对象都可以经过环境修饰</a:t>
+            </a:r>
+            <a:endParaRPr lang="en-US" altLang="zh-CN" sz="3600" dirty="0"/>
+          </a:p>
+          <a:p>
+            <a:pPr algn="ctr"/>
+            <a:r>
+              <a:rPr lang="zh-CN" altLang="en-US" sz="3600" dirty="0"/>
+              <a:t>通过环境间接发生相互作用</a:t>
+            </a:r>
+            <a:endParaRPr lang="en-US" altLang="zh-CN" sz="3600" dirty="0"/>
+          </a:p>
+        </p:txBody>
+      </p:sp>
+      <p:sp>
+        <p:nvSpPr>
+          <p:cNvPr id="5" name="文本框 4">
+            <a:extLst>
+              <a:ext uri="{FF2B5EF4-FFF2-40B4-BE49-F238E27FC236}">
+                <a16:creationId xmlns:a16="http://schemas.microsoft.com/office/drawing/2014/main" id="{92A95D9F-47DF-9749-F25F-CDEA2B7854D5}"/>
+              </a:ext>
+            </a:extLst>
+          </p:cNvPr>
+          <p:cNvSpPr txBox="1"/>
+          <p:nvPr/>
+        </p:nvSpPr>
+        <p:spPr>
+          <a:xfrm>
+            <a:off x="434689" y="979798"/>
+            <a:ext cx="10872339" cy="1200329"/>
+          </a:xfrm>
+          <a:prstGeom prst="rect">
+            <a:avLst/>
+          </a:prstGeom>
+          <a:noFill/>
+        </p:spPr>
+        <p:txBody>
+          <a:bodyPr wrap="square" rtlCol="0">
+            <a:spAutoFit/>
+          </a:bodyPr>
+          <a:lstStyle/>
+          <a:p>
+            <a:pPr algn="ctr"/>
+            <a:r>
+              <a:rPr lang="en-US" altLang="zh-CN" sz="3600" dirty="0" err="1"/>
+              <a:t>EnhancedTaskStep</a:t>
+            </a:r>
+            <a:r>
+              <a:rPr lang="en-US" altLang="zh-CN" sz="3600" dirty="0"/>
+              <a:t> = </a:t>
+            </a:r>
+            <a:r>
+              <a:rPr lang="en-US" altLang="zh-CN" sz="3600" dirty="0" err="1"/>
+              <a:t>TaskStep</a:t>
+            </a:r>
+            <a:r>
+              <a:rPr lang="en-US" altLang="zh-CN" sz="3600" dirty="0"/>
+              <a:t> + Decorators</a:t>
+            </a:r>
+          </a:p>
+          <a:p>
+            <a:pPr algn="ctr"/>
+            <a:r>
+              <a:rPr lang="en-US" altLang="zh-CN" sz="3600" dirty="0" err="1"/>
+              <a:t>EnhancedObject</a:t>
+            </a:r>
+            <a:r>
+              <a:rPr lang="en-US" altLang="zh-CN" sz="3600" dirty="0"/>
+              <a:t> = </a:t>
+            </a:r>
+            <a:r>
+              <a:rPr lang="en-US" altLang="zh-CN" sz="3600" dirty="0" err="1"/>
+              <a:t>NakedObject</a:t>
+            </a:r>
+            <a:r>
+              <a:rPr lang="en-US" altLang="zh-CN" sz="3600" dirty="0"/>
+              <a:t> + Interceptors</a:t>
+            </a:r>
+          </a:p>
+        </p:txBody>
+      </p:sp>
+    </p:spTree>
+    <p:extLst>
+      <p:ext uri="{BB962C8B-B14F-4D97-AF65-F5344CB8AC3E}">
+        <p14:creationId xmlns:p14="http://schemas.microsoft.com/office/powerpoint/2010/main" val="2697688901"/>
+      </p:ext>
+    </p:extLst>
+  </p:cSld>
+  <p:clrMapOvr>
+    <a:masterClrMapping/>
+  </p:clrMapOvr>
+</p:sld>
+</file>
+
+<file path=ppt/slides/slide3.xml><?xml version="1.0" encoding="utf-8"?>
+<p:sld xmlns:a="http://schemas.openxmlformats.org/drawingml/2006/main" xmlns:r="http://schemas.openxmlformats.org/officeDocument/2006/relationships" xmlns:p="http://schemas.openxmlformats.org/presentationml/2006/main">
+  <p:cSld>
+    <p:spTree>
+      <p:nvGrpSpPr>
+        <p:cNvPr id="1" name="">
+          <a:extLst>
+            <a:ext uri="{FF2B5EF4-FFF2-40B4-BE49-F238E27FC236}">
+              <a16:creationId xmlns:a16="http://schemas.microsoft.com/office/drawing/2014/main" id="{EC6326D5-A2CF-B34B-929E-76392178F70B}"/>
+            </a:ext>
+          </a:extLst>
+        </p:cNvPr>
+        <p:cNvGrpSpPr/>
+        <p:nvPr/>
+      </p:nvGrpSpPr>
+      <p:grpSpPr>
+        <a:xfrm>
+          <a:off x="0" y="0"/>
+          <a:ext cx="0" cy="0"/>
+          <a:chOff x="0" y="0"/>
+          <a:chExt cx="0" cy="0"/>
+        </a:xfrm>
+      </p:grpSpPr>
+      <p:sp>
+        <p:nvSpPr>
+          <p:cNvPr id="49" name="文本框 48">
+            <a:extLst>
+              <a:ext uri="{FF2B5EF4-FFF2-40B4-BE49-F238E27FC236}">
+                <a16:creationId xmlns:a16="http://schemas.microsoft.com/office/drawing/2014/main" id="{FD29FAD5-18FD-AA9B-FD60-0BC97D77488E}"/>
+              </a:ext>
+            </a:extLst>
+          </p:cNvPr>
+          <p:cNvSpPr txBox="1"/>
+          <p:nvPr/>
+        </p:nvSpPr>
+        <p:spPr>
+          <a:xfrm>
+            <a:off x="434688" y="267393"/>
+            <a:ext cx="4591359" cy="523220"/>
+          </a:xfrm>
+          <a:prstGeom prst="rect">
+            <a:avLst/>
+          </a:prstGeom>
+          <a:noFill/>
+        </p:spPr>
+        <p:txBody>
+          <a:bodyPr wrap="square" rtlCol="0">
+            <a:spAutoFit/>
+          </a:bodyPr>
+          <a:lstStyle/>
+          <a:p>
+            <a:pPr marL="0" marR="0" lvl="0" indent="0" algn="l" defTabSz="914400" rtl="0" eaLnBrk="1" fontAlgn="auto" latinLnBrk="0" hangingPunct="1">
+              <a:lnSpc>
+                <a:spcPct val="100000"/>
+              </a:lnSpc>
+              <a:spcBef>
+                <a:spcPts val="0"/>
+              </a:spcBef>
+              <a:spcAft>
+                <a:spcPts val="0"/>
+              </a:spcAft>
+              <a:buClrTx/>
+              <a:buSzTx/>
+              <a:buFontTx/>
+              <a:buNone/>
+              <a:tabLst/>
+              <a:defRPr/>
+            </a:pPr>
+            <a:r>
+              <a:rPr kumimoji="0" lang="zh-CN" altLang="en-US" sz="2800" b="1" i="0" u="none" strike="noStrike" kern="1200" cap="none" spc="0" normalizeH="0" baseline="0" noProof="0" dirty="0">
+                <a:ln>
+                  <a:noFill/>
+                </a:ln>
+                <a:solidFill>
+                  <a:prstClr val="black"/>
+                </a:solidFill>
+                <a:effectLst/>
+                <a:uLnTx/>
+                <a:uFillTx/>
+                <a:latin typeface="等线" panose="020F0502020204030204"/>
+                <a:ea typeface="等线" panose="02010600030101010101" pitchFamily="2" charset="-122"/>
+                <a:cs typeface="+mn-cs"/>
+              </a:rPr>
+              <a:t>可逆计算的核心公式</a:t>
+            </a:r>
+          </a:p>
+        </p:txBody>
+      </p:sp>
+      <p:sp>
+        <p:nvSpPr>
+          <p:cNvPr id="2" name="文本框 1">
+            <a:extLst>
+              <a:ext uri="{FF2B5EF4-FFF2-40B4-BE49-F238E27FC236}">
+                <a16:creationId xmlns:a16="http://schemas.microsoft.com/office/drawing/2014/main" id="{F6085056-720C-986A-7EAD-F0D14B82666E}"/>
+              </a:ext>
+            </a:extLst>
+          </p:cNvPr>
+          <p:cNvSpPr txBox="1"/>
+          <p:nvPr/>
+        </p:nvSpPr>
+        <p:spPr>
+          <a:xfrm>
+            <a:off x="945931" y="1416723"/>
+            <a:ext cx="10203443" cy="707886"/>
+          </a:xfrm>
+          <a:prstGeom prst="rect">
+            <a:avLst/>
+          </a:prstGeom>
+          <a:noFill/>
+        </p:spPr>
+        <p:txBody>
+          <a:bodyPr wrap="square" rtlCol="0">
+            <a:spAutoFit/>
+          </a:bodyPr>
+          <a:lstStyle/>
+          <a:p>
+            <a:pPr algn="ctr"/>
+            <a:r>
+              <a:rPr lang="en-US" altLang="zh-CN" sz="4000" dirty="0"/>
+              <a:t>App = Delta x-extends Generator&lt;DSL&gt;</a:t>
+            </a:r>
+            <a:r>
+              <a:rPr lang="zh-CN" altLang="en-US" sz="4000" dirty="0"/>
+              <a:t>    </a:t>
+            </a:r>
+            <a:endParaRPr lang="en-US" altLang="zh-CN" sz="4000" dirty="0"/>
+          </a:p>
+        </p:txBody>
+      </p:sp>
+      <p:sp>
+        <p:nvSpPr>
+          <p:cNvPr id="3" name="文本框 2">
+            <a:extLst>
+              <a:ext uri="{FF2B5EF4-FFF2-40B4-BE49-F238E27FC236}">
+                <a16:creationId xmlns:a16="http://schemas.microsoft.com/office/drawing/2014/main" id="{C5F033AA-9596-AAA9-6680-A86C35891B66}"/>
+              </a:ext>
+            </a:extLst>
+          </p:cNvPr>
+          <p:cNvSpPr txBox="1"/>
+          <p:nvPr/>
+        </p:nvSpPr>
+        <p:spPr>
+          <a:xfrm>
+            <a:off x="1639614" y="2849282"/>
+            <a:ext cx="8671035" cy="1323439"/>
+          </a:xfrm>
+          <a:prstGeom prst="rect">
+            <a:avLst/>
+          </a:prstGeom>
+          <a:noFill/>
+        </p:spPr>
+        <p:txBody>
+          <a:bodyPr wrap="square" rtlCol="0">
+            <a:spAutoFit/>
+          </a:bodyPr>
+          <a:lstStyle/>
+          <a:p>
+            <a:pPr algn="ctr"/>
+            <a:r>
+              <a:rPr lang="zh-CN" altLang="en-US" sz="4000" dirty="0"/>
+              <a:t>面向语言</a:t>
+            </a:r>
+            <a:r>
+              <a:rPr lang="zh-CN" altLang="en-US" sz="4000"/>
+              <a:t>编程范式</a:t>
+            </a:r>
+            <a:endParaRPr lang="en-US" altLang="zh-CN" sz="4000"/>
+          </a:p>
+          <a:p>
+            <a:pPr algn="ctr"/>
+            <a:r>
+              <a:rPr lang="zh-CN" altLang="en-US" sz="4000" dirty="0"/>
+              <a:t>产生式编程与面向差量编程的结合</a:t>
+            </a:r>
+            <a:endParaRPr lang="en-US" altLang="zh-CN" sz="4000" dirty="0"/>
+          </a:p>
+        </p:txBody>
+      </p:sp>
+    </p:spTree>
+    <p:extLst>
+      <p:ext uri="{BB962C8B-B14F-4D97-AF65-F5344CB8AC3E}">
+        <p14:creationId xmlns:p14="http://schemas.microsoft.com/office/powerpoint/2010/main" val="304782795"/>
+      </p:ext>
+    </p:extLst>
+  </p:cSld>
+  <p:clrMapOvr>
+    <a:masterClrMapping/>
+  </p:clrMapOvr>
+</p:sld>
+</file>
+
+<file path=ppt/slides/slide4.xml><?xml version="1.0" encoding="utf-8"?>
+<p:sld xmlns:a="http://schemas.openxmlformats.org/drawingml/2006/main" xmlns:r="http://schemas.openxmlformats.org/officeDocument/2006/relationships" xmlns:p="http://schemas.openxmlformats.org/presentationml/2006/main">
+  <p:cSld>
+    <p:spTree>
+      <p:nvGrpSpPr>
+        <p:cNvPr id="1" name="">
+          <a:extLst>
+            <a:ext uri="{FF2B5EF4-FFF2-40B4-BE49-F238E27FC236}">
+              <a16:creationId xmlns:a16="http://schemas.microsoft.com/office/drawing/2014/main" id="{FCDCDFEE-BE4E-C2B4-EF7D-69CE9CAD5A3D}"/>
+            </a:ext>
+          </a:extLst>
+        </p:cNvPr>
+        <p:cNvGrpSpPr/>
+        <p:nvPr/>
+      </p:nvGrpSpPr>
+      <p:grpSpPr>
+        <a:xfrm>
+          <a:off x="0" y="0"/>
+          <a:ext cx="0" cy="0"/>
+          <a:chOff x="0" y="0"/>
+          <a:chExt cx="0" cy="0"/>
+        </a:xfrm>
+      </p:grpSpPr>
+      <p:sp>
+        <p:nvSpPr>
+          <p:cNvPr id="49" name="文本框 48">
+            <a:extLst>
+              <a:ext uri="{FF2B5EF4-FFF2-40B4-BE49-F238E27FC236}">
+                <a16:creationId xmlns:a16="http://schemas.microsoft.com/office/drawing/2014/main" id="{D43E391F-A193-8914-FD5D-C384AEEACA2F}"/>
+              </a:ext>
+            </a:extLst>
+          </p:cNvPr>
+          <p:cNvSpPr txBox="1"/>
+          <p:nvPr/>
+        </p:nvSpPr>
+        <p:spPr>
+          <a:xfrm>
+            <a:off x="434688" y="267393"/>
+            <a:ext cx="4591359" cy="523220"/>
+          </a:xfrm>
+          <a:prstGeom prst="rect">
+            <a:avLst/>
+          </a:prstGeom>
+          <a:noFill/>
+        </p:spPr>
+        <p:txBody>
+          <a:bodyPr wrap="square" rtlCol="0">
+            <a:spAutoFit/>
+          </a:bodyPr>
+          <a:lstStyle/>
+          <a:p>
+            <a:pPr marL="0" marR="0" lvl="0" indent="0" algn="l" defTabSz="914400" rtl="0" eaLnBrk="1" fontAlgn="auto" latinLnBrk="0" hangingPunct="1">
+              <a:lnSpc>
+                <a:spcPct val="100000"/>
+              </a:lnSpc>
+              <a:spcBef>
+                <a:spcPts val="0"/>
+              </a:spcBef>
+              <a:spcAft>
+                <a:spcPts val="0"/>
+              </a:spcAft>
+              <a:buClrTx/>
+              <a:buSzTx/>
+              <a:buFontTx/>
+              <a:buNone/>
+              <a:tabLst/>
+              <a:defRPr/>
+            </a:pPr>
+            <a:r>
+              <a:rPr kumimoji="0" lang="zh-CN" altLang="en-US" sz="2800" b="1" i="0" u="none" strike="noStrike" kern="1200" cap="none" spc="0" normalizeH="0" baseline="0" noProof="0" dirty="0">
+                <a:ln>
+                  <a:noFill/>
+                </a:ln>
+                <a:solidFill>
+                  <a:prstClr val="black"/>
+                </a:solidFill>
+                <a:effectLst/>
+                <a:uLnTx/>
+                <a:uFillTx/>
+                <a:latin typeface="等线" panose="020F0502020204030204"/>
+                <a:ea typeface="等线" panose="02010600030101010101" pitchFamily="2" charset="-122"/>
+                <a:cs typeface="+mn-cs"/>
+              </a:rPr>
+              <a:t>模型驱动架构的补完</a:t>
+            </a:r>
+          </a:p>
+        </p:txBody>
+      </p:sp>
+      <p:sp>
+        <p:nvSpPr>
+          <p:cNvPr id="2" name="文本框 1">
+            <a:extLst>
+              <a:ext uri="{FF2B5EF4-FFF2-40B4-BE49-F238E27FC236}">
+                <a16:creationId xmlns:a16="http://schemas.microsoft.com/office/drawing/2014/main" id="{B8478EFD-B1D7-977C-0D62-34DCE2371DF5}"/>
+              </a:ext>
+            </a:extLst>
+          </p:cNvPr>
+          <p:cNvSpPr txBox="1"/>
+          <p:nvPr/>
+        </p:nvSpPr>
+        <p:spPr>
+          <a:xfrm>
+            <a:off x="945931" y="1416723"/>
+            <a:ext cx="10203443" cy="1323439"/>
+          </a:xfrm>
+          <a:prstGeom prst="rect">
+            <a:avLst/>
+          </a:prstGeom>
+          <a:noFill/>
+        </p:spPr>
+        <p:txBody>
+          <a:bodyPr wrap="square" rtlCol="0">
+            <a:spAutoFit/>
+          </a:bodyPr>
+          <a:lstStyle/>
+          <a:p>
+            <a:pPr algn="ctr"/>
+            <a:r>
+              <a:rPr lang="en-US" altLang="zh-CN" sz="4000" dirty="0"/>
+              <a:t>App = Transformer(Model)</a:t>
+            </a:r>
+          </a:p>
+          <a:p>
+            <a:r>
+              <a:rPr lang="en-US" altLang="zh-CN" sz="4000" dirty="0"/>
+              <a:t>               App = MDA + Delta</a:t>
+            </a:r>
+          </a:p>
+        </p:txBody>
+      </p:sp>
+      <p:sp>
+        <p:nvSpPr>
+          <p:cNvPr id="3" name="文本框 2">
+            <a:extLst>
+              <a:ext uri="{FF2B5EF4-FFF2-40B4-BE49-F238E27FC236}">
+                <a16:creationId xmlns:a16="http://schemas.microsoft.com/office/drawing/2014/main" id="{A6451FFB-B87E-865B-F1BD-8E1162E280C6}"/>
+              </a:ext>
+            </a:extLst>
+          </p:cNvPr>
+          <p:cNvSpPr txBox="1"/>
+          <p:nvPr/>
+        </p:nvSpPr>
+        <p:spPr>
+          <a:xfrm>
+            <a:off x="1090974" y="3366272"/>
+            <a:ext cx="9661109" cy="1323439"/>
+          </a:xfrm>
+          <a:prstGeom prst="rect">
+            <a:avLst/>
+          </a:prstGeom>
+          <a:noFill/>
+        </p:spPr>
+        <p:txBody>
+          <a:bodyPr wrap="square" rtlCol="0">
+            <a:spAutoFit/>
+          </a:bodyPr>
+          <a:lstStyle/>
+          <a:p>
+            <a:pPr algn="ctr"/>
+            <a:r>
+              <a:rPr lang="zh-CN" altLang="en-US" sz="4000" dirty="0"/>
+              <a:t>模型和转换器都是已知的，应用是未知的</a:t>
+            </a:r>
+            <a:endParaRPr lang="en-US" altLang="zh-CN" sz="4000" dirty="0"/>
+          </a:p>
+          <a:p>
+            <a:pPr algn="ctr"/>
+            <a:r>
+              <a:rPr lang="zh-CN" altLang="en-US" sz="4000" dirty="0"/>
+              <a:t>未知</a:t>
+            </a:r>
+            <a:r>
+              <a:rPr lang="en-US" altLang="zh-CN" sz="4000" dirty="0"/>
+              <a:t>=</a:t>
+            </a:r>
+            <a:r>
+              <a:rPr lang="zh-CN" altLang="en-US" sz="4000" dirty="0"/>
+              <a:t>已知作为一个方程不可能长期平衡</a:t>
+            </a:r>
+            <a:endParaRPr lang="en-US" altLang="zh-CN" sz="4000" dirty="0"/>
+          </a:p>
+        </p:txBody>
+      </p:sp>
+    </p:spTree>
+    <p:extLst>
+      <p:ext uri="{BB962C8B-B14F-4D97-AF65-F5344CB8AC3E}">
+        <p14:creationId xmlns:p14="http://schemas.microsoft.com/office/powerpoint/2010/main" val="3155458764"/>
+      </p:ext>
+    </p:extLst>
+  </p:cSld>
+  <p:clrMapOvr>
+    <a:masterClrMapping/>
+  </p:clrMapOvr>
+</p:sld>
+</file>
+
+<file path=ppt/slides/slide5.xml><?xml version="1.0" encoding="utf-8"?>
+<p:sld xmlns:a="http://schemas.openxmlformats.org/drawingml/2006/main" xmlns:r="http://schemas.openxmlformats.org/officeDocument/2006/relationships" xmlns:p="http://schemas.openxmlformats.org/presentationml/2006/main">
+  <p:cSld>
+    <p:spTree>
+      <p:nvGrpSpPr>
+        <p:cNvPr id="1" name="">
+          <a:extLst>
+            <a:ext uri="{FF2B5EF4-FFF2-40B4-BE49-F238E27FC236}">
+              <a16:creationId xmlns:a16="http://schemas.microsoft.com/office/drawing/2014/main" id="{42D0163D-7A34-3FCA-4479-11E6970A1F19}"/>
+            </a:ext>
+          </a:extLst>
+        </p:cNvPr>
+        <p:cNvGrpSpPr/>
+        <p:nvPr/>
+      </p:nvGrpSpPr>
+      <p:grpSpPr>
+        <a:xfrm>
+          <a:off x="0" y="0"/>
+          <a:ext cx="0" cy="0"/>
+          <a:chOff x="0" y="0"/>
+          <a:chExt cx="0" cy="0"/>
+        </a:xfrm>
+      </p:grpSpPr>
+      <p:sp>
+        <p:nvSpPr>
+          <p:cNvPr id="49" name="文本框 48">
+            <a:extLst>
+              <a:ext uri="{FF2B5EF4-FFF2-40B4-BE49-F238E27FC236}">
+                <a16:creationId xmlns:a16="http://schemas.microsoft.com/office/drawing/2014/main" id="{FF78BEA0-F9F1-FB4C-7BFC-23FF58EA27C7}"/>
+              </a:ext>
+            </a:extLst>
+          </p:cNvPr>
+          <p:cNvSpPr txBox="1"/>
+          <p:nvPr/>
+        </p:nvSpPr>
+        <p:spPr>
+          <a:xfrm>
+            <a:off x="434688" y="267393"/>
+            <a:ext cx="4591359" cy="523220"/>
+          </a:xfrm>
+          <a:prstGeom prst="rect">
+            <a:avLst/>
+          </a:prstGeom>
+          <a:noFill/>
+        </p:spPr>
+        <p:txBody>
+          <a:bodyPr wrap="square" rtlCol="0">
+            <a:spAutoFit/>
+          </a:bodyPr>
+          <a:lstStyle/>
+          <a:p>
+            <a:pPr marL="0" marR="0" lvl="0" indent="0" algn="l" defTabSz="914400" rtl="0" eaLnBrk="1" fontAlgn="auto" latinLnBrk="0" hangingPunct="1">
+              <a:lnSpc>
+                <a:spcPct val="100000"/>
+              </a:lnSpc>
+              <a:spcBef>
+                <a:spcPts val="0"/>
+              </a:spcBef>
+              <a:spcAft>
+                <a:spcPts val="0"/>
+              </a:spcAft>
+              <a:buClrTx/>
+              <a:buSzTx/>
+              <a:buFontTx/>
+              <a:buNone/>
+              <a:tabLst/>
+              <a:defRPr/>
+            </a:pPr>
+            <a:r>
+              <a:rPr kumimoji="0" lang="en-US" altLang="zh-CN" sz="2800" b="1" i="0" u="none" strike="noStrike" kern="1200" cap="none" spc="0" normalizeH="0" baseline="0" noProof="0" dirty="0">
+                <a:ln>
+                  <a:noFill/>
+                </a:ln>
+                <a:solidFill>
+                  <a:prstClr val="black"/>
+                </a:solidFill>
+                <a:effectLst/>
+                <a:uLnTx/>
+                <a:uFillTx/>
+                <a:latin typeface="等线" panose="020F0502020204030204"/>
+                <a:ea typeface="等线" panose="02010600030101010101" pitchFamily="2" charset="-122"/>
+                <a:cs typeface="+mn-cs"/>
+              </a:rPr>
+              <a:t>Docker</a:t>
+            </a:r>
+            <a:r>
+              <a:rPr kumimoji="0" lang="zh-CN" altLang="en-US" sz="2800" b="1" i="0" u="none" strike="noStrike" kern="1200" cap="none" spc="0" normalizeH="0" baseline="0" noProof="0" dirty="0">
+                <a:ln>
+                  <a:noFill/>
+                </a:ln>
+                <a:solidFill>
+                  <a:prstClr val="black"/>
+                </a:solidFill>
+                <a:effectLst/>
+                <a:uLnTx/>
+                <a:uFillTx/>
+                <a:latin typeface="等线" panose="020F0502020204030204"/>
+                <a:ea typeface="等线" panose="02010600030101010101" pitchFamily="2" charset="-122"/>
+                <a:cs typeface="+mn-cs"/>
+              </a:rPr>
+              <a:t>的理论解释</a:t>
+            </a:r>
+          </a:p>
+        </p:txBody>
+      </p:sp>
+      <p:sp>
+        <p:nvSpPr>
+          <p:cNvPr id="2" name="文本框 1">
+            <a:extLst>
+              <a:ext uri="{FF2B5EF4-FFF2-40B4-BE49-F238E27FC236}">
+                <a16:creationId xmlns:a16="http://schemas.microsoft.com/office/drawing/2014/main" id="{72BD36B0-5D73-5977-95B8-495F14B4CE6F}"/>
+              </a:ext>
+            </a:extLst>
+          </p:cNvPr>
+          <p:cNvSpPr txBox="1"/>
+          <p:nvPr/>
+        </p:nvSpPr>
+        <p:spPr>
+          <a:xfrm>
+            <a:off x="271167" y="1416723"/>
+            <a:ext cx="11773688" cy="707886"/>
+          </a:xfrm>
+          <a:prstGeom prst="rect">
+            <a:avLst/>
+          </a:prstGeom>
+          <a:noFill/>
+        </p:spPr>
+        <p:txBody>
+          <a:bodyPr wrap="square" rtlCol="0">
+            <a:spAutoFit/>
+          </a:bodyPr>
+          <a:lstStyle/>
+          <a:p>
+            <a:pPr algn="ctr"/>
+            <a:r>
+              <a:rPr lang="en-US" altLang="zh-CN" sz="4000" dirty="0" err="1"/>
+              <a:t>DockerBuild</a:t>
+            </a:r>
+            <a:r>
+              <a:rPr lang="en-US" altLang="zh-CN" sz="4000" dirty="0"/>
+              <a:t>&lt;</a:t>
+            </a:r>
+            <a:r>
+              <a:rPr lang="en-US" altLang="zh-CN" sz="4000" dirty="0" err="1"/>
+              <a:t>DockerFile</a:t>
+            </a:r>
+            <a:r>
+              <a:rPr lang="en-US" altLang="zh-CN" sz="4000" dirty="0"/>
+              <a:t>&gt; overlay-fs </a:t>
+            </a:r>
+            <a:r>
+              <a:rPr lang="en-US" altLang="zh-CN" sz="4000" dirty="0" err="1"/>
+              <a:t>BaseImage</a:t>
+            </a:r>
+            <a:endParaRPr lang="en-US" altLang="zh-CN" sz="4000" dirty="0"/>
+          </a:p>
+        </p:txBody>
+      </p:sp>
+      <p:sp>
+        <p:nvSpPr>
+          <p:cNvPr id="3" name="文本框 2">
+            <a:extLst>
+              <a:ext uri="{FF2B5EF4-FFF2-40B4-BE49-F238E27FC236}">
+                <a16:creationId xmlns:a16="http://schemas.microsoft.com/office/drawing/2014/main" id="{655ACAE5-92D3-E1B6-5FC2-37211D1249CB}"/>
+              </a:ext>
+            </a:extLst>
+          </p:cNvPr>
+          <p:cNvSpPr txBox="1"/>
+          <p:nvPr/>
+        </p:nvSpPr>
+        <p:spPr>
+          <a:xfrm>
+            <a:off x="1090974" y="3366272"/>
+            <a:ext cx="10089931" cy="1938992"/>
+          </a:xfrm>
+          <a:prstGeom prst="rect">
+            <a:avLst/>
+          </a:prstGeom>
+          <a:noFill/>
+        </p:spPr>
+        <p:txBody>
+          <a:bodyPr wrap="square" rtlCol="0">
+            <a:spAutoFit/>
+          </a:bodyPr>
+          <a:lstStyle/>
+          <a:p>
+            <a:pPr algn="ctr"/>
+            <a:r>
+              <a:rPr lang="en-US" altLang="zh-CN" sz="4000" dirty="0"/>
+              <a:t>Docker</a:t>
+            </a:r>
+            <a:r>
+              <a:rPr lang="zh-CN" altLang="en-US" sz="4000" dirty="0"/>
+              <a:t>可以看作是可逆计算的一个具体实例</a:t>
+            </a:r>
+            <a:endParaRPr lang="en-US" altLang="zh-CN" sz="4000" dirty="0"/>
+          </a:p>
+          <a:p>
+            <a:pPr algn="ctr"/>
+            <a:r>
+              <a:rPr lang="zh-CN" altLang="en-US" sz="4000" dirty="0"/>
+              <a:t>所有基于差量概念的创新实践都可纳入</a:t>
+            </a:r>
+            <a:endParaRPr lang="en-US" altLang="zh-CN" sz="4000" dirty="0"/>
+          </a:p>
+          <a:p>
+            <a:pPr algn="ctr"/>
+            <a:r>
+              <a:rPr lang="zh-CN" altLang="en-US" sz="4000" dirty="0"/>
+              <a:t>可逆计算理论框架</a:t>
+            </a:r>
+            <a:endParaRPr lang="en-US" altLang="zh-CN" sz="4000" dirty="0"/>
+          </a:p>
+        </p:txBody>
+      </p:sp>
+    </p:spTree>
+    <p:extLst>
+      <p:ext uri="{BB962C8B-B14F-4D97-AF65-F5344CB8AC3E}">
+        <p14:creationId xmlns:p14="http://schemas.microsoft.com/office/powerpoint/2010/main" val="1535226145"/>
+      </p:ext>
+    </p:extLst>
+  </p:cSld>
+  <p:clrMapOvr>
+    <a:masterClrMapping/>
+  </p:clrMapOvr>
+</p:sld>
+</file>
+
+<file path=ppt/slides/slide6.xml><?xml version="1.0" encoding="utf-8"?>
 <p:sld xmlns:a="http://schemas.openxmlformats.org/drawingml/2006/main" xmlns:r="http://schemas.openxmlformats.org/officeDocument/2006/relationships" xmlns:p="http://schemas.openxmlformats.org/presentationml/2006/main">
   <p:cSld>
     <p:spTree>
@@ -5144,7 +8733,7 @@
 </p:sld>
 </file>
 
-<file path=ppt/slides/slide3.xml><?xml version="1.0" encoding="utf-8"?>
+<file path=ppt/slides/slide7.xml><?xml version="1.0" encoding="utf-8"?>
 <p:sld xmlns:a="http://schemas.openxmlformats.org/drawingml/2006/main" xmlns:r="http://schemas.openxmlformats.org/officeDocument/2006/relationships" xmlns:p="http://schemas.openxmlformats.org/presentationml/2006/main">
   <p:cSld>
     <p:spTree>
@@ -5311,7 +8900,7 @@
 </p:sld>
 </file>
 
-<file path=ppt/slides/slide4.xml><?xml version="1.0" encoding="utf-8"?>
+<file path=ppt/slides/slide8.xml><?xml version="1.0" encoding="utf-8"?>
 <p:sld xmlns:a="http://schemas.openxmlformats.org/drawingml/2006/main" xmlns:r="http://schemas.openxmlformats.org/officeDocument/2006/relationships" xmlns:p="http://schemas.openxmlformats.org/presentationml/2006/main">
   <p:cSld>
     <p:spTree>
@@ -5474,7 +9063,7 @@
 </p:sld>
 </file>
 
-<file path=ppt/slides/slide5.xml><?xml version="1.0" encoding="utf-8"?>
+<file path=ppt/slides/slide9.xml><?xml version="1.0" encoding="utf-8"?>
 <p:sld xmlns:a="http://schemas.openxmlformats.org/drawingml/2006/main" xmlns:r="http://schemas.openxmlformats.org/officeDocument/2006/relationships" xmlns:p="http://schemas.openxmlformats.org/presentationml/2006/main">
   <p:cSld>
     <p:spTree>
@@ -5666,760 +9255,6 @@
     <p:extLst>
       <p:ext uri="{BB962C8B-B14F-4D97-AF65-F5344CB8AC3E}">
         <p14:creationId xmlns:p14="http://schemas.microsoft.com/office/powerpoint/2010/main" val="3072280617"/>
-      </p:ext>
-    </p:extLst>
-  </p:cSld>
-  <p:clrMapOvr>
-    <a:masterClrMapping/>
-  </p:clrMapOvr>
-</p:sld>
-</file>
-
-<file path=ppt/slides/slide6.xml><?xml version="1.0" encoding="utf-8"?>
-<p:sld xmlns:a="http://schemas.openxmlformats.org/drawingml/2006/main" xmlns:r="http://schemas.openxmlformats.org/officeDocument/2006/relationships" xmlns:p="http://schemas.openxmlformats.org/presentationml/2006/main">
-  <p:cSld>
-    <p:spTree>
-      <p:nvGrpSpPr>
-        <p:cNvPr id="1" name="">
-          <a:extLst>
-            <a:ext uri="{FF2B5EF4-FFF2-40B4-BE49-F238E27FC236}">
-              <a16:creationId xmlns:a16="http://schemas.microsoft.com/office/drawing/2014/main" id="{14C97A45-EF39-8A17-512B-D8315DCFD635}"/>
-            </a:ext>
-          </a:extLst>
-        </p:cNvPr>
-        <p:cNvGrpSpPr/>
-        <p:nvPr/>
-      </p:nvGrpSpPr>
-      <p:grpSpPr>
-        <a:xfrm>
-          <a:off x="0" y="0"/>
-          <a:ext cx="0" cy="0"/>
-          <a:chOff x="0" y="0"/>
-          <a:chExt cx="0" cy="0"/>
-        </a:xfrm>
-      </p:grpSpPr>
-      <p:sp>
-        <p:nvSpPr>
-          <p:cNvPr id="49" name="文本框 48">
-            <a:extLst>
-              <a:ext uri="{FF2B5EF4-FFF2-40B4-BE49-F238E27FC236}">
-                <a16:creationId xmlns:a16="http://schemas.microsoft.com/office/drawing/2014/main" id="{DC698740-73DC-CB3C-8567-21B4BD88215D}"/>
-              </a:ext>
-            </a:extLst>
-          </p:cNvPr>
-          <p:cNvSpPr txBox="1"/>
-          <p:nvPr/>
-        </p:nvSpPr>
-        <p:spPr>
-          <a:xfrm>
-            <a:off x="434688" y="267393"/>
-            <a:ext cx="2844539" cy="523220"/>
-          </a:xfrm>
-          <a:prstGeom prst="rect">
-            <a:avLst/>
-          </a:prstGeom>
-          <a:noFill/>
-        </p:spPr>
-        <p:txBody>
-          <a:bodyPr wrap="square" rtlCol="0">
-            <a:spAutoFit/>
-          </a:bodyPr>
-          <a:lstStyle/>
-          <a:p>
-            <a:r>
-              <a:rPr lang="en-US" altLang="zh-CN" sz="2800" b="1" dirty="0"/>
-              <a:t>Delta</a:t>
-            </a:r>
-            <a:r>
-              <a:rPr lang="zh-CN" altLang="en-US" sz="2800" b="1" dirty="0"/>
-              <a:t>的结合律</a:t>
-            </a:r>
-          </a:p>
-        </p:txBody>
-      </p:sp>
-      <p:sp>
-        <p:nvSpPr>
-          <p:cNvPr id="3" name="文本框 2">
-            <a:extLst>
-              <a:ext uri="{FF2B5EF4-FFF2-40B4-BE49-F238E27FC236}">
-                <a16:creationId xmlns:a16="http://schemas.microsoft.com/office/drawing/2014/main" id="{3D293AC0-641F-6AE4-4976-22E3A478C63D}"/>
-              </a:ext>
-            </a:extLst>
-          </p:cNvPr>
-          <p:cNvSpPr txBox="1"/>
-          <p:nvPr/>
-        </p:nvSpPr>
-        <p:spPr>
-          <a:xfrm>
-            <a:off x="3745888" y="1658532"/>
-            <a:ext cx="5511624" cy="1384995"/>
-          </a:xfrm>
-          <a:prstGeom prst="rect">
-            <a:avLst/>
-          </a:prstGeom>
-          <a:noFill/>
-        </p:spPr>
-        <p:txBody>
-          <a:bodyPr wrap="square" rtlCol="0">
-            <a:spAutoFit/>
-          </a:bodyPr>
-          <a:lstStyle/>
-          <a:p>
-            <a:r>
-              <a:rPr lang="en-US" altLang="zh-CN" sz="2800" dirty="0"/>
-              <a:t>X  = A + Delta1</a:t>
-            </a:r>
-          </a:p>
-          <a:p>
-            <a:r>
-              <a:rPr lang="en-US" altLang="zh-CN" sz="2800" dirty="0"/>
-              <a:t>Y  = B + Delta1 + Delta2</a:t>
-            </a:r>
-          </a:p>
-          <a:p>
-            <a:r>
-              <a:rPr lang="en-US" altLang="zh-CN" sz="2800" dirty="0"/>
-              <a:t>    = B + Delta3</a:t>
-            </a:r>
-            <a:endParaRPr lang="zh-CN" altLang="en-US" sz="2800" dirty="0"/>
-          </a:p>
-        </p:txBody>
-      </p:sp>
-      <p:sp>
-        <p:nvSpPr>
-          <p:cNvPr id="6" name="文本框 5">
-            <a:extLst>
-              <a:ext uri="{FF2B5EF4-FFF2-40B4-BE49-F238E27FC236}">
-                <a16:creationId xmlns:a16="http://schemas.microsoft.com/office/drawing/2014/main" id="{9BFBA7D9-4D13-51AF-555C-0B2F06D98660}"/>
-              </a:ext>
-            </a:extLst>
-          </p:cNvPr>
-          <p:cNvSpPr txBox="1"/>
-          <p:nvPr/>
-        </p:nvSpPr>
-        <p:spPr>
-          <a:xfrm>
-            <a:off x="1425202" y="3890930"/>
-            <a:ext cx="10197137" cy="1200329"/>
-          </a:xfrm>
-          <a:prstGeom prst="rect">
-            <a:avLst/>
-          </a:prstGeom>
-          <a:noFill/>
-        </p:spPr>
-        <p:txBody>
-          <a:bodyPr wrap="square" rtlCol="0">
-            <a:spAutoFit/>
-          </a:bodyPr>
-          <a:lstStyle/>
-          <a:p>
-            <a:pPr algn="ctr"/>
-            <a:r>
-              <a:rPr lang="zh-CN" altLang="en-US" sz="3600" dirty="0"/>
-              <a:t>同一个</a:t>
-            </a:r>
-            <a:r>
-              <a:rPr lang="en-US" altLang="zh-CN" sz="3600" dirty="0"/>
-              <a:t>Delta</a:t>
-            </a:r>
-            <a:r>
-              <a:rPr lang="zh-CN" altLang="en-US" sz="3600" dirty="0"/>
-              <a:t>可以与不同的</a:t>
-            </a:r>
-            <a:r>
-              <a:rPr lang="en-US" altLang="zh-CN" sz="3600" dirty="0"/>
-              <a:t>Base</a:t>
-            </a:r>
-            <a:r>
-              <a:rPr lang="zh-CN" altLang="en-US" sz="3600" dirty="0"/>
-              <a:t>结合</a:t>
-            </a:r>
-            <a:endParaRPr lang="en-US" altLang="zh-CN" sz="3600" dirty="0"/>
-          </a:p>
-          <a:p>
-            <a:pPr algn="ctr"/>
-            <a:r>
-              <a:rPr lang="zh-CN" altLang="en-US" sz="3600" dirty="0"/>
-              <a:t>多个</a:t>
-            </a:r>
-            <a:r>
-              <a:rPr lang="en-US" altLang="zh-CN" sz="3600" dirty="0"/>
-              <a:t>Delta</a:t>
-            </a:r>
-            <a:r>
-              <a:rPr lang="zh-CN" altLang="en-US" sz="3600" dirty="0"/>
-              <a:t>可以先行结合，然后再与</a:t>
-            </a:r>
-            <a:r>
-              <a:rPr lang="en-US" altLang="zh-CN" sz="3600" dirty="0"/>
-              <a:t>Base</a:t>
-            </a:r>
-            <a:r>
-              <a:rPr lang="zh-CN" altLang="en-US" sz="3600" dirty="0"/>
-              <a:t>结合</a:t>
-            </a:r>
-          </a:p>
-        </p:txBody>
-      </p:sp>
-    </p:spTree>
-    <p:extLst>
-      <p:ext uri="{BB962C8B-B14F-4D97-AF65-F5344CB8AC3E}">
-        <p14:creationId xmlns:p14="http://schemas.microsoft.com/office/powerpoint/2010/main" val="4131799239"/>
-      </p:ext>
-    </p:extLst>
-  </p:cSld>
-  <p:clrMapOvr>
-    <a:masterClrMapping/>
-  </p:clrMapOvr>
-</p:sld>
-</file>
-
-<file path=ppt/slides/slide7.xml><?xml version="1.0" encoding="utf-8"?>
-<p:sld xmlns:a="http://schemas.openxmlformats.org/drawingml/2006/main" xmlns:r="http://schemas.openxmlformats.org/officeDocument/2006/relationships" xmlns:p="http://schemas.openxmlformats.org/presentationml/2006/main">
-  <p:cSld>
-    <p:spTree>
-      <p:nvGrpSpPr>
-        <p:cNvPr id="1" name="">
-          <a:extLst>
-            <a:ext uri="{FF2B5EF4-FFF2-40B4-BE49-F238E27FC236}">
-              <a16:creationId xmlns:a16="http://schemas.microsoft.com/office/drawing/2014/main" id="{D74A3955-9B63-9517-97CD-DB43513C1215}"/>
-            </a:ext>
-          </a:extLst>
-        </p:cNvPr>
-        <p:cNvGrpSpPr/>
-        <p:nvPr/>
-      </p:nvGrpSpPr>
-      <p:grpSpPr>
-        <a:xfrm>
-          <a:off x="0" y="0"/>
-          <a:ext cx="0" cy="0"/>
-          <a:chOff x="0" y="0"/>
-          <a:chExt cx="0" cy="0"/>
-        </a:xfrm>
-      </p:grpSpPr>
-      <p:sp>
-        <p:nvSpPr>
-          <p:cNvPr id="49" name="文本框 48">
-            <a:extLst>
-              <a:ext uri="{FF2B5EF4-FFF2-40B4-BE49-F238E27FC236}">
-                <a16:creationId xmlns:a16="http://schemas.microsoft.com/office/drawing/2014/main" id="{13B76F7B-242F-B39D-C8C6-92452E4E17A2}"/>
-              </a:ext>
-            </a:extLst>
-          </p:cNvPr>
-          <p:cNvSpPr txBox="1"/>
-          <p:nvPr/>
-        </p:nvSpPr>
-        <p:spPr>
-          <a:xfrm>
-            <a:off x="434689" y="267393"/>
-            <a:ext cx="2380430" cy="523220"/>
-          </a:xfrm>
-          <a:prstGeom prst="rect">
-            <a:avLst/>
-          </a:prstGeom>
-          <a:noFill/>
-        </p:spPr>
-        <p:txBody>
-          <a:bodyPr wrap="square" rtlCol="0">
-            <a:spAutoFit/>
-          </a:bodyPr>
-          <a:lstStyle/>
-          <a:p>
-            <a:r>
-              <a:rPr lang="zh-CN" altLang="en-US" sz="2800" b="1" dirty="0"/>
-              <a:t>横向分解</a:t>
-            </a:r>
-          </a:p>
-        </p:txBody>
-      </p:sp>
-      <p:sp>
-        <p:nvSpPr>
-          <p:cNvPr id="3" name="文本框 2">
-            <a:extLst>
-              <a:ext uri="{FF2B5EF4-FFF2-40B4-BE49-F238E27FC236}">
-                <a16:creationId xmlns:a16="http://schemas.microsoft.com/office/drawing/2014/main" id="{8C940053-1FCB-8BAC-7449-FC04B2AC5FB4}"/>
-              </a:ext>
-            </a:extLst>
-          </p:cNvPr>
-          <p:cNvSpPr txBox="1"/>
-          <p:nvPr/>
-        </p:nvSpPr>
-        <p:spPr>
-          <a:xfrm>
-            <a:off x="2232397" y="1658532"/>
-            <a:ext cx="5833243" cy="954107"/>
-          </a:xfrm>
-          <a:prstGeom prst="rect">
-            <a:avLst/>
-          </a:prstGeom>
-          <a:noFill/>
-        </p:spPr>
-        <p:txBody>
-          <a:bodyPr wrap="square" rtlCol="0">
-            <a:spAutoFit/>
-          </a:bodyPr>
-          <a:lstStyle/>
-          <a:p>
-            <a:r>
-              <a:rPr lang="en-US" altLang="zh-CN" sz="2800" dirty="0"/>
-              <a:t>App = G&lt;</a:t>
-            </a:r>
-            <a:r>
-              <a:rPr lang="zh-CN" altLang="en-US" sz="2800" dirty="0"/>
-              <a:t>流程</a:t>
-            </a:r>
-            <a:r>
-              <a:rPr lang="en-US" altLang="zh-CN" sz="2800" dirty="0"/>
-              <a:t>&gt; + G&lt;</a:t>
-            </a:r>
-            <a:r>
-              <a:rPr lang="zh-CN" altLang="en-US" sz="2800" dirty="0"/>
-              <a:t>权限</a:t>
-            </a:r>
-            <a:r>
-              <a:rPr lang="en-US" altLang="zh-CN" sz="2800" dirty="0"/>
-              <a:t>&gt; + ..</a:t>
-            </a:r>
-          </a:p>
-          <a:p>
-            <a:r>
-              <a:rPr lang="en-US" altLang="zh-CN" sz="2800" dirty="0"/>
-              <a:t>App ~ [</a:t>
-            </a:r>
-            <a:r>
-              <a:rPr lang="zh-CN" altLang="en-US" sz="2800" dirty="0"/>
-              <a:t>流程，权限，</a:t>
-            </a:r>
-            <a:r>
-              <a:rPr lang="en-US" altLang="zh-CN" sz="2800" dirty="0"/>
-              <a:t>…]</a:t>
-            </a:r>
-            <a:endParaRPr lang="zh-CN" altLang="en-US" sz="2800" dirty="0"/>
-          </a:p>
-        </p:txBody>
-      </p:sp>
-      <p:sp>
-        <p:nvSpPr>
-          <p:cNvPr id="6" name="文本框 5">
-            <a:extLst>
-              <a:ext uri="{FF2B5EF4-FFF2-40B4-BE49-F238E27FC236}">
-                <a16:creationId xmlns:a16="http://schemas.microsoft.com/office/drawing/2014/main" id="{8C07BB29-489C-253C-F026-8D398F526B38}"/>
-              </a:ext>
-            </a:extLst>
-          </p:cNvPr>
-          <p:cNvSpPr txBox="1"/>
-          <p:nvPr/>
-        </p:nvSpPr>
-        <p:spPr>
-          <a:xfrm>
-            <a:off x="475679" y="3573338"/>
-            <a:ext cx="8034107" cy="646331"/>
-          </a:xfrm>
-          <a:prstGeom prst="rect">
-            <a:avLst/>
-          </a:prstGeom>
-          <a:noFill/>
-        </p:spPr>
-        <p:txBody>
-          <a:bodyPr wrap="square" rtlCol="0">
-            <a:spAutoFit/>
-          </a:bodyPr>
-          <a:lstStyle/>
-          <a:p>
-            <a:pPr algn="ctr"/>
-            <a:r>
-              <a:rPr lang="zh-CN" altLang="en-US" sz="3600" dirty="0"/>
-              <a:t>投影到特性向量空间</a:t>
-            </a:r>
-          </a:p>
-        </p:txBody>
-      </p:sp>
-    </p:spTree>
-    <p:extLst>
-      <p:ext uri="{BB962C8B-B14F-4D97-AF65-F5344CB8AC3E}">
-        <p14:creationId xmlns:p14="http://schemas.microsoft.com/office/powerpoint/2010/main" val="497211616"/>
-      </p:ext>
-    </p:extLst>
-  </p:cSld>
-  <p:clrMapOvr>
-    <a:masterClrMapping/>
-  </p:clrMapOvr>
-</p:sld>
-</file>
-
-<file path=ppt/slides/slide8.xml><?xml version="1.0" encoding="utf-8"?>
-<p:sld xmlns:a="http://schemas.openxmlformats.org/drawingml/2006/main" xmlns:r="http://schemas.openxmlformats.org/officeDocument/2006/relationships" xmlns:p="http://schemas.openxmlformats.org/presentationml/2006/main">
-  <p:cSld>
-    <p:spTree>
-      <p:nvGrpSpPr>
-        <p:cNvPr id="1" name="">
-          <a:extLst>
-            <a:ext uri="{FF2B5EF4-FFF2-40B4-BE49-F238E27FC236}">
-              <a16:creationId xmlns:a16="http://schemas.microsoft.com/office/drawing/2014/main" id="{FD92A35A-0336-B779-6530-1D28B31E3DB5}"/>
-            </a:ext>
-          </a:extLst>
-        </p:cNvPr>
-        <p:cNvGrpSpPr/>
-        <p:nvPr/>
-      </p:nvGrpSpPr>
-      <p:grpSpPr>
-        <a:xfrm>
-          <a:off x="0" y="0"/>
-          <a:ext cx="0" cy="0"/>
-          <a:chOff x="0" y="0"/>
-          <a:chExt cx="0" cy="0"/>
-        </a:xfrm>
-      </p:grpSpPr>
-      <p:sp>
-        <p:nvSpPr>
-          <p:cNvPr id="49" name="文本框 48">
-            <a:extLst>
-              <a:ext uri="{FF2B5EF4-FFF2-40B4-BE49-F238E27FC236}">
-                <a16:creationId xmlns:a16="http://schemas.microsoft.com/office/drawing/2014/main" id="{6E17B5F3-1A6B-B08B-FB65-B8B301BA2B8D}"/>
-              </a:ext>
-            </a:extLst>
-          </p:cNvPr>
-          <p:cNvSpPr txBox="1"/>
-          <p:nvPr/>
-        </p:nvSpPr>
-        <p:spPr>
-          <a:xfrm>
-            <a:off x="434689" y="267393"/>
-            <a:ext cx="2380430" cy="523220"/>
-          </a:xfrm>
-          <a:prstGeom prst="rect">
-            <a:avLst/>
-          </a:prstGeom>
-          <a:noFill/>
-        </p:spPr>
-        <p:txBody>
-          <a:bodyPr wrap="square" rtlCol="0">
-            <a:spAutoFit/>
-          </a:bodyPr>
-          <a:lstStyle/>
-          <a:p>
-            <a:r>
-              <a:rPr lang="zh-CN" altLang="en-US" sz="2800" b="1" dirty="0"/>
-              <a:t>纵向分解</a:t>
-            </a:r>
-          </a:p>
-        </p:txBody>
-      </p:sp>
-      <p:sp>
-        <p:nvSpPr>
-          <p:cNvPr id="3" name="文本框 2">
-            <a:extLst>
-              <a:ext uri="{FF2B5EF4-FFF2-40B4-BE49-F238E27FC236}">
-                <a16:creationId xmlns:a16="http://schemas.microsoft.com/office/drawing/2014/main" id="{98E9BEFB-15BA-97E0-A2F4-688FCA6309D3}"/>
-              </a:ext>
-            </a:extLst>
-          </p:cNvPr>
-          <p:cNvSpPr txBox="1"/>
-          <p:nvPr/>
-        </p:nvSpPr>
-        <p:spPr>
-          <a:xfrm>
-            <a:off x="2232397" y="1658532"/>
-            <a:ext cx="5833243" cy="1815882"/>
-          </a:xfrm>
-          <a:prstGeom prst="rect">
-            <a:avLst/>
-          </a:prstGeom>
-          <a:noFill/>
-        </p:spPr>
-        <p:txBody>
-          <a:bodyPr wrap="square" rtlCol="0">
-            <a:spAutoFit/>
-          </a:bodyPr>
-          <a:lstStyle/>
-          <a:p>
-            <a:r>
-              <a:rPr lang="en-US" altLang="zh-CN" sz="2800" dirty="0"/>
-              <a:t>ORM = Generator&lt;Excel&gt; + Delta</a:t>
-            </a:r>
-          </a:p>
-          <a:p>
-            <a:r>
-              <a:rPr lang="en-US" altLang="zh-CN" sz="2800" dirty="0"/>
-              <a:t>Meta = Generator&lt;ORM&gt; + Delta</a:t>
-            </a:r>
-          </a:p>
-          <a:p>
-            <a:r>
-              <a:rPr lang="en-US" altLang="zh-CN" sz="2800" dirty="0"/>
-              <a:t>View  = Generator&lt;Meta&gt; + Delta</a:t>
-            </a:r>
-          </a:p>
-          <a:p>
-            <a:r>
-              <a:rPr lang="en-US" altLang="zh-CN" sz="2800" dirty="0"/>
-              <a:t>Page = Generator&lt;View&gt; + Delta</a:t>
-            </a:r>
-            <a:endParaRPr lang="zh-CN" altLang="en-US" sz="2800" dirty="0"/>
-          </a:p>
-        </p:txBody>
-      </p:sp>
-      <p:sp>
-        <p:nvSpPr>
-          <p:cNvPr id="6" name="文本框 5">
-            <a:extLst>
-              <a:ext uri="{FF2B5EF4-FFF2-40B4-BE49-F238E27FC236}">
-                <a16:creationId xmlns:a16="http://schemas.microsoft.com/office/drawing/2014/main" id="{7012AC7C-0FC5-1C1E-0502-D9EA9C71E6C0}"/>
-              </a:ext>
-            </a:extLst>
-          </p:cNvPr>
-          <p:cNvSpPr txBox="1"/>
-          <p:nvPr/>
-        </p:nvSpPr>
-        <p:spPr>
-          <a:xfrm>
-            <a:off x="1131964" y="3888648"/>
-            <a:ext cx="8034107" cy="1200329"/>
-          </a:xfrm>
-          <a:prstGeom prst="rect">
-            <a:avLst/>
-          </a:prstGeom>
-          <a:noFill/>
-        </p:spPr>
-        <p:txBody>
-          <a:bodyPr wrap="square" rtlCol="0">
-            <a:spAutoFit/>
-          </a:bodyPr>
-          <a:lstStyle/>
-          <a:p>
-            <a:pPr algn="ctr"/>
-            <a:r>
-              <a:rPr lang="zh-CN" altLang="en-US" sz="3600" dirty="0"/>
-              <a:t>类似深度学习的深度分解</a:t>
-            </a:r>
-            <a:endParaRPr lang="en-US" altLang="zh-CN" sz="3600" dirty="0"/>
-          </a:p>
-          <a:p>
-            <a:pPr algn="ctr"/>
-            <a:r>
-              <a:rPr lang="zh-CN" altLang="en-US" sz="3600" dirty="0"/>
-              <a:t>差量化的软件生产线</a:t>
-            </a:r>
-          </a:p>
-        </p:txBody>
-      </p:sp>
-    </p:spTree>
-    <p:extLst>
-      <p:ext uri="{BB962C8B-B14F-4D97-AF65-F5344CB8AC3E}">
-        <p14:creationId xmlns:p14="http://schemas.microsoft.com/office/powerpoint/2010/main" val="525846413"/>
-      </p:ext>
-    </p:extLst>
-  </p:cSld>
-  <p:clrMapOvr>
-    <a:masterClrMapping/>
-  </p:clrMapOvr>
-</p:sld>
-</file>
-
-<file path=ppt/slides/slide9.xml><?xml version="1.0" encoding="utf-8"?>
-<p:sld xmlns:a="http://schemas.openxmlformats.org/drawingml/2006/main" xmlns:r="http://schemas.openxmlformats.org/officeDocument/2006/relationships" xmlns:p="http://schemas.openxmlformats.org/presentationml/2006/main">
-  <p:cSld>
-    <p:spTree>
-      <p:nvGrpSpPr>
-        <p:cNvPr id="1" name="">
-          <a:extLst>
-            <a:ext uri="{FF2B5EF4-FFF2-40B4-BE49-F238E27FC236}">
-              <a16:creationId xmlns:a16="http://schemas.microsoft.com/office/drawing/2014/main" id="{398B4A8D-4A37-457A-B28A-60E5CBF7C159}"/>
-            </a:ext>
-          </a:extLst>
-        </p:cNvPr>
-        <p:cNvGrpSpPr/>
-        <p:nvPr/>
-      </p:nvGrpSpPr>
-      <p:grpSpPr>
-        <a:xfrm>
-          <a:off x="0" y="0"/>
-          <a:ext cx="0" cy="0"/>
-          <a:chOff x="0" y="0"/>
-          <a:chExt cx="0" cy="0"/>
-        </a:xfrm>
-      </p:grpSpPr>
-      <p:sp>
-        <p:nvSpPr>
-          <p:cNvPr id="49" name="文本框 48">
-            <a:extLst>
-              <a:ext uri="{FF2B5EF4-FFF2-40B4-BE49-F238E27FC236}">
-                <a16:creationId xmlns:a16="http://schemas.microsoft.com/office/drawing/2014/main" id="{BFEC9175-B4A9-FB50-360D-E1E59A4C4880}"/>
-              </a:ext>
-            </a:extLst>
-          </p:cNvPr>
-          <p:cNvSpPr txBox="1"/>
-          <p:nvPr/>
-        </p:nvSpPr>
-        <p:spPr>
-          <a:xfrm>
-            <a:off x="434689" y="267393"/>
-            <a:ext cx="2380430" cy="523220"/>
-          </a:xfrm>
-          <a:prstGeom prst="rect">
-            <a:avLst/>
-          </a:prstGeom>
-          <a:noFill/>
-        </p:spPr>
-        <p:txBody>
-          <a:bodyPr wrap="square" rtlCol="0">
-            <a:spAutoFit/>
-          </a:bodyPr>
-          <a:lstStyle/>
-          <a:p>
-            <a:r>
-              <a:rPr lang="en-US" altLang="zh-CN" sz="2800" b="1" dirty="0"/>
-              <a:t>DSL</a:t>
-            </a:r>
-            <a:r>
-              <a:rPr lang="zh-CN" altLang="en-US" sz="2800" b="1" dirty="0"/>
-              <a:t>森林</a:t>
-            </a:r>
-          </a:p>
-        </p:txBody>
-      </p:sp>
-      <p:sp>
-        <p:nvSpPr>
-          <p:cNvPr id="3" name="文本框 2">
-            <a:extLst>
-              <a:ext uri="{FF2B5EF4-FFF2-40B4-BE49-F238E27FC236}">
-                <a16:creationId xmlns:a16="http://schemas.microsoft.com/office/drawing/2014/main" id="{B3A5489D-AFD9-D052-2BEC-4D1F922701B3}"/>
-              </a:ext>
-            </a:extLst>
-          </p:cNvPr>
-          <p:cNvSpPr txBox="1"/>
-          <p:nvPr/>
-        </p:nvSpPr>
-        <p:spPr>
-          <a:xfrm>
-            <a:off x="1261241" y="1658532"/>
-            <a:ext cx="7977352" cy="1815882"/>
-          </a:xfrm>
-          <a:prstGeom prst="rect">
-            <a:avLst/>
-          </a:prstGeom>
-          <a:noFill/>
-        </p:spPr>
-        <p:txBody>
-          <a:bodyPr wrap="square" rtlCol="0">
-            <a:spAutoFit/>
-          </a:bodyPr>
-          <a:lstStyle/>
-          <a:p>
-            <a:r>
-              <a:rPr lang="zh-CN" altLang="en-US" sz="2800" dirty="0"/>
-              <a:t>软件结构空间中发生的一切都通过程序语言表达</a:t>
-            </a:r>
-            <a:endParaRPr lang="en-US" altLang="zh-CN" sz="2800" dirty="0"/>
-          </a:p>
-          <a:p>
-            <a:r>
-              <a:rPr lang="zh-CN" altLang="en-US" sz="2800" dirty="0"/>
-              <a:t>程序语言定义了软件结构空间的描述坐标系</a:t>
-            </a:r>
-            <a:endParaRPr lang="en-US" altLang="zh-CN" sz="2800" dirty="0"/>
-          </a:p>
-          <a:p>
-            <a:r>
-              <a:rPr lang="zh-CN" altLang="en-US" sz="2800" dirty="0"/>
-              <a:t>通用程序语言是全局坐标系</a:t>
-            </a:r>
-            <a:endParaRPr lang="en-US" altLang="zh-CN" sz="2800" dirty="0"/>
-          </a:p>
-          <a:p>
-            <a:r>
-              <a:rPr lang="en-US" altLang="zh-CN" sz="2800" dirty="0"/>
-              <a:t>DSL</a:t>
-            </a:r>
-            <a:r>
-              <a:rPr lang="zh-CN" altLang="en-US" sz="2800" dirty="0"/>
-              <a:t>森林在不同的局部采用不同的领域结构坐标系</a:t>
-            </a:r>
-            <a:endParaRPr lang="en-US" altLang="zh-CN" sz="2800" dirty="0"/>
-          </a:p>
-        </p:txBody>
-      </p:sp>
-      <p:sp>
-        <p:nvSpPr>
-          <p:cNvPr id="6" name="文本框 5">
-            <a:extLst>
-              <a:ext uri="{FF2B5EF4-FFF2-40B4-BE49-F238E27FC236}">
-                <a16:creationId xmlns:a16="http://schemas.microsoft.com/office/drawing/2014/main" id="{A8FBF210-C231-2603-92C2-840F4E6BF386}"/>
-              </a:ext>
-            </a:extLst>
-          </p:cNvPr>
-          <p:cNvSpPr txBox="1"/>
-          <p:nvPr/>
-        </p:nvSpPr>
-        <p:spPr>
-          <a:xfrm>
-            <a:off x="1131964" y="3888648"/>
-            <a:ext cx="8034107" cy="1754326"/>
-          </a:xfrm>
-          <a:prstGeom prst="rect">
-            <a:avLst/>
-          </a:prstGeom>
-          <a:noFill/>
-        </p:spPr>
-        <p:txBody>
-          <a:bodyPr wrap="square" rtlCol="0">
-            <a:spAutoFit/>
-          </a:bodyPr>
-          <a:lstStyle/>
-          <a:p>
-            <a:pPr algn="ctr"/>
-            <a:r>
-              <a:rPr lang="en-US" altLang="zh-CN" sz="3600" dirty="0"/>
-              <a:t>DSL</a:t>
-            </a:r>
-            <a:r>
-              <a:rPr lang="zh-CN" altLang="en-US" sz="3600" dirty="0"/>
-              <a:t>是</a:t>
-            </a:r>
-            <a:r>
-              <a:rPr lang="en-US" altLang="zh-CN" sz="3600" dirty="0"/>
-              <a:t>DDD</a:t>
-            </a:r>
-            <a:r>
-              <a:rPr lang="zh-CN" altLang="en-US" sz="3600" dirty="0"/>
-              <a:t>中领域语言的最高形态</a:t>
-            </a:r>
-            <a:endParaRPr lang="en-US" altLang="zh-CN" sz="3600" dirty="0"/>
-          </a:p>
-          <a:p>
-            <a:pPr algn="ctr"/>
-            <a:r>
-              <a:rPr lang="zh-CN" altLang="en-US" sz="3600" dirty="0"/>
-              <a:t>横向</a:t>
-            </a:r>
-            <a:r>
-              <a:rPr lang="en-US" altLang="zh-CN" sz="3600" dirty="0"/>
-              <a:t>+</a:t>
-            </a:r>
-            <a:r>
-              <a:rPr lang="zh-CN" altLang="en-US" sz="3600" dirty="0"/>
-              <a:t>纵向分解很自然的产生</a:t>
-            </a:r>
-            <a:r>
-              <a:rPr lang="en-US" altLang="zh-CN" sz="3600" dirty="0"/>
-              <a:t>DSL</a:t>
-            </a:r>
-            <a:r>
-              <a:rPr lang="zh-CN" altLang="en-US" sz="3600" dirty="0"/>
-              <a:t>森林</a:t>
-            </a:r>
-            <a:endParaRPr lang="en-US" altLang="zh-CN" sz="3600" dirty="0"/>
-          </a:p>
-          <a:p>
-            <a:pPr algn="ctr"/>
-            <a:endParaRPr lang="zh-CN" altLang="en-US" sz="3600" dirty="0"/>
-          </a:p>
-        </p:txBody>
-      </p:sp>
-    </p:spTree>
-    <p:extLst>
-      <p:ext uri="{BB962C8B-B14F-4D97-AF65-F5344CB8AC3E}">
-        <p14:creationId xmlns:p14="http://schemas.microsoft.com/office/powerpoint/2010/main" val="70641049"/>
       </p:ext>
     </p:extLst>
   </p:cSld>

--- a/src/ppt/theory-of-reversible-computation.pptx
+++ b/src/ppt/theory-of-reversible-computation.pptx
@@ -296,7 +296,7 @@
           <a:p>
             <a:fld id="{781BEADB-AF5A-4392-865E-B1E711821C65}" type="datetimeFigureOut">
               <a:rPr lang="zh-CN" altLang="en-US" smtClean="0"/>
-              <a:t>2024/12/1</a:t>
+              <a:t>2024/12/7</a:t>
             </a:fld>
             <a:endParaRPr lang="zh-CN" altLang="en-US"/>
           </a:p>
@@ -494,7 +494,7 @@
           <a:p>
             <a:fld id="{781BEADB-AF5A-4392-865E-B1E711821C65}" type="datetimeFigureOut">
               <a:rPr lang="zh-CN" altLang="en-US" smtClean="0"/>
-              <a:t>2024/12/1</a:t>
+              <a:t>2024/12/7</a:t>
             </a:fld>
             <a:endParaRPr lang="zh-CN" altLang="en-US"/>
           </a:p>
@@ -702,7 +702,7 @@
           <a:p>
             <a:fld id="{781BEADB-AF5A-4392-865E-B1E711821C65}" type="datetimeFigureOut">
               <a:rPr lang="zh-CN" altLang="en-US" smtClean="0"/>
-              <a:t>2024/12/1</a:t>
+              <a:t>2024/12/7</a:t>
             </a:fld>
             <a:endParaRPr lang="zh-CN" altLang="en-US"/>
           </a:p>
@@ -900,7 +900,7 @@
           <a:p>
             <a:fld id="{781BEADB-AF5A-4392-865E-B1E711821C65}" type="datetimeFigureOut">
               <a:rPr lang="zh-CN" altLang="en-US" smtClean="0"/>
-              <a:t>2024/12/1</a:t>
+              <a:t>2024/12/7</a:t>
             </a:fld>
             <a:endParaRPr lang="zh-CN" altLang="en-US"/>
           </a:p>
@@ -1175,7 +1175,7 @@
           <a:p>
             <a:fld id="{781BEADB-AF5A-4392-865E-B1E711821C65}" type="datetimeFigureOut">
               <a:rPr lang="zh-CN" altLang="en-US" smtClean="0"/>
-              <a:t>2024/12/1</a:t>
+              <a:t>2024/12/7</a:t>
             </a:fld>
             <a:endParaRPr lang="zh-CN" altLang="en-US"/>
           </a:p>
@@ -1440,7 +1440,7 @@
           <a:p>
             <a:fld id="{781BEADB-AF5A-4392-865E-B1E711821C65}" type="datetimeFigureOut">
               <a:rPr lang="zh-CN" altLang="en-US" smtClean="0"/>
-              <a:t>2024/12/1</a:t>
+              <a:t>2024/12/7</a:t>
             </a:fld>
             <a:endParaRPr lang="zh-CN" altLang="en-US"/>
           </a:p>
@@ -1852,7 +1852,7 @@
           <a:p>
             <a:fld id="{781BEADB-AF5A-4392-865E-B1E711821C65}" type="datetimeFigureOut">
               <a:rPr lang="zh-CN" altLang="en-US" smtClean="0"/>
-              <a:t>2024/12/1</a:t>
+              <a:t>2024/12/7</a:t>
             </a:fld>
             <a:endParaRPr lang="zh-CN" altLang="en-US"/>
           </a:p>
@@ -1993,7 +1993,7 @@
           <a:p>
             <a:fld id="{781BEADB-AF5A-4392-865E-B1E711821C65}" type="datetimeFigureOut">
               <a:rPr lang="zh-CN" altLang="en-US" smtClean="0"/>
-              <a:t>2024/12/1</a:t>
+              <a:t>2024/12/7</a:t>
             </a:fld>
             <a:endParaRPr lang="zh-CN" altLang="en-US"/>
           </a:p>
@@ -2106,7 +2106,7 @@
           <a:p>
             <a:fld id="{781BEADB-AF5A-4392-865E-B1E711821C65}" type="datetimeFigureOut">
               <a:rPr lang="zh-CN" altLang="en-US" smtClean="0"/>
-              <a:t>2024/12/1</a:t>
+              <a:t>2024/12/7</a:t>
             </a:fld>
             <a:endParaRPr lang="zh-CN" altLang="en-US"/>
           </a:p>
@@ -2417,7 +2417,7 @@
           <a:p>
             <a:fld id="{781BEADB-AF5A-4392-865E-B1E711821C65}" type="datetimeFigureOut">
               <a:rPr lang="zh-CN" altLang="en-US" smtClean="0"/>
-              <a:t>2024/12/1</a:t>
+              <a:t>2024/12/7</a:t>
             </a:fld>
             <a:endParaRPr lang="zh-CN" altLang="en-US"/>
           </a:p>
@@ -2705,7 +2705,7 @@
           <a:p>
             <a:fld id="{781BEADB-AF5A-4392-865E-B1E711821C65}" type="datetimeFigureOut">
               <a:rPr lang="zh-CN" altLang="en-US" smtClean="0"/>
-              <a:t>2024/12/1</a:t>
+              <a:t>2024/12/7</a:t>
             </a:fld>
             <a:endParaRPr lang="zh-CN" altLang="en-US"/>
           </a:p>
@@ -2946,7 +2946,7 @@
           <a:p>
             <a:fld id="{781BEADB-AF5A-4392-865E-B1E711821C65}" type="datetimeFigureOut">
               <a:rPr lang="zh-CN" altLang="en-US" smtClean="0"/>
-              <a:t>2024/12/1</a:t>
+              <a:t>2024/12/7</a:t>
             </a:fld>
             <a:endParaRPr lang="zh-CN" altLang="en-US"/>
           </a:p>
@@ -6757,7 +6757,7 @@
         <p:spPr>
           <a:xfrm>
             <a:off x="1727901" y="4754880"/>
-            <a:ext cx="8898058" cy="646331"/>
+            <a:ext cx="8898058" cy="1754326"/>
           </a:xfrm>
           <a:prstGeom prst="rect">
             <a:avLst/>
@@ -6775,6 +6775,23 @@
               <a:rPr lang="zh-CN" altLang="en-US" sz="3600" dirty="0"/>
               <a:t>框架的作用类似于张量积上的线性运算</a:t>
             </a:r>
+            <a:endParaRPr lang="en-US" altLang="zh-CN" sz="3600" dirty="0"/>
+          </a:p>
+          <a:p>
+            <a:pPr algn="ctr"/>
+            <a:r>
+              <a:rPr lang="zh-CN" altLang="en-US" sz="3600" dirty="0"/>
+              <a:t>可逆计算被封装为统一加载器</a:t>
+            </a:r>
+            <a:endParaRPr lang="en-US" altLang="zh-CN" sz="3600" dirty="0"/>
+          </a:p>
+          <a:p>
+            <a:pPr algn="ctr"/>
+            <a:r>
+              <a:rPr lang="zh-CN" altLang="en-US" sz="3600"/>
+              <a:t>运行时不需要了解差量概念</a:t>
+            </a:r>
+            <a:endParaRPr lang="zh-CN" altLang="en-US" sz="3600" dirty="0"/>
           </a:p>
         </p:txBody>
       </p:sp>
@@ -7344,8 +7361,8 @@
           </a:p>
         </p:txBody>
       </p:sp>
-      <mc:AlternateContent xmlns:mc="http://schemas.openxmlformats.org/markup-compatibility/2006">
-        <mc:Choice xmlns:a14="http://schemas.microsoft.com/office/drawing/2010/main" Requires="a14">
+      <mc:AlternateContent xmlns:mc="http://schemas.openxmlformats.org/markup-compatibility/2006" xmlns:a14="http://schemas.microsoft.com/office/drawing/2010/main">
+        <mc:Choice Requires="a14">
           <p:sp>
             <p:nvSpPr>
               <p:cNvPr id="5" name="文本框 4">
@@ -7450,7 +7467,7 @@
             </p:txBody>
           </p:sp>
         </mc:Choice>
-        <mc:Fallback>
+        <mc:Fallback xmlns="">
           <p:sp>
             <p:nvSpPr>
               <p:cNvPr id="5" name="文本框 4">
@@ -8661,7 +8678,7 @@
         </p:nvSpPr>
         <p:spPr>
           <a:xfrm>
-            <a:off x="3607151" y="2009506"/>
+            <a:off x="4099035" y="1961980"/>
             <a:ext cx="2421583" cy="1323439"/>
           </a:xfrm>
           <a:prstGeom prst="rect">
@@ -8699,8 +8716,8 @@
         </p:nvSpPr>
         <p:spPr>
           <a:xfrm>
-            <a:off x="2460998" y="3572581"/>
-            <a:ext cx="6094948" cy="646331"/>
+            <a:off x="2460997" y="3572581"/>
+            <a:ext cx="6191119" cy="1200329"/>
           </a:xfrm>
           <a:prstGeom prst="rect">
             <a:avLst/>
@@ -8713,9 +8730,18 @@
           </a:bodyPr>
           <a:lstStyle/>
           <a:p>
+            <a:pPr algn="ctr"/>
             <a:r>
               <a:rPr lang="zh-CN" altLang="en-US" sz="3600" dirty="0"/>
               <a:t>任何全量都是差量的特例</a:t>
+            </a:r>
+            <a:endParaRPr lang="en-US" altLang="zh-CN" sz="3600" dirty="0"/>
+          </a:p>
+          <a:p>
+            <a:pPr algn="ctr"/>
+            <a:r>
+              <a:rPr lang="zh-CN" altLang="en-US" sz="3600" dirty="0"/>
+              <a:t>差量的差量是一个普通的差量</a:t>
             </a:r>
           </a:p>
         </p:txBody>

--- a/src/ppt/theory-of-reversible-computation.pptx
+++ b/src/ppt/theory-of-reversible-computation.pptx
@@ -6,31 +6,32 @@
   </p:sldMasterIdLst>
   <p:sldIdLst>
     <p:sldId id="258" r:id="rId2"/>
-    <p:sldId id="316" r:id="rId3"/>
-    <p:sldId id="317" r:id="rId4"/>
-    <p:sldId id="319" r:id="rId5"/>
-    <p:sldId id="320" r:id="rId6"/>
-    <p:sldId id="303" r:id="rId7"/>
-    <p:sldId id="309" r:id="rId8"/>
-    <p:sldId id="263" r:id="rId9"/>
-    <p:sldId id="310" r:id="rId10"/>
-    <p:sldId id="311" r:id="rId11"/>
-    <p:sldId id="314" r:id="rId12"/>
-    <p:sldId id="304" r:id="rId13"/>
-    <p:sldId id="305" r:id="rId14"/>
-    <p:sldId id="312" r:id="rId15"/>
-    <p:sldId id="318" r:id="rId16"/>
-    <p:sldId id="306" r:id="rId17"/>
-    <p:sldId id="325" r:id="rId18"/>
-    <p:sldId id="307" r:id="rId19"/>
-    <p:sldId id="308" r:id="rId20"/>
-    <p:sldId id="326" r:id="rId21"/>
-    <p:sldId id="313" r:id="rId22"/>
-    <p:sldId id="315" r:id="rId23"/>
-    <p:sldId id="321" r:id="rId24"/>
-    <p:sldId id="322" r:id="rId25"/>
-    <p:sldId id="323" r:id="rId26"/>
-    <p:sldId id="324" r:id="rId27"/>
+    <p:sldId id="327" r:id="rId3"/>
+    <p:sldId id="316" r:id="rId4"/>
+    <p:sldId id="317" r:id="rId5"/>
+    <p:sldId id="319" r:id="rId6"/>
+    <p:sldId id="320" r:id="rId7"/>
+    <p:sldId id="303" r:id="rId8"/>
+    <p:sldId id="309" r:id="rId9"/>
+    <p:sldId id="263" r:id="rId10"/>
+    <p:sldId id="310" r:id="rId11"/>
+    <p:sldId id="311" r:id="rId12"/>
+    <p:sldId id="314" r:id="rId13"/>
+    <p:sldId id="304" r:id="rId14"/>
+    <p:sldId id="305" r:id="rId15"/>
+    <p:sldId id="312" r:id="rId16"/>
+    <p:sldId id="318" r:id="rId17"/>
+    <p:sldId id="306" r:id="rId18"/>
+    <p:sldId id="325" r:id="rId19"/>
+    <p:sldId id="307" r:id="rId20"/>
+    <p:sldId id="308" r:id="rId21"/>
+    <p:sldId id="326" r:id="rId22"/>
+    <p:sldId id="313" r:id="rId23"/>
+    <p:sldId id="315" r:id="rId24"/>
+    <p:sldId id="321" r:id="rId25"/>
+    <p:sldId id="322" r:id="rId26"/>
+    <p:sldId id="323" r:id="rId27"/>
+    <p:sldId id="324" r:id="rId28"/>
   </p:sldIdLst>
   <p:sldSz cx="12192000" cy="6858000"/>
   <p:notesSz cx="6858000" cy="9144000"/>
@@ -296,7 +297,7 @@
           <a:p>
             <a:fld id="{781BEADB-AF5A-4392-865E-B1E711821C65}" type="datetimeFigureOut">
               <a:rPr lang="zh-CN" altLang="en-US" smtClean="0"/>
-              <a:t>2024/12/7</a:t>
+              <a:t>2024/12/13</a:t>
             </a:fld>
             <a:endParaRPr lang="zh-CN" altLang="en-US"/>
           </a:p>
@@ -494,7 +495,7 @@
           <a:p>
             <a:fld id="{781BEADB-AF5A-4392-865E-B1E711821C65}" type="datetimeFigureOut">
               <a:rPr lang="zh-CN" altLang="en-US" smtClean="0"/>
-              <a:t>2024/12/7</a:t>
+              <a:t>2024/12/13</a:t>
             </a:fld>
             <a:endParaRPr lang="zh-CN" altLang="en-US"/>
           </a:p>
@@ -702,7 +703,7 @@
           <a:p>
             <a:fld id="{781BEADB-AF5A-4392-865E-B1E711821C65}" type="datetimeFigureOut">
               <a:rPr lang="zh-CN" altLang="en-US" smtClean="0"/>
-              <a:t>2024/12/7</a:t>
+              <a:t>2024/12/13</a:t>
             </a:fld>
             <a:endParaRPr lang="zh-CN" altLang="en-US"/>
           </a:p>
@@ -900,7 +901,7 @@
           <a:p>
             <a:fld id="{781BEADB-AF5A-4392-865E-B1E711821C65}" type="datetimeFigureOut">
               <a:rPr lang="zh-CN" altLang="en-US" smtClean="0"/>
-              <a:t>2024/12/7</a:t>
+              <a:t>2024/12/13</a:t>
             </a:fld>
             <a:endParaRPr lang="zh-CN" altLang="en-US"/>
           </a:p>
@@ -1175,7 +1176,7 @@
           <a:p>
             <a:fld id="{781BEADB-AF5A-4392-865E-B1E711821C65}" type="datetimeFigureOut">
               <a:rPr lang="zh-CN" altLang="en-US" smtClean="0"/>
-              <a:t>2024/12/7</a:t>
+              <a:t>2024/12/13</a:t>
             </a:fld>
             <a:endParaRPr lang="zh-CN" altLang="en-US"/>
           </a:p>
@@ -1440,7 +1441,7 @@
           <a:p>
             <a:fld id="{781BEADB-AF5A-4392-865E-B1E711821C65}" type="datetimeFigureOut">
               <a:rPr lang="zh-CN" altLang="en-US" smtClean="0"/>
-              <a:t>2024/12/7</a:t>
+              <a:t>2024/12/13</a:t>
             </a:fld>
             <a:endParaRPr lang="zh-CN" altLang="en-US"/>
           </a:p>
@@ -1852,7 +1853,7 @@
           <a:p>
             <a:fld id="{781BEADB-AF5A-4392-865E-B1E711821C65}" type="datetimeFigureOut">
               <a:rPr lang="zh-CN" altLang="en-US" smtClean="0"/>
-              <a:t>2024/12/7</a:t>
+              <a:t>2024/12/13</a:t>
             </a:fld>
             <a:endParaRPr lang="zh-CN" altLang="en-US"/>
           </a:p>
@@ -1993,7 +1994,7 @@
           <a:p>
             <a:fld id="{781BEADB-AF5A-4392-865E-B1E711821C65}" type="datetimeFigureOut">
               <a:rPr lang="zh-CN" altLang="en-US" smtClean="0"/>
-              <a:t>2024/12/7</a:t>
+              <a:t>2024/12/13</a:t>
             </a:fld>
             <a:endParaRPr lang="zh-CN" altLang="en-US"/>
           </a:p>
@@ -2106,7 +2107,7 @@
           <a:p>
             <a:fld id="{781BEADB-AF5A-4392-865E-B1E711821C65}" type="datetimeFigureOut">
               <a:rPr lang="zh-CN" altLang="en-US" smtClean="0"/>
-              <a:t>2024/12/7</a:t>
+              <a:t>2024/12/13</a:t>
             </a:fld>
             <a:endParaRPr lang="zh-CN" altLang="en-US"/>
           </a:p>
@@ -2417,7 +2418,7 @@
           <a:p>
             <a:fld id="{781BEADB-AF5A-4392-865E-B1E711821C65}" type="datetimeFigureOut">
               <a:rPr lang="zh-CN" altLang="en-US" smtClean="0"/>
-              <a:t>2024/12/7</a:t>
+              <a:t>2024/12/13</a:t>
             </a:fld>
             <a:endParaRPr lang="zh-CN" altLang="en-US"/>
           </a:p>
@@ -2705,7 +2706,7 @@
           <a:p>
             <a:fld id="{781BEADB-AF5A-4392-865E-B1E711821C65}" type="datetimeFigureOut">
               <a:rPr lang="zh-CN" altLang="en-US" smtClean="0"/>
-              <a:t>2024/12/7</a:t>
+              <a:t>2024/12/13</a:t>
             </a:fld>
             <a:endParaRPr lang="zh-CN" altLang="en-US"/>
           </a:p>
@@ -2946,7 +2947,7 @@
           <a:p>
             <a:fld id="{781BEADB-AF5A-4392-865E-B1E711821C65}" type="datetimeFigureOut">
               <a:rPr lang="zh-CN" altLang="en-US" smtClean="0"/>
-              <a:t>2024/12/7</a:t>
+              <a:t>2024/12/13</a:t>
             </a:fld>
             <a:endParaRPr lang="zh-CN" altLang="en-US"/>
           </a:p>
@@ -3473,6 +3474,207 @@
         <p:cNvPr id="1" name="">
           <a:extLst>
             <a:ext uri="{FF2B5EF4-FFF2-40B4-BE49-F238E27FC236}">
+              <a16:creationId xmlns:a16="http://schemas.microsoft.com/office/drawing/2014/main" id="{D93EB8D3-F7DD-6878-899B-C12C0A6E0553}"/>
+            </a:ext>
+          </a:extLst>
+        </p:cNvPr>
+        <p:cNvGrpSpPr/>
+        <p:nvPr/>
+      </p:nvGrpSpPr>
+      <p:grpSpPr>
+        <a:xfrm>
+          <a:off x="0" y="0"/>
+          <a:ext cx="0" cy="0"/>
+          <a:chOff x="0" y="0"/>
+          <a:chExt cx="0" cy="0"/>
+        </a:xfrm>
+      </p:grpSpPr>
+      <p:sp>
+        <p:nvSpPr>
+          <p:cNvPr id="49" name="文本框 48">
+            <a:extLst>
+              <a:ext uri="{FF2B5EF4-FFF2-40B4-BE49-F238E27FC236}">
+                <a16:creationId xmlns:a16="http://schemas.microsoft.com/office/drawing/2014/main" id="{9B5FA474-95FC-1058-394E-10EBC834096D}"/>
+              </a:ext>
+            </a:extLst>
+          </p:cNvPr>
+          <p:cNvSpPr txBox="1"/>
+          <p:nvPr/>
+        </p:nvSpPr>
+        <p:spPr>
+          <a:xfrm>
+            <a:off x="434688" y="267393"/>
+            <a:ext cx="2844539" cy="523220"/>
+          </a:xfrm>
+          <a:prstGeom prst="rect">
+            <a:avLst/>
+          </a:prstGeom>
+          <a:noFill/>
+        </p:spPr>
+        <p:txBody>
+          <a:bodyPr wrap="square" rtlCol="0">
+            <a:spAutoFit/>
+          </a:bodyPr>
+          <a:lstStyle/>
+          <a:p>
+            <a:r>
+              <a:rPr lang="en-US" altLang="zh-CN" sz="2800" b="1" dirty="0"/>
+              <a:t>Delta</a:t>
+            </a:r>
+            <a:r>
+              <a:rPr lang="zh-CN" altLang="en-US" sz="2800" b="1" dirty="0"/>
+              <a:t>的独立性</a:t>
+            </a:r>
+          </a:p>
+        </p:txBody>
+      </p:sp>
+      <p:sp>
+        <p:nvSpPr>
+          <p:cNvPr id="3" name="文本框 2">
+            <a:extLst>
+              <a:ext uri="{FF2B5EF4-FFF2-40B4-BE49-F238E27FC236}">
+                <a16:creationId xmlns:a16="http://schemas.microsoft.com/office/drawing/2014/main" id="{085877E4-AE29-59A3-0546-96549B2FCA08}"/>
+              </a:ext>
+            </a:extLst>
+          </p:cNvPr>
+          <p:cNvSpPr txBox="1"/>
+          <p:nvPr/>
+        </p:nvSpPr>
+        <p:spPr>
+          <a:xfrm>
+            <a:off x="3745888" y="1658532"/>
+            <a:ext cx="4319752" cy="1815882"/>
+          </a:xfrm>
+          <a:prstGeom prst="rect">
+            <a:avLst/>
+          </a:prstGeom>
+          <a:noFill/>
+        </p:spPr>
+        <p:txBody>
+          <a:bodyPr wrap="square" rtlCol="0">
+            <a:spAutoFit/>
+          </a:bodyPr>
+          <a:lstStyle/>
+          <a:p>
+            <a:r>
+              <a:rPr lang="en-US" altLang="zh-CN" sz="2800" dirty="0"/>
+              <a:t>Y  = A +  B</a:t>
+            </a:r>
+          </a:p>
+          <a:p>
+            <a:r>
+              <a:rPr lang="en-US" altLang="zh-CN" sz="2800" dirty="0"/>
+              <a:t>Y’ = (A + </a:t>
+            </a:r>
+            <a:r>
+              <a:rPr lang="en-US" altLang="zh-CN" sz="2800" dirty="0" err="1"/>
+              <a:t>dA</a:t>
+            </a:r>
+            <a:r>
+              <a:rPr lang="en-US" altLang="zh-CN" sz="2800" dirty="0"/>
+              <a:t>) + (B + dB)</a:t>
+            </a:r>
+          </a:p>
+          <a:p>
+            <a:r>
+              <a:rPr lang="en-US" altLang="zh-CN" sz="2800" dirty="0"/>
+              <a:t>    = (A + B) + (</a:t>
+            </a:r>
+            <a:r>
+              <a:rPr lang="en-US" altLang="zh-CN" sz="2800" dirty="0" err="1"/>
+              <a:t>dA</a:t>
+            </a:r>
+            <a:r>
+              <a:rPr lang="en-US" altLang="zh-CN" sz="2800" dirty="0"/>
+              <a:t> + dB)</a:t>
+            </a:r>
+          </a:p>
+          <a:p>
+            <a:r>
+              <a:rPr lang="en-US" altLang="zh-CN" sz="2800" dirty="0"/>
+              <a:t>    = Y + </a:t>
+            </a:r>
+            <a:r>
+              <a:rPr lang="en-US" altLang="zh-CN" sz="2800" dirty="0" err="1"/>
+              <a:t>dY</a:t>
+            </a:r>
+            <a:endParaRPr lang="zh-CN" altLang="en-US" sz="2800" dirty="0"/>
+          </a:p>
+        </p:txBody>
+      </p:sp>
+      <p:sp>
+        <p:nvSpPr>
+          <p:cNvPr id="6" name="文本框 5">
+            <a:extLst>
+              <a:ext uri="{FF2B5EF4-FFF2-40B4-BE49-F238E27FC236}">
+                <a16:creationId xmlns:a16="http://schemas.microsoft.com/office/drawing/2014/main" id="{7BEE7979-FF64-ECC7-647E-C1D7F6F4726A}"/>
+              </a:ext>
+            </a:extLst>
+          </p:cNvPr>
+          <p:cNvSpPr txBox="1"/>
+          <p:nvPr/>
+        </p:nvSpPr>
+        <p:spPr>
+          <a:xfrm>
+            <a:off x="1425202" y="3890930"/>
+            <a:ext cx="10197137" cy="1200329"/>
+          </a:xfrm>
+          <a:prstGeom prst="rect">
+            <a:avLst/>
+          </a:prstGeom>
+          <a:noFill/>
+        </p:spPr>
+        <p:txBody>
+          <a:bodyPr wrap="square" rtlCol="0">
+            <a:spAutoFit/>
+          </a:bodyPr>
+          <a:lstStyle/>
+          <a:p>
+            <a:pPr algn="ctr"/>
+            <a:r>
+              <a:rPr lang="zh-CN" altLang="en-US" sz="3600" dirty="0"/>
+              <a:t>众多分散的</a:t>
+            </a:r>
+            <a:r>
+              <a:rPr lang="en-US" altLang="zh-CN" sz="3600" dirty="0"/>
+              <a:t>Delta</a:t>
+            </a:r>
+            <a:r>
+              <a:rPr lang="zh-CN" altLang="en-US" sz="3600" dirty="0"/>
+              <a:t>汇聚为一个独立的整体</a:t>
+            </a:r>
+            <a:endParaRPr lang="en-US" altLang="zh-CN" sz="3600" dirty="0"/>
+          </a:p>
+          <a:p>
+            <a:pPr algn="ctr"/>
+            <a:r>
+              <a:rPr lang="zh-CN" altLang="en-US" sz="3600" dirty="0"/>
+              <a:t>必然存在可用于定位的无所不在的领域坐标系</a:t>
+            </a:r>
+          </a:p>
+        </p:txBody>
+      </p:sp>
+    </p:spTree>
+    <p:extLst>
+      <p:ext uri="{BB962C8B-B14F-4D97-AF65-F5344CB8AC3E}">
+        <p14:creationId xmlns:p14="http://schemas.microsoft.com/office/powerpoint/2010/main" val="3072280617"/>
+      </p:ext>
+    </p:extLst>
+  </p:cSld>
+  <p:clrMapOvr>
+    <a:masterClrMapping/>
+  </p:clrMapOvr>
+</p:sld>
+</file>
+
+<file path=ppt/slides/slide11.xml><?xml version="1.0" encoding="utf-8"?>
+<p:sld xmlns:a="http://schemas.openxmlformats.org/drawingml/2006/main" xmlns:r="http://schemas.openxmlformats.org/officeDocument/2006/relationships" xmlns:p="http://schemas.openxmlformats.org/presentationml/2006/main">
+  <p:cSld>
+    <p:spTree>
+      <p:nvGrpSpPr>
+        <p:cNvPr id="1" name="">
+          <a:extLst>
+            <a:ext uri="{FF2B5EF4-FFF2-40B4-BE49-F238E27FC236}">
               <a16:creationId xmlns:a16="http://schemas.microsoft.com/office/drawing/2014/main" id="{14C97A45-EF39-8A17-512B-D8315DCFD635}"/>
             </a:ext>
           </a:extLst>
@@ -3664,7 +3866,7 @@
 </p:sld>
 </file>
 
-<file path=ppt/slides/slide11.xml><?xml version="1.0" encoding="utf-8"?>
+<file path=ppt/slides/slide12.xml><?xml version="1.0" encoding="utf-8"?>
 <p:sld xmlns:a="http://schemas.openxmlformats.org/drawingml/2006/main" xmlns:r="http://schemas.openxmlformats.org/officeDocument/2006/relationships" xmlns:p="http://schemas.openxmlformats.org/presentationml/2006/main">
   <p:cSld>
     <p:spTree>
@@ -3868,7 +4070,7 @@
 </p:sld>
 </file>
 
-<file path=ppt/slides/slide12.xml><?xml version="1.0" encoding="utf-8"?>
+<file path=ppt/slides/slide13.xml><?xml version="1.0" encoding="utf-8"?>
 <p:sld xmlns:a="http://schemas.openxmlformats.org/drawingml/2006/main" xmlns:r="http://schemas.openxmlformats.org/officeDocument/2006/relationships" xmlns:p="http://schemas.openxmlformats.org/presentationml/2006/main">
   <p:cSld>
     <p:spTree>
@@ -4041,7 +4243,7 @@
 </p:sld>
 </file>
 
-<file path=ppt/slides/slide13.xml><?xml version="1.0" encoding="utf-8"?>
+<file path=ppt/slides/slide14.xml><?xml version="1.0" encoding="utf-8"?>
 <p:sld xmlns:a="http://schemas.openxmlformats.org/drawingml/2006/main" xmlns:r="http://schemas.openxmlformats.org/officeDocument/2006/relationships" xmlns:p="http://schemas.openxmlformats.org/presentationml/2006/main">
   <p:cSld>
     <p:spTree>
@@ -4210,7 +4412,7 @@
 </p:sld>
 </file>
 
-<file path=ppt/slides/slide14.xml><?xml version="1.0" encoding="utf-8"?>
+<file path=ppt/slides/slide15.xml><?xml version="1.0" encoding="utf-8"?>
 <p:sld xmlns:a="http://schemas.openxmlformats.org/drawingml/2006/main" xmlns:r="http://schemas.openxmlformats.org/officeDocument/2006/relationships" xmlns:p="http://schemas.openxmlformats.org/presentationml/2006/main">
   <p:cSld>
     <p:spTree>
@@ -4423,7 +4625,7 @@
 </p:sld>
 </file>
 
-<file path=ppt/slides/slide15.xml><?xml version="1.0" encoding="utf-8"?>
+<file path=ppt/slides/slide16.xml><?xml version="1.0" encoding="utf-8"?>
 <p:sld xmlns:a="http://schemas.openxmlformats.org/drawingml/2006/main" xmlns:r="http://schemas.openxmlformats.org/officeDocument/2006/relationships" xmlns:p="http://schemas.openxmlformats.org/presentationml/2006/main">
   <p:cSld>
     <p:spTree>
@@ -4619,7 +4821,7 @@
 </p:sld>
 </file>
 
-<file path=ppt/slides/slide16.xml><?xml version="1.0" encoding="utf-8"?>
+<file path=ppt/slides/slide17.xml><?xml version="1.0" encoding="utf-8"?>
 <p:sld xmlns:a="http://schemas.openxmlformats.org/drawingml/2006/main" xmlns:r="http://schemas.openxmlformats.org/officeDocument/2006/relationships" xmlns:p="http://schemas.openxmlformats.org/presentationml/2006/main">
   <p:cSld>
     <p:spTree>
@@ -4804,7 +5006,7 @@
 </p:sld>
 </file>
 
-<file path=ppt/slides/slide17.xml><?xml version="1.0" encoding="utf-8"?>
+<file path=ppt/slides/slide18.xml><?xml version="1.0" encoding="utf-8"?>
 <p:sld xmlns:a="http://schemas.openxmlformats.org/drawingml/2006/main" xmlns:r="http://schemas.openxmlformats.org/officeDocument/2006/relationships" xmlns:p="http://schemas.openxmlformats.org/presentationml/2006/main">
   <p:cSld>
     <p:spTree>
@@ -5003,7 +5205,7 @@
 </p:sld>
 </file>
 
-<file path=ppt/slides/slide18.xml><?xml version="1.0" encoding="utf-8"?>
+<file path=ppt/slides/slide19.xml><?xml version="1.0" encoding="utf-8"?>
 <p:sld xmlns:a="http://schemas.openxmlformats.org/drawingml/2006/main" xmlns:r="http://schemas.openxmlformats.org/officeDocument/2006/relationships" xmlns:p="http://schemas.openxmlformats.org/presentationml/2006/main">
   <p:cSld>
     <p:spTree>
@@ -5200,7 +5402,217 @@
 </p:sld>
 </file>
 
-<file path=ppt/slides/slide19.xml><?xml version="1.0" encoding="utf-8"?>
+<file path=ppt/slides/slide2.xml><?xml version="1.0" encoding="utf-8"?>
+<p:sld xmlns:a="http://schemas.openxmlformats.org/drawingml/2006/main" xmlns:r="http://schemas.openxmlformats.org/officeDocument/2006/relationships" xmlns:p="http://schemas.openxmlformats.org/presentationml/2006/main">
+  <p:cSld>
+    <p:spTree>
+      <p:nvGrpSpPr>
+        <p:cNvPr id="1" name="">
+          <a:extLst>
+            <a:ext uri="{FF2B5EF4-FFF2-40B4-BE49-F238E27FC236}">
+              <a16:creationId xmlns:a16="http://schemas.microsoft.com/office/drawing/2014/main" id="{AAA5AD67-083A-0468-4B06-AB21EFA1441F}"/>
+            </a:ext>
+          </a:extLst>
+        </p:cNvPr>
+        <p:cNvGrpSpPr/>
+        <p:nvPr/>
+      </p:nvGrpSpPr>
+      <p:grpSpPr>
+        <a:xfrm>
+          <a:off x="0" y="0"/>
+          <a:ext cx="0" cy="0"/>
+          <a:chOff x="0" y="0"/>
+          <a:chExt cx="0" cy="0"/>
+        </a:xfrm>
+      </p:grpSpPr>
+      <p:sp>
+        <p:nvSpPr>
+          <p:cNvPr id="49" name="文本框 48">
+            <a:extLst>
+              <a:ext uri="{FF2B5EF4-FFF2-40B4-BE49-F238E27FC236}">
+                <a16:creationId xmlns:a16="http://schemas.microsoft.com/office/drawing/2014/main" id="{FC949DEF-D174-DF76-3C84-76B4A73E0BA5}"/>
+              </a:ext>
+            </a:extLst>
+          </p:cNvPr>
+          <p:cNvSpPr txBox="1"/>
+          <p:nvPr/>
+        </p:nvSpPr>
+        <p:spPr>
+          <a:xfrm>
+            <a:off x="434688" y="267393"/>
+            <a:ext cx="4591359" cy="523220"/>
+          </a:xfrm>
+          <a:prstGeom prst="rect">
+            <a:avLst/>
+          </a:prstGeom>
+          <a:noFill/>
+        </p:spPr>
+        <p:txBody>
+          <a:bodyPr wrap="square" rtlCol="0">
+            <a:spAutoFit/>
+          </a:bodyPr>
+          <a:lstStyle/>
+          <a:p>
+            <a:pPr marL="0" marR="0" lvl="0" indent="0" algn="l" defTabSz="914400" rtl="0" eaLnBrk="1" fontAlgn="auto" latinLnBrk="0" hangingPunct="1">
+              <a:lnSpc>
+                <a:spcPct val="100000"/>
+              </a:lnSpc>
+              <a:spcBef>
+                <a:spcPts val="0"/>
+              </a:spcBef>
+              <a:spcAft>
+                <a:spcPts val="0"/>
+              </a:spcAft>
+              <a:buClrTx/>
+              <a:buSzTx/>
+              <a:buFontTx/>
+              <a:buNone/>
+              <a:tabLst/>
+              <a:defRPr/>
+            </a:pPr>
+            <a:r>
+              <a:rPr lang="zh-CN" altLang="en-US" sz="2800" b="1" dirty="0">
+                <a:solidFill>
+                  <a:prstClr val="black"/>
+                </a:solidFill>
+                <a:latin typeface="等线" panose="020F0502020204030204"/>
+                <a:ea typeface="等线" panose="02010600030101010101" pitchFamily="2" charset="-122"/>
+              </a:rPr>
+              <a:t>波粒二象性</a:t>
+            </a:r>
+            <a:endParaRPr kumimoji="0" lang="zh-CN" altLang="en-US" sz="2800" b="1" i="0" u="none" strike="noStrike" kern="1200" cap="none" spc="0" normalizeH="0" baseline="0" noProof="0" dirty="0">
+              <a:ln>
+                <a:noFill/>
+              </a:ln>
+              <a:solidFill>
+                <a:prstClr val="black"/>
+              </a:solidFill>
+              <a:effectLst/>
+              <a:uLnTx/>
+              <a:uFillTx/>
+              <a:latin typeface="等线" panose="020F0502020204030204"/>
+              <a:ea typeface="等线" panose="02010600030101010101" pitchFamily="2" charset="-122"/>
+              <a:cs typeface="+mn-cs"/>
+            </a:endParaRPr>
+          </a:p>
+        </p:txBody>
+      </p:sp>
+      <p:sp>
+        <p:nvSpPr>
+          <p:cNvPr id="2" name="文本框 1">
+            <a:extLst>
+              <a:ext uri="{FF2B5EF4-FFF2-40B4-BE49-F238E27FC236}">
+                <a16:creationId xmlns:a16="http://schemas.microsoft.com/office/drawing/2014/main" id="{E1DA39DE-089F-6DE1-4DF3-9764269C764D}"/>
+              </a:ext>
+            </a:extLst>
+          </p:cNvPr>
+          <p:cNvSpPr txBox="1"/>
+          <p:nvPr/>
+        </p:nvSpPr>
+        <p:spPr>
+          <a:xfrm>
+            <a:off x="1702676" y="1737346"/>
+            <a:ext cx="7699879" cy="1107996"/>
+          </a:xfrm>
+          <a:prstGeom prst="rect">
+            <a:avLst/>
+          </a:prstGeom>
+          <a:noFill/>
+        </p:spPr>
+        <p:txBody>
+          <a:bodyPr wrap="square" rtlCol="0">
+            <a:spAutoFit/>
+          </a:bodyPr>
+          <a:lstStyle/>
+          <a:p>
+            <a:r>
+              <a:rPr lang="en-US" altLang="zh-CN" sz="4000" dirty="0"/>
+              <a:t>           </a:t>
+            </a:r>
+            <a:r>
+              <a:rPr lang="zh-CN" altLang="en-US" sz="6600" dirty="0"/>
+              <a:t>组合 </a:t>
+            </a:r>
+            <a:r>
+              <a:rPr lang="en-US" altLang="zh-CN" sz="6600" dirty="0"/>
+              <a:t>vs. </a:t>
+            </a:r>
+            <a:r>
+              <a:rPr lang="zh-CN" altLang="en-US" sz="6600" dirty="0"/>
+              <a:t>叠加    </a:t>
+            </a:r>
+            <a:endParaRPr lang="en-US" altLang="zh-CN" sz="6600" dirty="0"/>
+          </a:p>
+        </p:txBody>
+      </p:sp>
+      <p:sp>
+        <p:nvSpPr>
+          <p:cNvPr id="4" name="文本框 3">
+            <a:extLst>
+              <a:ext uri="{FF2B5EF4-FFF2-40B4-BE49-F238E27FC236}">
+                <a16:creationId xmlns:a16="http://schemas.microsoft.com/office/drawing/2014/main" id="{6125F380-62B9-8495-2FFF-5EC704427BC6}"/>
+              </a:ext>
+            </a:extLst>
+          </p:cNvPr>
+          <p:cNvSpPr txBox="1"/>
+          <p:nvPr/>
+        </p:nvSpPr>
+        <p:spPr>
+          <a:xfrm>
+            <a:off x="3051985" y="3735186"/>
+            <a:ext cx="5858686" cy="1754326"/>
+          </a:xfrm>
+          <a:prstGeom prst="rect">
+            <a:avLst/>
+          </a:prstGeom>
+          <a:noFill/>
+        </p:spPr>
+        <p:txBody>
+          <a:bodyPr wrap="square" rtlCol="0">
+            <a:spAutoFit/>
+          </a:bodyPr>
+          <a:lstStyle/>
+          <a:p>
+            <a:r>
+              <a:rPr lang="zh-CN" altLang="en-US" sz="3600" dirty="0"/>
+              <a:t>粒子：离散个体，相互组合    </a:t>
+            </a:r>
+            <a:endParaRPr lang="en-US" altLang="zh-CN" sz="3600" dirty="0"/>
+          </a:p>
+          <a:p>
+            <a:r>
+              <a:rPr lang="en-US" altLang="zh-CN" sz="3600" dirty="0"/>
+              <a:t>    </a:t>
+            </a:r>
+            <a:r>
+              <a:rPr lang="zh-CN" altLang="en-US" sz="3600" dirty="0"/>
+              <a:t>波：连续模式，干涉叠加</a:t>
+            </a:r>
+            <a:endParaRPr lang="en-US" altLang="zh-CN" sz="3600" dirty="0"/>
+          </a:p>
+          <a:p>
+            <a:r>
+              <a:rPr lang="zh-CN" altLang="en-US" sz="3600" dirty="0"/>
+              <a:t>量子：粒子即波，波即粒子   </a:t>
+            </a:r>
+            <a:endParaRPr lang="en-US" altLang="zh-CN" sz="3600" dirty="0"/>
+          </a:p>
+        </p:txBody>
+      </p:sp>
+    </p:spTree>
+    <p:extLst>
+      <p:ext uri="{BB962C8B-B14F-4D97-AF65-F5344CB8AC3E}">
+        <p14:creationId xmlns:p14="http://schemas.microsoft.com/office/powerpoint/2010/main" val="623247443"/>
+      </p:ext>
+    </p:extLst>
+  </p:cSld>
+  <p:clrMapOvr>
+    <a:masterClrMapping/>
+  </p:clrMapOvr>
+</p:sld>
+</file>
+
+<file path=ppt/slides/slide20.xml><?xml version="1.0" encoding="utf-8"?>
 <p:sld xmlns:a="http://schemas.openxmlformats.org/drawingml/2006/main" xmlns:r="http://schemas.openxmlformats.org/officeDocument/2006/relationships" xmlns:p="http://schemas.openxmlformats.org/presentationml/2006/main">
   <p:cSld>
     <p:spTree>
@@ -5462,288 +5874,7 @@
 </p:sld>
 </file>
 
-<file path=ppt/slides/slide2.xml><?xml version="1.0" encoding="utf-8"?>
-<p:sld xmlns:a="http://schemas.openxmlformats.org/drawingml/2006/main" xmlns:r="http://schemas.openxmlformats.org/officeDocument/2006/relationships" xmlns:p="http://schemas.openxmlformats.org/presentationml/2006/main">
-  <p:cSld>
-    <p:spTree>
-      <p:nvGrpSpPr>
-        <p:cNvPr id="1" name="">
-          <a:extLst>
-            <a:ext uri="{FF2B5EF4-FFF2-40B4-BE49-F238E27FC236}">
-              <a16:creationId xmlns:a16="http://schemas.microsoft.com/office/drawing/2014/main" id="{A06C4391-B621-F9A0-5FCF-E6CDFDE59F42}"/>
-            </a:ext>
-          </a:extLst>
-        </p:cNvPr>
-        <p:cNvGrpSpPr/>
-        <p:nvPr/>
-      </p:nvGrpSpPr>
-      <p:grpSpPr>
-        <a:xfrm>
-          <a:off x="0" y="0"/>
-          <a:ext cx="0" cy="0"/>
-          <a:chOff x="0" y="0"/>
-          <a:chExt cx="0" cy="0"/>
-        </a:xfrm>
-      </p:grpSpPr>
-      <p:sp>
-        <p:nvSpPr>
-          <p:cNvPr id="49" name="文本框 48">
-            <a:extLst>
-              <a:ext uri="{FF2B5EF4-FFF2-40B4-BE49-F238E27FC236}">
-                <a16:creationId xmlns:a16="http://schemas.microsoft.com/office/drawing/2014/main" id="{FCCFA090-07AF-74B8-33CF-E33873817493}"/>
-              </a:ext>
-            </a:extLst>
-          </p:cNvPr>
-          <p:cNvSpPr txBox="1"/>
-          <p:nvPr/>
-        </p:nvSpPr>
-        <p:spPr>
-          <a:xfrm>
-            <a:off x="434688" y="267393"/>
-            <a:ext cx="4591359" cy="523220"/>
-          </a:xfrm>
-          <a:prstGeom prst="rect">
-            <a:avLst/>
-          </a:prstGeom>
-          <a:noFill/>
-        </p:spPr>
-        <p:txBody>
-          <a:bodyPr wrap="square" rtlCol="0">
-            <a:spAutoFit/>
-          </a:bodyPr>
-          <a:lstStyle/>
-          <a:p>
-            <a:pPr marL="0" marR="0" lvl="0" indent="0" algn="l" defTabSz="914400" rtl="0" eaLnBrk="1" fontAlgn="auto" latinLnBrk="0" hangingPunct="1">
-              <a:lnSpc>
-                <a:spcPct val="100000"/>
-              </a:lnSpc>
-              <a:spcBef>
-                <a:spcPts val="0"/>
-              </a:spcBef>
-              <a:spcAft>
-                <a:spcPts val="0"/>
-              </a:spcAft>
-              <a:buClrTx/>
-              <a:buSzTx/>
-              <a:buFontTx/>
-              <a:buNone/>
-              <a:tabLst/>
-              <a:defRPr/>
-            </a:pPr>
-            <a:r>
-              <a:rPr kumimoji="0" lang="zh-CN" altLang="en-US" sz="2800" b="1" i="0" u="none" strike="noStrike" kern="1200" cap="none" spc="0" normalizeH="0" baseline="0" noProof="0" dirty="0">
-                <a:ln>
-                  <a:noFill/>
-                </a:ln>
-                <a:solidFill>
-                  <a:prstClr val="black"/>
-                </a:solidFill>
-                <a:effectLst/>
-                <a:uLnTx/>
-                <a:uFillTx/>
-                <a:latin typeface="等线" panose="020F0502020204030204"/>
-                <a:ea typeface="等线" panose="02010600030101010101" pitchFamily="2" charset="-122"/>
-                <a:cs typeface="+mn-cs"/>
-              </a:rPr>
-              <a:t>图灵完备的第三条技术路线</a:t>
-            </a:r>
-          </a:p>
-        </p:txBody>
-      </p:sp>
-      <p:sp>
-        <p:nvSpPr>
-          <p:cNvPr id="2" name="文本框 1">
-            <a:extLst>
-              <a:ext uri="{FF2B5EF4-FFF2-40B4-BE49-F238E27FC236}">
-                <a16:creationId xmlns:a16="http://schemas.microsoft.com/office/drawing/2014/main" id="{123AE87D-C3A1-2EF7-09D9-800E153C6DAD}"/>
-              </a:ext>
-            </a:extLst>
-          </p:cNvPr>
-          <p:cNvSpPr txBox="1"/>
-          <p:nvPr/>
-        </p:nvSpPr>
-        <p:spPr>
-          <a:xfrm>
-            <a:off x="1954924" y="1416723"/>
-            <a:ext cx="7699879" cy="2554545"/>
-          </a:xfrm>
-          <a:prstGeom prst="rect">
-            <a:avLst/>
-          </a:prstGeom>
-          <a:noFill/>
-        </p:spPr>
-        <p:txBody>
-          <a:bodyPr wrap="square" rtlCol="0">
-            <a:spAutoFit/>
-          </a:bodyPr>
-          <a:lstStyle/>
-          <a:p>
-            <a:r>
-              <a:rPr lang="en-US" altLang="zh-CN" sz="4000" dirty="0"/>
-              <a:t>           Y = F(X)</a:t>
-            </a:r>
-          </a:p>
-          <a:p>
-            <a:pPr algn="ctr"/>
-            <a:r>
-              <a:rPr lang="en-US" altLang="zh-CN" sz="4000" dirty="0"/>
-              <a:t>  = (F0+F1)(X0+X1)</a:t>
-            </a:r>
-          </a:p>
-          <a:p>
-            <a:pPr algn="ctr"/>
-            <a:r>
-              <a:rPr lang="en-US" altLang="zh-CN" sz="4000" dirty="0"/>
-              <a:t>= F0(X0) + Delta</a:t>
-            </a:r>
-          </a:p>
-          <a:p>
-            <a:pPr algn="ctr"/>
-            <a:r>
-              <a:rPr lang="zh-CN" altLang="en-US" sz="4000" dirty="0"/>
-              <a:t>    </a:t>
-            </a:r>
-            <a:endParaRPr lang="en-US" altLang="zh-CN" sz="4000" dirty="0"/>
-          </a:p>
-        </p:txBody>
-      </p:sp>
-      <mc:AlternateContent xmlns:mc="http://schemas.openxmlformats.org/markup-compatibility/2006" xmlns:a14="http://schemas.microsoft.com/office/drawing/2010/main">
-        <mc:Choice Requires="a14">
-          <p:sp>
-            <p:nvSpPr>
-              <p:cNvPr id="3" name="文本框 2">
-                <a:extLst>
-                  <a:ext uri="{FF2B5EF4-FFF2-40B4-BE49-F238E27FC236}">
-                    <a16:creationId xmlns:a16="http://schemas.microsoft.com/office/drawing/2014/main" id="{24E2CD5D-C17B-E1E9-59C4-0C3F645A63B3}"/>
-                  </a:ext>
-                </a:extLst>
-              </p:cNvPr>
-              <p:cNvSpPr txBox="1"/>
-              <p:nvPr/>
-            </p:nvSpPr>
-            <p:spPr>
-              <a:xfrm>
-                <a:off x="1954924" y="3826744"/>
-                <a:ext cx="7863839" cy="1938992"/>
-              </a:xfrm>
-              <a:prstGeom prst="rect">
-                <a:avLst/>
-              </a:prstGeom>
-              <a:noFill/>
-            </p:spPr>
-            <p:txBody>
-              <a:bodyPr wrap="square" rtlCol="0">
-                <a:spAutoFit/>
-              </a:bodyPr>
-              <a:lstStyle/>
-              <a:p>
-                <a:pPr algn="ctr"/>
-                <a:r>
-                  <a:rPr lang="zh-CN" altLang="en-US" sz="4000" dirty="0"/>
-                  <a:t>    图灵机：固定机器，无限数据</a:t>
-                </a:r>
-                <a:endParaRPr lang="en-US" altLang="zh-CN" sz="4000" dirty="0"/>
-              </a:p>
-              <a:p>
-                <a:pPr algn="ctr"/>
-                <a14:m>
-                  <m:oMath xmlns:m="http://schemas.openxmlformats.org/officeDocument/2006/math">
-                    <m:r>
-                      <a:rPr lang="en-US" altLang="zh-CN" sz="4000" b="0" i="1" smtClean="0">
-                        <a:latin typeface="Cambria Math" panose="02040503050406030204" pitchFamily="18" charset="0"/>
-                      </a:rPr>
-                      <m:t>       </m:t>
-                    </m:r>
-                    <m:r>
-                      <a:rPr lang="zh-CN" altLang="en-US" sz="4000" i="1" smtClean="0">
-                        <a:latin typeface="Cambria Math" panose="02040503050406030204" pitchFamily="18" charset="0"/>
-                      </a:rPr>
-                      <m:t>𝜆</m:t>
-                    </m:r>
-                    <m:r>
-                      <a:rPr lang="zh-CN" altLang="en-US" sz="4000" i="1">
-                        <a:latin typeface="Cambria Math" panose="02040503050406030204" pitchFamily="18" charset="0"/>
-                      </a:rPr>
-                      <m:t>演算</m:t>
-                    </m:r>
-                  </m:oMath>
-                </a14:m>
-                <a:r>
-                  <a:rPr lang="zh-CN" altLang="en-US" sz="4000" dirty="0"/>
-                  <a:t>：固定数据，无限机器</a:t>
-                </a:r>
-                <a:endParaRPr lang="en-US" altLang="zh-CN" sz="4000" dirty="0"/>
-              </a:p>
-              <a:p>
-                <a:pPr algn="ctr"/>
-                <a:r>
-                  <a:rPr lang="zh-CN" altLang="en-US" sz="4000" dirty="0"/>
-                  <a:t>可逆计算：有限认知，微扰展开</a:t>
-                </a:r>
-                <a:endParaRPr lang="en-US" altLang="zh-CN" sz="4000" dirty="0"/>
-              </a:p>
-            </p:txBody>
-          </p:sp>
-        </mc:Choice>
-        <mc:Fallback xmlns="">
-          <p:sp>
-            <p:nvSpPr>
-              <p:cNvPr id="3" name="文本框 2">
-                <a:extLst>
-                  <a:ext uri="{FF2B5EF4-FFF2-40B4-BE49-F238E27FC236}">
-                    <a16:creationId xmlns:a16="http://schemas.microsoft.com/office/drawing/2014/main" id="{24E2CD5D-C17B-E1E9-59C4-0C3F645A63B3}"/>
-                  </a:ext>
-                </a:extLst>
-              </p:cNvPr>
-              <p:cNvSpPr txBox="1">
-                <a:spLocks noRot="1" noChangeAspect="1" noMove="1" noResize="1" noEditPoints="1" noAdjustHandles="1" noChangeArrowheads="1" noChangeShapeType="1" noTextEdit="1"/>
-              </p:cNvSpPr>
-              <p:nvPr/>
-            </p:nvSpPr>
-            <p:spPr>
-              <a:xfrm>
-                <a:off x="1954924" y="3826744"/>
-                <a:ext cx="7863839" cy="1938992"/>
-              </a:xfrm>
-              <a:prstGeom prst="rect">
-                <a:avLst/>
-              </a:prstGeom>
-              <a:blipFill>
-                <a:blip r:embed="rId2"/>
-                <a:stretch>
-                  <a:fillRect t="-5660" b="-12579"/>
-                </a:stretch>
-              </a:blipFill>
-            </p:spPr>
-            <p:txBody>
-              <a:bodyPr/>
-              <a:lstStyle/>
-              <a:p>
-                <a:r>
-                  <a:rPr lang="zh-CN" altLang="en-US">
-                    <a:noFill/>
-                  </a:rPr>
-                  <a:t> </a:t>
-                </a:r>
-              </a:p>
-            </p:txBody>
-          </p:sp>
-        </mc:Fallback>
-      </mc:AlternateContent>
-    </p:spTree>
-    <p:extLst>
-      <p:ext uri="{BB962C8B-B14F-4D97-AF65-F5344CB8AC3E}">
-        <p14:creationId xmlns:p14="http://schemas.microsoft.com/office/powerpoint/2010/main" val="4251900169"/>
-      </p:ext>
-    </p:extLst>
-  </p:cSld>
-  <p:clrMapOvr>
-    <a:masterClrMapping/>
-  </p:clrMapOvr>
-</p:sld>
-</file>
-
-<file path=ppt/slides/slide20.xml><?xml version="1.0" encoding="utf-8"?>
+<file path=ppt/slides/slide21.xml><?xml version="1.0" encoding="utf-8"?>
 <p:sld xmlns:a="http://schemas.openxmlformats.org/drawingml/2006/main" xmlns:r="http://schemas.openxmlformats.org/officeDocument/2006/relationships" xmlns:p="http://schemas.openxmlformats.org/presentationml/2006/main">
   <p:cSld>
     <p:spTree>
@@ -5912,7 +6043,7 @@
 </p:sld>
 </file>
 
-<file path=ppt/slides/slide21.xml><?xml version="1.0" encoding="utf-8"?>
+<file path=ppt/slides/slide22.xml><?xml version="1.0" encoding="utf-8"?>
 <p:sld xmlns:a="http://schemas.openxmlformats.org/drawingml/2006/main" xmlns:r="http://schemas.openxmlformats.org/officeDocument/2006/relationships" xmlns:p="http://schemas.openxmlformats.org/presentationml/2006/main">
   <p:cSld>
     <p:spTree>
@@ -6808,7 +6939,7 @@
 </p:sld>
 </file>
 
-<file path=ppt/slides/slide22.xml><?xml version="1.0" encoding="utf-8"?>
+<file path=ppt/slides/slide23.xml><?xml version="1.0" encoding="utf-8"?>
 <p:sld xmlns:a="http://schemas.openxmlformats.org/drawingml/2006/main" xmlns:r="http://schemas.openxmlformats.org/officeDocument/2006/relationships" xmlns:p="http://schemas.openxmlformats.org/presentationml/2006/main">
   <p:cSld>
     <p:spTree>
@@ -7034,7 +7165,7 @@
 </p:sld>
 </file>
 
-<file path=ppt/slides/slide23.xml><?xml version="1.0" encoding="utf-8"?>
+<file path=ppt/slides/slide24.xml><?xml version="1.0" encoding="utf-8"?>
 <p:sld xmlns:a="http://schemas.openxmlformats.org/drawingml/2006/main" xmlns:r="http://schemas.openxmlformats.org/officeDocument/2006/relationships" xmlns:p="http://schemas.openxmlformats.org/presentationml/2006/main">
   <p:cSld>
     <p:spTree>
@@ -7250,7 +7381,7 @@
 </p:sld>
 </file>
 
-<file path=ppt/slides/slide24.xml><?xml version="1.0" encoding="utf-8"?>
+<file path=ppt/slides/slide25.xml><?xml version="1.0" encoding="utf-8"?>
 <p:sld xmlns:a="http://schemas.openxmlformats.org/drawingml/2006/main" xmlns:r="http://schemas.openxmlformats.org/officeDocument/2006/relationships" xmlns:p="http://schemas.openxmlformats.org/presentationml/2006/main">
   <p:cSld>
     <p:spTree>
@@ -7525,7 +7656,7 @@
 </p:sld>
 </file>
 
-<file path=ppt/slides/slide25.xml><?xml version="1.0" encoding="utf-8"?>
+<file path=ppt/slides/slide26.xml><?xml version="1.0" encoding="utf-8"?>
 <p:sld xmlns:a="http://schemas.openxmlformats.org/drawingml/2006/main" xmlns:r="http://schemas.openxmlformats.org/officeDocument/2006/relationships" xmlns:p="http://schemas.openxmlformats.org/presentationml/2006/main">
   <p:cSld>
     <p:spTree>
@@ -7771,7 +7902,7 @@
 </p:sld>
 </file>
 
-<file path=ppt/slides/slide26.xml><?xml version="1.0" encoding="utf-8"?>
+<file path=ppt/slides/slide27.xml><?xml version="1.0" encoding="utf-8"?>
 <p:sld xmlns:a="http://schemas.openxmlformats.org/drawingml/2006/main" xmlns:r="http://schemas.openxmlformats.org/officeDocument/2006/relationships" xmlns:p="http://schemas.openxmlformats.org/presentationml/2006/main">
   <p:cSld>
     <p:spTree>
@@ -7962,7 +8093,7 @@
         <p:cNvPr id="1" name="">
           <a:extLst>
             <a:ext uri="{FF2B5EF4-FFF2-40B4-BE49-F238E27FC236}">
-              <a16:creationId xmlns:a16="http://schemas.microsoft.com/office/drawing/2014/main" id="{EC6326D5-A2CF-B34B-929E-76392178F70B}"/>
+              <a16:creationId xmlns:a16="http://schemas.microsoft.com/office/drawing/2014/main" id="{A06C4391-B621-F9A0-5FCF-E6CDFDE59F42}"/>
             </a:ext>
           </a:extLst>
         </p:cNvPr>
@@ -7982,7 +8113,7 @@
           <p:cNvPr id="49" name="文本框 48">
             <a:extLst>
               <a:ext uri="{FF2B5EF4-FFF2-40B4-BE49-F238E27FC236}">
-                <a16:creationId xmlns:a16="http://schemas.microsoft.com/office/drawing/2014/main" id="{FD29FAD5-18FD-AA9B-FD60-0BC97D77488E}"/>
+                <a16:creationId xmlns:a16="http://schemas.microsoft.com/office/drawing/2014/main" id="{FCCFA090-07AF-74B8-33CF-E33873817493}"/>
               </a:ext>
             </a:extLst>
           </p:cNvPr>
@@ -8037,6 +8168,287 @@
                 <a:ea typeface="等线" panose="02010600030101010101" pitchFamily="2" charset="-122"/>
                 <a:cs typeface="+mn-cs"/>
               </a:rPr>
+              <a:t>图灵完备的第三条技术路线</a:t>
+            </a:r>
+          </a:p>
+        </p:txBody>
+      </p:sp>
+      <p:sp>
+        <p:nvSpPr>
+          <p:cNvPr id="2" name="文本框 1">
+            <a:extLst>
+              <a:ext uri="{FF2B5EF4-FFF2-40B4-BE49-F238E27FC236}">
+                <a16:creationId xmlns:a16="http://schemas.microsoft.com/office/drawing/2014/main" id="{123AE87D-C3A1-2EF7-09D9-800E153C6DAD}"/>
+              </a:ext>
+            </a:extLst>
+          </p:cNvPr>
+          <p:cNvSpPr txBox="1"/>
+          <p:nvPr/>
+        </p:nvSpPr>
+        <p:spPr>
+          <a:xfrm>
+            <a:off x="1954924" y="1416723"/>
+            <a:ext cx="7699879" cy="2554545"/>
+          </a:xfrm>
+          <a:prstGeom prst="rect">
+            <a:avLst/>
+          </a:prstGeom>
+          <a:noFill/>
+        </p:spPr>
+        <p:txBody>
+          <a:bodyPr wrap="square" rtlCol="0">
+            <a:spAutoFit/>
+          </a:bodyPr>
+          <a:lstStyle/>
+          <a:p>
+            <a:r>
+              <a:rPr lang="en-US" altLang="zh-CN" sz="4000" dirty="0"/>
+              <a:t>           Y = F(X)</a:t>
+            </a:r>
+          </a:p>
+          <a:p>
+            <a:pPr algn="ctr"/>
+            <a:r>
+              <a:rPr lang="en-US" altLang="zh-CN" sz="4000" dirty="0"/>
+              <a:t>  = (F0+F1)(X0+X1)</a:t>
+            </a:r>
+          </a:p>
+          <a:p>
+            <a:pPr algn="ctr"/>
+            <a:r>
+              <a:rPr lang="en-US" altLang="zh-CN" sz="4000" dirty="0"/>
+              <a:t>= F0(X0) + Delta</a:t>
+            </a:r>
+          </a:p>
+          <a:p>
+            <a:pPr algn="ctr"/>
+            <a:r>
+              <a:rPr lang="zh-CN" altLang="en-US" sz="4000" dirty="0"/>
+              <a:t>    </a:t>
+            </a:r>
+            <a:endParaRPr lang="en-US" altLang="zh-CN" sz="4000" dirty="0"/>
+          </a:p>
+        </p:txBody>
+      </p:sp>
+      <mc:AlternateContent xmlns:mc="http://schemas.openxmlformats.org/markup-compatibility/2006" xmlns:a14="http://schemas.microsoft.com/office/drawing/2010/main">
+        <mc:Choice Requires="a14">
+          <p:sp>
+            <p:nvSpPr>
+              <p:cNvPr id="3" name="文本框 2">
+                <a:extLst>
+                  <a:ext uri="{FF2B5EF4-FFF2-40B4-BE49-F238E27FC236}">
+                    <a16:creationId xmlns:a16="http://schemas.microsoft.com/office/drawing/2014/main" id="{24E2CD5D-C17B-E1E9-59C4-0C3F645A63B3}"/>
+                  </a:ext>
+                </a:extLst>
+              </p:cNvPr>
+              <p:cNvSpPr txBox="1"/>
+              <p:nvPr/>
+            </p:nvSpPr>
+            <p:spPr>
+              <a:xfrm>
+                <a:off x="1954924" y="3826744"/>
+                <a:ext cx="7863839" cy="1938992"/>
+              </a:xfrm>
+              <a:prstGeom prst="rect">
+                <a:avLst/>
+              </a:prstGeom>
+              <a:noFill/>
+            </p:spPr>
+            <p:txBody>
+              <a:bodyPr wrap="square" rtlCol="0">
+                <a:spAutoFit/>
+              </a:bodyPr>
+              <a:lstStyle/>
+              <a:p>
+                <a:pPr algn="ctr"/>
+                <a:r>
+                  <a:rPr lang="zh-CN" altLang="en-US" sz="4000" dirty="0"/>
+                  <a:t>    图灵机：固定机器，无限数据</a:t>
+                </a:r>
+                <a:endParaRPr lang="en-US" altLang="zh-CN" sz="4000" dirty="0"/>
+              </a:p>
+              <a:p>
+                <a:pPr algn="ctr"/>
+                <a14:m>
+                  <m:oMath xmlns:m="http://schemas.openxmlformats.org/officeDocument/2006/math">
+                    <m:r>
+                      <a:rPr lang="en-US" altLang="zh-CN" sz="4000" b="0" i="1" smtClean="0">
+                        <a:latin typeface="Cambria Math" panose="02040503050406030204" pitchFamily="18" charset="0"/>
+                      </a:rPr>
+                      <m:t>       </m:t>
+                    </m:r>
+                    <m:r>
+                      <a:rPr lang="zh-CN" altLang="en-US" sz="4000" i="1" smtClean="0">
+                        <a:latin typeface="Cambria Math" panose="02040503050406030204" pitchFamily="18" charset="0"/>
+                      </a:rPr>
+                      <m:t>𝜆</m:t>
+                    </m:r>
+                    <m:r>
+                      <a:rPr lang="zh-CN" altLang="en-US" sz="4000" i="1">
+                        <a:latin typeface="Cambria Math" panose="02040503050406030204" pitchFamily="18" charset="0"/>
+                      </a:rPr>
+                      <m:t>演算</m:t>
+                    </m:r>
+                  </m:oMath>
+                </a14:m>
+                <a:r>
+                  <a:rPr lang="zh-CN" altLang="en-US" sz="4000" dirty="0"/>
+                  <a:t>：固定数据，无限机器</a:t>
+                </a:r>
+                <a:endParaRPr lang="en-US" altLang="zh-CN" sz="4000" dirty="0"/>
+              </a:p>
+              <a:p>
+                <a:pPr algn="ctr"/>
+                <a:r>
+                  <a:rPr lang="zh-CN" altLang="en-US" sz="4000" dirty="0"/>
+                  <a:t>可逆计算：有限认知，微扰展开</a:t>
+                </a:r>
+                <a:endParaRPr lang="en-US" altLang="zh-CN" sz="4000" dirty="0"/>
+              </a:p>
+            </p:txBody>
+          </p:sp>
+        </mc:Choice>
+        <mc:Fallback xmlns="">
+          <p:sp>
+            <p:nvSpPr>
+              <p:cNvPr id="3" name="文本框 2">
+                <a:extLst>
+                  <a:ext uri="{FF2B5EF4-FFF2-40B4-BE49-F238E27FC236}">
+                    <a16:creationId xmlns:a16="http://schemas.microsoft.com/office/drawing/2014/main" id="{24E2CD5D-C17B-E1E9-59C4-0C3F645A63B3}"/>
+                  </a:ext>
+                </a:extLst>
+              </p:cNvPr>
+              <p:cNvSpPr txBox="1">
+                <a:spLocks noRot="1" noChangeAspect="1" noMove="1" noResize="1" noEditPoints="1" noAdjustHandles="1" noChangeArrowheads="1" noChangeShapeType="1" noTextEdit="1"/>
+              </p:cNvSpPr>
+              <p:nvPr/>
+            </p:nvSpPr>
+            <p:spPr>
+              <a:xfrm>
+                <a:off x="1954924" y="3826744"/>
+                <a:ext cx="7863839" cy="1938992"/>
+              </a:xfrm>
+              <a:prstGeom prst="rect">
+                <a:avLst/>
+              </a:prstGeom>
+              <a:blipFill>
+                <a:blip r:embed="rId2"/>
+                <a:stretch>
+                  <a:fillRect t="-5660" b="-12579"/>
+                </a:stretch>
+              </a:blipFill>
+            </p:spPr>
+            <p:txBody>
+              <a:bodyPr/>
+              <a:lstStyle/>
+              <a:p>
+                <a:r>
+                  <a:rPr lang="zh-CN" altLang="en-US">
+                    <a:noFill/>
+                  </a:rPr>
+                  <a:t> </a:t>
+                </a:r>
+              </a:p>
+            </p:txBody>
+          </p:sp>
+        </mc:Fallback>
+      </mc:AlternateContent>
+    </p:spTree>
+    <p:extLst>
+      <p:ext uri="{BB962C8B-B14F-4D97-AF65-F5344CB8AC3E}">
+        <p14:creationId xmlns:p14="http://schemas.microsoft.com/office/powerpoint/2010/main" val="4251900169"/>
+      </p:ext>
+    </p:extLst>
+  </p:cSld>
+  <p:clrMapOvr>
+    <a:masterClrMapping/>
+  </p:clrMapOvr>
+</p:sld>
+</file>
+
+<file path=ppt/slides/slide4.xml><?xml version="1.0" encoding="utf-8"?>
+<p:sld xmlns:a="http://schemas.openxmlformats.org/drawingml/2006/main" xmlns:r="http://schemas.openxmlformats.org/officeDocument/2006/relationships" xmlns:p="http://schemas.openxmlformats.org/presentationml/2006/main">
+  <p:cSld>
+    <p:spTree>
+      <p:nvGrpSpPr>
+        <p:cNvPr id="1" name="">
+          <a:extLst>
+            <a:ext uri="{FF2B5EF4-FFF2-40B4-BE49-F238E27FC236}">
+              <a16:creationId xmlns:a16="http://schemas.microsoft.com/office/drawing/2014/main" id="{EC6326D5-A2CF-B34B-929E-76392178F70B}"/>
+            </a:ext>
+          </a:extLst>
+        </p:cNvPr>
+        <p:cNvGrpSpPr/>
+        <p:nvPr/>
+      </p:nvGrpSpPr>
+      <p:grpSpPr>
+        <a:xfrm>
+          <a:off x="0" y="0"/>
+          <a:ext cx="0" cy="0"/>
+          <a:chOff x="0" y="0"/>
+          <a:chExt cx="0" cy="0"/>
+        </a:xfrm>
+      </p:grpSpPr>
+      <p:sp>
+        <p:nvSpPr>
+          <p:cNvPr id="49" name="文本框 48">
+            <a:extLst>
+              <a:ext uri="{FF2B5EF4-FFF2-40B4-BE49-F238E27FC236}">
+                <a16:creationId xmlns:a16="http://schemas.microsoft.com/office/drawing/2014/main" id="{FD29FAD5-18FD-AA9B-FD60-0BC97D77488E}"/>
+              </a:ext>
+            </a:extLst>
+          </p:cNvPr>
+          <p:cNvSpPr txBox="1"/>
+          <p:nvPr/>
+        </p:nvSpPr>
+        <p:spPr>
+          <a:xfrm>
+            <a:off x="434688" y="267393"/>
+            <a:ext cx="4591359" cy="523220"/>
+          </a:xfrm>
+          <a:prstGeom prst="rect">
+            <a:avLst/>
+          </a:prstGeom>
+          <a:noFill/>
+        </p:spPr>
+        <p:txBody>
+          <a:bodyPr wrap="square" rtlCol="0">
+            <a:spAutoFit/>
+          </a:bodyPr>
+          <a:lstStyle/>
+          <a:p>
+            <a:pPr marL="0" marR="0" lvl="0" indent="0" algn="l" defTabSz="914400" rtl="0" eaLnBrk="1" fontAlgn="auto" latinLnBrk="0" hangingPunct="1">
+              <a:lnSpc>
+                <a:spcPct val="100000"/>
+              </a:lnSpc>
+              <a:spcBef>
+                <a:spcPts val="0"/>
+              </a:spcBef>
+              <a:spcAft>
+                <a:spcPts val="0"/>
+              </a:spcAft>
+              <a:buClrTx/>
+              <a:buSzTx/>
+              <a:buFontTx/>
+              <a:buNone/>
+              <a:tabLst/>
+              <a:defRPr/>
+            </a:pPr>
+            <a:r>
+              <a:rPr kumimoji="0" lang="zh-CN" altLang="en-US" sz="2800" b="1" i="0" u="none" strike="noStrike" kern="1200" cap="none" spc="0" normalizeH="0" baseline="0" noProof="0" dirty="0">
+                <a:ln>
+                  <a:noFill/>
+                </a:ln>
+                <a:solidFill>
+                  <a:prstClr val="black"/>
+                </a:solidFill>
+                <a:effectLst/>
+                <a:uLnTx/>
+                <a:uFillTx/>
+                <a:latin typeface="等线" panose="020F0502020204030204"/>
+                <a:ea typeface="等线" panose="02010600030101010101" pitchFamily="2" charset="-122"/>
+                <a:cs typeface="+mn-cs"/>
+              </a:rPr>
               <a:t>可逆计算的核心公式</a:t>
             </a:r>
           </a:p>
@@ -8145,7 +8557,7 @@
 </p:sld>
 </file>
 
-<file path=ppt/slides/slide4.xml><?xml version="1.0" encoding="utf-8"?>
+<file path=ppt/slides/slide5.xml><?xml version="1.0" encoding="utf-8"?>
 <p:sld xmlns:a="http://schemas.openxmlformats.org/drawingml/2006/main" xmlns:r="http://schemas.openxmlformats.org/officeDocument/2006/relationships" xmlns:p="http://schemas.openxmlformats.org/presentationml/2006/main">
   <p:cSld>
     <p:spTree>
@@ -8341,7 +8753,7 @@
 </p:sld>
 </file>
 
-<file path=ppt/slides/slide5.xml><?xml version="1.0" encoding="utf-8"?>
+<file path=ppt/slides/slide6.xml><?xml version="1.0" encoding="utf-8"?>
 <p:sld xmlns:a="http://schemas.openxmlformats.org/drawingml/2006/main" xmlns:r="http://schemas.openxmlformats.org/officeDocument/2006/relationships" xmlns:p="http://schemas.openxmlformats.org/presentationml/2006/main">
   <p:cSld>
     <p:spTree>
@@ -8569,7 +8981,7 @@
 </p:sld>
 </file>
 
-<file path=ppt/slides/slide6.xml><?xml version="1.0" encoding="utf-8"?>
+<file path=ppt/slides/slide7.xml><?xml version="1.0" encoding="utf-8"?>
 <p:sld xmlns:a="http://schemas.openxmlformats.org/drawingml/2006/main" xmlns:r="http://schemas.openxmlformats.org/officeDocument/2006/relationships" xmlns:p="http://schemas.openxmlformats.org/presentationml/2006/main">
   <p:cSld>
     <p:spTree>
@@ -8759,7 +9171,7 @@
 </p:sld>
 </file>
 
-<file path=ppt/slides/slide7.xml><?xml version="1.0" encoding="utf-8"?>
+<file path=ppt/slides/slide8.xml><?xml version="1.0" encoding="utf-8"?>
 <p:sld xmlns:a="http://schemas.openxmlformats.org/drawingml/2006/main" xmlns:r="http://schemas.openxmlformats.org/officeDocument/2006/relationships" xmlns:p="http://schemas.openxmlformats.org/presentationml/2006/main">
   <p:cSld>
     <p:spTree>
@@ -8926,7 +9338,7 @@
 </p:sld>
 </file>
 
-<file path=ppt/slides/slide8.xml><?xml version="1.0" encoding="utf-8"?>
+<file path=ppt/slides/slide9.xml><?xml version="1.0" encoding="utf-8"?>
 <p:sld xmlns:a="http://schemas.openxmlformats.org/drawingml/2006/main" xmlns:r="http://schemas.openxmlformats.org/officeDocument/2006/relationships" xmlns:p="http://schemas.openxmlformats.org/presentationml/2006/main">
   <p:cSld>
     <p:spTree>
@@ -9080,207 +9492,6 @@
     <p:extLst>
       <p:ext uri="{BB962C8B-B14F-4D97-AF65-F5344CB8AC3E}">
         <p14:creationId xmlns:p14="http://schemas.microsoft.com/office/powerpoint/2010/main" val="138928013"/>
-      </p:ext>
-    </p:extLst>
-  </p:cSld>
-  <p:clrMapOvr>
-    <a:masterClrMapping/>
-  </p:clrMapOvr>
-</p:sld>
-</file>
-
-<file path=ppt/slides/slide9.xml><?xml version="1.0" encoding="utf-8"?>
-<p:sld xmlns:a="http://schemas.openxmlformats.org/drawingml/2006/main" xmlns:r="http://schemas.openxmlformats.org/officeDocument/2006/relationships" xmlns:p="http://schemas.openxmlformats.org/presentationml/2006/main">
-  <p:cSld>
-    <p:spTree>
-      <p:nvGrpSpPr>
-        <p:cNvPr id="1" name="">
-          <a:extLst>
-            <a:ext uri="{FF2B5EF4-FFF2-40B4-BE49-F238E27FC236}">
-              <a16:creationId xmlns:a16="http://schemas.microsoft.com/office/drawing/2014/main" id="{D93EB8D3-F7DD-6878-899B-C12C0A6E0553}"/>
-            </a:ext>
-          </a:extLst>
-        </p:cNvPr>
-        <p:cNvGrpSpPr/>
-        <p:nvPr/>
-      </p:nvGrpSpPr>
-      <p:grpSpPr>
-        <a:xfrm>
-          <a:off x="0" y="0"/>
-          <a:ext cx="0" cy="0"/>
-          <a:chOff x="0" y="0"/>
-          <a:chExt cx="0" cy="0"/>
-        </a:xfrm>
-      </p:grpSpPr>
-      <p:sp>
-        <p:nvSpPr>
-          <p:cNvPr id="49" name="文本框 48">
-            <a:extLst>
-              <a:ext uri="{FF2B5EF4-FFF2-40B4-BE49-F238E27FC236}">
-                <a16:creationId xmlns:a16="http://schemas.microsoft.com/office/drawing/2014/main" id="{9B5FA474-95FC-1058-394E-10EBC834096D}"/>
-              </a:ext>
-            </a:extLst>
-          </p:cNvPr>
-          <p:cNvSpPr txBox="1"/>
-          <p:nvPr/>
-        </p:nvSpPr>
-        <p:spPr>
-          <a:xfrm>
-            <a:off x="434688" y="267393"/>
-            <a:ext cx="2844539" cy="523220"/>
-          </a:xfrm>
-          <a:prstGeom prst="rect">
-            <a:avLst/>
-          </a:prstGeom>
-          <a:noFill/>
-        </p:spPr>
-        <p:txBody>
-          <a:bodyPr wrap="square" rtlCol="0">
-            <a:spAutoFit/>
-          </a:bodyPr>
-          <a:lstStyle/>
-          <a:p>
-            <a:r>
-              <a:rPr lang="en-US" altLang="zh-CN" sz="2800" b="1" dirty="0"/>
-              <a:t>Delta</a:t>
-            </a:r>
-            <a:r>
-              <a:rPr lang="zh-CN" altLang="en-US" sz="2800" b="1" dirty="0"/>
-              <a:t>的独立性</a:t>
-            </a:r>
-          </a:p>
-        </p:txBody>
-      </p:sp>
-      <p:sp>
-        <p:nvSpPr>
-          <p:cNvPr id="3" name="文本框 2">
-            <a:extLst>
-              <a:ext uri="{FF2B5EF4-FFF2-40B4-BE49-F238E27FC236}">
-                <a16:creationId xmlns:a16="http://schemas.microsoft.com/office/drawing/2014/main" id="{085877E4-AE29-59A3-0546-96549B2FCA08}"/>
-              </a:ext>
-            </a:extLst>
-          </p:cNvPr>
-          <p:cNvSpPr txBox="1"/>
-          <p:nvPr/>
-        </p:nvSpPr>
-        <p:spPr>
-          <a:xfrm>
-            <a:off x="3745888" y="1658532"/>
-            <a:ext cx="4319752" cy="1815882"/>
-          </a:xfrm>
-          <a:prstGeom prst="rect">
-            <a:avLst/>
-          </a:prstGeom>
-          <a:noFill/>
-        </p:spPr>
-        <p:txBody>
-          <a:bodyPr wrap="square" rtlCol="0">
-            <a:spAutoFit/>
-          </a:bodyPr>
-          <a:lstStyle/>
-          <a:p>
-            <a:r>
-              <a:rPr lang="en-US" altLang="zh-CN" sz="2800" dirty="0"/>
-              <a:t>Y  = A +  B</a:t>
-            </a:r>
-          </a:p>
-          <a:p>
-            <a:r>
-              <a:rPr lang="en-US" altLang="zh-CN" sz="2800" dirty="0"/>
-              <a:t>Y’ = (A + </a:t>
-            </a:r>
-            <a:r>
-              <a:rPr lang="en-US" altLang="zh-CN" sz="2800" dirty="0" err="1"/>
-              <a:t>dA</a:t>
-            </a:r>
-            <a:r>
-              <a:rPr lang="en-US" altLang="zh-CN" sz="2800" dirty="0"/>
-              <a:t>) + (B + dB)</a:t>
-            </a:r>
-          </a:p>
-          <a:p>
-            <a:r>
-              <a:rPr lang="en-US" altLang="zh-CN" sz="2800" dirty="0"/>
-              <a:t>    = (A + B) + (</a:t>
-            </a:r>
-            <a:r>
-              <a:rPr lang="en-US" altLang="zh-CN" sz="2800" dirty="0" err="1"/>
-              <a:t>dA</a:t>
-            </a:r>
-            <a:r>
-              <a:rPr lang="en-US" altLang="zh-CN" sz="2800" dirty="0"/>
-              <a:t> + dB)</a:t>
-            </a:r>
-          </a:p>
-          <a:p>
-            <a:r>
-              <a:rPr lang="en-US" altLang="zh-CN" sz="2800" dirty="0"/>
-              <a:t>    = Y + </a:t>
-            </a:r>
-            <a:r>
-              <a:rPr lang="en-US" altLang="zh-CN" sz="2800" dirty="0" err="1"/>
-              <a:t>dY</a:t>
-            </a:r>
-            <a:endParaRPr lang="zh-CN" altLang="en-US" sz="2800" dirty="0"/>
-          </a:p>
-        </p:txBody>
-      </p:sp>
-      <p:sp>
-        <p:nvSpPr>
-          <p:cNvPr id="6" name="文本框 5">
-            <a:extLst>
-              <a:ext uri="{FF2B5EF4-FFF2-40B4-BE49-F238E27FC236}">
-                <a16:creationId xmlns:a16="http://schemas.microsoft.com/office/drawing/2014/main" id="{7BEE7979-FF64-ECC7-647E-C1D7F6F4726A}"/>
-              </a:ext>
-            </a:extLst>
-          </p:cNvPr>
-          <p:cNvSpPr txBox="1"/>
-          <p:nvPr/>
-        </p:nvSpPr>
-        <p:spPr>
-          <a:xfrm>
-            <a:off x="1425202" y="3890930"/>
-            <a:ext cx="10197137" cy="1200329"/>
-          </a:xfrm>
-          <a:prstGeom prst="rect">
-            <a:avLst/>
-          </a:prstGeom>
-          <a:noFill/>
-        </p:spPr>
-        <p:txBody>
-          <a:bodyPr wrap="square" rtlCol="0">
-            <a:spAutoFit/>
-          </a:bodyPr>
-          <a:lstStyle/>
-          <a:p>
-            <a:pPr algn="ctr"/>
-            <a:r>
-              <a:rPr lang="zh-CN" altLang="en-US" sz="3600" dirty="0"/>
-              <a:t>众多分散的</a:t>
-            </a:r>
-            <a:r>
-              <a:rPr lang="en-US" altLang="zh-CN" sz="3600" dirty="0"/>
-              <a:t>Delta</a:t>
-            </a:r>
-            <a:r>
-              <a:rPr lang="zh-CN" altLang="en-US" sz="3600" dirty="0"/>
-              <a:t>汇聚为一个独立的整体</a:t>
-            </a:r>
-            <a:endParaRPr lang="en-US" altLang="zh-CN" sz="3600" dirty="0"/>
-          </a:p>
-          <a:p>
-            <a:pPr algn="ctr"/>
-            <a:r>
-              <a:rPr lang="zh-CN" altLang="en-US" sz="3600" dirty="0"/>
-              <a:t>必然存在可用于定位的无所不在的领域坐标系</a:t>
-            </a:r>
-          </a:p>
-        </p:txBody>
-      </p:sp>
-    </p:spTree>
-    <p:extLst>
-      <p:ext uri="{BB962C8B-B14F-4D97-AF65-F5344CB8AC3E}">
-        <p14:creationId xmlns:p14="http://schemas.microsoft.com/office/powerpoint/2010/main" val="3072280617"/>
       </p:ext>
     </p:extLst>
   </p:cSld>

--- a/src/ppt/theory-of-reversible-computation.pptx
+++ b/src/ppt/theory-of-reversible-computation.pptx
@@ -10,28 +10,33 @@
     <p:sldId id="316" r:id="rId4"/>
     <p:sldId id="317" r:id="rId5"/>
     <p:sldId id="319" r:id="rId6"/>
-    <p:sldId id="320" r:id="rId7"/>
-    <p:sldId id="303" r:id="rId8"/>
-    <p:sldId id="309" r:id="rId9"/>
-    <p:sldId id="263" r:id="rId10"/>
-    <p:sldId id="310" r:id="rId11"/>
-    <p:sldId id="311" r:id="rId12"/>
-    <p:sldId id="314" r:id="rId13"/>
-    <p:sldId id="304" r:id="rId14"/>
-    <p:sldId id="305" r:id="rId15"/>
-    <p:sldId id="312" r:id="rId16"/>
-    <p:sldId id="318" r:id="rId17"/>
-    <p:sldId id="306" r:id="rId18"/>
-    <p:sldId id="325" r:id="rId19"/>
-    <p:sldId id="307" r:id="rId20"/>
-    <p:sldId id="308" r:id="rId21"/>
-    <p:sldId id="326" r:id="rId22"/>
-    <p:sldId id="313" r:id="rId23"/>
-    <p:sldId id="315" r:id="rId24"/>
-    <p:sldId id="321" r:id="rId25"/>
-    <p:sldId id="322" r:id="rId26"/>
-    <p:sldId id="323" r:id="rId27"/>
-    <p:sldId id="324" r:id="rId28"/>
+    <p:sldId id="259" r:id="rId7"/>
+    <p:sldId id="260" r:id="rId8"/>
+    <p:sldId id="320" r:id="rId9"/>
+    <p:sldId id="303" r:id="rId10"/>
+    <p:sldId id="309" r:id="rId11"/>
+    <p:sldId id="288" r:id="rId12"/>
+    <p:sldId id="263" r:id="rId13"/>
+    <p:sldId id="329" r:id="rId14"/>
+    <p:sldId id="310" r:id="rId15"/>
+    <p:sldId id="311" r:id="rId16"/>
+    <p:sldId id="314" r:id="rId17"/>
+    <p:sldId id="304" r:id="rId18"/>
+    <p:sldId id="305" r:id="rId19"/>
+    <p:sldId id="328" r:id="rId20"/>
+    <p:sldId id="312" r:id="rId21"/>
+    <p:sldId id="318" r:id="rId22"/>
+    <p:sldId id="306" r:id="rId23"/>
+    <p:sldId id="325" r:id="rId24"/>
+    <p:sldId id="307" r:id="rId25"/>
+    <p:sldId id="308" r:id="rId26"/>
+    <p:sldId id="326" r:id="rId27"/>
+    <p:sldId id="313" r:id="rId28"/>
+    <p:sldId id="315" r:id="rId29"/>
+    <p:sldId id="321" r:id="rId30"/>
+    <p:sldId id="322" r:id="rId31"/>
+    <p:sldId id="323" r:id="rId32"/>
+    <p:sldId id="324" r:id="rId33"/>
   </p:sldIdLst>
   <p:sldSz cx="12192000" cy="6858000"/>
   <p:notesSz cx="6858000" cy="9144000"/>
@@ -297,7 +302,7 @@
           <a:p>
             <a:fld id="{781BEADB-AF5A-4392-865E-B1E711821C65}" type="datetimeFigureOut">
               <a:rPr lang="zh-CN" altLang="en-US" smtClean="0"/>
-              <a:t>2024/12/13</a:t>
+              <a:t>2024/12/19</a:t>
             </a:fld>
             <a:endParaRPr lang="zh-CN" altLang="en-US"/>
           </a:p>
@@ -495,7 +500,7 @@
           <a:p>
             <a:fld id="{781BEADB-AF5A-4392-865E-B1E711821C65}" type="datetimeFigureOut">
               <a:rPr lang="zh-CN" altLang="en-US" smtClean="0"/>
-              <a:t>2024/12/13</a:t>
+              <a:t>2024/12/19</a:t>
             </a:fld>
             <a:endParaRPr lang="zh-CN" altLang="en-US"/>
           </a:p>
@@ -703,7 +708,7 @@
           <a:p>
             <a:fld id="{781BEADB-AF5A-4392-865E-B1E711821C65}" type="datetimeFigureOut">
               <a:rPr lang="zh-CN" altLang="en-US" smtClean="0"/>
-              <a:t>2024/12/13</a:t>
+              <a:t>2024/12/19</a:t>
             </a:fld>
             <a:endParaRPr lang="zh-CN" altLang="en-US"/>
           </a:p>
@@ -901,7 +906,7 @@
           <a:p>
             <a:fld id="{781BEADB-AF5A-4392-865E-B1E711821C65}" type="datetimeFigureOut">
               <a:rPr lang="zh-CN" altLang="en-US" smtClean="0"/>
-              <a:t>2024/12/13</a:t>
+              <a:t>2024/12/19</a:t>
             </a:fld>
             <a:endParaRPr lang="zh-CN" altLang="en-US"/>
           </a:p>
@@ -1176,7 +1181,7 @@
           <a:p>
             <a:fld id="{781BEADB-AF5A-4392-865E-B1E711821C65}" type="datetimeFigureOut">
               <a:rPr lang="zh-CN" altLang="en-US" smtClean="0"/>
-              <a:t>2024/12/13</a:t>
+              <a:t>2024/12/19</a:t>
             </a:fld>
             <a:endParaRPr lang="zh-CN" altLang="en-US"/>
           </a:p>
@@ -1441,7 +1446,7 @@
           <a:p>
             <a:fld id="{781BEADB-AF5A-4392-865E-B1E711821C65}" type="datetimeFigureOut">
               <a:rPr lang="zh-CN" altLang="en-US" smtClean="0"/>
-              <a:t>2024/12/13</a:t>
+              <a:t>2024/12/19</a:t>
             </a:fld>
             <a:endParaRPr lang="zh-CN" altLang="en-US"/>
           </a:p>
@@ -1853,7 +1858,7 @@
           <a:p>
             <a:fld id="{781BEADB-AF5A-4392-865E-B1E711821C65}" type="datetimeFigureOut">
               <a:rPr lang="zh-CN" altLang="en-US" smtClean="0"/>
-              <a:t>2024/12/13</a:t>
+              <a:t>2024/12/19</a:t>
             </a:fld>
             <a:endParaRPr lang="zh-CN" altLang="en-US"/>
           </a:p>
@@ -1994,7 +1999,7 @@
           <a:p>
             <a:fld id="{781BEADB-AF5A-4392-865E-B1E711821C65}" type="datetimeFigureOut">
               <a:rPr lang="zh-CN" altLang="en-US" smtClean="0"/>
-              <a:t>2024/12/13</a:t>
+              <a:t>2024/12/19</a:t>
             </a:fld>
             <a:endParaRPr lang="zh-CN" altLang="en-US"/>
           </a:p>
@@ -2107,7 +2112,7 @@
           <a:p>
             <a:fld id="{781BEADB-AF5A-4392-865E-B1E711821C65}" type="datetimeFigureOut">
               <a:rPr lang="zh-CN" altLang="en-US" smtClean="0"/>
-              <a:t>2024/12/13</a:t>
+              <a:t>2024/12/19</a:t>
             </a:fld>
             <a:endParaRPr lang="zh-CN" altLang="en-US"/>
           </a:p>
@@ -2418,7 +2423,7 @@
           <a:p>
             <a:fld id="{781BEADB-AF5A-4392-865E-B1E711821C65}" type="datetimeFigureOut">
               <a:rPr lang="zh-CN" altLang="en-US" smtClean="0"/>
-              <a:t>2024/12/13</a:t>
+              <a:t>2024/12/19</a:t>
             </a:fld>
             <a:endParaRPr lang="zh-CN" altLang="en-US"/>
           </a:p>
@@ -2706,7 +2711,7 @@
           <a:p>
             <a:fld id="{781BEADB-AF5A-4392-865E-B1E711821C65}" type="datetimeFigureOut">
               <a:rPr lang="zh-CN" altLang="en-US" smtClean="0"/>
-              <a:t>2024/12/13</a:t>
+              <a:t>2024/12/19</a:t>
             </a:fld>
             <a:endParaRPr lang="zh-CN" altLang="en-US"/>
           </a:p>
@@ -2947,7 +2952,7 @@
           <a:p>
             <a:fld id="{781BEADB-AF5A-4392-865E-B1E711821C65}" type="datetimeFigureOut">
               <a:rPr lang="zh-CN" altLang="en-US" smtClean="0"/>
-              <a:t>2024/12/13</a:t>
+              <a:t>2024/12/19</a:t>
             </a:fld>
             <a:endParaRPr lang="zh-CN" altLang="en-US"/>
           </a:p>
@@ -3474,6 +3479,3782 @@
         <p:cNvPr id="1" name="">
           <a:extLst>
             <a:ext uri="{FF2B5EF4-FFF2-40B4-BE49-F238E27FC236}">
+              <a16:creationId xmlns:a16="http://schemas.microsoft.com/office/drawing/2014/main" id="{AFBAF78E-A903-A3A9-E177-463FF3FC6E24}"/>
+            </a:ext>
+          </a:extLst>
+        </p:cNvPr>
+        <p:cNvGrpSpPr/>
+        <p:nvPr/>
+      </p:nvGrpSpPr>
+      <p:grpSpPr>
+        <a:xfrm>
+          <a:off x="0" y="0"/>
+          <a:ext cx="0" cy="0"/>
+          <a:chOff x="0" y="0"/>
+          <a:chExt cx="0" cy="0"/>
+        </a:xfrm>
+      </p:grpSpPr>
+      <p:sp>
+        <p:nvSpPr>
+          <p:cNvPr id="49" name="文本框 48">
+            <a:extLst>
+              <a:ext uri="{FF2B5EF4-FFF2-40B4-BE49-F238E27FC236}">
+                <a16:creationId xmlns:a16="http://schemas.microsoft.com/office/drawing/2014/main" id="{6779CDD4-B8DC-4A5E-7EDF-4C4007025443}"/>
+              </a:ext>
+            </a:extLst>
+          </p:cNvPr>
+          <p:cNvSpPr txBox="1"/>
+          <p:nvPr/>
+        </p:nvSpPr>
+        <p:spPr>
+          <a:xfrm>
+            <a:off x="434689" y="267393"/>
+            <a:ext cx="2380430" cy="523220"/>
+          </a:xfrm>
+          <a:prstGeom prst="rect">
+            <a:avLst/>
+          </a:prstGeom>
+          <a:noFill/>
+        </p:spPr>
+        <p:txBody>
+          <a:bodyPr wrap="square" rtlCol="0">
+            <a:spAutoFit/>
+          </a:bodyPr>
+          <a:lstStyle/>
+          <a:p>
+            <a:r>
+              <a:rPr lang="zh-CN" altLang="en-US" sz="2800" b="1" dirty="0"/>
+              <a:t>逆元的产生</a:t>
+            </a:r>
+          </a:p>
+        </p:txBody>
+      </p:sp>
+      <p:sp>
+        <p:nvSpPr>
+          <p:cNvPr id="3" name="文本框 2">
+            <a:extLst>
+              <a:ext uri="{FF2B5EF4-FFF2-40B4-BE49-F238E27FC236}">
+                <a16:creationId xmlns:a16="http://schemas.microsoft.com/office/drawing/2014/main" id="{2680C9B2-288E-934D-E877-B5CB18D27ABF}"/>
+              </a:ext>
+            </a:extLst>
+          </p:cNvPr>
+          <p:cNvSpPr txBox="1"/>
+          <p:nvPr/>
+        </p:nvSpPr>
+        <p:spPr>
+          <a:xfrm>
+            <a:off x="3745888" y="1658532"/>
+            <a:ext cx="4319752" cy="1384995"/>
+          </a:xfrm>
+          <a:prstGeom prst="rect">
+            <a:avLst/>
+          </a:prstGeom>
+          <a:noFill/>
+        </p:spPr>
+        <p:txBody>
+          <a:bodyPr wrap="square" rtlCol="0">
+            <a:spAutoFit/>
+          </a:bodyPr>
+          <a:lstStyle/>
+          <a:p>
+            <a:r>
+              <a:rPr lang="zh-CN" altLang="en-US" sz="2800" dirty="0"/>
+              <a:t>面向对象</a:t>
+            </a:r>
+            <a:r>
+              <a:rPr lang="en-US" altLang="zh-CN" sz="2800" dirty="0"/>
+              <a:t>:   A &gt; B</a:t>
+            </a:r>
+          </a:p>
+          <a:p>
+            <a:r>
+              <a:rPr lang="zh-CN" altLang="en-US" sz="2800" dirty="0"/>
+              <a:t>面向组件</a:t>
+            </a:r>
+            <a:r>
+              <a:rPr lang="en-US" altLang="zh-CN" sz="2800" dirty="0"/>
+              <a:t>:   A = B + C</a:t>
+            </a:r>
+          </a:p>
+          <a:p>
+            <a:r>
+              <a:rPr lang="zh-CN" altLang="en-US" sz="2800" dirty="0"/>
+              <a:t>可逆计算</a:t>
+            </a:r>
+            <a:r>
+              <a:rPr lang="en-US" altLang="zh-CN" sz="2800" dirty="0"/>
+              <a:t>:   B = A + (-C)</a:t>
+            </a:r>
+            <a:endParaRPr lang="zh-CN" altLang="en-US" sz="2800" dirty="0"/>
+          </a:p>
+        </p:txBody>
+      </p:sp>
+      <p:sp>
+        <p:nvSpPr>
+          <p:cNvPr id="6" name="文本框 5">
+            <a:extLst>
+              <a:ext uri="{FF2B5EF4-FFF2-40B4-BE49-F238E27FC236}">
+                <a16:creationId xmlns:a16="http://schemas.microsoft.com/office/drawing/2014/main" id="{22790147-C0DC-1F35-3480-DE87D41870AF}"/>
+              </a:ext>
+            </a:extLst>
+          </p:cNvPr>
+          <p:cNvSpPr txBox="1"/>
+          <p:nvPr/>
+        </p:nvSpPr>
+        <p:spPr>
+          <a:xfrm>
+            <a:off x="1425202" y="3890930"/>
+            <a:ext cx="8034107" cy="646331"/>
+          </a:xfrm>
+          <a:prstGeom prst="rect">
+            <a:avLst/>
+          </a:prstGeom>
+          <a:noFill/>
+        </p:spPr>
+        <p:txBody>
+          <a:bodyPr wrap="square" rtlCol="0">
+            <a:spAutoFit/>
+          </a:bodyPr>
+          <a:lstStyle/>
+          <a:p>
+            <a:pPr algn="ctr"/>
+            <a:r>
+              <a:rPr lang="zh-CN" altLang="en-US" sz="3600" dirty="0"/>
+              <a:t>逆元扩大了软件结构的解空间</a:t>
+            </a:r>
+          </a:p>
+        </p:txBody>
+      </p:sp>
+    </p:spTree>
+    <p:extLst>
+      <p:ext uri="{BB962C8B-B14F-4D97-AF65-F5344CB8AC3E}">
+        <p14:creationId xmlns:p14="http://schemas.microsoft.com/office/powerpoint/2010/main" val="51415810"/>
+      </p:ext>
+    </p:extLst>
+  </p:cSld>
+  <p:clrMapOvr>
+    <a:masterClrMapping/>
+  </p:clrMapOvr>
+</p:sld>
+</file>
+
+<file path=ppt/slides/slide11.xml><?xml version="1.0" encoding="utf-8"?>
+<p:sld xmlns:a="http://schemas.openxmlformats.org/drawingml/2006/main" xmlns:r="http://schemas.openxmlformats.org/officeDocument/2006/relationships" xmlns:p="http://schemas.openxmlformats.org/presentationml/2006/main">
+  <p:cSld>
+    <p:spTree>
+      <p:nvGrpSpPr>
+        <p:cNvPr id="1" name=""/>
+        <p:cNvGrpSpPr/>
+        <p:nvPr/>
+      </p:nvGrpSpPr>
+      <p:grpSpPr>
+        <a:xfrm>
+          <a:off x="0" y="0"/>
+          <a:ext cx="0" cy="0"/>
+          <a:chOff x="0" y="0"/>
+          <a:chExt cx="0" cy="0"/>
+        </a:xfrm>
+      </p:grpSpPr>
+      <p:sp>
+        <p:nvSpPr>
+          <p:cNvPr id="2" name="标题 1">
+            <a:extLst>
+              <a:ext uri="{FF2B5EF4-FFF2-40B4-BE49-F238E27FC236}">
+                <a16:creationId xmlns:a16="http://schemas.microsoft.com/office/drawing/2014/main" id="{7B078A78-F1A6-B200-A327-496477BABCB1}"/>
+              </a:ext>
+            </a:extLst>
+          </p:cNvPr>
+          <p:cNvSpPr>
+            <a:spLocks noGrp="1"/>
+          </p:cNvSpPr>
+          <p:nvPr>
+            <p:ph type="title"/>
+          </p:nvPr>
+        </p:nvSpPr>
+        <p:spPr/>
+        <p:txBody>
+          <a:bodyPr/>
+          <a:lstStyle/>
+          <a:p>
+            <a:r>
+              <a:rPr lang="zh-CN" altLang="en-US" b="1" dirty="0"/>
+              <a:t>扩展软件复用原理</a:t>
+            </a:r>
+          </a:p>
+        </p:txBody>
+      </p:sp>
+      <p:pic>
+        <p:nvPicPr>
+          <p:cNvPr id="6" name="图片 44">
+            <a:extLst>
+              <a:ext uri="{FF2B5EF4-FFF2-40B4-BE49-F238E27FC236}">
+                <a16:creationId xmlns:a16="http://schemas.microsoft.com/office/drawing/2014/main" id="{E7713B08-8561-A98A-26D1-8F9F39A8CC25}"/>
+              </a:ext>
+            </a:extLst>
+          </p:cNvPr>
+          <p:cNvPicPr>
+            <a:picLocks noChangeAspect="1" noChangeArrowheads="1"/>
+          </p:cNvPicPr>
+          <p:nvPr/>
+        </p:nvPicPr>
+        <p:blipFill>
+          <a:blip r:embed="rId2">
+            <a:extLst>
+              <a:ext uri="{28A0092B-C50C-407E-A947-70E740481C1C}">
+                <a14:useLocalDpi xmlns:a14="http://schemas.microsoft.com/office/drawing/2010/main" val="0"/>
+              </a:ext>
+            </a:extLst>
+          </a:blip>
+          <a:srcRect/>
+          <a:stretch>
+            <a:fillRect/>
+          </a:stretch>
+        </p:blipFill>
+        <p:spPr bwMode="auto">
+          <a:xfrm>
+            <a:off x="2835956" y="1887690"/>
+            <a:ext cx="1968500" cy="3389313"/>
+          </a:xfrm>
+          <a:prstGeom prst="rect">
+            <a:avLst/>
+          </a:prstGeom>
+          <a:noFill/>
+          <a:ln>
+            <a:noFill/>
+          </a:ln>
+          <a:extLst>
+            <a:ext uri="{909E8E84-426E-40DD-AFC4-6F175D3DCCD1}">
+              <a14:hiddenFill xmlns:a14="http://schemas.microsoft.com/office/drawing/2010/main">
+                <a:solidFill>
+                  <a:srgbClr val="FFFFFF"/>
+                </a:solidFill>
+              </a14:hiddenFill>
+            </a:ext>
+            <a:ext uri="{91240B29-F687-4F45-9708-019B960494DF}">
+              <a14:hiddenLine xmlns:a14="http://schemas.microsoft.com/office/drawing/2010/main" w="9525">
+                <a:solidFill>
+                  <a:srgbClr val="000000"/>
+                </a:solidFill>
+                <a:miter lim="800000"/>
+                <a:headEnd/>
+                <a:tailEnd/>
+              </a14:hiddenLine>
+            </a:ext>
+          </a:extLst>
+        </p:spPr>
+      </p:pic>
+      <p:pic>
+        <p:nvPicPr>
+          <p:cNvPr id="7" name="图片 45">
+            <a:extLst>
+              <a:ext uri="{FF2B5EF4-FFF2-40B4-BE49-F238E27FC236}">
+                <a16:creationId xmlns:a16="http://schemas.microsoft.com/office/drawing/2014/main" id="{C063EFAC-AD27-8CAD-6B11-204A22D87A5D}"/>
+              </a:ext>
+            </a:extLst>
+          </p:cNvPr>
+          <p:cNvPicPr>
+            <a:picLocks noChangeAspect="1" noChangeArrowheads="1"/>
+          </p:cNvPicPr>
+          <p:nvPr/>
+        </p:nvPicPr>
+        <p:blipFill>
+          <a:blip r:embed="rId3">
+            <a:extLst>
+              <a:ext uri="{28A0092B-C50C-407E-A947-70E740481C1C}">
+                <a14:useLocalDpi xmlns:a14="http://schemas.microsoft.com/office/drawing/2010/main" val="0"/>
+              </a:ext>
+            </a:extLst>
+          </a:blip>
+          <a:srcRect/>
+          <a:stretch>
+            <a:fillRect/>
+          </a:stretch>
+        </p:blipFill>
+        <p:spPr bwMode="auto">
+          <a:xfrm>
+            <a:off x="875393" y="1857528"/>
+            <a:ext cx="2014538" cy="3467100"/>
+          </a:xfrm>
+          <a:prstGeom prst="rect">
+            <a:avLst/>
+          </a:prstGeom>
+          <a:noFill/>
+          <a:ln>
+            <a:noFill/>
+          </a:ln>
+          <a:extLst>
+            <a:ext uri="{909E8E84-426E-40DD-AFC4-6F175D3DCCD1}">
+              <a14:hiddenFill xmlns:a14="http://schemas.microsoft.com/office/drawing/2010/main">
+                <a:solidFill>
+                  <a:srgbClr val="FFFFFF"/>
+                </a:solidFill>
+              </a14:hiddenFill>
+            </a:ext>
+            <a:ext uri="{91240B29-F687-4F45-9708-019B960494DF}">
+              <a14:hiddenLine xmlns:a14="http://schemas.microsoft.com/office/drawing/2010/main" w="9525">
+                <a:solidFill>
+                  <a:srgbClr val="000000"/>
+                </a:solidFill>
+                <a:miter lim="800000"/>
+                <a:headEnd/>
+                <a:tailEnd/>
+              </a14:hiddenLine>
+            </a:ext>
+          </a:extLst>
+        </p:spPr>
+      </p:pic>
+      <p:pic>
+        <p:nvPicPr>
+          <p:cNvPr id="8" name="图片 47">
+            <a:extLst>
+              <a:ext uri="{FF2B5EF4-FFF2-40B4-BE49-F238E27FC236}">
+                <a16:creationId xmlns:a16="http://schemas.microsoft.com/office/drawing/2014/main" id="{A66C486B-2F08-4AED-0816-EEA5A32554B9}"/>
+              </a:ext>
+            </a:extLst>
+          </p:cNvPr>
+          <p:cNvPicPr>
+            <a:picLocks noChangeAspect="1" noChangeArrowheads="1"/>
+          </p:cNvPicPr>
+          <p:nvPr/>
+        </p:nvPicPr>
+        <p:blipFill>
+          <a:blip r:embed="rId4">
+            <a:extLst>
+              <a:ext uri="{28A0092B-C50C-407E-A947-70E740481C1C}">
+                <a14:useLocalDpi xmlns:a14="http://schemas.microsoft.com/office/drawing/2010/main" val="0"/>
+              </a:ext>
+            </a:extLst>
+          </a:blip>
+          <a:srcRect/>
+          <a:stretch>
+            <a:fillRect/>
+          </a:stretch>
+        </p:blipFill>
+        <p:spPr bwMode="auto">
+          <a:xfrm>
+            <a:off x="835706" y="3884765"/>
+            <a:ext cx="1616075" cy="1438275"/>
+          </a:xfrm>
+          <a:prstGeom prst="rect">
+            <a:avLst/>
+          </a:prstGeom>
+          <a:noFill/>
+          <a:ln>
+            <a:noFill/>
+          </a:ln>
+          <a:extLst>
+            <a:ext uri="{909E8E84-426E-40DD-AFC4-6F175D3DCCD1}">
+              <a14:hiddenFill xmlns:a14="http://schemas.microsoft.com/office/drawing/2010/main">
+                <a:solidFill>
+                  <a:srgbClr val="FFFFFF"/>
+                </a:solidFill>
+              </a14:hiddenFill>
+            </a:ext>
+            <a:ext uri="{91240B29-F687-4F45-9708-019B960494DF}">
+              <a14:hiddenLine xmlns:a14="http://schemas.microsoft.com/office/drawing/2010/main" w="9525">
+                <a:solidFill>
+                  <a:srgbClr val="000000"/>
+                </a:solidFill>
+                <a:miter lim="800000"/>
+                <a:headEnd/>
+                <a:tailEnd/>
+              </a14:hiddenLine>
+            </a:ext>
+          </a:extLst>
+        </p:spPr>
+      </p:pic>
+      <p:pic>
+        <p:nvPicPr>
+          <p:cNvPr id="9" name="图片 48">
+            <a:extLst>
+              <a:ext uri="{FF2B5EF4-FFF2-40B4-BE49-F238E27FC236}">
+                <a16:creationId xmlns:a16="http://schemas.microsoft.com/office/drawing/2014/main" id="{3960B91D-698F-D66F-325A-FC69A0D2B306}"/>
+              </a:ext>
+            </a:extLst>
+          </p:cNvPr>
+          <p:cNvPicPr>
+            <a:picLocks noChangeAspect="1" noChangeArrowheads="1"/>
+          </p:cNvPicPr>
+          <p:nvPr/>
+        </p:nvPicPr>
+        <p:blipFill>
+          <a:blip r:embed="rId5">
+            <a:extLst>
+              <a:ext uri="{28A0092B-C50C-407E-A947-70E740481C1C}">
+                <a14:useLocalDpi xmlns:a14="http://schemas.microsoft.com/office/drawing/2010/main" val="0"/>
+              </a:ext>
+            </a:extLst>
+          </a:blip>
+          <a:srcRect/>
+          <a:stretch>
+            <a:fillRect/>
+          </a:stretch>
+        </p:blipFill>
+        <p:spPr bwMode="auto">
+          <a:xfrm>
+            <a:off x="3256643" y="3886353"/>
+            <a:ext cx="1612900" cy="1433512"/>
+          </a:xfrm>
+          <a:prstGeom prst="rect">
+            <a:avLst/>
+          </a:prstGeom>
+          <a:noFill/>
+          <a:ln>
+            <a:noFill/>
+          </a:ln>
+          <a:extLst>
+            <a:ext uri="{909E8E84-426E-40DD-AFC4-6F175D3DCCD1}">
+              <a14:hiddenFill xmlns:a14="http://schemas.microsoft.com/office/drawing/2010/main">
+                <a:solidFill>
+                  <a:srgbClr val="FFFFFF"/>
+                </a:solidFill>
+              </a14:hiddenFill>
+            </a:ext>
+            <a:ext uri="{91240B29-F687-4F45-9708-019B960494DF}">
+              <a14:hiddenLine xmlns:a14="http://schemas.microsoft.com/office/drawing/2010/main" w="9525">
+                <a:solidFill>
+                  <a:srgbClr val="000000"/>
+                </a:solidFill>
+                <a:miter lim="800000"/>
+                <a:headEnd/>
+                <a:tailEnd/>
+              </a14:hiddenLine>
+            </a:ext>
+          </a:extLst>
+        </p:spPr>
+      </p:pic>
+      <p:pic>
+        <p:nvPicPr>
+          <p:cNvPr id="10" name="图片 49">
+            <a:extLst>
+              <a:ext uri="{FF2B5EF4-FFF2-40B4-BE49-F238E27FC236}">
+                <a16:creationId xmlns:a16="http://schemas.microsoft.com/office/drawing/2014/main" id="{C5699981-20A1-1328-E804-C112D8307895}"/>
+              </a:ext>
+            </a:extLst>
+          </p:cNvPr>
+          <p:cNvPicPr>
+            <a:picLocks noChangeAspect="1" noChangeArrowheads="1"/>
+          </p:cNvPicPr>
+          <p:nvPr/>
+        </p:nvPicPr>
+        <p:blipFill>
+          <a:blip r:embed="rId6">
+            <a:extLst>
+              <a:ext uri="{28A0092B-C50C-407E-A947-70E740481C1C}">
+                <a14:useLocalDpi xmlns:a14="http://schemas.microsoft.com/office/drawing/2010/main" val="0"/>
+              </a:ext>
+            </a:extLst>
+          </a:blip>
+          <a:srcRect/>
+          <a:stretch>
+            <a:fillRect/>
+          </a:stretch>
+        </p:blipFill>
+        <p:spPr bwMode="auto">
+          <a:xfrm>
+            <a:off x="857931" y="4759478"/>
+            <a:ext cx="2006600" cy="563562"/>
+          </a:xfrm>
+          <a:prstGeom prst="rect">
+            <a:avLst/>
+          </a:prstGeom>
+          <a:noFill/>
+          <a:ln>
+            <a:noFill/>
+          </a:ln>
+          <a:extLst>
+            <a:ext uri="{909E8E84-426E-40DD-AFC4-6F175D3DCCD1}">
+              <a14:hiddenFill xmlns:a14="http://schemas.microsoft.com/office/drawing/2010/main">
+                <a:solidFill>
+                  <a:srgbClr val="FFFFFF"/>
+                </a:solidFill>
+              </a14:hiddenFill>
+            </a:ext>
+            <a:ext uri="{91240B29-F687-4F45-9708-019B960494DF}">
+              <a14:hiddenLine xmlns:a14="http://schemas.microsoft.com/office/drawing/2010/main" w="9525">
+                <a:solidFill>
+                  <a:srgbClr val="000000"/>
+                </a:solidFill>
+                <a:miter lim="800000"/>
+                <a:headEnd/>
+                <a:tailEnd/>
+              </a14:hiddenLine>
+            </a:ext>
+          </a:extLst>
+        </p:spPr>
+      </p:pic>
+      <p:pic>
+        <p:nvPicPr>
+          <p:cNvPr id="11" name="图片 50">
+            <a:extLst>
+              <a:ext uri="{FF2B5EF4-FFF2-40B4-BE49-F238E27FC236}">
+                <a16:creationId xmlns:a16="http://schemas.microsoft.com/office/drawing/2014/main" id="{E6B76FC0-E890-3BAC-E205-6EFABCB2F94A}"/>
+              </a:ext>
+            </a:extLst>
+          </p:cNvPr>
+          <p:cNvPicPr>
+            <a:picLocks noChangeAspect="1" noChangeArrowheads="1"/>
+          </p:cNvPicPr>
+          <p:nvPr/>
+        </p:nvPicPr>
+        <p:blipFill>
+          <a:blip r:embed="rId7">
+            <a:extLst>
+              <a:ext uri="{28A0092B-C50C-407E-A947-70E740481C1C}">
+                <a14:useLocalDpi xmlns:a14="http://schemas.microsoft.com/office/drawing/2010/main" val="0"/>
+              </a:ext>
+            </a:extLst>
+          </a:blip>
+          <a:srcRect/>
+          <a:stretch>
+            <a:fillRect/>
+          </a:stretch>
+        </p:blipFill>
+        <p:spPr bwMode="auto">
+          <a:xfrm>
+            <a:off x="2845481" y="4759478"/>
+            <a:ext cx="2019300" cy="566737"/>
+          </a:xfrm>
+          <a:prstGeom prst="rect">
+            <a:avLst/>
+          </a:prstGeom>
+          <a:noFill/>
+          <a:ln>
+            <a:noFill/>
+          </a:ln>
+          <a:extLst>
+            <a:ext uri="{909E8E84-426E-40DD-AFC4-6F175D3DCCD1}">
+              <a14:hiddenFill xmlns:a14="http://schemas.microsoft.com/office/drawing/2010/main">
+                <a:solidFill>
+                  <a:srgbClr val="FFFFFF"/>
+                </a:solidFill>
+              </a14:hiddenFill>
+            </a:ext>
+            <a:ext uri="{91240B29-F687-4F45-9708-019B960494DF}">
+              <a14:hiddenLine xmlns:a14="http://schemas.microsoft.com/office/drawing/2010/main" w="9525">
+                <a:solidFill>
+                  <a:srgbClr val="000000"/>
+                </a:solidFill>
+                <a:miter lim="800000"/>
+                <a:headEnd/>
+                <a:tailEnd/>
+              </a14:hiddenLine>
+            </a:ext>
+          </a:extLst>
+        </p:spPr>
+      </p:pic>
+      <p:pic>
+        <p:nvPicPr>
+          <p:cNvPr id="12" name="图片 51">
+            <a:extLst>
+              <a:ext uri="{FF2B5EF4-FFF2-40B4-BE49-F238E27FC236}">
+                <a16:creationId xmlns:a16="http://schemas.microsoft.com/office/drawing/2014/main" id="{70F1BB29-D072-CFB1-B6A6-AE9545BA7112}"/>
+              </a:ext>
+            </a:extLst>
+          </p:cNvPr>
+          <p:cNvPicPr>
+            <a:picLocks noChangeAspect="1" noChangeArrowheads="1"/>
+          </p:cNvPicPr>
+          <p:nvPr/>
+        </p:nvPicPr>
+        <p:blipFill>
+          <a:blip r:embed="rId8">
+            <a:extLst>
+              <a:ext uri="{28A0092B-C50C-407E-A947-70E740481C1C}">
+                <a14:useLocalDpi xmlns:a14="http://schemas.microsoft.com/office/drawing/2010/main" val="0"/>
+              </a:ext>
+            </a:extLst>
+          </a:blip>
+          <a:srcRect/>
+          <a:stretch>
+            <a:fillRect/>
+          </a:stretch>
+        </p:blipFill>
+        <p:spPr bwMode="auto">
+          <a:xfrm>
+            <a:off x="2394631" y="4753128"/>
+            <a:ext cx="930275" cy="569912"/>
+          </a:xfrm>
+          <a:prstGeom prst="rect">
+            <a:avLst/>
+          </a:prstGeom>
+          <a:noFill/>
+          <a:ln>
+            <a:noFill/>
+          </a:ln>
+          <a:extLst>
+            <a:ext uri="{909E8E84-426E-40DD-AFC4-6F175D3DCCD1}">
+              <a14:hiddenFill xmlns:a14="http://schemas.microsoft.com/office/drawing/2010/main">
+                <a:solidFill>
+                  <a:srgbClr val="FFFFFF"/>
+                </a:solidFill>
+              </a14:hiddenFill>
+            </a:ext>
+            <a:ext uri="{91240B29-F687-4F45-9708-019B960494DF}">
+              <a14:hiddenLine xmlns:a14="http://schemas.microsoft.com/office/drawing/2010/main" w="9525">
+                <a:solidFill>
+                  <a:srgbClr val="000000"/>
+                </a:solidFill>
+                <a:miter lim="800000"/>
+                <a:headEnd/>
+                <a:tailEnd/>
+              </a14:hiddenLine>
+            </a:ext>
+          </a:extLst>
+        </p:spPr>
+      </p:pic>
+      <p:pic>
+        <p:nvPicPr>
+          <p:cNvPr id="13" name="图片 52">
+            <a:extLst>
+              <a:ext uri="{FF2B5EF4-FFF2-40B4-BE49-F238E27FC236}">
+                <a16:creationId xmlns:a16="http://schemas.microsoft.com/office/drawing/2014/main" id="{5CEDBFA8-89CF-686E-0548-D8E54B6C6358}"/>
+              </a:ext>
+            </a:extLst>
+          </p:cNvPr>
+          <p:cNvPicPr>
+            <a:picLocks noChangeAspect="1" noChangeArrowheads="1"/>
+          </p:cNvPicPr>
+          <p:nvPr/>
+        </p:nvPicPr>
+        <p:blipFill>
+          <a:blip r:embed="rId9">
+            <a:extLst>
+              <a:ext uri="{28A0092B-C50C-407E-A947-70E740481C1C}">
+                <a14:useLocalDpi xmlns:a14="http://schemas.microsoft.com/office/drawing/2010/main" val="0"/>
+              </a:ext>
+            </a:extLst>
+          </a:blip>
+          <a:srcRect/>
+          <a:stretch>
+            <a:fillRect/>
+          </a:stretch>
+        </p:blipFill>
+        <p:spPr bwMode="auto">
+          <a:xfrm>
+            <a:off x="2818493" y="1870228"/>
+            <a:ext cx="757238" cy="2079625"/>
+          </a:xfrm>
+          <a:prstGeom prst="rect">
+            <a:avLst/>
+          </a:prstGeom>
+          <a:noFill/>
+          <a:ln>
+            <a:noFill/>
+          </a:ln>
+          <a:extLst>
+            <a:ext uri="{909E8E84-426E-40DD-AFC4-6F175D3DCCD1}">
+              <a14:hiddenFill xmlns:a14="http://schemas.microsoft.com/office/drawing/2010/main">
+                <a:solidFill>
+                  <a:srgbClr val="FFFFFF"/>
+                </a:solidFill>
+              </a14:hiddenFill>
+            </a:ext>
+            <a:ext uri="{91240B29-F687-4F45-9708-019B960494DF}">
+              <a14:hiddenLine xmlns:a14="http://schemas.microsoft.com/office/drawing/2010/main" w="9525">
+                <a:solidFill>
+                  <a:srgbClr val="000000"/>
+                </a:solidFill>
+                <a:miter lim="800000"/>
+                <a:headEnd/>
+                <a:tailEnd/>
+              </a14:hiddenLine>
+            </a:ext>
+          </a:extLst>
+        </p:spPr>
+      </p:pic>
+      <p:pic>
+        <p:nvPicPr>
+          <p:cNvPr id="14" name="图片 53">
+            <a:extLst>
+              <a:ext uri="{FF2B5EF4-FFF2-40B4-BE49-F238E27FC236}">
+                <a16:creationId xmlns:a16="http://schemas.microsoft.com/office/drawing/2014/main" id="{A76428A8-5D85-20BF-556E-BAF6D83F67FB}"/>
+              </a:ext>
+            </a:extLst>
+          </p:cNvPr>
+          <p:cNvPicPr>
+            <a:picLocks noChangeAspect="1" noChangeArrowheads="1"/>
+          </p:cNvPicPr>
+          <p:nvPr/>
+        </p:nvPicPr>
+        <p:blipFill>
+          <a:blip r:embed="rId10">
+            <a:extLst>
+              <a:ext uri="{28A0092B-C50C-407E-A947-70E740481C1C}">
+                <a14:useLocalDpi xmlns:a14="http://schemas.microsoft.com/office/drawing/2010/main" val="0"/>
+              </a:ext>
+            </a:extLst>
+          </a:blip>
+          <a:srcRect/>
+          <a:stretch>
+            <a:fillRect/>
+          </a:stretch>
+        </p:blipFill>
+        <p:spPr bwMode="auto">
+          <a:xfrm>
+            <a:off x="2129518" y="1894040"/>
+            <a:ext cx="749300" cy="2055813"/>
+          </a:xfrm>
+          <a:prstGeom prst="rect">
+            <a:avLst/>
+          </a:prstGeom>
+          <a:noFill/>
+          <a:ln>
+            <a:noFill/>
+          </a:ln>
+          <a:extLst>
+            <a:ext uri="{909E8E84-426E-40DD-AFC4-6F175D3DCCD1}">
+              <a14:hiddenFill xmlns:a14="http://schemas.microsoft.com/office/drawing/2010/main">
+                <a:solidFill>
+                  <a:srgbClr val="FFFFFF"/>
+                </a:solidFill>
+              </a14:hiddenFill>
+            </a:ext>
+            <a:ext uri="{91240B29-F687-4F45-9708-019B960494DF}">
+              <a14:hiddenLine xmlns:a14="http://schemas.microsoft.com/office/drawing/2010/main" w="9525">
+                <a:solidFill>
+                  <a:srgbClr val="000000"/>
+                </a:solidFill>
+                <a:miter lim="800000"/>
+                <a:headEnd/>
+                <a:tailEnd/>
+              </a14:hiddenLine>
+            </a:ext>
+          </a:extLst>
+        </p:spPr>
+      </p:pic>
+      <p:pic>
+        <p:nvPicPr>
+          <p:cNvPr id="15" name="图片 24">
+            <a:extLst>
+              <a:ext uri="{FF2B5EF4-FFF2-40B4-BE49-F238E27FC236}">
+                <a16:creationId xmlns:a16="http://schemas.microsoft.com/office/drawing/2014/main" id="{67D05F23-C286-50DF-4C78-037F93327DF4}"/>
+              </a:ext>
+            </a:extLst>
+          </p:cNvPr>
+          <p:cNvPicPr>
+            <a:picLocks noChangeAspect="1" noChangeArrowheads="1"/>
+          </p:cNvPicPr>
+          <p:nvPr/>
+        </p:nvPicPr>
+        <p:blipFill>
+          <a:blip r:embed="rId11" cstate="print"/>
+          <a:srcRect/>
+          <a:stretch>
+            <a:fillRect/>
+          </a:stretch>
+        </p:blipFill>
+        <p:spPr bwMode="auto">
+          <a:xfrm>
+            <a:off x="7793047" y="3164114"/>
+            <a:ext cx="1835150" cy="2659063"/>
+          </a:xfrm>
+          <a:prstGeom prst="rect">
+            <a:avLst/>
+          </a:prstGeom>
+          <a:noFill/>
+          <a:ln w="9525">
+            <a:noFill/>
+            <a:miter lim="800000"/>
+            <a:headEnd/>
+            <a:tailEnd/>
+          </a:ln>
+        </p:spPr>
+      </p:pic>
+      <p:pic>
+        <p:nvPicPr>
+          <p:cNvPr id="16" name="图片 25">
+            <a:extLst>
+              <a:ext uri="{FF2B5EF4-FFF2-40B4-BE49-F238E27FC236}">
+                <a16:creationId xmlns:a16="http://schemas.microsoft.com/office/drawing/2014/main" id="{776A5465-E845-A3B2-983B-E409627AD7E9}"/>
+              </a:ext>
+            </a:extLst>
+          </p:cNvPr>
+          <p:cNvPicPr>
+            <a:picLocks noChangeAspect="1" noChangeArrowheads="1"/>
+          </p:cNvPicPr>
+          <p:nvPr/>
+        </p:nvPicPr>
+        <p:blipFill>
+          <a:blip r:embed="rId12" cstate="print"/>
+          <a:srcRect/>
+          <a:stretch>
+            <a:fillRect/>
+          </a:stretch>
+        </p:blipFill>
+        <p:spPr bwMode="auto">
+          <a:xfrm>
+            <a:off x="6621472" y="2954564"/>
+            <a:ext cx="4205287" cy="749300"/>
+          </a:xfrm>
+          <a:prstGeom prst="rect">
+            <a:avLst/>
+          </a:prstGeom>
+          <a:noFill/>
+          <a:ln w="9525">
+            <a:noFill/>
+            <a:miter lim="800000"/>
+            <a:headEnd/>
+            <a:tailEnd/>
+          </a:ln>
+        </p:spPr>
+      </p:pic>
+      <p:grpSp>
+        <p:nvGrpSpPr>
+          <p:cNvPr id="17" name="Group 12">
+            <a:extLst>
+              <a:ext uri="{FF2B5EF4-FFF2-40B4-BE49-F238E27FC236}">
+                <a16:creationId xmlns:a16="http://schemas.microsoft.com/office/drawing/2014/main" id="{6CCF0AD1-BA93-EC6F-23D1-20B92CE49B1D}"/>
+              </a:ext>
+            </a:extLst>
+          </p:cNvPr>
+          <p:cNvGrpSpPr>
+            <a:grpSpLocks noChangeAspect="1"/>
+          </p:cNvGrpSpPr>
+          <p:nvPr/>
+        </p:nvGrpSpPr>
+        <p:grpSpPr bwMode="auto">
+          <a:xfrm>
+            <a:off x="6883409" y="1543277"/>
+            <a:ext cx="2744788" cy="381000"/>
+            <a:chOff x="0" y="0"/>
+            <a:chExt cx="2745753" cy="381209"/>
+          </a:xfrm>
+        </p:grpSpPr>
+        <p:pic>
+          <p:nvPicPr>
+            <p:cNvPr id="18" name="图片 28">
+              <a:extLst>
+                <a:ext uri="{FF2B5EF4-FFF2-40B4-BE49-F238E27FC236}">
+                  <a16:creationId xmlns:a16="http://schemas.microsoft.com/office/drawing/2014/main" id="{523DCC04-D38C-F20F-F060-85B0AD095CA3}"/>
+                </a:ext>
+              </a:extLst>
+            </p:cNvPr>
+            <p:cNvPicPr>
+              <a:picLocks noChangeAspect="1" noChangeArrowheads="1"/>
+            </p:cNvPicPr>
+            <p:nvPr/>
+          </p:nvPicPr>
+          <p:blipFill>
+            <a:blip r:embed="rId13" cstate="print"/>
+            <a:srcRect/>
+            <a:stretch>
+              <a:fillRect/>
+            </a:stretch>
+          </p:blipFill>
+          <p:spPr bwMode="auto">
+            <a:xfrm>
+              <a:off x="936104" y="0"/>
+              <a:ext cx="1809649" cy="381209"/>
+            </a:xfrm>
+            <a:prstGeom prst="rect">
+              <a:avLst/>
+            </a:prstGeom>
+            <a:noFill/>
+            <a:ln w="9525">
+              <a:noFill/>
+              <a:miter lim="800000"/>
+              <a:headEnd/>
+              <a:tailEnd/>
+            </a:ln>
+          </p:spPr>
+        </p:pic>
+        <p:pic>
+          <p:nvPicPr>
+            <p:cNvPr id="19" name="图片 29">
+              <a:extLst>
+                <a:ext uri="{FF2B5EF4-FFF2-40B4-BE49-F238E27FC236}">
+                  <a16:creationId xmlns:a16="http://schemas.microsoft.com/office/drawing/2014/main" id="{1B6079C8-9D62-43BA-0A07-FE5A1B27E3FF}"/>
+                </a:ext>
+              </a:extLst>
+            </p:cNvPr>
+            <p:cNvPicPr>
+              <a:picLocks noChangeAspect="1" noChangeArrowheads="1"/>
+            </p:cNvPicPr>
+            <p:nvPr/>
+          </p:nvPicPr>
+          <p:blipFill>
+            <a:blip r:embed="rId14" cstate="print"/>
+            <a:srcRect/>
+            <a:stretch>
+              <a:fillRect/>
+            </a:stretch>
+          </p:blipFill>
+          <p:spPr bwMode="auto">
+            <a:xfrm>
+              <a:off x="0" y="120393"/>
+              <a:ext cx="630967" cy="127070"/>
+            </a:xfrm>
+            <a:prstGeom prst="rect">
+              <a:avLst/>
+            </a:prstGeom>
+            <a:noFill/>
+            <a:ln w="9525">
+              <a:noFill/>
+              <a:miter lim="800000"/>
+              <a:headEnd/>
+              <a:tailEnd/>
+            </a:ln>
+          </p:spPr>
+        </p:pic>
+      </p:grpSp>
+      <p:pic>
+        <p:nvPicPr>
+          <p:cNvPr id="20" name="图片 30">
+            <a:extLst>
+              <a:ext uri="{FF2B5EF4-FFF2-40B4-BE49-F238E27FC236}">
+                <a16:creationId xmlns:a16="http://schemas.microsoft.com/office/drawing/2014/main" id="{5EAD3C47-B679-57D9-3B44-7780816BD111}"/>
+              </a:ext>
+            </a:extLst>
+          </p:cNvPr>
+          <p:cNvPicPr>
+            <a:picLocks noChangeAspect="1" noChangeArrowheads="1"/>
+          </p:cNvPicPr>
+          <p:nvPr/>
+        </p:nvPicPr>
+        <p:blipFill>
+          <a:blip r:embed="rId15" cstate="print"/>
+          <a:srcRect/>
+          <a:stretch>
+            <a:fillRect/>
+          </a:stretch>
+        </p:blipFill>
+        <p:spPr bwMode="auto">
+          <a:xfrm>
+            <a:off x="8301047" y="2097314"/>
+            <a:ext cx="846137" cy="533400"/>
+          </a:xfrm>
+          <a:prstGeom prst="rect">
+            <a:avLst/>
+          </a:prstGeom>
+          <a:noFill/>
+          <a:ln w="9525">
+            <a:noFill/>
+            <a:miter lim="800000"/>
+            <a:headEnd/>
+            <a:tailEnd/>
+          </a:ln>
+        </p:spPr>
+      </p:pic>
+      <p:pic>
+        <p:nvPicPr>
+          <p:cNvPr id="21" name="图片 32">
+            <a:extLst>
+              <a:ext uri="{FF2B5EF4-FFF2-40B4-BE49-F238E27FC236}">
+                <a16:creationId xmlns:a16="http://schemas.microsoft.com/office/drawing/2014/main" id="{7FD745D1-ACE2-5F8C-3A16-D5BC168973D5}"/>
+              </a:ext>
+            </a:extLst>
+          </p:cNvPr>
+          <p:cNvPicPr>
+            <a:picLocks noChangeAspect="1" noChangeArrowheads="1"/>
+          </p:cNvPicPr>
+          <p:nvPr/>
+        </p:nvPicPr>
+        <p:blipFill>
+          <a:blip r:embed="rId13" cstate="print"/>
+          <a:srcRect/>
+          <a:stretch>
+            <a:fillRect/>
+          </a:stretch>
+        </p:blipFill>
+        <p:spPr bwMode="auto">
+          <a:xfrm>
+            <a:off x="7810509" y="1536927"/>
+            <a:ext cx="1809750" cy="381000"/>
+          </a:xfrm>
+          <a:prstGeom prst="rect">
+            <a:avLst/>
+          </a:prstGeom>
+          <a:noFill/>
+          <a:ln w="9525">
+            <a:noFill/>
+            <a:miter lim="800000"/>
+            <a:headEnd/>
+            <a:tailEnd/>
+          </a:ln>
+        </p:spPr>
+      </p:pic>
+      <p:pic>
+        <p:nvPicPr>
+          <p:cNvPr id="22" name="矩形 2">
+            <a:extLst>
+              <a:ext uri="{FF2B5EF4-FFF2-40B4-BE49-F238E27FC236}">
+                <a16:creationId xmlns:a16="http://schemas.microsoft.com/office/drawing/2014/main" id="{BF4BA82C-61B4-93E4-9924-35D43995118E}"/>
+              </a:ext>
+            </a:extLst>
+          </p:cNvPr>
+          <p:cNvPicPr>
+            <a:picLocks noChangeArrowheads="1"/>
+          </p:cNvPicPr>
+          <p:nvPr/>
+        </p:nvPicPr>
+        <p:blipFill>
+          <a:blip r:embed="rId16" cstate="print"/>
+          <a:srcRect/>
+          <a:stretch>
+            <a:fillRect/>
+          </a:stretch>
+        </p:blipFill>
+        <p:spPr bwMode="auto">
+          <a:xfrm>
+            <a:off x="9488497" y="4113439"/>
+            <a:ext cx="1603375" cy="809625"/>
+          </a:xfrm>
+          <a:prstGeom prst="rect">
+            <a:avLst/>
+          </a:prstGeom>
+          <a:noFill/>
+          <a:ln w="9525">
+            <a:noFill/>
+            <a:miter lim="800000"/>
+            <a:headEnd/>
+            <a:tailEnd/>
+          </a:ln>
+        </p:spPr>
+      </p:pic>
+      <p:pic>
+        <p:nvPicPr>
+          <p:cNvPr id="23" name="图片 41">
+            <a:extLst>
+              <a:ext uri="{FF2B5EF4-FFF2-40B4-BE49-F238E27FC236}">
+                <a16:creationId xmlns:a16="http://schemas.microsoft.com/office/drawing/2014/main" id="{8B4E5C7E-527E-137C-181D-35D03E8D86ED}"/>
+              </a:ext>
+            </a:extLst>
+          </p:cNvPr>
+          <p:cNvPicPr>
+            <a:picLocks noChangeAspect="1" noChangeArrowheads="1"/>
+          </p:cNvPicPr>
+          <p:nvPr/>
+        </p:nvPicPr>
+        <p:blipFill>
+          <a:blip r:embed="rId17" cstate="print"/>
+          <a:srcRect/>
+          <a:stretch>
+            <a:fillRect/>
+          </a:stretch>
+        </p:blipFill>
+        <p:spPr bwMode="auto">
+          <a:xfrm>
+            <a:off x="6596072" y="5062764"/>
+            <a:ext cx="4205287" cy="749300"/>
+          </a:xfrm>
+          <a:prstGeom prst="rect">
+            <a:avLst/>
+          </a:prstGeom>
+          <a:noFill/>
+          <a:ln w="9525">
+            <a:noFill/>
+            <a:miter lim="800000"/>
+            <a:headEnd/>
+            <a:tailEnd/>
+          </a:ln>
+        </p:spPr>
+      </p:pic>
+      <p:pic>
+        <p:nvPicPr>
+          <p:cNvPr id="24" name="图片 46">
+            <a:extLst>
+              <a:ext uri="{FF2B5EF4-FFF2-40B4-BE49-F238E27FC236}">
+                <a16:creationId xmlns:a16="http://schemas.microsoft.com/office/drawing/2014/main" id="{0D9D1B69-3371-5353-30DD-9F433CEF31BC}"/>
+              </a:ext>
+            </a:extLst>
+          </p:cNvPr>
+          <p:cNvPicPr>
+            <a:picLocks noChangeAspect="1" noChangeArrowheads="1"/>
+          </p:cNvPicPr>
+          <p:nvPr/>
+        </p:nvPicPr>
+        <p:blipFill>
+          <a:blip r:embed="rId12" cstate="print"/>
+          <a:srcRect/>
+          <a:stretch>
+            <a:fillRect/>
+          </a:stretch>
+        </p:blipFill>
+        <p:spPr bwMode="auto">
+          <a:xfrm>
+            <a:off x="6629409" y="2951389"/>
+            <a:ext cx="4206875" cy="749300"/>
+          </a:xfrm>
+          <a:prstGeom prst="rect">
+            <a:avLst/>
+          </a:prstGeom>
+          <a:noFill/>
+          <a:ln w="9525">
+            <a:noFill/>
+            <a:miter lim="800000"/>
+            <a:headEnd/>
+            <a:tailEnd/>
+          </a:ln>
+        </p:spPr>
+      </p:pic>
+      <p:sp>
+        <p:nvSpPr>
+          <p:cNvPr id="25" name="文本框 24">
+            <a:extLst>
+              <a:ext uri="{FF2B5EF4-FFF2-40B4-BE49-F238E27FC236}">
+                <a16:creationId xmlns:a16="http://schemas.microsoft.com/office/drawing/2014/main" id="{8FC73381-139C-1810-C444-78688300055D}"/>
+              </a:ext>
+            </a:extLst>
+          </p:cNvPr>
+          <p:cNvSpPr txBox="1"/>
+          <p:nvPr/>
+        </p:nvSpPr>
+        <p:spPr>
+          <a:xfrm>
+            <a:off x="1861456" y="5773965"/>
+            <a:ext cx="1887992" cy="461665"/>
+          </a:xfrm>
+          <a:prstGeom prst="rect">
+            <a:avLst/>
+          </a:prstGeom>
+          <a:noFill/>
+        </p:spPr>
+        <p:txBody>
+          <a:bodyPr wrap="square" rtlCol="0">
+            <a:spAutoFit/>
+          </a:bodyPr>
+          <a:lstStyle/>
+          <a:p>
+            <a:r>
+              <a:rPr lang="zh-CN" altLang="en-US" sz="2400" b="1" dirty="0"/>
+              <a:t>相同可复用</a:t>
+            </a:r>
+          </a:p>
+        </p:txBody>
+      </p:sp>
+      <p:sp>
+        <p:nvSpPr>
+          <p:cNvPr id="26" name="文本框 25">
+            <a:extLst>
+              <a:ext uri="{FF2B5EF4-FFF2-40B4-BE49-F238E27FC236}">
+                <a16:creationId xmlns:a16="http://schemas.microsoft.com/office/drawing/2014/main" id="{513717E8-1B21-7C6C-6652-6D521D98EE97}"/>
+              </a:ext>
+            </a:extLst>
+          </p:cNvPr>
+          <p:cNvSpPr txBox="1"/>
+          <p:nvPr/>
+        </p:nvSpPr>
+        <p:spPr>
+          <a:xfrm>
+            <a:off x="7965627" y="5926365"/>
+            <a:ext cx="1887992" cy="461665"/>
+          </a:xfrm>
+          <a:prstGeom prst="rect">
+            <a:avLst/>
+          </a:prstGeom>
+          <a:noFill/>
+        </p:spPr>
+        <p:txBody>
+          <a:bodyPr wrap="square" rtlCol="0">
+            <a:spAutoFit/>
+          </a:bodyPr>
+          <a:lstStyle/>
+          <a:p>
+            <a:r>
+              <a:rPr lang="zh-CN" altLang="en-US" sz="2400" b="1" dirty="0"/>
+              <a:t>相关可复用</a:t>
+            </a:r>
+          </a:p>
+        </p:txBody>
+      </p:sp>
+    </p:spTree>
+    <p:extLst>
+      <p:ext uri="{BB962C8B-B14F-4D97-AF65-F5344CB8AC3E}">
+        <p14:creationId xmlns:p14="http://schemas.microsoft.com/office/powerpoint/2010/main" val="3506148171"/>
+      </p:ext>
+    </p:extLst>
+  </p:cSld>
+  <p:clrMapOvr>
+    <a:masterClrMapping/>
+  </p:clrMapOvr>
+  <p:timing>
+    <p:tnLst>
+      <p:par>
+        <p:cTn id="1" dur="indefinite" restart="never" nodeType="tmRoot">
+          <p:childTnLst>
+            <p:seq concurrent="1" nextAc="seek">
+              <p:cTn id="2" dur="indefinite" nodeType="mainSeq">
+                <p:childTnLst>
+                  <p:par>
+                    <p:cTn id="3" fill="hold">
+                      <p:stCondLst>
+                        <p:cond delay="indefinite"/>
+                        <p:cond evt="onBegin" delay="0">
+                          <p:tn val="2"/>
+                        </p:cond>
+                      </p:stCondLst>
+                      <p:childTnLst>
+                        <p:par>
+                          <p:cTn id="4" fill="hold">
+                            <p:stCondLst>
+                              <p:cond delay="0"/>
+                            </p:stCondLst>
+                            <p:childTnLst>
+                              <p:par>
+                                <p:cTn id="5" presetID="2" presetClass="entr" presetSubtype="9" fill="hold" nodeType="afterEffect">
+                                  <p:stCondLst>
+                                    <p:cond delay="0"/>
+                                  </p:stCondLst>
+                                  <p:childTnLst>
+                                    <p:set>
+                                      <p:cBhvr>
+                                        <p:cTn id="6" dur="1" fill="hold">
+                                          <p:stCondLst>
+                                            <p:cond delay="0"/>
+                                          </p:stCondLst>
+                                        </p:cTn>
+                                        <p:tgtEl>
+                                          <p:spTgt spid="7"/>
+                                        </p:tgtEl>
+                                        <p:attrNameLst>
+                                          <p:attrName>style.visibility</p:attrName>
+                                        </p:attrNameLst>
+                                      </p:cBhvr>
+                                      <p:to>
+                                        <p:strVal val="visible"/>
+                                      </p:to>
+                                    </p:set>
+                                    <p:anim calcmode="lin" valueType="num">
+                                      <p:cBhvr additive="base">
+                                        <p:cTn id="7" dur="500" fill="hold"/>
+                                        <p:tgtEl>
+                                          <p:spTgt spid="7"/>
+                                        </p:tgtEl>
+                                        <p:attrNameLst>
+                                          <p:attrName>ppt_x</p:attrName>
+                                        </p:attrNameLst>
+                                      </p:cBhvr>
+                                      <p:tavLst>
+                                        <p:tav tm="0">
+                                          <p:val>
+                                            <p:strVal val="0-#ppt_w/2"/>
+                                          </p:val>
+                                        </p:tav>
+                                        <p:tav tm="100000">
+                                          <p:val>
+                                            <p:strVal val="#ppt_x"/>
+                                          </p:val>
+                                        </p:tav>
+                                      </p:tavLst>
+                                    </p:anim>
+                                    <p:anim calcmode="lin" valueType="num">
+                                      <p:cBhvr additive="base">
+                                        <p:cTn id="8" dur="500" fill="hold"/>
+                                        <p:tgtEl>
+                                          <p:spTgt spid="7"/>
+                                        </p:tgtEl>
+                                        <p:attrNameLst>
+                                          <p:attrName>ppt_y</p:attrName>
+                                        </p:attrNameLst>
+                                      </p:cBhvr>
+                                      <p:tavLst>
+                                        <p:tav tm="0">
+                                          <p:val>
+                                            <p:strVal val="0-#ppt_h/2"/>
+                                          </p:val>
+                                        </p:tav>
+                                        <p:tav tm="100000">
+                                          <p:val>
+                                            <p:strVal val="#ppt_y"/>
+                                          </p:val>
+                                        </p:tav>
+                                      </p:tavLst>
+                                    </p:anim>
+                                  </p:childTnLst>
+                                </p:cTn>
+                              </p:par>
+                              <p:par>
+                                <p:cTn id="9" presetID="2" presetClass="entr" presetSubtype="3" fill="hold" nodeType="withEffect">
+                                  <p:stCondLst>
+                                    <p:cond delay="0"/>
+                                  </p:stCondLst>
+                                  <p:childTnLst>
+                                    <p:set>
+                                      <p:cBhvr>
+                                        <p:cTn id="10" dur="1" fill="hold">
+                                          <p:stCondLst>
+                                            <p:cond delay="0"/>
+                                          </p:stCondLst>
+                                        </p:cTn>
+                                        <p:tgtEl>
+                                          <p:spTgt spid="6"/>
+                                        </p:tgtEl>
+                                        <p:attrNameLst>
+                                          <p:attrName>style.visibility</p:attrName>
+                                        </p:attrNameLst>
+                                      </p:cBhvr>
+                                      <p:to>
+                                        <p:strVal val="visible"/>
+                                      </p:to>
+                                    </p:set>
+                                    <p:anim calcmode="lin" valueType="num">
+                                      <p:cBhvr additive="base">
+                                        <p:cTn id="11" dur="500" fill="hold"/>
+                                        <p:tgtEl>
+                                          <p:spTgt spid="6"/>
+                                        </p:tgtEl>
+                                        <p:attrNameLst>
+                                          <p:attrName>ppt_x</p:attrName>
+                                        </p:attrNameLst>
+                                      </p:cBhvr>
+                                      <p:tavLst>
+                                        <p:tav tm="0">
+                                          <p:val>
+                                            <p:strVal val="1+#ppt_w/2"/>
+                                          </p:val>
+                                        </p:tav>
+                                        <p:tav tm="100000">
+                                          <p:val>
+                                            <p:strVal val="#ppt_x"/>
+                                          </p:val>
+                                        </p:tav>
+                                      </p:tavLst>
+                                    </p:anim>
+                                    <p:anim calcmode="lin" valueType="num">
+                                      <p:cBhvr additive="base">
+                                        <p:cTn id="12" dur="500" fill="hold"/>
+                                        <p:tgtEl>
+                                          <p:spTgt spid="6"/>
+                                        </p:tgtEl>
+                                        <p:attrNameLst>
+                                          <p:attrName>ppt_y</p:attrName>
+                                        </p:attrNameLst>
+                                      </p:cBhvr>
+                                      <p:tavLst>
+                                        <p:tav tm="0">
+                                          <p:val>
+                                            <p:strVal val="0-#ppt_h/2"/>
+                                          </p:val>
+                                        </p:tav>
+                                        <p:tav tm="100000">
+                                          <p:val>
+                                            <p:strVal val="#ppt_y"/>
+                                          </p:val>
+                                        </p:tav>
+                                      </p:tavLst>
+                                    </p:anim>
+                                  </p:childTnLst>
+                                </p:cTn>
+                              </p:par>
+                            </p:childTnLst>
+                          </p:cTn>
+                        </p:par>
+                        <p:par>
+                          <p:cTn id="13" fill="hold">
+                            <p:stCondLst>
+                              <p:cond delay="500"/>
+                            </p:stCondLst>
+                            <p:childTnLst>
+                              <p:par>
+                                <p:cTn id="14" presetID="2" presetClass="entr" presetSubtype="12" fill="hold" nodeType="afterEffect">
+                                  <p:stCondLst>
+                                    <p:cond delay="0"/>
+                                  </p:stCondLst>
+                                  <p:childTnLst>
+                                    <p:set>
+                                      <p:cBhvr>
+                                        <p:cTn id="15" dur="1" fill="hold">
+                                          <p:stCondLst>
+                                            <p:cond delay="0"/>
+                                          </p:stCondLst>
+                                        </p:cTn>
+                                        <p:tgtEl>
+                                          <p:spTgt spid="10"/>
+                                        </p:tgtEl>
+                                        <p:attrNameLst>
+                                          <p:attrName>style.visibility</p:attrName>
+                                        </p:attrNameLst>
+                                      </p:cBhvr>
+                                      <p:to>
+                                        <p:strVal val="visible"/>
+                                      </p:to>
+                                    </p:set>
+                                    <p:anim calcmode="lin" valueType="num">
+                                      <p:cBhvr additive="base">
+                                        <p:cTn id="16" dur="500" fill="hold"/>
+                                        <p:tgtEl>
+                                          <p:spTgt spid="10"/>
+                                        </p:tgtEl>
+                                        <p:attrNameLst>
+                                          <p:attrName>ppt_x</p:attrName>
+                                        </p:attrNameLst>
+                                      </p:cBhvr>
+                                      <p:tavLst>
+                                        <p:tav tm="0">
+                                          <p:val>
+                                            <p:strVal val="0-#ppt_w/2"/>
+                                          </p:val>
+                                        </p:tav>
+                                        <p:tav tm="100000">
+                                          <p:val>
+                                            <p:strVal val="#ppt_x"/>
+                                          </p:val>
+                                        </p:tav>
+                                      </p:tavLst>
+                                    </p:anim>
+                                    <p:anim calcmode="lin" valueType="num">
+                                      <p:cBhvr additive="base">
+                                        <p:cTn id="17" dur="500" fill="hold"/>
+                                        <p:tgtEl>
+                                          <p:spTgt spid="10"/>
+                                        </p:tgtEl>
+                                        <p:attrNameLst>
+                                          <p:attrName>ppt_y</p:attrName>
+                                        </p:attrNameLst>
+                                      </p:cBhvr>
+                                      <p:tavLst>
+                                        <p:tav tm="0">
+                                          <p:val>
+                                            <p:strVal val="1+#ppt_h/2"/>
+                                          </p:val>
+                                        </p:tav>
+                                        <p:tav tm="100000">
+                                          <p:val>
+                                            <p:strVal val="#ppt_y"/>
+                                          </p:val>
+                                        </p:tav>
+                                      </p:tavLst>
+                                    </p:anim>
+                                  </p:childTnLst>
+                                </p:cTn>
+                              </p:par>
+                              <p:par>
+                                <p:cTn id="18" presetID="2" presetClass="entr" presetSubtype="6" fill="hold" nodeType="withEffect">
+                                  <p:stCondLst>
+                                    <p:cond delay="0"/>
+                                  </p:stCondLst>
+                                  <p:childTnLst>
+                                    <p:set>
+                                      <p:cBhvr>
+                                        <p:cTn id="19" dur="1" fill="hold">
+                                          <p:stCondLst>
+                                            <p:cond delay="0"/>
+                                          </p:stCondLst>
+                                        </p:cTn>
+                                        <p:tgtEl>
+                                          <p:spTgt spid="11"/>
+                                        </p:tgtEl>
+                                        <p:attrNameLst>
+                                          <p:attrName>style.visibility</p:attrName>
+                                        </p:attrNameLst>
+                                      </p:cBhvr>
+                                      <p:to>
+                                        <p:strVal val="visible"/>
+                                      </p:to>
+                                    </p:set>
+                                    <p:anim calcmode="lin" valueType="num">
+                                      <p:cBhvr additive="base">
+                                        <p:cTn id="20" dur="500" fill="hold"/>
+                                        <p:tgtEl>
+                                          <p:spTgt spid="11"/>
+                                        </p:tgtEl>
+                                        <p:attrNameLst>
+                                          <p:attrName>ppt_x</p:attrName>
+                                        </p:attrNameLst>
+                                      </p:cBhvr>
+                                      <p:tavLst>
+                                        <p:tav tm="0">
+                                          <p:val>
+                                            <p:strVal val="1+#ppt_w/2"/>
+                                          </p:val>
+                                        </p:tav>
+                                        <p:tav tm="100000">
+                                          <p:val>
+                                            <p:strVal val="#ppt_x"/>
+                                          </p:val>
+                                        </p:tav>
+                                      </p:tavLst>
+                                    </p:anim>
+                                    <p:anim calcmode="lin" valueType="num">
+                                      <p:cBhvr additive="base">
+                                        <p:cTn id="21" dur="500" fill="hold"/>
+                                        <p:tgtEl>
+                                          <p:spTgt spid="11"/>
+                                        </p:tgtEl>
+                                        <p:attrNameLst>
+                                          <p:attrName>ppt_y</p:attrName>
+                                        </p:attrNameLst>
+                                      </p:cBhvr>
+                                      <p:tavLst>
+                                        <p:tav tm="0">
+                                          <p:val>
+                                            <p:strVal val="1+#ppt_h/2"/>
+                                          </p:val>
+                                        </p:tav>
+                                        <p:tav tm="100000">
+                                          <p:val>
+                                            <p:strVal val="#ppt_y"/>
+                                          </p:val>
+                                        </p:tav>
+                                      </p:tavLst>
+                                    </p:anim>
+                                  </p:childTnLst>
+                                </p:cTn>
+                              </p:par>
+                            </p:childTnLst>
+                          </p:cTn>
+                        </p:par>
+                        <p:par>
+                          <p:cTn id="22" fill="hold">
+                            <p:stCondLst>
+                              <p:cond delay="1000"/>
+                            </p:stCondLst>
+                            <p:childTnLst>
+                              <p:par>
+                                <p:cTn id="23" presetID="2" presetClass="entr" presetSubtype="8" fill="hold" nodeType="afterEffect">
+                                  <p:stCondLst>
+                                    <p:cond delay="0"/>
+                                  </p:stCondLst>
+                                  <p:childTnLst>
+                                    <p:set>
+                                      <p:cBhvr>
+                                        <p:cTn id="24" dur="1" fill="hold">
+                                          <p:stCondLst>
+                                            <p:cond delay="0"/>
+                                          </p:stCondLst>
+                                        </p:cTn>
+                                        <p:tgtEl>
+                                          <p:spTgt spid="14"/>
+                                        </p:tgtEl>
+                                        <p:attrNameLst>
+                                          <p:attrName>style.visibility</p:attrName>
+                                        </p:attrNameLst>
+                                      </p:cBhvr>
+                                      <p:to>
+                                        <p:strVal val="visible"/>
+                                      </p:to>
+                                    </p:set>
+                                    <p:anim calcmode="lin" valueType="num">
+                                      <p:cBhvr additive="base">
+                                        <p:cTn id="25" dur="500" fill="hold"/>
+                                        <p:tgtEl>
+                                          <p:spTgt spid="14"/>
+                                        </p:tgtEl>
+                                        <p:attrNameLst>
+                                          <p:attrName>ppt_x</p:attrName>
+                                        </p:attrNameLst>
+                                      </p:cBhvr>
+                                      <p:tavLst>
+                                        <p:tav tm="0">
+                                          <p:val>
+                                            <p:strVal val="0-#ppt_w/2"/>
+                                          </p:val>
+                                        </p:tav>
+                                        <p:tav tm="100000">
+                                          <p:val>
+                                            <p:strVal val="#ppt_x"/>
+                                          </p:val>
+                                        </p:tav>
+                                      </p:tavLst>
+                                    </p:anim>
+                                    <p:anim calcmode="lin" valueType="num">
+                                      <p:cBhvr additive="base">
+                                        <p:cTn id="26" dur="500" fill="hold"/>
+                                        <p:tgtEl>
+                                          <p:spTgt spid="14"/>
+                                        </p:tgtEl>
+                                        <p:attrNameLst>
+                                          <p:attrName>ppt_y</p:attrName>
+                                        </p:attrNameLst>
+                                      </p:cBhvr>
+                                      <p:tavLst>
+                                        <p:tav tm="0">
+                                          <p:val>
+                                            <p:strVal val="#ppt_y"/>
+                                          </p:val>
+                                        </p:tav>
+                                        <p:tav tm="100000">
+                                          <p:val>
+                                            <p:strVal val="#ppt_y"/>
+                                          </p:val>
+                                        </p:tav>
+                                      </p:tavLst>
+                                    </p:anim>
+                                  </p:childTnLst>
+                                </p:cTn>
+                              </p:par>
+                              <p:par>
+                                <p:cTn id="27" presetID="2" presetClass="entr" presetSubtype="2" fill="hold" nodeType="withEffect">
+                                  <p:stCondLst>
+                                    <p:cond delay="0"/>
+                                  </p:stCondLst>
+                                  <p:childTnLst>
+                                    <p:set>
+                                      <p:cBhvr>
+                                        <p:cTn id="28" dur="1" fill="hold">
+                                          <p:stCondLst>
+                                            <p:cond delay="0"/>
+                                          </p:stCondLst>
+                                        </p:cTn>
+                                        <p:tgtEl>
+                                          <p:spTgt spid="13"/>
+                                        </p:tgtEl>
+                                        <p:attrNameLst>
+                                          <p:attrName>style.visibility</p:attrName>
+                                        </p:attrNameLst>
+                                      </p:cBhvr>
+                                      <p:to>
+                                        <p:strVal val="visible"/>
+                                      </p:to>
+                                    </p:set>
+                                    <p:anim calcmode="lin" valueType="num">
+                                      <p:cBhvr additive="base">
+                                        <p:cTn id="29" dur="500" fill="hold"/>
+                                        <p:tgtEl>
+                                          <p:spTgt spid="13"/>
+                                        </p:tgtEl>
+                                        <p:attrNameLst>
+                                          <p:attrName>ppt_x</p:attrName>
+                                        </p:attrNameLst>
+                                      </p:cBhvr>
+                                      <p:tavLst>
+                                        <p:tav tm="0">
+                                          <p:val>
+                                            <p:strVal val="1+#ppt_w/2"/>
+                                          </p:val>
+                                        </p:tav>
+                                        <p:tav tm="100000">
+                                          <p:val>
+                                            <p:strVal val="#ppt_x"/>
+                                          </p:val>
+                                        </p:tav>
+                                      </p:tavLst>
+                                    </p:anim>
+                                    <p:anim calcmode="lin" valueType="num">
+                                      <p:cBhvr additive="base">
+                                        <p:cTn id="30" dur="500" fill="hold"/>
+                                        <p:tgtEl>
+                                          <p:spTgt spid="13"/>
+                                        </p:tgtEl>
+                                        <p:attrNameLst>
+                                          <p:attrName>ppt_y</p:attrName>
+                                        </p:attrNameLst>
+                                      </p:cBhvr>
+                                      <p:tavLst>
+                                        <p:tav tm="0">
+                                          <p:val>
+                                            <p:strVal val="#ppt_y"/>
+                                          </p:val>
+                                        </p:tav>
+                                        <p:tav tm="100000">
+                                          <p:val>
+                                            <p:strVal val="#ppt_y"/>
+                                          </p:val>
+                                        </p:tav>
+                                      </p:tavLst>
+                                    </p:anim>
+                                  </p:childTnLst>
+                                </p:cTn>
+                              </p:par>
+                            </p:childTnLst>
+                          </p:cTn>
+                        </p:par>
+                        <p:par>
+                          <p:cTn id="31" fill="hold">
+                            <p:stCondLst>
+                              <p:cond delay="1500"/>
+                            </p:stCondLst>
+                            <p:childTnLst>
+                              <p:par>
+                                <p:cTn id="32" presetID="2" presetClass="entr" presetSubtype="8" fill="hold" nodeType="afterEffect">
+                                  <p:stCondLst>
+                                    <p:cond delay="0"/>
+                                  </p:stCondLst>
+                                  <p:childTnLst>
+                                    <p:set>
+                                      <p:cBhvr>
+                                        <p:cTn id="33" dur="1" fill="hold">
+                                          <p:stCondLst>
+                                            <p:cond delay="0"/>
+                                          </p:stCondLst>
+                                        </p:cTn>
+                                        <p:tgtEl>
+                                          <p:spTgt spid="8"/>
+                                        </p:tgtEl>
+                                        <p:attrNameLst>
+                                          <p:attrName>style.visibility</p:attrName>
+                                        </p:attrNameLst>
+                                      </p:cBhvr>
+                                      <p:to>
+                                        <p:strVal val="visible"/>
+                                      </p:to>
+                                    </p:set>
+                                    <p:anim calcmode="lin" valueType="num">
+                                      <p:cBhvr additive="base">
+                                        <p:cTn id="34" dur="500" fill="hold"/>
+                                        <p:tgtEl>
+                                          <p:spTgt spid="8"/>
+                                        </p:tgtEl>
+                                        <p:attrNameLst>
+                                          <p:attrName>ppt_x</p:attrName>
+                                        </p:attrNameLst>
+                                      </p:cBhvr>
+                                      <p:tavLst>
+                                        <p:tav tm="0">
+                                          <p:val>
+                                            <p:strVal val="0-#ppt_w/2"/>
+                                          </p:val>
+                                        </p:tav>
+                                        <p:tav tm="100000">
+                                          <p:val>
+                                            <p:strVal val="#ppt_x"/>
+                                          </p:val>
+                                        </p:tav>
+                                      </p:tavLst>
+                                    </p:anim>
+                                    <p:anim calcmode="lin" valueType="num">
+                                      <p:cBhvr additive="base">
+                                        <p:cTn id="35" dur="500" fill="hold"/>
+                                        <p:tgtEl>
+                                          <p:spTgt spid="8"/>
+                                        </p:tgtEl>
+                                        <p:attrNameLst>
+                                          <p:attrName>ppt_y</p:attrName>
+                                        </p:attrNameLst>
+                                      </p:cBhvr>
+                                      <p:tavLst>
+                                        <p:tav tm="0">
+                                          <p:val>
+                                            <p:strVal val="#ppt_y"/>
+                                          </p:val>
+                                        </p:tav>
+                                        <p:tav tm="100000">
+                                          <p:val>
+                                            <p:strVal val="#ppt_y"/>
+                                          </p:val>
+                                        </p:tav>
+                                      </p:tavLst>
+                                    </p:anim>
+                                  </p:childTnLst>
+                                </p:cTn>
+                              </p:par>
+                              <p:par>
+                                <p:cTn id="36" presetID="2" presetClass="entr" presetSubtype="2" fill="hold" nodeType="withEffect">
+                                  <p:stCondLst>
+                                    <p:cond delay="0"/>
+                                  </p:stCondLst>
+                                  <p:childTnLst>
+                                    <p:set>
+                                      <p:cBhvr>
+                                        <p:cTn id="37" dur="1" fill="hold">
+                                          <p:stCondLst>
+                                            <p:cond delay="0"/>
+                                          </p:stCondLst>
+                                        </p:cTn>
+                                        <p:tgtEl>
+                                          <p:spTgt spid="9"/>
+                                        </p:tgtEl>
+                                        <p:attrNameLst>
+                                          <p:attrName>style.visibility</p:attrName>
+                                        </p:attrNameLst>
+                                      </p:cBhvr>
+                                      <p:to>
+                                        <p:strVal val="visible"/>
+                                      </p:to>
+                                    </p:set>
+                                    <p:anim calcmode="lin" valueType="num">
+                                      <p:cBhvr additive="base">
+                                        <p:cTn id="38" dur="500" fill="hold"/>
+                                        <p:tgtEl>
+                                          <p:spTgt spid="9"/>
+                                        </p:tgtEl>
+                                        <p:attrNameLst>
+                                          <p:attrName>ppt_x</p:attrName>
+                                        </p:attrNameLst>
+                                      </p:cBhvr>
+                                      <p:tavLst>
+                                        <p:tav tm="0">
+                                          <p:val>
+                                            <p:strVal val="1+#ppt_w/2"/>
+                                          </p:val>
+                                        </p:tav>
+                                        <p:tav tm="100000">
+                                          <p:val>
+                                            <p:strVal val="#ppt_x"/>
+                                          </p:val>
+                                        </p:tav>
+                                      </p:tavLst>
+                                    </p:anim>
+                                    <p:anim calcmode="lin" valueType="num">
+                                      <p:cBhvr additive="base">
+                                        <p:cTn id="39" dur="500" fill="hold"/>
+                                        <p:tgtEl>
+                                          <p:spTgt spid="9"/>
+                                        </p:tgtEl>
+                                        <p:attrNameLst>
+                                          <p:attrName>ppt_y</p:attrName>
+                                        </p:attrNameLst>
+                                      </p:cBhvr>
+                                      <p:tavLst>
+                                        <p:tav tm="0">
+                                          <p:val>
+                                            <p:strVal val="#ppt_y"/>
+                                          </p:val>
+                                        </p:tav>
+                                        <p:tav tm="100000">
+                                          <p:val>
+                                            <p:strVal val="#ppt_y"/>
+                                          </p:val>
+                                        </p:tav>
+                                      </p:tavLst>
+                                    </p:anim>
+                                  </p:childTnLst>
+                                </p:cTn>
+                              </p:par>
+                            </p:childTnLst>
+                          </p:cTn>
+                        </p:par>
+                        <p:par>
+                          <p:cTn id="40" fill="hold">
+                            <p:stCondLst>
+                              <p:cond delay="2000"/>
+                            </p:stCondLst>
+                            <p:childTnLst>
+                              <p:par>
+                                <p:cTn id="41" presetID="2" presetClass="entr" presetSubtype="4" fill="hold" nodeType="afterEffect">
+                                  <p:stCondLst>
+                                    <p:cond delay="0"/>
+                                  </p:stCondLst>
+                                  <p:childTnLst>
+                                    <p:set>
+                                      <p:cBhvr>
+                                        <p:cTn id="42" dur="1" fill="hold">
+                                          <p:stCondLst>
+                                            <p:cond delay="0"/>
+                                          </p:stCondLst>
+                                        </p:cTn>
+                                        <p:tgtEl>
+                                          <p:spTgt spid="12"/>
+                                        </p:tgtEl>
+                                        <p:attrNameLst>
+                                          <p:attrName>style.visibility</p:attrName>
+                                        </p:attrNameLst>
+                                      </p:cBhvr>
+                                      <p:to>
+                                        <p:strVal val="visible"/>
+                                      </p:to>
+                                    </p:set>
+                                    <p:anim calcmode="lin" valueType="num">
+                                      <p:cBhvr additive="base">
+                                        <p:cTn id="43" dur="500" fill="hold"/>
+                                        <p:tgtEl>
+                                          <p:spTgt spid="12"/>
+                                        </p:tgtEl>
+                                        <p:attrNameLst>
+                                          <p:attrName>ppt_x</p:attrName>
+                                        </p:attrNameLst>
+                                      </p:cBhvr>
+                                      <p:tavLst>
+                                        <p:tav tm="0">
+                                          <p:val>
+                                            <p:strVal val="#ppt_x"/>
+                                          </p:val>
+                                        </p:tav>
+                                        <p:tav tm="100000">
+                                          <p:val>
+                                            <p:strVal val="#ppt_x"/>
+                                          </p:val>
+                                        </p:tav>
+                                      </p:tavLst>
+                                    </p:anim>
+                                    <p:anim calcmode="lin" valueType="num">
+                                      <p:cBhvr additive="base">
+                                        <p:cTn id="44" dur="500" fill="hold"/>
+                                        <p:tgtEl>
+                                          <p:spTgt spid="12"/>
+                                        </p:tgtEl>
+                                        <p:attrNameLst>
+                                          <p:attrName>ppt_y</p:attrName>
+                                        </p:attrNameLst>
+                                      </p:cBhvr>
+                                      <p:tavLst>
+                                        <p:tav tm="0">
+                                          <p:val>
+                                            <p:strVal val="1+#ppt_h/2"/>
+                                          </p:val>
+                                        </p:tav>
+                                        <p:tav tm="100000">
+                                          <p:val>
+                                            <p:strVal val="#ppt_y"/>
+                                          </p:val>
+                                        </p:tav>
+                                      </p:tavLst>
+                                    </p:anim>
+                                  </p:childTnLst>
+                                </p:cTn>
+                              </p:par>
+                            </p:childTnLst>
+                          </p:cTn>
+                        </p:par>
+                      </p:childTnLst>
+                    </p:cTn>
+                  </p:par>
+                  <p:par>
+                    <p:cTn id="45" fill="hold">
+                      <p:stCondLst>
+                        <p:cond delay="indefinite"/>
+                      </p:stCondLst>
+                      <p:childTnLst>
+                        <p:par>
+                          <p:cTn id="46" fill="hold">
+                            <p:stCondLst>
+                              <p:cond delay="0"/>
+                            </p:stCondLst>
+                            <p:childTnLst>
+                              <p:par>
+                                <p:cTn id="47" presetID="2" presetClass="entr" presetSubtype="8" fill="hold" nodeType="clickEffect">
+                                  <p:stCondLst>
+                                    <p:cond delay="0"/>
+                                  </p:stCondLst>
+                                  <p:childTnLst>
+                                    <p:set>
+                                      <p:cBhvr>
+                                        <p:cTn id="48" dur="1" fill="hold">
+                                          <p:stCondLst>
+                                            <p:cond delay="0"/>
+                                          </p:stCondLst>
+                                        </p:cTn>
+                                        <p:tgtEl>
+                                          <p:spTgt spid="17"/>
+                                        </p:tgtEl>
+                                        <p:attrNameLst>
+                                          <p:attrName>style.visibility</p:attrName>
+                                        </p:attrNameLst>
+                                      </p:cBhvr>
+                                      <p:to>
+                                        <p:strVal val="visible"/>
+                                      </p:to>
+                                    </p:set>
+                                    <p:anim calcmode="lin" valueType="num">
+                                      <p:cBhvr additive="base">
+                                        <p:cTn id="49" dur="300" fill="hold"/>
+                                        <p:tgtEl>
+                                          <p:spTgt spid="17"/>
+                                        </p:tgtEl>
+                                        <p:attrNameLst>
+                                          <p:attrName>ppt_x</p:attrName>
+                                        </p:attrNameLst>
+                                      </p:cBhvr>
+                                      <p:tavLst>
+                                        <p:tav tm="0">
+                                          <p:val>
+                                            <p:strVal val="0-#ppt_w/2"/>
+                                          </p:val>
+                                        </p:tav>
+                                        <p:tav tm="100000">
+                                          <p:val>
+                                            <p:strVal val="#ppt_x"/>
+                                          </p:val>
+                                        </p:tav>
+                                      </p:tavLst>
+                                    </p:anim>
+                                    <p:anim calcmode="lin" valueType="num">
+                                      <p:cBhvr additive="base">
+                                        <p:cTn id="50" dur="300" fill="hold"/>
+                                        <p:tgtEl>
+                                          <p:spTgt spid="17"/>
+                                        </p:tgtEl>
+                                        <p:attrNameLst>
+                                          <p:attrName>ppt_y</p:attrName>
+                                        </p:attrNameLst>
+                                      </p:cBhvr>
+                                      <p:tavLst>
+                                        <p:tav tm="0">
+                                          <p:val>
+                                            <p:strVal val="#ppt_y"/>
+                                          </p:val>
+                                        </p:tav>
+                                        <p:tav tm="100000">
+                                          <p:val>
+                                            <p:strVal val="#ppt_y"/>
+                                          </p:val>
+                                        </p:tav>
+                                      </p:tavLst>
+                                    </p:anim>
+                                  </p:childTnLst>
+                                </p:cTn>
+                              </p:par>
+                            </p:childTnLst>
+                          </p:cTn>
+                        </p:par>
+                        <p:par>
+                          <p:cTn id="51" fill="hold">
+                            <p:stCondLst>
+                              <p:cond delay="300"/>
+                            </p:stCondLst>
+                            <p:childTnLst>
+                              <p:par>
+                                <p:cTn id="52" presetID="10" presetClass="entr" presetSubtype="0" fill="hold" nodeType="afterEffect">
+                                  <p:stCondLst>
+                                    <p:cond delay="0"/>
+                                  </p:stCondLst>
+                                  <p:childTnLst>
+                                    <p:set>
+                                      <p:cBhvr>
+                                        <p:cTn id="53" dur="1" fill="hold">
+                                          <p:stCondLst>
+                                            <p:cond delay="0"/>
+                                          </p:stCondLst>
+                                        </p:cTn>
+                                        <p:tgtEl>
+                                          <p:spTgt spid="20"/>
+                                        </p:tgtEl>
+                                        <p:attrNameLst>
+                                          <p:attrName>style.visibility</p:attrName>
+                                        </p:attrNameLst>
+                                      </p:cBhvr>
+                                      <p:to>
+                                        <p:strVal val="visible"/>
+                                      </p:to>
+                                    </p:set>
+                                    <p:anim calcmode="lin" valueType="num">
+                                      <p:cBhvr>
+                                        <p:cTn id="54" dur="300" fill="hold"/>
+                                        <p:tgtEl>
+                                          <p:spTgt spid="20"/>
+                                        </p:tgtEl>
+                                        <p:attrNameLst>
+                                          <p:attrName>ppt_w</p:attrName>
+                                        </p:attrNameLst>
+                                      </p:cBhvr>
+                                      <p:tavLst>
+                                        <p:tav tm="0">
+                                          <p:val>
+                                            <p:fltVal val="0"/>
+                                          </p:val>
+                                        </p:tav>
+                                        <p:tav tm="100000">
+                                          <p:val>
+                                            <p:strVal val="#ppt_w"/>
+                                          </p:val>
+                                        </p:tav>
+                                      </p:tavLst>
+                                    </p:anim>
+                                    <p:anim calcmode="lin" valueType="num">
+                                      <p:cBhvr>
+                                        <p:cTn id="55" dur="300" fill="hold"/>
+                                        <p:tgtEl>
+                                          <p:spTgt spid="20"/>
+                                        </p:tgtEl>
+                                        <p:attrNameLst>
+                                          <p:attrName>ppt_h</p:attrName>
+                                        </p:attrNameLst>
+                                      </p:cBhvr>
+                                      <p:tavLst>
+                                        <p:tav tm="0">
+                                          <p:val>
+                                            <p:fltVal val="0"/>
+                                          </p:val>
+                                        </p:tav>
+                                        <p:tav tm="100000">
+                                          <p:val>
+                                            <p:strVal val="#ppt_h"/>
+                                          </p:val>
+                                        </p:tav>
+                                      </p:tavLst>
+                                    </p:anim>
+                                    <p:animEffect transition="in" filter="fade">
+                                      <p:cBhvr>
+                                        <p:cTn id="56" dur="300"/>
+                                        <p:tgtEl>
+                                          <p:spTgt spid="20"/>
+                                        </p:tgtEl>
+                                      </p:cBhvr>
+                                    </p:animEffect>
+                                  </p:childTnLst>
+                                </p:cTn>
+                              </p:par>
+                            </p:childTnLst>
+                          </p:cTn>
+                        </p:par>
+                        <p:par>
+                          <p:cTn id="57" fill="hold">
+                            <p:stCondLst>
+                              <p:cond delay="600"/>
+                            </p:stCondLst>
+                            <p:childTnLst>
+                              <p:par>
+                                <p:cTn id="58" presetID="42" presetClass="entr" presetSubtype="0" fill="hold" nodeType="afterEffect">
+                                  <p:stCondLst>
+                                    <p:cond delay="0"/>
+                                  </p:stCondLst>
+                                  <p:childTnLst>
+                                    <p:set>
+                                      <p:cBhvr>
+                                        <p:cTn id="59" dur="1" fill="hold">
+                                          <p:stCondLst>
+                                            <p:cond delay="0"/>
+                                          </p:stCondLst>
+                                        </p:cTn>
+                                        <p:tgtEl>
+                                          <p:spTgt spid="16"/>
+                                        </p:tgtEl>
+                                        <p:attrNameLst>
+                                          <p:attrName>style.visibility</p:attrName>
+                                        </p:attrNameLst>
+                                      </p:cBhvr>
+                                      <p:to>
+                                        <p:strVal val="visible"/>
+                                      </p:to>
+                                    </p:set>
+                                    <p:animEffect transition="in" filter="fade">
+                                      <p:cBhvr>
+                                        <p:cTn id="60" dur="500"/>
+                                        <p:tgtEl>
+                                          <p:spTgt spid="16"/>
+                                        </p:tgtEl>
+                                      </p:cBhvr>
+                                    </p:animEffect>
+                                    <p:anim calcmode="lin" valueType="num">
+                                      <p:cBhvr>
+                                        <p:cTn id="61" dur="500" fill="hold"/>
+                                        <p:tgtEl>
+                                          <p:spTgt spid="16"/>
+                                        </p:tgtEl>
+                                        <p:attrNameLst>
+                                          <p:attrName>ppt_x</p:attrName>
+                                        </p:attrNameLst>
+                                      </p:cBhvr>
+                                      <p:tavLst>
+                                        <p:tav tm="0">
+                                          <p:val>
+                                            <p:strVal val="#ppt_x"/>
+                                          </p:val>
+                                        </p:tav>
+                                        <p:tav tm="100000">
+                                          <p:val>
+                                            <p:strVal val="#ppt_x"/>
+                                          </p:val>
+                                        </p:tav>
+                                      </p:tavLst>
+                                    </p:anim>
+                                    <p:anim calcmode="lin" valueType="num">
+                                      <p:cBhvr>
+                                        <p:cTn id="62" dur="500" fill="hold"/>
+                                        <p:tgtEl>
+                                          <p:spTgt spid="16"/>
+                                        </p:tgtEl>
+                                        <p:attrNameLst>
+                                          <p:attrName>ppt_y</p:attrName>
+                                        </p:attrNameLst>
+                                      </p:cBhvr>
+                                      <p:tavLst>
+                                        <p:tav tm="0">
+                                          <p:val>
+                                            <p:strVal val="#ppt_y+.1"/>
+                                          </p:val>
+                                        </p:tav>
+                                        <p:tav tm="100000">
+                                          <p:val>
+                                            <p:strVal val="#ppt_y"/>
+                                          </p:val>
+                                        </p:tav>
+                                      </p:tavLst>
+                                    </p:anim>
+                                  </p:childTnLst>
+                                </p:cTn>
+                              </p:par>
+                            </p:childTnLst>
+                          </p:cTn>
+                        </p:par>
+                        <p:par>
+                          <p:cTn id="63" fill="hold">
+                            <p:stCondLst>
+                              <p:cond delay="1100"/>
+                            </p:stCondLst>
+                            <p:childTnLst>
+                              <p:par>
+                                <p:cTn id="64" presetID="1" presetClass="entr" presetSubtype="0" fill="hold" nodeType="afterEffect">
+                                  <p:stCondLst>
+                                    <p:cond delay="0"/>
+                                  </p:stCondLst>
+                                  <p:childTnLst>
+                                    <p:set>
+                                      <p:cBhvr>
+                                        <p:cTn id="65" dur="1" fill="hold">
+                                          <p:stCondLst>
+                                            <p:cond delay="0"/>
+                                          </p:stCondLst>
+                                        </p:cTn>
+                                        <p:tgtEl>
+                                          <p:spTgt spid="21"/>
+                                        </p:tgtEl>
+                                        <p:attrNameLst>
+                                          <p:attrName>style.visibility</p:attrName>
+                                        </p:attrNameLst>
+                                      </p:cBhvr>
+                                      <p:to>
+                                        <p:strVal val="visible"/>
+                                      </p:to>
+                                    </p:set>
+                                  </p:childTnLst>
+                                </p:cTn>
+                              </p:par>
+                            </p:childTnLst>
+                          </p:cTn>
+                        </p:par>
+                        <p:par>
+                          <p:cTn id="66" fill="hold">
+                            <p:stCondLst>
+                              <p:cond delay="1100"/>
+                            </p:stCondLst>
+                            <p:childTnLst>
+                              <p:par>
+                                <p:cTn id="67" presetID="42" presetClass="path" presetSubtype="0" accel="50000" decel="50000" fill="hold" nodeType="afterEffect">
+                                  <p:stCondLst>
+                                    <p:cond delay="0"/>
+                                  </p:stCondLst>
+                                  <p:childTnLst>
+                                    <p:animMotion origin="layout" path="M -3.05556E-6 -4.44444E-6 L -3.05556E-6 0.23635 " pathEditMode="relative" rAng="0" ptsTypes="AA">
+                                      <p:cBhvr>
+                                        <p:cTn id="68" dur="1000" fill="hold"/>
+                                        <p:tgtEl>
+                                          <p:spTgt spid="21"/>
+                                        </p:tgtEl>
+                                        <p:attrNameLst>
+                                          <p:attrName>ppt_x,ppt_y</p:attrName>
+                                        </p:attrNameLst>
+                                      </p:cBhvr>
+                                      <p:rCtr x="0" y="11806"/>
+                                    </p:animMotion>
+                                  </p:childTnLst>
+                                </p:cTn>
+                              </p:par>
+                            </p:childTnLst>
+                          </p:cTn>
+                        </p:par>
+                        <p:par>
+                          <p:cTn id="69" fill="hold">
+                            <p:stCondLst>
+                              <p:cond delay="2100"/>
+                            </p:stCondLst>
+                            <p:childTnLst>
+                              <p:par>
+                                <p:cTn id="70" presetID="1" presetClass="exit" presetSubtype="0" fill="hold" nodeType="afterEffect">
+                                  <p:stCondLst>
+                                    <p:cond delay="0"/>
+                                  </p:stCondLst>
+                                  <p:childTnLst>
+                                    <p:set>
+                                      <p:cBhvr>
+                                        <p:cTn id="71" dur="1" fill="hold">
+                                          <p:stCondLst>
+                                            <p:cond delay="0"/>
+                                          </p:stCondLst>
+                                        </p:cTn>
+                                        <p:tgtEl>
+                                          <p:spTgt spid="21"/>
+                                        </p:tgtEl>
+                                        <p:attrNameLst>
+                                          <p:attrName>style.visibility</p:attrName>
+                                        </p:attrNameLst>
+                                      </p:cBhvr>
+                                      <p:to>
+                                        <p:strVal val="hidden"/>
+                                      </p:to>
+                                    </p:set>
+                                  </p:childTnLst>
+                                </p:cTn>
+                              </p:par>
+                              <p:par>
+                                <p:cTn id="72" presetID="42" presetClass="path" presetSubtype="0" accel="50000" decel="50000" fill="hold" nodeType="withEffect">
+                                  <p:stCondLst>
+                                    <p:cond delay="0"/>
+                                  </p:stCondLst>
+                                  <p:childTnLst>
+                                    <p:animMotion origin="layout" path="M -0.00087 0.00277 L -0.00226 0.30833 " pathEditMode="relative" rAng="0" ptsTypes="AA">
+                                      <p:cBhvr>
+                                        <p:cTn id="73" dur="1000" fill="hold"/>
+                                        <p:tgtEl>
+                                          <p:spTgt spid="16"/>
+                                        </p:tgtEl>
+                                        <p:attrNameLst>
+                                          <p:attrName>ppt_x,ppt_y</p:attrName>
+                                        </p:attrNameLst>
+                                      </p:cBhvr>
+                                      <p:rCtr x="-64" y="15278"/>
+                                    </p:animMotion>
+                                  </p:childTnLst>
+                                </p:cTn>
+                              </p:par>
+                              <p:par>
+                                <p:cTn id="74" presetID="1" presetClass="entr" presetSubtype="0" fill="hold" nodeType="withEffect">
+                                  <p:stCondLst>
+                                    <p:cond delay="0"/>
+                                  </p:stCondLst>
+                                  <p:childTnLst>
+                                    <p:set>
+                                      <p:cBhvr>
+                                        <p:cTn id="75" dur="1" fill="hold">
+                                          <p:stCondLst>
+                                            <p:cond delay="0"/>
+                                          </p:stCondLst>
+                                        </p:cTn>
+                                        <p:tgtEl>
+                                          <p:spTgt spid="24"/>
+                                        </p:tgtEl>
+                                        <p:attrNameLst>
+                                          <p:attrName>style.visibility</p:attrName>
+                                        </p:attrNameLst>
+                                      </p:cBhvr>
+                                      <p:to>
+                                        <p:strVal val="visible"/>
+                                      </p:to>
+                                    </p:set>
+                                  </p:childTnLst>
+                                </p:cTn>
+                              </p:par>
+                            </p:childTnLst>
+                          </p:cTn>
+                        </p:par>
+                        <p:par>
+                          <p:cTn id="76" fill="hold">
+                            <p:stCondLst>
+                              <p:cond delay="3100"/>
+                            </p:stCondLst>
+                            <p:childTnLst>
+                              <p:par>
+                                <p:cTn id="77" presetID="22" presetClass="entr" presetSubtype="1" fill="hold" nodeType="afterEffect">
+                                  <p:stCondLst>
+                                    <p:cond delay="0"/>
+                                  </p:stCondLst>
+                                  <p:childTnLst>
+                                    <p:set>
+                                      <p:cBhvr>
+                                        <p:cTn id="78" dur="1" fill="hold">
+                                          <p:stCondLst>
+                                            <p:cond delay="0"/>
+                                          </p:stCondLst>
+                                        </p:cTn>
+                                        <p:tgtEl>
+                                          <p:spTgt spid="15"/>
+                                        </p:tgtEl>
+                                        <p:attrNameLst>
+                                          <p:attrName>style.visibility</p:attrName>
+                                        </p:attrNameLst>
+                                      </p:cBhvr>
+                                      <p:to>
+                                        <p:strVal val="visible"/>
+                                      </p:to>
+                                    </p:set>
+                                    <p:animEffect transition="in" filter="wipe(up)">
+                                      <p:cBhvr>
+                                        <p:cTn id="79" dur="500"/>
+                                        <p:tgtEl>
+                                          <p:spTgt spid="15"/>
+                                        </p:tgtEl>
+                                      </p:cBhvr>
+                                    </p:animEffect>
+                                  </p:childTnLst>
+                                </p:cTn>
+                              </p:par>
+                            </p:childTnLst>
+                          </p:cTn>
+                        </p:par>
+                        <p:par>
+                          <p:cTn id="80" fill="hold">
+                            <p:stCondLst>
+                              <p:cond delay="3600"/>
+                            </p:stCondLst>
+                            <p:childTnLst>
+                              <p:par>
+                                <p:cTn id="81" presetID="1" presetClass="exit" presetSubtype="0" fill="hold" nodeType="afterEffect">
+                                  <p:stCondLst>
+                                    <p:cond delay="0"/>
+                                  </p:stCondLst>
+                                  <p:childTnLst>
+                                    <p:set>
+                                      <p:cBhvr>
+                                        <p:cTn id="82" dur="1" fill="hold">
+                                          <p:stCondLst>
+                                            <p:cond delay="0"/>
+                                          </p:stCondLst>
+                                        </p:cTn>
+                                        <p:tgtEl>
+                                          <p:spTgt spid="16"/>
+                                        </p:tgtEl>
+                                        <p:attrNameLst>
+                                          <p:attrName>style.visibility</p:attrName>
+                                        </p:attrNameLst>
+                                      </p:cBhvr>
+                                      <p:to>
+                                        <p:strVal val="hidden"/>
+                                      </p:to>
+                                    </p:set>
+                                  </p:childTnLst>
+                                </p:cTn>
+                              </p:par>
+                              <p:par>
+                                <p:cTn id="83" presetID="10" presetClass="entr" presetSubtype="0" fill="hold" nodeType="withEffect">
+                                  <p:stCondLst>
+                                    <p:cond delay="0"/>
+                                  </p:stCondLst>
+                                  <p:childTnLst>
+                                    <p:set>
+                                      <p:cBhvr>
+                                        <p:cTn id="84" dur="1" fill="hold">
+                                          <p:stCondLst>
+                                            <p:cond delay="0"/>
+                                          </p:stCondLst>
+                                        </p:cTn>
+                                        <p:tgtEl>
+                                          <p:spTgt spid="22"/>
+                                        </p:tgtEl>
+                                        <p:attrNameLst>
+                                          <p:attrName>style.visibility</p:attrName>
+                                        </p:attrNameLst>
+                                      </p:cBhvr>
+                                      <p:to>
+                                        <p:strVal val="visible"/>
+                                      </p:to>
+                                    </p:set>
+                                    <p:animEffect transition="in" filter="fade">
+                                      <p:cBhvr>
+                                        <p:cTn id="85" dur="500"/>
+                                        <p:tgtEl>
+                                          <p:spTgt spid="22"/>
+                                        </p:tgtEl>
+                                      </p:cBhvr>
+                                    </p:animEffect>
+                                  </p:childTnLst>
+                                </p:cTn>
+                              </p:par>
+                              <p:par>
+                                <p:cTn id="86" presetID="1" presetClass="entr" presetSubtype="0" fill="hold" nodeType="withEffect">
+                                  <p:stCondLst>
+                                    <p:cond delay="0"/>
+                                  </p:stCondLst>
+                                  <p:childTnLst>
+                                    <p:set>
+                                      <p:cBhvr>
+                                        <p:cTn id="87" dur="1" fill="hold">
+                                          <p:stCondLst>
+                                            <p:cond delay="0"/>
+                                          </p:stCondLst>
+                                        </p:cTn>
+                                        <p:tgtEl>
+                                          <p:spTgt spid="23"/>
+                                        </p:tgtEl>
+                                        <p:attrNameLst>
+                                          <p:attrName>style.visibility</p:attrName>
+                                        </p:attrNameLst>
+                                      </p:cBhvr>
+                                      <p:to>
+                                        <p:strVal val="visible"/>
+                                      </p:to>
+                                    </p:set>
+                                  </p:childTnLst>
+                                </p:cTn>
+                              </p:par>
+                            </p:childTnLst>
+                          </p:cTn>
+                        </p:par>
+                      </p:childTnLst>
+                    </p:cTn>
+                  </p:par>
+                </p:childTnLst>
+              </p:cTn>
+              <p:prevCondLst>
+                <p:cond evt="onPrev" delay="0">
+                  <p:tgtEl>
+                    <p:sldTgt/>
+                  </p:tgtEl>
+                </p:cond>
+              </p:prevCondLst>
+              <p:nextCondLst>
+                <p:cond evt="onNext" delay="0">
+                  <p:tgtEl>
+                    <p:sldTgt/>
+                  </p:tgtEl>
+                </p:cond>
+              </p:nextCondLst>
+            </p:seq>
+          </p:childTnLst>
+        </p:cTn>
+      </p:par>
+    </p:tnLst>
+  </p:timing>
+</p:sld>
+</file>
+
+<file path=ppt/slides/slide12.xml><?xml version="1.0" encoding="utf-8"?>
+<p:sld xmlns:a="http://schemas.openxmlformats.org/drawingml/2006/main" xmlns:r="http://schemas.openxmlformats.org/officeDocument/2006/relationships" xmlns:p="http://schemas.openxmlformats.org/presentationml/2006/main">
+  <p:cSld>
+    <p:spTree>
+      <p:nvGrpSpPr>
+        <p:cNvPr id="1" name=""/>
+        <p:cNvGrpSpPr/>
+        <p:nvPr/>
+      </p:nvGrpSpPr>
+      <p:grpSpPr>
+        <a:xfrm>
+          <a:off x="0" y="0"/>
+          <a:ext cx="0" cy="0"/>
+          <a:chOff x="0" y="0"/>
+          <a:chExt cx="0" cy="0"/>
+        </a:xfrm>
+      </p:grpSpPr>
+      <p:sp>
+        <p:nvSpPr>
+          <p:cNvPr id="49" name="文本框 48">
+            <a:extLst>
+              <a:ext uri="{FF2B5EF4-FFF2-40B4-BE49-F238E27FC236}">
+                <a16:creationId xmlns:a16="http://schemas.microsoft.com/office/drawing/2014/main" id="{C76386B8-0A78-88D0-283F-26AEFDECAB74}"/>
+              </a:ext>
+            </a:extLst>
+          </p:cNvPr>
+          <p:cNvSpPr txBox="1"/>
+          <p:nvPr/>
+        </p:nvSpPr>
+        <p:spPr>
+          <a:xfrm>
+            <a:off x="434689" y="267393"/>
+            <a:ext cx="2380430" cy="523220"/>
+          </a:xfrm>
+          <a:prstGeom prst="rect">
+            <a:avLst/>
+          </a:prstGeom>
+          <a:noFill/>
+        </p:spPr>
+        <p:txBody>
+          <a:bodyPr wrap="square" rtlCol="0">
+            <a:spAutoFit/>
+          </a:bodyPr>
+          <a:lstStyle/>
+          <a:p>
+            <a:r>
+              <a:rPr lang="zh-CN" altLang="en-US" sz="2800" b="1" dirty="0"/>
+              <a:t>可扩展性</a:t>
+            </a:r>
+          </a:p>
+        </p:txBody>
+      </p:sp>
+      <p:sp>
+        <p:nvSpPr>
+          <p:cNvPr id="3" name="文本框 2">
+            <a:extLst>
+              <a:ext uri="{FF2B5EF4-FFF2-40B4-BE49-F238E27FC236}">
+                <a16:creationId xmlns:a16="http://schemas.microsoft.com/office/drawing/2014/main" id="{6FEEDF94-46E1-3F91-1224-CABDAE33A731}"/>
+              </a:ext>
+            </a:extLst>
+          </p:cNvPr>
+          <p:cNvSpPr txBox="1"/>
+          <p:nvPr/>
+        </p:nvSpPr>
+        <p:spPr>
+          <a:xfrm>
+            <a:off x="3745888" y="1658532"/>
+            <a:ext cx="4319752" cy="1815882"/>
+          </a:xfrm>
+          <a:prstGeom prst="rect">
+            <a:avLst/>
+          </a:prstGeom>
+          <a:noFill/>
+        </p:spPr>
+        <p:txBody>
+          <a:bodyPr wrap="square" rtlCol="0">
+            <a:spAutoFit/>
+          </a:bodyPr>
+          <a:lstStyle/>
+          <a:p>
+            <a:r>
+              <a:rPr lang="en-US" altLang="zh-CN" sz="2800" dirty="0"/>
+              <a:t>X = A + B + C</a:t>
+            </a:r>
+          </a:p>
+          <a:p>
+            <a:r>
+              <a:rPr lang="en-US" altLang="zh-CN" sz="2800" dirty="0"/>
+              <a:t>Y = A + B + D  </a:t>
+            </a:r>
+          </a:p>
+          <a:p>
+            <a:r>
+              <a:rPr lang="en-US" altLang="zh-CN" sz="2800" dirty="0"/>
+              <a:t>   = A + B + C + (-C + D)</a:t>
+            </a:r>
+          </a:p>
+          <a:p>
+            <a:r>
+              <a:rPr lang="en-US" altLang="zh-CN" sz="2800" dirty="0"/>
+              <a:t>Y = X + Delta</a:t>
+            </a:r>
+            <a:endParaRPr lang="zh-CN" altLang="en-US" sz="2800" dirty="0"/>
+          </a:p>
+        </p:txBody>
+      </p:sp>
+      <p:sp>
+        <p:nvSpPr>
+          <p:cNvPr id="6" name="文本框 5">
+            <a:extLst>
+              <a:ext uri="{FF2B5EF4-FFF2-40B4-BE49-F238E27FC236}">
+                <a16:creationId xmlns:a16="http://schemas.microsoft.com/office/drawing/2014/main" id="{3B9F05A1-3675-9D1C-5771-E2B1A0F3B015}"/>
+              </a:ext>
+            </a:extLst>
+          </p:cNvPr>
+          <p:cNvSpPr txBox="1"/>
+          <p:nvPr/>
+        </p:nvSpPr>
+        <p:spPr>
+          <a:xfrm>
+            <a:off x="1425202" y="3890930"/>
+            <a:ext cx="8034107" cy="646331"/>
+          </a:xfrm>
+          <a:prstGeom prst="rect">
+            <a:avLst/>
+          </a:prstGeom>
+          <a:noFill/>
+        </p:spPr>
+        <p:txBody>
+          <a:bodyPr wrap="square" rtlCol="0">
+            <a:spAutoFit/>
+          </a:bodyPr>
+          <a:lstStyle/>
+          <a:p>
+            <a:pPr algn="ctr"/>
+            <a:r>
+              <a:rPr lang="zh-CN" altLang="en-US" sz="3600" dirty="0"/>
+              <a:t>可扩展性等价于</a:t>
+            </a:r>
+            <a:r>
+              <a:rPr lang="en-US" altLang="zh-CN" sz="3600" dirty="0"/>
+              <a:t>Delta</a:t>
+            </a:r>
+            <a:r>
+              <a:rPr lang="zh-CN" altLang="en-US" sz="3600" dirty="0"/>
+              <a:t>的运算规律</a:t>
+            </a:r>
+          </a:p>
+        </p:txBody>
+      </p:sp>
+    </p:spTree>
+    <p:extLst>
+      <p:ext uri="{BB962C8B-B14F-4D97-AF65-F5344CB8AC3E}">
+        <p14:creationId xmlns:p14="http://schemas.microsoft.com/office/powerpoint/2010/main" val="138928013"/>
+      </p:ext>
+    </p:extLst>
+  </p:cSld>
+  <p:clrMapOvr>
+    <a:masterClrMapping/>
+  </p:clrMapOvr>
+</p:sld>
+</file>
+
+<file path=ppt/slides/slide13.xml><?xml version="1.0" encoding="utf-8"?>
+<p:sld xmlns:a="http://schemas.openxmlformats.org/drawingml/2006/main" xmlns:r="http://schemas.openxmlformats.org/officeDocument/2006/relationships" xmlns:p="http://schemas.openxmlformats.org/presentationml/2006/main">
+  <p:cSld>
+    <p:spTree>
+      <p:nvGrpSpPr>
+        <p:cNvPr id="1" name=""/>
+        <p:cNvGrpSpPr/>
+        <p:nvPr/>
+      </p:nvGrpSpPr>
+      <p:grpSpPr>
+        <a:xfrm>
+          <a:off x="0" y="0"/>
+          <a:ext cx="0" cy="0"/>
+          <a:chOff x="0" y="0"/>
+          <a:chExt cx="0" cy="0"/>
+        </a:xfrm>
+      </p:grpSpPr>
+      <p:sp>
+        <p:nvSpPr>
+          <p:cNvPr id="9" name="Rectangle 8">
+            <a:extLst>
+              <a:ext uri="{FF2B5EF4-FFF2-40B4-BE49-F238E27FC236}">
+                <a16:creationId xmlns:a16="http://schemas.microsoft.com/office/drawing/2014/main" id="{078044C5-423B-0ED0-88B1-FA5FF8C523D7}"/>
+              </a:ext>
+            </a:extLst>
+          </p:cNvPr>
+          <p:cNvSpPr/>
+          <p:nvPr/>
+        </p:nvSpPr>
+        <p:spPr>
+          <a:xfrm>
+            <a:off x="6959267" y="1364876"/>
+            <a:ext cx="4661647" cy="4128248"/>
+          </a:xfrm>
+          <a:prstGeom prst="rect">
+            <a:avLst/>
+          </a:prstGeom>
+        </p:spPr>
+        <p:style>
+          <a:lnRef idx="1">
+            <a:schemeClr val="accent4"/>
+          </a:lnRef>
+          <a:fillRef idx="2">
+            <a:schemeClr val="accent4"/>
+          </a:fillRef>
+          <a:effectRef idx="1">
+            <a:schemeClr val="accent4"/>
+          </a:effectRef>
+          <a:fontRef idx="minor">
+            <a:schemeClr val="dk1"/>
+          </a:fontRef>
+        </p:style>
+        <p:txBody>
+          <a:bodyPr rtlCol="0" anchor="ctr"/>
+          <a:lstStyle/>
+          <a:p>
+            <a:pPr algn="ctr"/>
+            <a:endParaRPr lang="en-US" dirty="0"/>
+          </a:p>
+        </p:txBody>
+      </p:sp>
+      <p:sp>
+        <p:nvSpPr>
+          <p:cNvPr id="6" name="文本框 5">
+            <a:extLst>
+              <a:ext uri="{FF2B5EF4-FFF2-40B4-BE49-F238E27FC236}">
+                <a16:creationId xmlns:a16="http://schemas.microsoft.com/office/drawing/2014/main" id="{886044FC-B065-DE39-E07E-69143E830ED5}"/>
+              </a:ext>
+            </a:extLst>
+          </p:cNvPr>
+          <p:cNvSpPr txBox="1"/>
+          <p:nvPr/>
+        </p:nvSpPr>
+        <p:spPr>
+          <a:xfrm>
+            <a:off x="531956" y="275012"/>
+            <a:ext cx="4292234" cy="523220"/>
+          </a:xfrm>
+          <a:prstGeom prst="rect">
+            <a:avLst/>
+          </a:prstGeom>
+          <a:noFill/>
+        </p:spPr>
+        <p:txBody>
+          <a:bodyPr wrap="square" rtlCol="0">
+            <a:spAutoFit/>
+          </a:bodyPr>
+          <a:lstStyle/>
+          <a:p>
+            <a:r>
+              <a:rPr lang="zh-CN" altLang="en-US" sz="2800" b="1" dirty="0"/>
+              <a:t>面向差量的</a:t>
+            </a:r>
+            <a:r>
+              <a:rPr lang="en-US" altLang="zh-CN" sz="2800" b="1" dirty="0"/>
+              <a:t>DSL</a:t>
+            </a:r>
+            <a:r>
+              <a:rPr lang="zh-CN" altLang="en-US" sz="2800" b="1" dirty="0"/>
+              <a:t>结构空间</a:t>
+            </a:r>
+          </a:p>
+        </p:txBody>
+      </p:sp>
+      <p:sp>
+        <p:nvSpPr>
+          <p:cNvPr id="4" name="Rectangle 3">
+            <a:extLst>
+              <a:ext uri="{FF2B5EF4-FFF2-40B4-BE49-F238E27FC236}">
+                <a16:creationId xmlns:a16="http://schemas.microsoft.com/office/drawing/2014/main" id="{E1B1DE0F-7365-7E9E-4385-A9B9BA660F7B}"/>
+              </a:ext>
+            </a:extLst>
+          </p:cNvPr>
+          <p:cNvSpPr/>
+          <p:nvPr/>
+        </p:nvSpPr>
+        <p:spPr>
+          <a:xfrm>
+            <a:off x="7712302" y="1987923"/>
+            <a:ext cx="2994212" cy="645459"/>
+          </a:xfrm>
+          <a:prstGeom prst="rect">
+            <a:avLst/>
+          </a:prstGeom>
+        </p:spPr>
+        <p:style>
+          <a:lnRef idx="2">
+            <a:schemeClr val="accent1">
+              <a:shade val="15000"/>
+            </a:schemeClr>
+          </a:lnRef>
+          <a:fillRef idx="1">
+            <a:schemeClr val="accent1"/>
+          </a:fillRef>
+          <a:effectRef idx="0">
+            <a:schemeClr val="accent1"/>
+          </a:effectRef>
+          <a:fontRef idx="minor">
+            <a:schemeClr val="lt1"/>
+          </a:fontRef>
+        </p:style>
+        <p:txBody>
+          <a:bodyPr rtlCol="0" anchor="ctr"/>
+          <a:lstStyle/>
+          <a:p>
+            <a:pPr algn="ctr"/>
+            <a:r>
+              <a:rPr lang="zh-CN" altLang="en-US" dirty="0"/>
+              <a:t>界面层</a:t>
+            </a:r>
+            <a:endParaRPr lang="en-US" dirty="0"/>
+          </a:p>
+        </p:txBody>
+      </p:sp>
+      <p:sp>
+        <p:nvSpPr>
+          <p:cNvPr id="7" name="Rectangle 6">
+            <a:extLst>
+              <a:ext uri="{FF2B5EF4-FFF2-40B4-BE49-F238E27FC236}">
+                <a16:creationId xmlns:a16="http://schemas.microsoft.com/office/drawing/2014/main" id="{E937338E-D453-2A0F-5C56-6C108EAD14ED}"/>
+              </a:ext>
+            </a:extLst>
+          </p:cNvPr>
+          <p:cNvSpPr/>
+          <p:nvPr/>
+        </p:nvSpPr>
+        <p:spPr>
+          <a:xfrm>
+            <a:off x="7712302" y="3063688"/>
+            <a:ext cx="2994212" cy="645459"/>
+          </a:xfrm>
+          <a:prstGeom prst="rect">
+            <a:avLst/>
+          </a:prstGeom>
+        </p:spPr>
+        <p:style>
+          <a:lnRef idx="2">
+            <a:schemeClr val="accent1">
+              <a:shade val="15000"/>
+            </a:schemeClr>
+          </a:lnRef>
+          <a:fillRef idx="1">
+            <a:schemeClr val="accent1"/>
+          </a:fillRef>
+          <a:effectRef idx="0">
+            <a:schemeClr val="accent1"/>
+          </a:effectRef>
+          <a:fontRef idx="minor">
+            <a:schemeClr val="lt1"/>
+          </a:fontRef>
+        </p:style>
+        <p:txBody>
+          <a:bodyPr rtlCol="0" anchor="ctr"/>
+          <a:lstStyle/>
+          <a:p>
+            <a:pPr algn="ctr"/>
+            <a:r>
+              <a:rPr lang="zh-CN" altLang="en-US" dirty="0"/>
+              <a:t>逻辑层</a:t>
+            </a:r>
+            <a:endParaRPr lang="en-US" dirty="0"/>
+          </a:p>
+        </p:txBody>
+      </p:sp>
+      <p:sp>
+        <p:nvSpPr>
+          <p:cNvPr id="8" name="Rectangle 7">
+            <a:extLst>
+              <a:ext uri="{FF2B5EF4-FFF2-40B4-BE49-F238E27FC236}">
+                <a16:creationId xmlns:a16="http://schemas.microsoft.com/office/drawing/2014/main" id="{C9172831-C180-41BA-CD8F-4E5A87C609AD}"/>
+              </a:ext>
+            </a:extLst>
+          </p:cNvPr>
+          <p:cNvSpPr/>
+          <p:nvPr/>
+        </p:nvSpPr>
+        <p:spPr>
+          <a:xfrm>
+            <a:off x="7712302" y="4220135"/>
+            <a:ext cx="2994212" cy="645459"/>
+          </a:xfrm>
+          <a:prstGeom prst="rect">
+            <a:avLst/>
+          </a:prstGeom>
+        </p:spPr>
+        <p:style>
+          <a:lnRef idx="2">
+            <a:schemeClr val="accent1">
+              <a:shade val="15000"/>
+            </a:schemeClr>
+          </a:lnRef>
+          <a:fillRef idx="1">
+            <a:schemeClr val="accent1"/>
+          </a:fillRef>
+          <a:effectRef idx="0">
+            <a:schemeClr val="accent1"/>
+          </a:effectRef>
+          <a:fontRef idx="minor">
+            <a:schemeClr val="lt1"/>
+          </a:fontRef>
+        </p:style>
+        <p:txBody>
+          <a:bodyPr rtlCol="0" anchor="ctr"/>
+          <a:lstStyle/>
+          <a:p>
+            <a:pPr algn="ctr"/>
+            <a:r>
+              <a:rPr lang="zh-CN" altLang="en-US" dirty="0"/>
+              <a:t>存储层</a:t>
+            </a:r>
+            <a:endParaRPr lang="en-US" dirty="0"/>
+          </a:p>
+        </p:txBody>
+      </p:sp>
+      <p:sp>
+        <p:nvSpPr>
+          <p:cNvPr id="10" name="TextBox 9">
+            <a:extLst>
+              <a:ext uri="{FF2B5EF4-FFF2-40B4-BE49-F238E27FC236}">
+                <a16:creationId xmlns:a16="http://schemas.microsoft.com/office/drawing/2014/main" id="{515FFA6D-7173-DD03-5014-78DFB36C86A5}"/>
+              </a:ext>
+            </a:extLst>
+          </p:cNvPr>
+          <p:cNvSpPr txBox="1"/>
+          <p:nvPr/>
+        </p:nvSpPr>
+        <p:spPr>
+          <a:xfrm>
+            <a:off x="7102702" y="1413425"/>
+            <a:ext cx="1219200" cy="369332"/>
+          </a:xfrm>
+          <a:prstGeom prst="rect">
+            <a:avLst/>
+          </a:prstGeom>
+          <a:noFill/>
+        </p:spPr>
+        <p:txBody>
+          <a:bodyPr wrap="square" rtlCol="0">
+            <a:spAutoFit/>
+          </a:bodyPr>
+          <a:lstStyle/>
+          <a:p>
+            <a:r>
+              <a:rPr lang="zh-CN" altLang="en-US" dirty="0"/>
+              <a:t>运行时</a:t>
+            </a:r>
+            <a:endParaRPr lang="en-US" dirty="0"/>
+          </a:p>
+        </p:txBody>
+      </p:sp>
+      <p:sp>
+        <p:nvSpPr>
+          <p:cNvPr id="11" name="Rectangle 10">
+            <a:extLst>
+              <a:ext uri="{FF2B5EF4-FFF2-40B4-BE49-F238E27FC236}">
+                <a16:creationId xmlns:a16="http://schemas.microsoft.com/office/drawing/2014/main" id="{A2A1C1D5-83D0-54E6-F9DB-85233BFAD08D}"/>
+              </a:ext>
+            </a:extLst>
+          </p:cNvPr>
+          <p:cNvSpPr/>
+          <p:nvPr/>
+        </p:nvSpPr>
+        <p:spPr>
+          <a:xfrm>
+            <a:off x="197225" y="1389173"/>
+            <a:ext cx="4661647" cy="4128248"/>
+          </a:xfrm>
+          <a:prstGeom prst="rect">
+            <a:avLst/>
+          </a:prstGeom>
+        </p:spPr>
+        <p:style>
+          <a:lnRef idx="1">
+            <a:schemeClr val="accent4"/>
+          </a:lnRef>
+          <a:fillRef idx="2">
+            <a:schemeClr val="accent4"/>
+          </a:fillRef>
+          <a:effectRef idx="1">
+            <a:schemeClr val="accent4"/>
+          </a:effectRef>
+          <a:fontRef idx="minor">
+            <a:schemeClr val="dk1"/>
+          </a:fontRef>
+        </p:style>
+        <p:txBody>
+          <a:bodyPr rtlCol="0" anchor="ctr"/>
+          <a:lstStyle/>
+          <a:p>
+            <a:pPr algn="ctr"/>
+            <a:endParaRPr lang="en-US" dirty="0"/>
+          </a:p>
+        </p:txBody>
+      </p:sp>
+      <p:sp>
+        <p:nvSpPr>
+          <p:cNvPr id="12" name="Rectangle 11">
+            <a:extLst>
+              <a:ext uri="{FF2B5EF4-FFF2-40B4-BE49-F238E27FC236}">
+                <a16:creationId xmlns:a16="http://schemas.microsoft.com/office/drawing/2014/main" id="{44EE5487-CCBA-1D0C-AB69-C2B698D96051}"/>
+              </a:ext>
+            </a:extLst>
+          </p:cNvPr>
+          <p:cNvSpPr/>
+          <p:nvPr/>
+        </p:nvSpPr>
+        <p:spPr>
+          <a:xfrm>
+            <a:off x="2511005" y="2057044"/>
+            <a:ext cx="2014005" cy="645459"/>
+          </a:xfrm>
+          <a:prstGeom prst="rect">
+            <a:avLst/>
+          </a:prstGeom>
+        </p:spPr>
+        <p:style>
+          <a:lnRef idx="2">
+            <a:schemeClr val="accent1">
+              <a:shade val="15000"/>
+            </a:schemeClr>
+          </a:lnRef>
+          <a:fillRef idx="1">
+            <a:schemeClr val="accent1"/>
+          </a:fillRef>
+          <a:effectRef idx="0">
+            <a:schemeClr val="accent1"/>
+          </a:effectRef>
+          <a:fontRef idx="minor">
+            <a:schemeClr val="lt1"/>
+          </a:fontRef>
+        </p:style>
+        <p:txBody>
+          <a:bodyPr rtlCol="0" anchor="ctr"/>
+          <a:lstStyle/>
+          <a:p>
+            <a:pPr algn="ctr"/>
+            <a:r>
+              <a:rPr lang="en-US" altLang="zh-CN" dirty="0"/>
+              <a:t>Page DSL</a:t>
+            </a:r>
+            <a:endParaRPr lang="en-US" dirty="0"/>
+          </a:p>
+        </p:txBody>
+      </p:sp>
+      <p:sp>
+        <p:nvSpPr>
+          <p:cNvPr id="13" name="Rectangle 12">
+            <a:extLst>
+              <a:ext uri="{FF2B5EF4-FFF2-40B4-BE49-F238E27FC236}">
+                <a16:creationId xmlns:a16="http://schemas.microsoft.com/office/drawing/2014/main" id="{8E026473-2830-ABD2-AFA5-308805930D4F}"/>
+              </a:ext>
+            </a:extLst>
+          </p:cNvPr>
+          <p:cNvSpPr/>
+          <p:nvPr/>
+        </p:nvSpPr>
+        <p:spPr>
+          <a:xfrm>
+            <a:off x="2511005" y="3132809"/>
+            <a:ext cx="2014005" cy="645459"/>
+          </a:xfrm>
+          <a:prstGeom prst="rect">
+            <a:avLst/>
+          </a:prstGeom>
+        </p:spPr>
+        <p:style>
+          <a:lnRef idx="2">
+            <a:schemeClr val="accent1">
+              <a:shade val="15000"/>
+            </a:schemeClr>
+          </a:lnRef>
+          <a:fillRef idx="1">
+            <a:schemeClr val="accent1"/>
+          </a:fillRef>
+          <a:effectRef idx="0">
+            <a:schemeClr val="accent1"/>
+          </a:effectRef>
+          <a:fontRef idx="minor">
+            <a:schemeClr val="lt1"/>
+          </a:fontRef>
+        </p:style>
+        <p:txBody>
+          <a:bodyPr rtlCol="0" anchor="ctr"/>
+          <a:lstStyle/>
+          <a:p>
+            <a:pPr algn="ctr"/>
+            <a:r>
+              <a:rPr lang="en-US" dirty="0"/>
+              <a:t>Flow DSL</a:t>
+            </a:r>
+          </a:p>
+        </p:txBody>
+      </p:sp>
+      <p:sp>
+        <p:nvSpPr>
+          <p:cNvPr id="14" name="Rectangle 13">
+            <a:extLst>
+              <a:ext uri="{FF2B5EF4-FFF2-40B4-BE49-F238E27FC236}">
+                <a16:creationId xmlns:a16="http://schemas.microsoft.com/office/drawing/2014/main" id="{4DD99FA1-0E4E-163E-902C-4B53404AA4CD}"/>
+              </a:ext>
+            </a:extLst>
+          </p:cNvPr>
+          <p:cNvSpPr/>
+          <p:nvPr/>
+        </p:nvSpPr>
+        <p:spPr>
+          <a:xfrm>
+            <a:off x="2511005" y="4289256"/>
+            <a:ext cx="2014005" cy="645459"/>
+          </a:xfrm>
+          <a:prstGeom prst="rect">
+            <a:avLst/>
+          </a:prstGeom>
+        </p:spPr>
+        <p:style>
+          <a:lnRef idx="2">
+            <a:schemeClr val="accent1">
+              <a:shade val="15000"/>
+            </a:schemeClr>
+          </a:lnRef>
+          <a:fillRef idx="1">
+            <a:schemeClr val="accent1"/>
+          </a:fillRef>
+          <a:effectRef idx="0">
+            <a:schemeClr val="accent1"/>
+          </a:effectRef>
+          <a:fontRef idx="minor">
+            <a:schemeClr val="lt1"/>
+          </a:fontRef>
+        </p:style>
+        <p:txBody>
+          <a:bodyPr rtlCol="0" anchor="ctr"/>
+          <a:lstStyle/>
+          <a:p>
+            <a:pPr algn="ctr"/>
+            <a:r>
+              <a:rPr lang="en-US" dirty="0"/>
+              <a:t>ORM</a:t>
+            </a:r>
+            <a:r>
+              <a:rPr lang="zh-CN" altLang="en-US" dirty="0"/>
+              <a:t> </a:t>
+            </a:r>
+            <a:r>
+              <a:rPr lang="en-US" altLang="zh-CN" dirty="0"/>
+              <a:t>DSL</a:t>
+            </a:r>
+            <a:endParaRPr lang="en-US" dirty="0"/>
+          </a:p>
+        </p:txBody>
+      </p:sp>
+      <p:sp>
+        <p:nvSpPr>
+          <p:cNvPr id="15" name="TextBox 14">
+            <a:extLst>
+              <a:ext uri="{FF2B5EF4-FFF2-40B4-BE49-F238E27FC236}">
+                <a16:creationId xmlns:a16="http://schemas.microsoft.com/office/drawing/2014/main" id="{ABACF91F-B6CD-72E2-4B64-A4D7396A02A1}"/>
+              </a:ext>
+            </a:extLst>
+          </p:cNvPr>
+          <p:cNvSpPr txBox="1"/>
+          <p:nvPr/>
+        </p:nvSpPr>
+        <p:spPr>
+          <a:xfrm>
+            <a:off x="340660" y="1437722"/>
+            <a:ext cx="1591378" cy="369332"/>
+          </a:xfrm>
+          <a:prstGeom prst="rect">
+            <a:avLst/>
+          </a:prstGeom>
+          <a:noFill/>
+        </p:spPr>
+        <p:txBody>
+          <a:bodyPr wrap="square" rtlCol="0">
+            <a:spAutoFit/>
+          </a:bodyPr>
+          <a:lstStyle/>
+          <a:p>
+            <a:r>
+              <a:rPr lang="en-US" altLang="zh-CN" dirty="0"/>
+              <a:t>DSL</a:t>
+            </a:r>
+            <a:r>
+              <a:rPr lang="zh-CN" altLang="en-US" dirty="0"/>
+              <a:t>结构空间</a:t>
+            </a:r>
+            <a:endParaRPr lang="en-US" dirty="0"/>
+          </a:p>
+        </p:txBody>
+      </p:sp>
+      <p:sp>
+        <p:nvSpPr>
+          <p:cNvPr id="16" name="Arrow: Right 15">
+            <a:extLst>
+              <a:ext uri="{FF2B5EF4-FFF2-40B4-BE49-F238E27FC236}">
+                <a16:creationId xmlns:a16="http://schemas.microsoft.com/office/drawing/2014/main" id="{5F88E896-3CCB-806C-D26F-72B0A47183A3}"/>
+              </a:ext>
+            </a:extLst>
+          </p:cNvPr>
+          <p:cNvSpPr/>
+          <p:nvPr/>
+        </p:nvSpPr>
+        <p:spPr>
+          <a:xfrm>
+            <a:off x="5279008" y="3358741"/>
+            <a:ext cx="1303742" cy="351693"/>
+          </a:xfrm>
+          <a:prstGeom prst="rightArrow">
+            <a:avLst/>
+          </a:prstGeom>
+        </p:spPr>
+        <p:style>
+          <a:lnRef idx="2">
+            <a:schemeClr val="dk1">
+              <a:shade val="15000"/>
+            </a:schemeClr>
+          </a:lnRef>
+          <a:fillRef idx="1">
+            <a:schemeClr val="dk1"/>
+          </a:fillRef>
+          <a:effectRef idx="0">
+            <a:schemeClr val="dk1"/>
+          </a:effectRef>
+          <a:fontRef idx="minor">
+            <a:schemeClr val="lt1"/>
+          </a:fontRef>
+        </p:style>
+        <p:txBody>
+          <a:bodyPr rtlCol="0" anchor="ctr"/>
+          <a:lstStyle/>
+          <a:p>
+            <a:pPr algn="ctr"/>
+            <a:endParaRPr lang="en-US"/>
+          </a:p>
+        </p:txBody>
+      </p:sp>
+      <p:sp>
+        <p:nvSpPr>
+          <p:cNvPr id="17" name="TextBox 16">
+            <a:extLst>
+              <a:ext uri="{FF2B5EF4-FFF2-40B4-BE49-F238E27FC236}">
+                <a16:creationId xmlns:a16="http://schemas.microsoft.com/office/drawing/2014/main" id="{BCB0EECE-7CFD-A89F-68D0-08E057CBDE61}"/>
+              </a:ext>
+            </a:extLst>
+          </p:cNvPr>
+          <p:cNvSpPr txBox="1"/>
+          <p:nvPr/>
+        </p:nvSpPr>
+        <p:spPr>
+          <a:xfrm>
+            <a:off x="5351830" y="2907658"/>
+            <a:ext cx="1215552" cy="369332"/>
+          </a:xfrm>
+          <a:prstGeom prst="rect">
+            <a:avLst/>
+          </a:prstGeom>
+          <a:noFill/>
+        </p:spPr>
+        <p:txBody>
+          <a:bodyPr wrap="square" rtlCol="0">
+            <a:spAutoFit/>
+          </a:bodyPr>
+          <a:lstStyle/>
+          <a:p>
+            <a:pPr algn="ctr"/>
+            <a:r>
+              <a:rPr lang="en-US" dirty="0"/>
+              <a:t>Loader</a:t>
+            </a:r>
+          </a:p>
+        </p:txBody>
+      </p:sp>
+      <p:sp>
+        <p:nvSpPr>
+          <p:cNvPr id="23" name="TextBox 22">
+            <a:extLst>
+              <a:ext uri="{FF2B5EF4-FFF2-40B4-BE49-F238E27FC236}">
+                <a16:creationId xmlns:a16="http://schemas.microsoft.com/office/drawing/2014/main" id="{ED8FFD59-60DE-CD15-C80A-9C86D440980E}"/>
+              </a:ext>
+            </a:extLst>
+          </p:cNvPr>
+          <p:cNvSpPr txBox="1"/>
+          <p:nvPr/>
+        </p:nvSpPr>
+        <p:spPr>
+          <a:xfrm>
+            <a:off x="5403158" y="3872744"/>
+            <a:ext cx="1215552" cy="369332"/>
+          </a:xfrm>
+          <a:prstGeom prst="rect">
+            <a:avLst/>
+          </a:prstGeom>
+          <a:noFill/>
+        </p:spPr>
+        <p:txBody>
+          <a:bodyPr wrap="square" rtlCol="0">
+            <a:spAutoFit/>
+          </a:bodyPr>
+          <a:lstStyle/>
+          <a:p>
+            <a:pPr algn="ctr"/>
+            <a:r>
+              <a:rPr lang="en-US" dirty="0"/>
+              <a:t>Generator</a:t>
+            </a:r>
+          </a:p>
+        </p:txBody>
+      </p:sp>
+      <p:sp>
+        <p:nvSpPr>
+          <p:cNvPr id="36" name="Rectangle 35">
+            <a:extLst>
+              <a:ext uri="{FF2B5EF4-FFF2-40B4-BE49-F238E27FC236}">
+                <a16:creationId xmlns:a16="http://schemas.microsoft.com/office/drawing/2014/main" id="{838F9BFA-C6B8-5243-4703-179A07298D98}"/>
+              </a:ext>
+            </a:extLst>
+          </p:cNvPr>
+          <p:cNvSpPr/>
+          <p:nvPr/>
+        </p:nvSpPr>
+        <p:spPr>
+          <a:xfrm>
+            <a:off x="655165" y="2075265"/>
+            <a:ext cx="1399381" cy="645459"/>
+          </a:xfrm>
+          <a:prstGeom prst="rect">
+            <a:avLst/>
+          </a:prstGeom>
+          <a:solidFill>
+            <a:srgbClr val="C00000"/>
+          </a:solidFill>
+        </p:spPr>
+        <p:style>
+          <a:lnRef idx="1">
+            <a:schemeClr val="accent2"/>
+          </a:lnRef>
+          <a:fillRef idx="3">
+            <a:schemeClr val="accent2"/>
+          </a:fillRef>
+          <a:effectRef idx="2">
+            <a:schemeClr val="accent2"/>
+          </a:effectRef>
+          <a:fontRef idx="minor">
+            <a:schemeClr val="lt1"/>
+          </a:fontRef>
+        </p:style>
+        <p:txBody>
+          <a:bodyPr rtlCol="0" anchor="ctr"/>
+          <a:lstStyle/>
+          <a:p>
+            <a:pPr algn="ctr"/>
+            <a:r>
+              <a:rPr lang="en-US" altLang="zh-CN" dirty="0"/>
+              <a:t>Page Delta</a:t>
+            </a:r>
+            <a:endParaRPr lang="en-US" dirty="0"/>
+          </a:p>
+        </p:txBody>
+      </p:sp>
+      <p:sp>
+        <p:nvSpPr>
+          <p:cNvPr id="40" name="Rectangle 39">
+            <a:extLst>
+              <a:ext uri="{FF2B5EF4-FFF2-40B4-BE49-F238E27FC236}">
+                <a16:creationId xmlns:a16="http://schemas.microsoft.com/office/drawing/2014/main" id="{B8DF4F09-2B3C-A47D-F3EE-BCC7EC2E79BB}"/>
+              </a:ext>
+            </a:extLst>
+          </p:cNvPr>
+          <p:cNvSpPr/>
+          <p:nvPr/>
+        </p:nvSpPr>
+        <p:spPr>
+          <a:xfrm>
+            <a:off x="655165" y="3151030"/>
+            <a:ext cx="1399381" cy="645459"/>
+          </a:xfrm>
+          <a:prstGeom prst="rect">
+            <a:avLst/>
+          </a:prstGeom>
+          <a:solidFill>
+            <a:srgbClr val="C00000"/>
+          </a:solidFill>
+        </p:spPr>
+        <p:style>
+          <a:lnRef idx="2">
+            <a:schemeClr val="accent1">
+              <a:shade val="15000"/>
+            </a:schemeClr>
+          </a:lnRef>
+          <a:fillRef idx="1">
+            <a:schemeClr val="accent1"/>
+          </a:fillRef>
+          <a:effectRef idx="0">
+            <a:schemeClr val="accent1"/>
+          </a:effectRef>
+          <a:fontRef idx="minor">
+            <a:schemeClr val="lt1"/>
+          </a:fontRef>
+        </p:style>
+        <p:txBody>
+          <a:bodyPr rtlCol="0" anchor="ctr"/>
+          <a:lstStyle/>
+          <a:p>
+            <a:pPr algn="ctr"/>
+            <a:r>
+              <a:rPr lang="en-US" dirty="0"/>
+              <a:t>Flow Delta</a:t>
+            </a:r>
+          </a:p>
+        </p:txBody>
+      </p:sp>
+      <p:sp>
+        <p:nvSpPr>
+          <p:cNvPr id="41" name="Rectangle 40">
+            <a:extLst>
+              <a:ext uri="{FF2B5EF4-FFF2-40B4-BE49-F238E27FC236}">
+                <a16:creationId xmlns:a16="http://schemas.microsoft.com/office/drawing/2014/main" id="{7F2ED068-C292-38B0-4A06-3EBF7A8B107D}"/>
+              </a:ext>
+            </a:extLst>
+          </p:cNvPr>
+          <p:cNvSpPr/>
+          <p:nvPr/>
+        </p:nvSpPr>
+        <p:spPr>
+          <a:xfrm>
+            <a:off x="655165" y="4307477"/>
+            <a:ext cx="1399381" cy="645459"/>
+          </a:xfrm>
+          <a:prstGeom prst="rect">
+            <a:avLst/>
+          </a:prstGeom>
+          <a:solidFill>
+            <a:srgbClr val="C00000"/>
+          </a:solidFill>
+        </p:spPr>
+        <p:style>
+          <a:lnRef idx="2">
+            <a:schemeClr val="accent1">
+              <a:shade val="15000"/>
+            </a:schemeClr>
+          </a:lnRef>
+          <a:fillRef idx="1">
+            <a:schemeClr val="accent1"/>
+          </a:fillRef>
+          <a:effectRef idx="0">
+            <a:schemeClr val="accent1"/>
+          </a:effectRef>
+          <a:fontRef idx="minor">
+            <a:schemeClr val="lt1"/>
+          </a:fontRef>
+        </p:style>
+        <p:txBody>
+          <a:bodyPr rtlCol="0" anchor="ctr"/>
+          <a:lstStyle/>
+          <a:p>
+            <a:pPr algn="ctr"/>
+            <a:r>
+              <a:rPr lang="en-US" dirty="0"/>
+              <a:t>ORM</a:t>
+            </a:r>
+            <a:r>
+              <a:rPr lang="zh-CN" altLang="en-US" dirty="0"/>
+              <a:t> </a:t>
+            </a:r>
+            <a:r>
+              <a:rPr lang="en-US" altLang="zh-CN" dirty="0"/>
+              <a:t>Delta</a:t>
+            </a:r>
+            <a:endParaRPr lang="en-US" dirty="0"/>
+          </a:p>
+        </p:txBody>
+      </p:sp>
+      <p:sp>
+        <p:nvSpPr>
+          <p:cNvPr id="43" name="Arrow: Right 42">
+            <a:extLst>
+              <a:ext uri="{FF2B5EF4-FFF2-40B4-BE49-F238E27FC236}">
+                <a16:creationId xmlns:a16="http://schemas.microsoft.com/office/drawing/2014/main" id="{BD6DCE0A-1C93-436B-45B9-64E895ACAB36}"/>
+              </a:ext>
+            </a:extLst>
+          </p:cNvPr>
+          <p:cNvSpPr/>
+          <p:nvPr/>
+        </p:nvSpPr>
+        <p:spPr>
+          <a:xfrm>
+            <a:off x="2122544" y="2317138"/>
+            <a:ext cx="320463" cy="170750"/>
+          </a:xfrm>
+          <a:prstGeom prst="rightArrow">
+            <a:avLst/>
+          </a:prstGeom>
+        </p:spPr>
+        <p:style>
+          <a:lnRef idx="1">
+            <a:schemeClr val="accent6"/>
+          </a:lnRef>
+          <a:fillRef idx="3">
+            <a:schemeClr val="accent6"/>
+          </a:fillRef>
+          <a:effectRef idx="2">
+            <a:schemeClr val="accent6"/>
+          </a:effectRef>
+          <a:fontRef idx="minor">
+            <a:schemeClr val="lt1"/>
+          </a:fontRef>
+        </p:style>
+        <p:txBody>
+          <a:bodyPr rtlCol="0" anchor="ctr"/>
+          <a:lstStyle/>
+          <a:p>
+            <a:pPr algn="ctr"/>
+            <a:endParaRPr lang="en-US"/>
+          </a:p>
+        </p:txBody>
+      </p:sp>
+      <p:sp>
+        <p:nvSpPr>
+          <p:cNvPr id="44" name="Arrow: Right 43">
+            <a:extLst>
+              <a:ext uri="{FF2B5EF4-FFF2-40B4-BE49-F238E27FC236}">
+                <a16:creationId xmlns:a16="http://schemas.microsoft.com/office/drawing/2014/main" id="{A52E673B-F646-9DCB-9EDB-39379DC52623}"/>
+              </a:ext>
+            </a:extLst>
+          </p:cNvPr>
+          <p:cNvSpPr/>
+          <p:nvPr/>
+        </p:nvSpPr>
+        <p:spPr>
+          <a:xfrm>
+            <a:off x="2124218" y="3363838"/>
+            <a:ext cx="320463" cy="170750"/>
+          </a:xfrm>
+          <a:prstGeom prst="rightArrow">
+            <a:avLst/>
+          </a:prstGeom>
+        </p:spPr>
+        <p:style>
+          <a:lnRef idx="1">
+            <a:schemeClr val="accent6"/>
+          </a:lnRef>
+          <a:fillRef idx="3">
+            <a:schemeClr val="accent6"/>
+          </a:fillRef>
+          <a:effectRef idx="2">
+            <a:schemeClr val="accent6"/>
+          </a:effectRef>
+          <a:fontRef idx="minor">
+            <a:schemeClr val="lt1"/>
+          </a:fontRef>
+        </p:style>
+        <p:txBody>
+          <a:bodyPr rtlCol="0" anchor="ctr"/>
+          <a:lstStyle/>
+          <a:p>
+            <a:pPr algn="ctr"/>
+            <a:endParaRPr lang="en-US"/>
+          </a:p>
+        </p:txBody>
+      </p:sp>
+      <p:sp>
+        <p:nvSpPr>
+          <p:cNvPr id="45" name="Arrow: Right 44">
+            <a:extLst>
+              <a:ext uri="{FF2B5EF4-FFF2-40B4-BE49-F238E27FC236}">
+                <a16:creationId xmlns:a16="http://schemas.microsoft.com/office/drawing/2014/main" id="{FE836F3B-A96C-1891-65C0-F47F87E9FD91}"/>
+              </a:ext>
+            </a:extLst>
+          </p:cNvPr>
+          <p:cNvSpPr/>
+          <p:nvPr/>
+        </p:nvSpPr>
+        <p:spPr>
+          <a:xfrm>
+            <a:off x="2114171" y="4519399"/>
+            <a:ext cx="320463" cy="170750"/>
+          </a:xfrm>
+          <a:prstGeom prst="rightArrow">
+            <a:avLst/>
+          </a:prstGeom>
+        </p:spPr>
+        <p:style>
+          <a:lnRef idx="1">
+            <a:schemeClr val="accent6"/>
+          </a:lnRef>
+          <a:fillRef idx="3">
+            <a:schemeClr val="accent6"/>
+          </a:fillRef>
+          <a:effectRef idx="2">
+            <a:schemeClr val="accent6"/>
+          </a:effectRef>
+          <a:fontRef idx="minor">
+            <a:schemeClr val="lt1"/>
+          </a:fontRef>
+        </p:style>
+        <p:txBody>
+          <a:bodyPr rtlCol="0" anchor="ctr"/>
+          <a:lstStyle/>
+          <a:p>
+            <a:pPr algn="ctr"/>
+            <a:endParaRPr lang="en-US"/>
+          </a:p>
+        </p:txBody>
+      </p:sp>
+      <p:sp>
+        <p:nvSpPr>
+          <p:cNvPr id="2" name="椭圆 11">
+            <a:extLst>
+              <a:ext uri="{FF2B5EF4-FFF2-40B4-BE49-F238E27FC236}">
+                <a16:creationId xmlns:a16="http://schemas.microsoft.com/office/drawing/2014/main" id="{0AB42AC8-E8F9-45B7-690E-C7A71BEB756C}"/>
+              </a:ext>
+            </a:extLst>
+          </p:cNvPr>
+          <p:cNvSpPr/>
+          <p:nvPr/>
+        </p:nvSpPr>
+        <p:spPr>
+          <a:xfrm>
+            <a:off x="5060927" y="1165530"/>
+            <a:ext cx="1661603" cy="751537"/>
+          </a:xfrm>
+          <a:prstGeom prst="ellipse">
+            <a:avLst/>
+          </a:prstGeom>
+          <a:solidFill>
+            <a:srgbClr val="C00000"/>
+          </a:solidFill>
+        </p:spPr>
+        <p:style>
+          <a:lnRef idx="2">
+            <a:schemeClr val="accent1">
+              <a:shade val="50000"/>
+            </a:schemeClr>
+          </a:lnRef>
+          <a:fillRef idx="1">
+            <a:schemeClr val="accent1"/>
+          </a:fillRef>
+          <a:effectRef idx="0">
+            <a:schemeClr val="accent1"/>
+          </a:effectRef>
+          <a:fontRef idx="minor">
+            <a:schemeClr val="lt1"/>
+          </a:fontRef>
+        </p:style>
+        <p:txBody>
+          <a:bodyPr rtlCol="0" anchor="ctr"/>
+          <a:lstStyle/>
+          <a:p>
+            <a:pPr algn="ctr"/>
+            <a:r>
+              <a:rPr lang="en-US" altLang="zh-CN" dirty="0"/>
+              <a:t>Delta</a:t>
+            </a:r>
+            <a:endParaRPr lang="zh-CN" altLang="en-US" dirty="0"/>
+          </a:p>
+        </p:txBody>
+      </p:sp>
+      <p:sp>
+        <p:nvSpPr>
+          <p:cNvPr id="3" name="箭头: 右 12">
+            <a:extLst>
+              <a:ext uri="{FF2B5EF4-FFF2-40B4-BE49-F238E27FC236}">
+                <a16:creationId xmlns:a16="http://schemas.microsoft.com/office/drawing/2014/main" id="{1197483A-016D-88E6-2D8F-B57E920F5096}"/>
+              </a:ext>
+            </a:extLst>
+          </p:cNvPr>
+          <p:cNvSpPr/>
+          <p:nvPr/>
+        </p:nvSpPr>
+        <p:spPr>
+          <a:xfrm rot="5400000">
+            <a:off x="5746592" y="2511489"/>
+            <a:ext cx="290271" cy="313710"/>
+          </a:xfrm>
+          <a:prstGeom prst="rightArrow">
+            <a:avLst>
+              <a:gd name="adj1" fmla="val 33704"/>
+              <a:gd name="adj2" fmla="val 50000"/>
+            </a:avLst>
+          </a:prstGeom>
+        </p:spPr>
+        <p:style>
+          <a:lnRef idx="2">
+            <a:schemeClr val="accent1">
+              <a:shade val="50000"/>
+            </a:schemeClr>
+          </a:lnRef>
+          <a:fillRef idx="1">
+            <a:schemeClr val="accent1"/>
+          </a:fillRef>
+          <a:effectRef idx="0">
+            <a:schemeClr val="accent1"/>
+          </a:effectRef>
+          <a:fontRef idx="minor">
+            <a:schemeClr val="lt1"/>
+          </a:fontRef>
+        </p:style>
+        <p:txBody>
+          <a:bodyPr rtlCol="0" anchor="ctr"/>
+          <a:lstStyle/>
+          <a:p>
+            <a:pPr algn="ctr"/>
+            <a:endParaRPr lang="zh-CN" altLang="en-US"/>
+          </a:p>
+        </p:txBody>
+      </p:sp>
+      <p:sp>
+        <p:nvSpPr>
+          <p:cNvPr id="5" name="加号 13">
+            <a:extLst>
+              <a:ext uri="{FF2B5EF4-FFF2-40B4-BE49-F238E27FC236}">
+                <a16:creationId xmlns:a16="http://schemas.microsoft.com/office/drawing/2014/main" id="{B5CAF97C-2197-169C-9891-B261011F9FF9}"/>
+              </a:ext>
+            </a:extLst>
+          </p:cNvPr>
+          <p:cNvSpPr/>
+          <p:nvPr/>
+        </p:nvSpPr>
+        <p:spPr>
+          <a:xfrm>
+            <a:off x="5403158" y="2036594"/>
+            <a:ext cx="977142" cy="751537"/>
+          </a:xfrm>
+          <a:prstGeom prst="mathPlus">
+            <a:avLst/>
+          </a:prstGeom>
+        </p:spPr>
+        <p:style>
+          <a:lnRef idx="2">
+            <a:schemeClr val="accent1">
+              <a:shade val="50000"/>
+            </a:schemeClr>
+          </a:lnRef>
+          <a:fillRef idx="1">
+            <a:schemeClr val="accent1"/>
+          </a:fillRef>
+          <a:effectRef idx="0">
+            <a:schemeClr val="accent1"/>
+          </a:effectRef>
+          <a:fontRef idx="minor">
+            <a:schemeClr val="lt1"/>
+          </a:fontRef>
+        </p:style>
+        <p:txBody>
+          <a:bodyPr rtlCol="0" anchor="ctr"/>
+          <a:lstStyle/>
+          <a:p>
+            <a:pPr algn="ctr"/>
+            <a:endParaRPr lang="zh-CN" altLang="en-US"/>
+          </a:p>
+        </p:txBody>
+      </p:sp>
+    </p:spTree>
+    <p:extLst>
+      <p:ext uri="{BB962C8B-B14F-4D97-AF65-F5344CB8AC3E}">
+        <p14:creationId xmlns:p14="http://schemas.microsoft.com/office/powerpoint/2010/main" val="515720174"/>
+      </p:ext>
+    </p:extLst>
+  </p:cSld>
+  <p:clrMapOvr>
+    <a:masterClrMapping/>
+  </p:clrMapOvr>
+</p:sld>
+</file>
+
+<file path=ppt/slides/slide14.xml><?xml version="1.0" encoding="utf-8"?>
+<p:sld xmlns:a="http://schemas.openxmlformats.org/drawingml/2006/main" xmlns:r="http://schemas.openxmlformats.org/officeDocument/2006/relationships" xmlns:p="http://schemas.openxmlformats.org/presentationml/2006/main">
+  <p:cSld>
+    <p:spTree>
+      <p:nvGrpSpPr>
+        <p:cNvPr id="1" name="">
+          <a:extLst>
+            <a:ext uri="{FF2B5EF4-FFF2-40B4-BE49-F238E27FC236}">
               <a16:creationId xmlns:a16="http://schemas.microsoft.com/office/drawing/2014/main" id="{D93EB8D3-F7DD-6878-899B-C12C0A6E0553}"/>
             </a:ext>
           </a:extLst>
@@ -3667,7 +7448,7 @@
 </p:sld>
 </file>
 
-<file path=ppt/slides/slide11.xml><?xml version="1.0" encoding="utf-8"?>
+<file path=ppt/slides/slide15.xml><?xml version="1.0" encoding="utf-8"?>
 <p:sld xmlns:a="http://schemas.openxmlformats.org/drawingml/2006/main" xmlns:r="http://schemas.openxmlformats.org/officeDocument/2006/relationships" xmlns:p="http://schemas.openxmlformats.org/presentationml/2006/main">
   <p:cSld>
     <p:spTree>
@@ -3866,7 +7647,7 @@
 </p:sld>
 </file>
 
-<file path=ppt/slides/slide12.xml><?xml version="1.0" encoding="utf-8"?>
+<file path=ppt/slides/slide16.xml><?xml version="1.0" encoding="utf-8"?>
 <p:sld xmlns:a="http://schemas.openxmlformats.org/drawingml/2006/main" xmlns:r="http://schemas.openxmlformats.org/officeDocument/2006/relationships" xmlns:p="http://schemas.openxmlformats.org/presentationml/2006/main">
   <p:cSld>
     <p:spTree>
@@ -4070,7 +7851,7 @@
 </p:sld>
 </file>
 
-<file path=ppt/slides/slide13.xml><?xml version="1.0" encoding="utf-8"?>
+<file path=ppt/slides/slide17.xml><?xml version="1.0" encoding="utf-8"?>
 <p:sld xmlns:a="http://schemas.openxmlformats.org/drawingml/2006/main" xmlns:r="http://schemas.openxmlformats.org/officeDocument/2006/relationships" xmlns:p="http://schemas.openxmlformats.org/presentationml/2006/main">
   <p:cSld>
     <p:spTree>
@@ -4243,7 +8024,7 @@
 </p:sld>
 </file>
 
-<file path=ppt/slides/slide14.xml><?xml version="1.0" encoding="utf-8"?>
+<file path=ppt/slides/slide18.xml><?xml version="1.0" encoding="utf-8"?>
 <p:sld xmlns:a="http://schemas.openxmlformats.org/drawingml/2006/main" xmlns:r="http://schemas.openxmlformats.org/officeDocument/2006/relationships" xmlns:p="http://schemas.openxmlformats.org/presentationml/2006/main">
   <p:cSld>
     <p:spTree>
@@ -4412,18 +8193,12 @@
 </p:sld>
 </file>
 
-<file path=ppt/slides/slide15.xml><?xml version="1.0" encoding="utf-8"?>
+<file path=ppt/slides/slide19.xml><?xml version="1.0" encoding="utf-8"?>
 <p:sld xmlns:a="http://schemas.openxmlformats.org/drawingml/2006/main" xmlns:r="http://schemas.openxmlformats.org/officeDocument/2006/relationships" xmlns:p="http://schemas.openxmlformats.org/presentationml/2006/main">
   <p:cSld>
     <p:spTree>
       <p:nvGrpSpPr>
-        <p:cNvPr id="1" name="">
-          <a:extLst>
-            <a:ext uri="{FF2B5EF4-FFF2-40B4-BE49-F238E27FC236}">
-              <a16:creationId xmlns:a16="http://schemas.microsoft.com/office/drawing/2014/main" id="{398B4A8D-4A37-457A-B28A-60E5CBF7C159}"/>
-            </a:ext>
-          </a:extLst>
-        </p:cNvPr>
+        <p:cNvPr id="1" name=""/>
         <p:cNvGrpSpPr/>
         <p:nvPr/>
       </p:nvGrpSpPr>
@@ -4437,10 +8212,274 @@
       </p:grpSpPr>
       <p:sp>
         <p:nvSpPr>
+          <p:cNvPr id="4" name="矩形 3">
+            <a:extLst>
+              <a:ext uri="{FF2B5EF4-FFF2-40B4-BE49-F238E27FC236}">
+                <a16:creationId xmlns:a16="http://schemas.microsoft.com/office/drawing/2014/main" id="{82624254-68F0-2252-7C78-0D7D3F200AEA}"/>
+              </a:ext>
+            </a:extLst>
+          </p:cNvPr>
+          <p:cNvSpPr/>
+          <p:nvPr/>
+        </p:nvSpPr>
+        <p:spPr>
+          <a:xfrm>
+            <a:off x="1118773" y="3680866"/>
+            <a:ext cx="1661602" cy="751537"/>
+          </a:xfrm>
+          <a:prstGeom prst="rect">
+            <a:avLst/>
+          </a:prstGeom>
+        </p:spPr>
+        <p:style>
+          <a:lnRef idx="2">
+            <a:schemeClr val="accent1">
+              <a:shade val="50000"/>
+            </a:schemeClr>
+          </a:lnRef>
+          <a:fillRef idx="1">
+            <a:schemeClr val="accent1"/>
+          </a:fillRef>
+          <a:effectRef idx="0">
+            <a:schemeClr val="accent1"/>
+          </a:effectRef>
+          <a:fontRef idx="minor">
+            <a:schemeClr val="lt1"/>
+          </a:fontRef>
+        </p:style>
+        <p:txBody>
+          <a:bodyPr rtlCol="0" anchor="ctr"/>
+          <a:lstStyle/>
+          <a:p>
+            <a:pPr algn="ctr"/>
+            <a:r>
+              <a:rPr lang="en-US" altLang="zh-CN" dirty="0"/>
+              <a:t>_XORM</a:t>
+            </a:r>
+            <a:endParaRPr lang="zh-CN" altLang="en-US" dirty="0"/>
+          </a:p>
+        </p:txBody>
+      </p:sp>
+      <p:sp>
+        <p:nvSpPr>
+          <p:cNvPr id="5" name="矩形 4">
+            <a:extLst>
+              <a:ext uri="{FF2B5EF4-FFF2-40B4-BE49-F238E27FC236}">
+                <a16:creationId xmlns:a16="http://schemas.microsoft.com/office/drawing/2014/main" id="{CE1A4767-FE4D-56D1-40B2-262D4B5896C7}"/>
+              </a:ext>
+            </a:extLst>
+          </p:cNvPr>
+          <p:cNvSpPr/>
+          <p:nvPr/>
+        </p:nvSpPr>
+        <p:spPr>
+          <a:xfrm>
+            <a:off x="1118773" y="2953653"/>
+            <a:ext cx="1661602" cy="751537"/>
+          </a:xfrm>
+          <a:prstGeom prst="rect">
+            <a:avLst/>
+          </a:prstGeom>
+        </p:spPr>
+        <p:style>
+          <a:lnRef idx="2">
+            <a:schemeClr val="accent1">
+              <a:shade val="50000"/>
+            </a:schemeClr>
+          </a:lnRef>
+          <a:fillRef idx="1">
+            <a:schemeClr val="accent1"/>
+          </a:fillRef>
+          <a:effectRef idx="0">
+            <a:schemeClr val="accent1"/>
+          </a:effectRef>
+          <a:fontRef idx="minor">
+            <a:schemeClr val="lt1"/>
+          </a:fontRef>
+        </p:style>
+        <p:txBody>
+          <a:bodyPr rtlCol="0" anchor="ctr"/>
+          <a:lstStyle/>
+          <a:p>
+            <a:pPr algn="ctr"/>
+            <a:r>
+              <a:rPr lang="en-US" altLang="zh-CN" dirty="0"/>
+              <a:t>XORM</a:t>
+            </a:r>
+            <a:endParaRPr lang="zh-CN" altLang="en-US" dirty="0"/>
+          </a:p>
+        </p:txBody>
+      </p:sp>
+      <p:sp>
+        <p:nvSpPr>
+          <p:cNvPr id="12" name="矩形 11">
+            <a:extLst>
+              <a:ext uri="{FF2B5EF4-FFF2-40B4-BE49-F238E27FC236}">
+                <a16:creationId xmlns:a16="http://schemas.microsoft.com/office/drawing/2014/main" id="{D596708B-FC6D-BF5E-34FA-D9730BE8E7E6}"/>
+              </a:ext>
+            </a:extLst>
+          </p:cNvPr>
+          <p:cNvSpPr/>
+          <p:nvPr/>
+        </p:nvSpPr>
+        <p:spPr>
+          <a:xfrm>
+            <a:off x="3743005" y="3692778"/>
+            <a:ext cx="1661602" cy="751537"/>
+          </a:xfrm>
+          <a:prstGeom prst="rect">
+            <a:avLst/>
+          </a:prstGeom>
+        </p:spPr>
+        <p:style>
+          <a:lnRef idx="2">
+            <a:schemeClr val="accent1">
+              <a:shade val="50000"/>
+            </a:schemeClr>
+          </a:lnRef>
+          <a:fillRef idx="1">
+            <a:schemeClr val="accent1"/>
+          </a:fillRef>
+          <a:effectRef idx="0">
+            <a:schemeClr val="accent1"/>
+          </a:effectRef>
+          <a:fontRef idx="minor">
+            <a:schemeClr val="lt1"/>
+          </a:fontRef>
+        </p:style>
+        <p:txBody>
+          <a:bodyPr rtlCol="0" anchor="ctr"/>
+          <a:lstStyle/>
+          <a:p>
+            <a:pPr algn="ctr"/>
+            <a:r>
+              <a:rPr lang="en-US" altLang="zh-CN" dirty="0"/>
+              <a:t>_</a:t>
+            </a:r>
+            <a:r>
+              <a:rPr lang="en-US" altLang="zh-CN" dirty="0" err="1"/>
+              <a:t>XMeta</a:t>
+            </a:r>
+            <a:endParaRPr lang="zh-CN" altLang="en-US" dirty="0"/>
+          </a:p>
+        </p:txBody>
+      </p:sp>
+      <p:sp>
+        <p:nvSpPr>
+          <p:cNvPr id="14" name="矩形 13">
+            <a:extLst>
+              <a:ext uri="{FF2B5EF4-FFF2-40B4-BE49-F238E27FC236}">
+                <a16:creationId xmlns:a16="http://schemas.microsoft.com/office/drawing/2014/main" id="{4EAEFFBD-C790-40AB-8120-0ED2F6F3E3AA}"/>
+              </a:ext>
+            </a:extLst>
+          </p:cNvPr>
+          <p:cNvSpPr/>
+          <p:nvPr/>
+        </p:nvSpPr>
+        <p:spPr>
+          <a:xfrm>
+            <a:off x="6455593" y="3705358"/>
+            <a:ext cx="1661602" cy="751537"/>
+          </a:xfrm>
+          <a:prstGeom prst="rect">
+            <a:avLst/>
+          </a:prstGeom>
+          <a:solidFill>
+            <a:srgbClr val="C00000"/>
+          </a:solidFill>
+        </p:spPr>
+        <p:style>
+          <a:lnRef idx="2">
+            <a:schemeClr val="accent1">
+              <a:shade val="50000"/>
+            </a:schemeClr>
+          </a:lnRef>
+          <a:fillRef idx="1">
+            <a:schemeClr val="accent1"/>
+          </a:fillRef>
+          <a:effectRef idx="0">
+            <a:schemeClr val="accent1"/>
+          </a:effectRef>
+          <a:fontRef idx="minor">
+            <a:schemeClr val="lt1"/>
+          </a:fontRef>
+        </p:style>
+        <p:txBody>
+          <a:bodyPr rtlCol="0" anchor="ctr"/>
+          <a:lstStyle/>
+          <a:p>
+            <a:pPr algn="ctr"/>
+            <a:r>
+              <a:rPr lang="en-US" altLang="zh-CN" dirty="0"/>
+              <a:t>_</a:t>
+            </a:r>
+            <a:r>
+              <a:rPr lang="en-US" altLang="zh-CN" dirty="0" err="1"/>
+              <a:t>XView</a:t>
+            </a:r>
+            <a:endParaRPr lang="zh-CN" altLang="en-US" dirty="0"/>
+          </a:p>
+        </p:txBody>
+      </p:sp>
+      <p:sp>
+        <p:nvSpPr>
+          <p:cNvPr id="19" name="矩形 18">
+            <a:extLst>
+              <a:ext uri="{FF2B5EF4-FFF2-40B4-BE49-F238E27FC236}">
+                <a16:creationId xmlns:a16="http://schemas.microsoft.com/office/drawing/2014/main" id="{1DDE44B1-52E8-98C7-D898-D63D745B0F63}"/>
+              </a:ext>
+            </a:extLst>
+          </p:cNvPr>
+          <p:cNvSpPr/>
+          <p:nvPr/>
+        </p:nvSpPr>
+        <p:spPr>
+          <a:xfrm>
+            <a:off x="9171697" y="2941241"/>
+            <a:ext cx="1661602" cy="751537"/>
+          </a:xfrm>
+          <a:prstGeom prst="rect">
+            <a:avLst/>
+          </a:prstGeom>
+          <a:solidFill>
+            <a:srgbClr val="C00000"/>
+          </a:solidFill>
+        </p:spPr>
+        <p:style>
+          <a:lnRef idx="2">
+            <a:schemeClr val="accent1">
+              <a:shade val="50000"/>
+            </a:schemeClr>
+          </a:lnRef>
+          <a:fillRef idx="1">
+            <a:schemeClr val="accent1"/>
+          </a:fillRef>
+          <a:effectRef idx="0">
+            <a:schemeClr val="accent1"/>
+          </a:effectRef>
+          <a:fontRef idx="minor">
+            <a:schemeClr val="lt1"/>
+          </a:fontRef>
+        </p:style>
+        <p:txBody>
+          <a:bodyPr rtlCol="0" anchor="ctr"/>
+          <a:lstStyle/>
+          <a:p>
+            <a:pPr algn="ctr"/>
+            <a:r>
+              <a:rPr lang="en-US" altLang="zh-CN" dirty="0" err="1"/>
+              <a:t>XPage</a:t>
+            </a:r>
+            <a:endParaRPr lang="zh-CN" altLang="en-US" dirty="0"/>
+          </a:p>
+        </p:txBody>
+      </p:sp>
+      <p:sp>
+        <p:nvSpPr>
           <p:cNvPr id="49" name="文本框 48">
             <a:extLst>
               <a:ext uri="{FF2B5EF4-FFF2-40B4-BE49-F238E27FC236}">
-                <a16:creationId xmlns:a16="http://schemas.microsoft.com/office/drawing/2014/main" id="{BFEC9175-B4A9-FB50-360D-E1E59A4C4880}"/>
+                <a16:creationId xmlns:a16="http://schemas.microsoft.com/office/drawing/2014/main" id="{C76386B8-0A78-88D0-283F-26AEFDECAB74}"/>
               </a:ext>
             </a:extLst>
           </p:cNvPr>
@@ -4464,22 +8503,277 @@
           <a:lstStyle/>
           <a:p>
             <a:r>
-              <a:rPr lang="en-US" altLang="zh-CN" sz="2800" b="1" dirty="0"/>
-              <a:t>DSL</a:t>
-            </a:r>
-            <a:r>
               <a:rPr lang="zh-CN" altLang="en-US" sz="2800" b="1" dirty="0"/>
-              <a:t>森林</a:t>
-            </a:r>
-          </a:p>
-        </p:txBody>
-      </p:sp>
-      <p:sp>
-        <p:nvSpPr>
-          <p:cNvPr id="3" name="文本框 2">
-            <a:extLst>
-              <a:ext uri="{FF2B5EF4-FFF2-40B4-BE49-F238E27FC236}">
-                <a16:creationId xmlns:a16="http://schemas.microsoft.com/office/drawing/2014/main" id="{B3A5489D-AFD9-D052-2BEC-4D1F922701B3}"/>
+              <a:t>差量流水线</a:t>
+            </a:r>
+          </a:p>
+        </p:txBody>
+      </p:sp>
+      <p:sp>
+        <p:nvSpPr>
+          <p:cNvPr id="2" name="矩形 1">
+            <a:extLst>
+              <a:ext uri="{FF2B5EF4-FFF2-40B4-BE49-F238E27FC236}">
+                <a16:creationId xmlns:a16="http://schemas.microsoft.com/office/drawing/2014/main" id="{D9D7C2E0-53A0-8A71-7E5A-41DA55453420}"/>
+              </a:ext>
+            </a:extLst>
+          </p:cNvPr>
+          <p:cNvSpPr/>
+          <p:nvPr/>
+        </p:nvSpPr>
+        <p:spPr>
+          <a:xfrm>
+            <a:off x="3739489" y="2941242"/>
+            <a:ext cx="1661602" cy="751537"/>
+          </a:xfrm>
+          <a:prstGeom prst="rect">
+            <a:avLst/>
+          </a:prstGeom>
+        </p:spPr>
+        <p:style>
+          <a:lnRef idx="2">
+            <a:schemeClr val="accent1">
+              <a:shade val="50000"/>
+            </a:schemeClr>
+          </a:lnRef>
+          <a:fillRef idx="1">
+            <a:schemeClr val="accent1"/>
+          </a:fillRef>
+          <a:effectRef idx="0">
+            <a:schemeClr val="accent1"/>
+          </a:effectRef>
+          <a:fontRef idx="minor">
+            <a:schemeClr val="lt1"/>
+          </a:fontRef>
+        </p:style>
+        <p:txBody>
+          <a:bodyPr rtlCol="0" anchor="ctr"/>
+          <a:lstStyle/>
+          <a:p>
+            <a:pPr algn="ctr"/>
+            <a:r>
+              <a:rPr lang="en-US" altLang="zh-CN" dirty="0" err="1"/>
+              <a:t>XMeta</a:t>
+            </a:r>
+            <a:endParaRPr lang="zh-CN" altLang="en-US" dirty="0"/>
+          </a:p>
+        </p:txBody>
+      </p:sp>
+      <p:sp>
+        <p:nvSpPr>
+          <p:cNvPr id="11" name="矩形 10">
+            <a:extLst>
+              <a:ext uri="{FF2B5EF4-FFF2-40B4-BE49-F238E27FC236}">
+                <a16:creationId xmlns:a16="http://schemas.microsoft.com/office/drawing/2014/main" id="{656E952D-7207-7257-2CE4-D3885B5052C3}"/>
+              </a:ext>
+            </a:extLst>
+          </p:cNvPr>
+          <p:cNvSpPr/>
+          <p:nvPr/>
+        </p:nvSpPr>
+        <p:spPr>
+          <a:xfrm>
+            <a:off x="6455593" y="2953653"/>
+            <a:ext cx="1661602" cy="751537"/>
+          </a:xfrm>
+          <a:prstGeom prst="rect">
+            <a:avLst/>
+          </a:prstGeom>
+          <a:solidFill>
+            <a:srgbClr val="C00000"/>
+          </a:solidFill>
+        </p:spPr>
+        <p:style>
+          <a:lnRef idx="2">
+            <a:schemeClr val="accent1">
+              <a:shade val="50000"/>
+            </a:schemeClr>
+          </a:lnRef>
+          <a:fillRef idx="1">
+            <a:schemeClr val="accent1"/>
+          </a:fillRef>
+          <a:effectRef idx="0">
+            <a:schemeClr val="accent1"/>
+          </a:effectRef>
+          <a:fontRef idx="minor">
+            <a:schemeClr val="lt1"/>
+          </a:fontRef>
+        </p:style>
+        <p:txBody>
+          <a:bodyPr rtlCol="0" anchor="ctr"/>
+          <a:lstStyle/>
+          <a:p>
+            <a:pPr algn="ctr"/>
+            <a:r>
+              <a:rPr lang="en-US" altLang="zh-CN" dirty="0" err="1"/>
+              <a:t>XView</a:t>
+            </a:r>
+            <a:endParaRPr lang="en-US" altLang="zh-CN" dirty="0"/>
+          </a:p>
+        </p:txBody>
+      </p:sp>
+      <p:sp>
+        <p:nvSpPr>
+          <p:cNvPr id="22" name="矩形 21">
+            <a:extLst>
+              <a:ext uri="{FF2B5EF4-FFF2-40B4-BE49-F238E27FC236}">
+                <a16:creationId xmlns:a16="http://schemas.microsoft.com/office/drawing/2014/main" id="{CA4418D9-C431-D727-C854-E7CFD25EAA57}"/>
+              </a:ext>
+            </a:extLst>
+          </p:cNvPr>
+          <p:cNvSpPr/>
+          <p:nvPr/>
+        </p:nvSpPr>
+        <p:spPr>
+          <a:xfrm>
+            <a:off x="9170477" y="3691632"/>
+            <a:ext cx="1661602" cy="751537"/>
+          </a:xfrm>
+          <a:prstGeom prst="rect">
+            <a:avLst/>
+          </a:prstGeom>
+          <a:solidFill>
+            <a:srgbClr val="C00000"/>
+          </a:solidFill>
+        </p:spPr>
+        <p:style>
+          <a:lnRef idx="2">
+            <a:schemeClr val="accent1">
+              <a:shade val="50000"/>
+            </a:schemeClr>
+          </a:lnRef>
+          <a:fillRef idx="1">
+            <a:schemeClr val="accent1"/>
+          </a:fillRef>
+          <a:effectRef idx="0">
+            <a:schemeClr val="accent1"/>
+          </a:effectRef>
+          <a:fontRef idx="minor">
+            <a:schemeClr val="lt1"/>
+          </a:fontRef>
+        </p:style>
+        <p:txBody>
+          <a:bodyPr rtlCol="0" anchor="ctr"/>
+          <a:lstStyle/>
+          <a:p>
+            <a:pPr algn="ctr"/>
+            <a:r>
+              <a:rPr lang="en-US" altLang="zh-CN" dirty="0"/>
+              <a:t>_</a:t>
+            </a:r>
+            <a:r>
+              <a:rPr lang="en-US" altLang="zh-CN" dirty="0" err="1"/>
+              <a:t>XPage</a:t>
+            </a:r>
+            <a:endParaRPr lang="zh-CN" altLang="en-US" dirty="0"/>
+          </a:p>
+        </p:txBody>
+      </p:sp>
+      <p:sp>
+        <p:nvSpPr>
+          <p:cNvPr id="7" name="椭圆 6">
+            <a:extLst>
+              <a:ext uri="{FF2B5EF4-FFF2-40B4-BE49-F238E27FC236}">
+                <a16:creationId xmlns:a16="http://schemas.microsoft.com/office/drawing/2014/main" id="{C8313F1A-B63D-3A10-E8C1-AB28C38E41FE}"/>
+              </a:ext>
+            </a:extLst>
+          </p:cNvPr>
+          <p:cNvSpPr/>
+          <p:nvPr/>
+        </p:nvSpPr>
+        <p:spPr>
+          <a:xfrm>
+            <a:off x="1119759" y="5255029"/>
+            <a:ext cx="1661602" cy="751537"/>
+          </a:xfrm>
+          <a:prstGeom prst="ellipse">
+            <a:avLst/>
+          </a:prstGeom>
+          <a:solidFill>
+            <a:srgbClr val="7030A0"/>
+          </a:solidFill>
+        </p:spPr>
+        <p:style>
+          <a:lnRef idx="2">
+            <a:schemeClr val="accent1">
+              <a:shade val="50000"/>
+            </a:schemeClr>
+          </a:lnRef>
+          <a:fillRef idx="1">
+            <a:schemeClr val="accent1"/>
+          </a:fillRef>
+          <a:effectRef idx="0">
+            <a:schemeClr val="accent1"/>
+          </a:effectRef>
+          <a:fontRef idx="minor">
+            <a:schemeClr val="lt1"/>
+          </a:fontRef>
+        </p:style>
+        <p:txBody>
+          <a:bodyPr rtlCol="0" anchor="ctr"/>
+          <a:lstStyle/>
+          <a:p>
+            <a:pPr algn="ctr"/>
+            <a:r>
+              <a:rPr lang="en-US" altLang="zh-CN" dirty="0"/>
+              <a:t>Excel</a:t>
+            </a:r>
+            <a:endParaRPr lang="zh-CN" altLang="en-US" dirty="0"/>
+          </a:p>
+        </p:txBody>
+      </p:sp>
+      <p:sp>
+        <p:nvSpPr>
+          <p:cNvPr id="8" name="箭头: 右 7">
+            <a:extLst>
+              <a:ext uri="{FF2B5EF4-FFF2-40B4-BE49-F238E27FC236}">
+                <a16:creationId xmlns:a16="http://schemas.microsoft.com/office/drawing/2014/main" id="{5B1CFA59-D8A1-E062-7710-F234E2186247}"/>
+              </a:ext>
+            </a:extLst>
+          </p:cNvPr>
+          <p:cNvSpPr/>
+          <p:nvPr/>
+        </p:nvSpPr>
+        <p:spPr>
+          <a:xfrm rot="16200000">
+            <a:off x="1632536" y="4765617"/>
+            <a:ext cx="529841" cy="202391"/>
+          </a:xfrm>
+          <a:prstGeom prst="rightArrow">
+            <a:avLst/>
+          </a:prstGeom>
+        </p:spPr>
+        <p:style>
+          <a:lnRef idx="2">
+            <a:schemeClr val="accent1">
+              <a:shade val="50000"/>
+            </a:schemeClr>
+          </a:lnRef>
+          <a:fillRef idx="1">
+            <a:schemeClr val="accent1"/>
+          </a:fillRef>
+          <a:effectRef idx="0">
+            <a:schemeClr val="accent1"/>
+          </a:effectRef>
+          <a:fontRef idx="minor">
+            <a:schemeClr val="lt1"/>
+          </a:fontRef>
+        </p:style>
+        <p:txBody>
+          <a:bodyPr rtlCol="0" anchor="ctr"/>
+          <a:lstStyle/>
+          <a:p>
+            <a:pPr algn="ctr"/>
+            <a:endParaRPr lang="zh-CN" altLang="en-US"/>
+          </a:p>
+        </p:txBody>
+      </p:sp>
+      <p:sp>
+        <p:nvSpPr>
+          <p:cNvPr id="15" name="文本框 14">
+            <a:extLst>
+              <a:ext uri="{FF2B5EF4-FFF2-40B4-BE49-F238E27FC236}">
+                <a16:creationId xmlns:a16="http://schemas.microsoft.com/office/drawing/2014/main" id="{AC6C489F-E051-914F-A225-76E8289574A4}"/>
               </a:ext>
             </a:extLst>
           </p:cNvPr>
@@ -4488,8 +8782,8 @@
         </p:nvSpPr>
         <p:spPr>
           <a:xfrm>
-            <a:off x="1261241" y="1658532"/>
-            <a:ext cx="7977352" cy="1815882"/>
+            <a:off x="2049427" y="4677527"/>
+            <a:ext cx="708917" cy="369332"/>
           </a:xfrm>
           <a:prstGeom prst="rect">
             <a:avLst/>
@@ -4503,44 +8797,119 @@
           <a:lstStyle/>
           <a:p>
             <a:r>
-              <a:rPr lang="zh-CN" altLang="en-US" sz="2800" dirty="0"/>
-              <a:t>软件结构空间中发生的一切都通过程序语言表达</a:t>
-            </a:r>
-            <a:endParaRPr lang="en-US" altLang="zh-CN" sz="2800" dirty="0"/>
-          </a:p>
-          <a:p>
-            <a:r>
-              <a:rPr lang="zh-CN" altLang="en-US" sz="2800" dirty="0"/>
-              <a:t>程序语言定义了软件结构空间的描述坐标系</a:t>
-            </a:r>
-            <a:endParaRPr lang="en-US" altLang="zh-CN" sz="2800" dirty="0"/>
-          </a:p>
-          <a:p>
-            <a:r>
-              <a:rPr lang="zh-CN" altLang="en-US" sz="2800" dirty="0"/>
-              <a:t>通用程序语言是全局坐标系</a:t>
-            </a:r>
-            <a:endParaRPr lang="en-US" altLang="zh-CN" sz="2800" dirty="0"/>
-          </a:p>
-          <a:p>
-            <a:r>
-              <a:rPr lang="en-US" altLang="zh-CN" sz="2800" dirty="0"/>
-              <a:t>DSL</a:t>
-            </a:r>
-            <a:r>
-              <a:rPr lang="zh-CN" altLang="en-US" sz="2800" dirty="0"/>
-              <a:t>森林在不同的局部采用不同的领域结构坐标系</a:t>
-            </a:r>
-            <a:endParaRPr lang="en-US" altLang="zh-CN" sz="2800" dirty="0"/>
-          </a:p>
-        </p:txBody>
-      </p:sp>
-      <p:sp>
-        <p:nvSpPr>
-          <p:cNvPr id="6" name="文本框 5">
-            <a:extLst>
-              <a:ext uri="{FF2B5EF4-FFF2-40B4-BE49-F238E27FC236}">
-                <a16:creationId xmlns:a16="http://schemas.microsoft.com/office/drawing/2014/main" id="{A8FBF210-C231-2603-92C2-840F4E6BF386}"/>
+              <a:rPr lang="zh-CN" altLang="en-US" dirty="0"/>
+              <a:t>生成</a:t>
+            </a:r>
+          </a:p>
+        </p:txBody>
+      </p:sp>
+      <p:sp>
+        <p:nvSpPr>
+          <p:cNvPr id="26" name="椭圆 25">
+            <a:extLst>
+              <a:ext uri="{FF2B5EF4-FFF2-40B4-BE49-F238E27FC236}">
+                <a16:creationId xmlns:a16="http://schemas.microsoft.com/office/drawing/2014/main" id="{FAFE2A35-9FD0-1A68-9CAD-731A094AA618}"/>
+              </a:ext>
+            </a:extLst>
+          </p:cNvPr>
+          <p:cNvSpPr/>
+          <p:nvPr/>
+        </p:nvSpPr>
+        <p:spPr>
+          <a:xfrm>
+            <a:off x="9171697" y="1267187"/>
+            <a:ext cx="1661602" cy="751537"/>
+          </a:xfrm>
+          <a:prstGeom prst="ellipse">
+            <a:avLst/>
+          </a:prstGeom>
+          <a:solidFill>
+            <a:srgbClr val="7030A0"/>
+          </a:solidFill>
+        </p:spPr>
+        <p:style>
+          <a:lnRef idx="2">
+            <a:schemeClr val="accent1">
+              <a:shade val="50000"/>
+            </a:schemeClr>
+          </a:lnRef>
+          <a:fillRef idx="1">
+            <a:schemeClr val="accent1"/>
+          </a:fillRef>
+          <a:effectRef idx="0">
+            <a:schemeClr val="accent1"/>
+          </a:effectRef>
+          <a:fontRef idx="minor">
+            <a:schemeClr val="lt1"/>
+          </a:fontRef>
+        </p:style>
+        <p:txBody>
+          <a:bodyPr rtlCol="0" anchor="ctr"/>
+          <a:lstStyle/>
+          <a:p>
+            <a:pPr algn="ctr"/>
+            <a:r>
+              <a:rPr lang="zh-CN" altLang="en-US" dirty="0"/>
+              <a:t>界面</a:t>
+            </a:r>
+          </a:p>
+        </p:txBody>
+      </p:sp>
+      <p:sp>
+        <p:nvSpPr>
+          <p:cNvPr id="27" name="箭头: 右 26">
+            <a:extLst>
+              <a:ext uri="{FF2B5EF4-FFF2-40B4-BE49-F238E27FC236}">
+                <a16:creationId xmlns:a16="http://schemas.microsoft.com/office/drawing/2014/main" id="{0705D658-343D-D9A0-4C7A-321BC4AEAD24}"/>
+              </a:ext>
+            </a:extLst>
+          </p:cNvPr>
+          <p:cNvSpPr/>
+          <p:nvPr/>
+        </p:nvSpPr>
+        <p:spPr>
+          <a:xfrm rot="16200000">
+            <a:off x="9655636" y="2400626"/>
+            <a:ext cx="588892" cy="184934"/>
+          </a:xfrm>
+          <a:prstGeom prst="rightArrow">
+            <a:avLst>
+              <a:gd name="adj1" fmla="val 62154"/>
+              <a:gd name="adj2" fmla="val 50000"/>
+            </a:avLst>
+          </a:prstGeom>
+        </p:spPr>
+        <p:style>
+          <a:lnRef idx="2">
+            <a:schemeClr val="accent1">
+              <a:shade val="50000"/>
+            </a:schemeClr>
+          </a:lnRef>
+          <a:fillRef idx="1">
+            <a:schemeClr val="accent1"/>
+          </a:fillRef>
+          <a:effectRef idx="0">
+            <a:schemeClr val="accent1"/>
+          </a:effectRef>
+          <a:fontRef idx="minor">
+            <a:schemeClr val="lt1"/>
+          </a:fontRef>
+        </p:style>
+        <p:txBody>
+          <a:bodyPr rtlCol="0" anchor="ctr"/>
+          <a:lstStyle/>
+          <a:p>
+            <a:pPr algn="ctr"/>
+            <a:endParaRPr lang="zh-CN" altLang="en-US"/>
+          </a:p>
+        </p:txBody>
+      </p:sp>
+      <p:sp>
+        <p:nvSpPr>
+          <p:cNvPr id="28" name="文本框 27">
+            <a:extLst>
+              <a:ext uri="{FF2B5EF4-FFF2-40B4-BE49-F238E27FC236}">
+                <a16:creationId xmlns:a16="http://schemas.microsoft.com/office/drawing/2014/main" id="{7CE677EA-6653-B122-5525-0AF100D20D78}"/>
               </a:ext>
             </a:extLst>
           </p:cNvPr>
@@ -4549,8 +8918,8 @@
         </p:nvSpPr>
         <p:spPr>
           <a:xfrm>
-            <a:off x="1131964" y="3888648"/>
-            <a:ext cx="8034107" cy="1754326"/>
+            <a:off x="10128609" y="2303996"/>
+            <a:ext cx="921004" cy="369332"/>
           </a:xfrm>
           <a:prstGeom prst="rect">
             <a:avLst/>
@@ -4563,836 +8932,474 @@
           </a:bodyPr>
           <a:lstStyle/>
           <a:p>
+            <a:r>
+              <a:rPr lang="en-US" altLang="zh-CN" dirty="0"/>
+              <a:t>Render</a:t>
+            </a:r>
+            <a:endParaRPr lang="zh-CN" altLang="en-US" dirty="0"/>
+          </a:p>
+        </p:txBody>
+      </p:sp>
+      <p:cxnSp>
+        <p:nvCxnSpPr>
+          <p:cNvPr id="42" name="直接连接符 41">
+            <a:extLst>
+              <a:ext uri="{FF2B5EF4-FFF2-40B4-BE49-F238E27FC236}">
+                <a16:creationId xmlns:a16="http://schemas.microsoft.com/office/drawing/2014/main" id="{D50D6AB5-4D89-4BA6-A7E8-F8E26F6D2885}"/>
+              </a:ext>
+            </a:extLst>
+          </p:cNvPr>
+          <p:cNvCxnSpPr>
+            <a:cxnSpLocks/>
+          </p:cNvCxnSpPr>
+          <p:nvPr/>
+        </p:nvCxnSpPr>
+        <p:spPr>
+          <a:xfrm>
+            <a:off x="5900792" y="2749600"/>
+            <a:ext cx="0" cy="4018151"/>
+          </a:xfrm>
+          <a:prstGeom prst="line">
+            <a:avLst/>
+          </a:prstGeom>
+          <a:ln>
+            <a:solidFill>
+              <a:schemeClr val="accent1"/>
+            </a:solidFill>
+            <a:prstDash val="dash"/>
+          </a:ln>
+        </p:spPr>
+        <p:style>
+          <a:lnRef idx="1">
+            <a:schemeClr val="accent1"/>
+          </a:lnRef>
+          <a:fillRef idx="0">
+            <a:schemeClr val="accent1"/>
+          </a:fillRef>
+          <a:effectRef idx="0">
+            <a:schemeClr val="accent1"/>
+          </a:effectRef>
+          <a:fontRef idx="minor">
+            <a:schemeClr val="tx1"/>
+          </a:fontRef>
+        </p:style>
+      </p:cxnSp>
+      <p:sp>
+        <p:nvSpPr>
+          <p:cNvPr id="16" name="文本框 15">
+            <a:extLst>
+              <a:ext uri="{FF2B5EF4-FFF2-40B4-BE49-F238E27FC236}">
+                <a16:creationId xmlns:a16="http://schemas.microsoft.com/office/drawing/2014/main" id="{07128EE0-A808-4AAB-488A-DAAF10473AC0}"/>
+              </a:ext>
+            </a:extLst>
+          </p:cNvPr>
+          <p:cNvSpPr txBox="1"/>
+          <p:nvPr/>
+        </p:nvSpPr>
+        <p:spPr>
+          <a:xfrm>
+            <a:off x="2871297" y="2813342"/>
+            <a:ext cx="708917" cy="369332"/>
+          </a:xfrm>
+          <a:prstGeom prst="rect">
+            <a:avLst/>
+          </a:prstGeom>
+          <a:noFill/>
+        </p:spPr>
+        <p:txBody>
+          <a:bodyPr wrap="square" rtlCol="0">
+            <a:spAutoFit/>
+          </a:bodyPr>
+          <a:lstStyle/>
+          <a:p>
+            <a:r>
+              <a:rPr lang="zh-CN" altLang="en-US" dirty="0"/>
+              <a:t>生成</a:t>
+            </a:r>
+          </a:p>
+        </p:txBody>
+      </p:sp>
+      <p:sp>
+        <p:nvSpPr>
+          <p:cNvPr id="18" name="文本框 17">
+            <a:extLst>
+              <a:ext uri="{FF2B5EF4-FFF2-40B4-BE49-F238E27FC236}">
+                <a16:creationId xmlns:a16="http://schemas.microsoft.com/office/drawing/2014/main" id="{035EADB8-B836-BBCB-4B3A-4AD98E84DCBD}"/>
+              </a:ext>
+            </a:extLst>
+          </p:cNvPr>
+          <p:cNvSpPr txBox="1"/>
+          <p:nvPr/>
+        </p:nvSpPr>
+        <p:spPr>
+          <a:xfrm>
+            <a:off x="5581843" y="2848847"/>
+            <a:ext cx="708917" cy="369332"/>
+          </a:xfrm>
+          <a:prstGeom prst="rect">
+            <a:avLst/>
+          </a:prstGeom>
+          <a:noFill/>
+        </p:spPr>
+        <p:txBody>
+          <a:bodyPr wrap="square" rtlCol="0">
+            <a:spAutoFit/>
+          </a:bodyPr>
+          <a:lstStyle/>
+          <a:p>
+            <a:r>
+              <a:rPr lang="zh-CN" altLang="en-US" dirty="0"/>
+              <a:t>生成</a:t>
+            </a:r>
+          </a:p>
+        </p:txBody>
+      </p:sp>
+      <p:sp>
+        <p:nvSpPr>
+          <p:cNvPr id="21" name="矩形 20">
+            <a:extLst>
+              <a:ext uri="{FF2B5EF4-FFF2-40B4-BE49-F238E27FC236}">
+                <a16:creationId xmlns:a16="http://schemas.microsoft.com/office/drawing/2014/main" id="{53272BCD-B3A7-5DDB-7DF7-DE9D53F7B669}"/>
+              </a:ext>
+            </a:extLst>
+          </p:cNvPr>
+          <p:cNvSpPr/>
+          <p:nvPr/>
+        </p:nvSpPr>
+        <p:spPr>
+          <a:xfrm>
+            <a:off x="3744932" y="1393457"/>
+            <a:ext cx="1661602" cy="751537"/>
+          </a:xfrm>
+          <a:prstGeom prst="rect">
+            <a:avLst/>
+          </a:prstGeom>
+        </p:spPr>
+        <p:style>
+          <a:lnRef idx="2">
+            <a:schemeClr val="accent1">
+              <a:shade val="50000"/>
+            </a:schemeClr>
+          </a:lnRef>
+          <a:fillRef idx="1">
+            <a:schemeClr val="accent1"/>
+          </a:fillRef>
+          <a:effectRef idx="0">
+            <a:schemeClr val="accent1"/>
+          </a:effectRef>
+          <a:fontRef idx="minor">
+            <a:schemeClr val="lt1"/>
+          </a:fontRef>
+        </p:style>
+        <p:txBody>
+          <a:bodyPr rtlCol="0" anchor="ctr"/>
+          <a:lstStyle/>
+          <a:p>
             <a:pPr algn="ctr"/>
             <a:r>
-              <a:rPr lang="en-US" altLang="zh-CN" sz="3600" dirty="0"/>
-              <a:t>DSL</a:t>
-            </a:r>
-            <a:r>
-              <a:rPr lang="zh-CN" altLang="en-US" sz="3600" dirty="0"/>
-              <a:t>是</a:t>
-            </a:r>
-            <a:r>
-              <a:rPr lang="en-US" altLang="zh-CN" sz="3600" dirty="0"/>
-              <a:t>DDD</a:t>
-            </a:r>
-            <a:r>
-              <a:rPr lang="zh-CN" altLang="en-US" sz="3600" dirty="0"/>
-              <a:t>中领域语言的最高形态</a:t>
-            </a:r>
-            <a:endParaRPr lang="en-US" altLang="zh-CN" sz="3600" dirty="0"/>
-          </a:p>
+              <a:rPr lang="en-US" altLang="zh-CN" dirty="0" err="1"/>
+              <a:t>GraphQL</a:t>
+            </a:r>
+            <a:endParaRPr lang="zh-CN" altLang="en-US" dirty="0"/>
+          </a:p>
+        </p:txBody>
+      </p:sp>
+      <p:sp>
+        <p:nvSpPr>
+          <p:cNvPr id="36" name="箭头: 上 35">
+            <a:extLst>
+              <a:ext uri="{FF2B5EF4-FFF2-40B4-BE49-F238E27FC236}">
+                <a16:creationId xmlns:a16="http://schemas.microsoft.com/office/drawing/2014/main" id="{AF326EC7-1256-780A-B70E-2888D1738247}"/>
+              </a:ext>
+            </a:extLst>
+          </p:cNvPr>
+          <p:cNvSpPr/>
+          <p:nvPr/>
+        </p:nvSpPr>
+        <p:spPr>
+          <a:xfrm>
+            <a:off x="4436907" y="2299827"/>
+            <a:ext cx="168315" cy="369331"/>
+          </a:xfrm>
+          <a:prstGeom prst="upArrow">
+            <a:avLst/>
+          </a:prstGeom>
+        </p:spPr>
+        <p:style>
+          <a:lnRef idx="2">
+            <a:schemeClr val="accent1">
+              <a:shade val="50000"/>
+            </a:schemeClr>
+          </a:lnRef>
+          <a:fillRef idx="1">
+            <a:schemeClr val="accent1"/>
+          </a:fillRef>
+          <a:effectRef idx="0">
+            <a:schemeClr val="accent1"/>
+          </a:effectRef>
+          <a:fontRef idx="minor">
+            <a:schemeClr val="lt1"/>
+          </a:fontRef>
+        </p:style>
+        <p:txBody>
+          <a:bodyPr rtlCol="0" anchor="ctr"/>
+          <a:lstStyle/>
           <a:p>
             <a:pPr algn="ctr"/>
-            <a:r>
-              <a:rPr lang="zh-CN" altLang="en-US" sz="3600" dirty="0"/>
-              <a:t>横向</a:t>
-            </a:r>
-            <a:r>
-              <a:rPr lang="en-US" altLang="zh-CN" sz="3600" dirty="0"/>
-              <a:t>+</a:t>
-            </a:r>
-            <a:r>
-              <a:rPr lang="zh-CN" altLang="en-US" sz="3600" dirty="0"/>
-              <a:t>纵向分解很自然的产生</a:t>
-            </a:r>
-            <a:r>
-              <a:rPr lang="en-US" altLang="zh-CN" sz="3600" dirty="0"/>
-              <a:t>DSL</a:t>
-            </a:r>
-            <a:r>
-              <a:rPr lang="zh-CN" altLang="en-US" sz="3600" dirty="0"/>
-              <a:t>森林</a:t>
-            </a:r>
-            <a:endParaRPr lang="en-US" altLang="zh-CN" sz="3600" dirty="0"/>
-          </a:p>
+            <a:endParaRPr lang="zh-CN" altLang="en-US"/>
+          </a:p>
+        </p:txBody>
+      </p:sp>
+      <p:sp>
+        <p:nvSpPr>
+          <p:cNvPr id="37" name="文本框 36">
+            <a:extLst>
+              <a:ext uri="{FF2B5EF4-FFF2-40B4-BE49-F238E27FC236}">
+                <a16:creationId xmlns:a16="http://schemas.microsoft.com/office/drawing/2014/main" id="{0A0BDC57-58BE-9A32-3FB7-E926CFEAEE82}"/>
+              </a:ext>
+            </a:extLst>
+          </p:cNvPr>
+          <p:cNvSpPr txBox="1"/>
+          <p:nvPr/>
+        </p:nvSpPr>
+        <p:spPr>
+          <a:xfrm>
+            <a:off x="4693796" y="2287587"/>
+            <a:ext cx="1220709" cy="369332"/>
+          </a:xfrm>
+          <a:prstGeom prst="rect">
+            <a:avLst/>
+          </a:prstGeom>
+          <a:noFill/>
+        </p:spPr>
+        <p:txBody>
+          <a:bodyPr wrap="square" rtlCol="0">
+            <a:spAutoFit/>
+          </a:bodyPr>
+          <a:lstStyle/>
+          <a:p>
+            <a:r>
+              <a:rPr lang="en-US" altLang="zh-CN" dirty="0" err="1"/>
+              <a:t>BizModel</a:t>
+            </a:r>
+            <a:endParaRPr lang="en-US" altLang="zh-CN" dirty="0"/>
+          </a:p>
+        </p:txBody>
+      </p:sp>
+      <p:sp>
+        <p:nvSpPr>
+          <p:cNvPr id="41" name="加号 40">
+            <a:extLst>
+              <a:ext uri="{FF2B5EF4-FFF2-40B4-BE49-F238E27FC236}">
+                <a16:creationId xmlns:a16="http://schemas.microsoft.com/office/drawing/2014/main" id="{9231E943-E955-B34C-F9CC-CCDADFCEF50E}"/>
+              </a:ext>
+            </a:extLst>
+          </p:cNvPr>
+          <p:cNvSpPr/>
+          <p:nvPr/>
+        </p:nvSpPr>
+        <p:spPr>
+          <a:xfrm>
+            <a:off x="4348332" y="2322000"/>
+            <a:ext cx="345464" cy="369332"/>
+          </a:xfrm>
+          <a:prstGeom prst="mathPlus">
+            <a:avLst/>
+          </a:prstGeom>
+        </p:spPr>
+        <p:style>
+          <a:lnRef idx="2">
+            <a:schemeClr val="accent1">
+              <a:shade val="50000"/>
+            </a:schemeClr>
+          </a:lnRef>
+          <a:fillRef idx="1">
+            <a:schemeClr val="accent1"/>
+          </a:fillRef>
+          <a:effectRef idx="0">
+            <a:schemeClr val="accent1"/>
+          </a:effectRef>
+          <a:fontRef idx="minor">
+            <a:schemeClr val="lt1"/>
+          </a:fontRef>
+        </p:style>
+        <p:txBody>
+          <a:bodyPr rtlCol="0" anchor="ctr"/>
+          <a:lstStyle/>
           <a:p>
             <a:pPr algn="ctr"/>
-            <a:endParaRPr lang="zh-CN" altLang="en-US" sz="3600" dirty="0"/>
+            <a:endParaRPr lang="zh-CN" altLang="en-US"/>
+          </a:p>
+        </p:txBody>
+      </p:sp>
+      <p:cxnSp>
+        <p:nvCxnSpPr>
+          <p:cNvPr id="50" name="连接符: 肘形 49">
+            <a:extLst>
+              <a:ext uri="{FF2B5EF4-FFF2-40B4-BE49-F238E27FC236}">
+                <a16:creationId xmlns:a16="http://schemas.microsoft.com/office/drawing/2014/main" id="{D53C0396-B1E4-2401-DA0E-CCA76C4CC91E}"/>
+              </a:ext>
+            </a:extLst>
+          </p:cNvPr>
+          <p:cNvCxnSpPr>
+            <a:cxnSpLocks/>
+          </p:cNvCxnSpPr>
+          <p:nvPr/>
+        </p:nvCxnSpPr>
+        <p:spPr>
+          <a:xfrm>
+            <a:off x="2878955" y="3380746"/>
+            <a:ext cx="763177" cy="590140"/>
+          </a:xfrm>
+          <a:prstGeom prst="bentConnector3">
+            <a:avLst>
+              <a:gd name="adj1" fmla="val 50000"/>
+            </a:avLst>
+          </a:prstGeom>
+          <a:ln w="53975">
+            <a:tailEnd type="triangle"/>
+          </a:ln>
+        </p:spPr>
+        <p:style>
+          <a:lnRef idx="1">
+            <a:schemeClr val="accent1"/>
+          </a:lnRef>
+          <a:fillRef idx="0">
+            <a:schemeClr val="accent1"/>
+          </a:fillRef>
+          <a:effectRef idx="0">
+            <a:schemeClr val="accent1"/>
+          </a:effectRef>
+          <a:fontRef idx="minor">
+            <a:schemeClr val="tx1"/>
+          </a:fontRef>
+        </p:style>
+      </p:cxnSp>
+      <p:cxnSp>
+        <p:nvCxnSpPr>
+          <p:cNvPr id="56" name="连接符: 肘形 55">
+            <a:extLst>
+              <a:ext uri="{FF2B5EF4-FFF2-40B4-BE49-F238E27FC236}">
+                <a16:creationId xmlns:a16="http://schemas.microsoft.com/office/drawing/2014/main" id="{57F9F954-A1D8-9A79-F3ED-BD312B9031E7}"/>
+              </a:ext>
+            </a:extLst>
+          </p:cNvPr>
+          <p:cNvCxnSpPr>
+            <a:cxnSpLocks/>
+          </p:cNvCxnSpPr>
+          <p:nvPr/>
+        </p:nvCxnSpPr>
+        <p:spPr>
+          <a:xfrm>
+            <a:off x="5531645" y="3430406"/>
+            <a:ext cx="763177" cy="590140"/>
+          </a:xfrm>
+          <a:prstGeom prst="bentConnector3">
+            <a:avLst>
+              <a:gd name="adj1" fmla="val 50000"/>
+            </a:avLst>
+          </a:prstGeom>
+          <a:ln w="53975">
+            <a:tailEnd type="triangle"/>
+          </a:ln>
+        </p:spPr>
+        <p:style>
+          <a:lnRef idx="1">
+            <a:schemeClr val="accent1"/>
+          </a:lnRef>
+          <a:fillRef idx="0">
+            <a:schemeClr val="accent1"/>
+          </a:fillRef>
+          <a:effectRef idx="0">
+            <a:schemeClr val="accent1"/>
+          </a:effectRef>
+          <a:fontRef idx="minor">
+            <a:schemeClr val="tx1"/>
+          </a:fontRef>
+        </p:style>
+      </p:cxnSp>
+      <p:cxnSp>
+        <p:nvCxnSpPr>
+          <p:cNvPr id="57" name="连接符: 肘形 56">
+            <a:extLst>
+              <a:ext uri="{FF2B5EF4-FFF2-40B4-BE49-F238E27FC236}">
+                <a16:creationId xmlns:a16="http://schemas.microsoft.com/office/drawing/2014/main" id="{69B37F02-B6DF-3079-E988-DFAEC8F2B29E}"/>
+              </a:ext>
+            </a:extLst>
+          </p:cNvPr>
+          <p:cNvCxnSpPr>
+            <a:cxnSpLocks/>
+          </p:cNvCxnSpPr>
+          <p:nvPr/>
+        </p:nvCxnSpPr>
+        <p:spPr>
+          <a:xfrm>
+            <a:off x="8273129" y="3428696"/>
+            <a:ext cx="763177" cy="590140"/>
+          </a:xfrm>
+          <a:prstGeom prst="bentConnector3">
+            <a:avLst>
+              <a:gd name="adj1" fmla="val 50000"/>
+            </a:avLst>
+          </a:prstGeom>
+          <a:ln w="53975">
+            <a:tailEnd type="triangle"/>
+          </a:ln>
+        </p:spPr>
+        <p:style>
+          <a:lnRef idx="1">
+            <a:schemeClr val="accent1"/>
+          </a:lnRef>
+          <a:fillRef idx="0">
+            <a:schemeClr val="accent1"/>
+          </a:fillRef>
+          <a:effectRef idx="0">
+            <a:schemeClr val="accent1"/>
+          </a:effectRef>
+          <a:fontRef idx="minor">
+            <a:schemeClr val="tx1"/>
+          </a:fontRef>
+        </p:style>
+      </p:cxnSp>
+      <p:sp>
+        <p:nvSpPr>
+          <p:cNvPr id="59" name="文本框 58">
+            <a:extLst>
+              <a:ext uri="{FF2B5EF4-FFF2-40B4-BE49-F238E27FC236}">
+                <a16:creationId xmlns:a16="http://schemas.microsoft.com/office/drawing/2014/main" id="{61EA4447-5C5C-F1A0-4594-4664B9C02180}"/>
+              </a:ext>
+            </a:extLst>
+          </p:cNvPr>
+          <p:cNvSpPr txBox="1"/>
+          <p:nvPr/>
+        </p:nvSpPr>
+        <p:spPr>
+          <a:xfrm>
+            <a:off x="8179491" y="2847137"/>
+            <a:ext cx="708917" cy="369332"/>
+          </a:xfrm>
+          <a:prstGeom prst="rect">
+            <a:avLst/>
+          </a:prstGeom>
+          <a:noFill/>
+        </p:spPr>
+        <p:txBody>
+          <a:bodyPr wrap="square" rtlCol="0">
+            <a:spAutoFit/>
+          </a:bodyPr>
+          <a:lstStyle/>
+          <a:p>
+            <a:r>
+              <a:rPr lang="zh-CN" altLang="en-US" dirty="0"/>
+              <a:t>生成</a:t>
+            </a:r>
           </a:p>
         </p:txBody>
       </p:sp>
     </p:spTree>
     <p:extLst>
       <p:ext uri="{BB962C8B-B14F-4D97-AF65-F5344CB8AC3E}">
-        <p14:creationId xmlns:p14="http://schemas.microsoft.com/office/powerpoint/2010/main" val="70641049"/>
-      </p:ext>
-    </p:extLst>
-  </p:cSld>
-  <p:clrMapOvr>
-    <a:masterClrMapping/>
-  </p:clrMapOvr>
-</p:sld>
-</file>
-
-<file path=ppt/slides/slide16.xml><?xml version="1.0" encoding="utf-8"?>
-<p:sld xmlns:a="http://schemas.openxmlformats.org/drawingml/2006/main" xmlns:r="http://schemas.openxmlformats.org/officeDocument/2006/relationships" xmlns:p="http://schemas.openxmlformats.org/presentationml/2006/main">
-  <p:cSld>
-    <p:spTree>
-      <p:nvGrpSpPr>
-        <p:cNvPr id="1" name="">
-          <a:extLst>
-            <a:ext uri="{FF2B5EF4-FFF2-40B4-BE49-F238E27FC236}">
-              <a16:creationId xmlns:a16="http://schemas.microsoft.com/office/drawing/2014/main" id="{73D596EB-6F2F-0AA5-EADC-54681399E5FC}"/>
-            </a:ext>
-          </a:extLst>
-        </p:cNvPr>
-        <p:cNvGrpSpPr/>
-        <p:nvPr/>
-      </p:nvGrpSpPr>
-      <p:grpSpPr>
-        <a:xfrm>
-          <a:off x="0" y="0"/>
-          <a:ext cx="0" cy="0"/>
-          <a:chOff x="0" y="0"/>
-          <a:chExt cx="0" cy="0"/>
-        </a:xfrm>
-      </p:grpSpPr>
-      <p:sp>
-        <p:nvSpPr>
-          <p:cNvPr id="49" name="文本框 48">
-            <a:extLst>
-              <a:ext uri="{FF2B5EF4-FFF2-40B4-BE49-F238E27FC236}">
-                <a16:creationId xmlns:a16="http://schemas.microsoft.com/office/drawing/2014/main" id="{0D68D1F0-F557-179C-279A-DA673AD929A8}"/>
-              </a:ext>
-            </a:extLst>
-          </p:cNvPr>
-          <p:cNvSpPr txBox="1"/>
-          <p:nvPr/>
-        </p:nvSpPr>
-        <p:spPr>
-          <a:xfrm>
-            <a:off x="434689" y="267393"/>
-            <a:ext cx="2380430" cy="523220"/>
-          </a:xfrm>
-          <a:prstGeom prst="rect">
-            <a:avLst/>
-          </a:prstGeom>
-          <a:noFill/>
-        </p:spPr>
-        <p:txBody>
-          <a:bodyPr wrap="square" rtlCol="0">
-            <a:spAutoFit/>
-          </a:bodyPr>
-          <a:lstStyle/>
-          <a:p>
-            <a:r>
-              <a:rPr lang="en-US" altLang="zh-CN" sz="2800" b="1" dirty="0"/>
-              <a:t>DSL</a:t>
-            </a:r>
-            <a:r>
-              <a:rPr lang="zh-CN" altLang="en-US" sz="2800" b="1" dirty="0"/>
-              <a:t>扩展</a:t>
-            </a:r>
-          </a:p>
-        </p:txBody>
-      </p:sp>
-      <p:sp>
-        <p:nvSpPr>
-          <p:cNvPr id="3" name="文本框 2">
-            <a:extLst>
-              <a:ext uri="{FF2B5EF4-FFF2-40B4-BE49-F238E27FC236}">
-                <a16:creationId xmlns:a16="http://schemas.microsoft.com/office/drawing/2014/main" id="{9EEE3978-706F-A45F-66F6-8E5D13B3B7FA}"/>
-              </a:ext>
-            </a:extLst>
-          </p:cNvPr>
-          <p:cNvSpPr txBox="1"/>
-          <p:nvPr/>
-        </p:nvSpPr>
-        <p:spPr>
-          <a:xfrm>
-            <a:off x="819808" y="1658532"/>
-            <a:ext cx="10083624" cy="523220"/>
-          </a:xfrm>
-          <a:prstGeom prst="rect">
-            <a:avLst/>
-          </a:prstGeom>
-          <a:noFill/>
-        </p:spPr>
-        <p:txBody>
-          <a:bodyPr wrap="square" rtlCol="0">
-            <a:spAutoFit/>
-          </a:bodyPr>
-          <a:lstStyle/>
-          <a:p>
-            <a:pPr algn="ctr"/>
-            <a:r>
-              <a:rPr lang="en-US" altLang="zh-CN" sz="2800" dirty="0" err="1"/>
-              <a:t>TaskFlow</a:t>
-            </a:r>
-            <a:r>
-              <a:rPr lang="en-US" altLang="zh-CN" sz="2800" dirty="0"/>
-              <a:t> = TaskFlow0 + G&lt;</a:t>
-            </a:r>
-            <a:r>
-              <a:rPr lang="en-US" altLang="zh-CN" sz="2800" dirty="0" err="1"/>
-              <a:t>BatchTask</a:t>
-            </a:r>
-            <a:r>
-              <a:rPr lang="en-US" altLang="zh-CN" sz="2800" dirty="0"/>
-              <a:t>&gt; +G&lt;</a:t>
-            </a:r>
-            <a:r>
-              <a:rPr lang="en-US" altLang="zh-CN" sz="2800" dirty="0" err="1"/>
-              <a:t>RecordModel</a:t>
-            </a:r>
-            <a:r>
-              <a:rPr lang="en-US" altLang="zh-CN" sz="2800" dirty="0"/>
-              <a:t>&gt;</a:t>
-            </a:r>
-          </a:p>
-        </p:txBody>
-      </p:sp>
-      <p:sp>
-        <p:nvSpPr>
-          <p:cNvPr id="6" name="文本框 5">
-            <a:extLst>
-              <a:ext uri="{FF2B5EF4-FFF2-40B4-BE49-F238E27FC236}">
-                <a16:creationId xmlns:a16="http://schemas.microsoft.com/office/drawing/2014/main" id="{24B167ED-34DF-C8B6-F5FE-D938DB40FD68}"/>
-              </a:ext>
-            </a:extLst>
-          </p:cNvPr>
-          <p:cNvSpPr txBox="1"/>
-          <p:nvPr/>
-        </p:nvSpPr>
-        <p:spPr>
-          <a:xfrm>
-            <a:off x="1358987" y="3131903"/>
-            <a:ext cx="9172379" cy="1754326"/>
-          </a:xfrm>
-          <a:prstGeom prst="rect">
-            <a:avLst/>
-          </a:prstGeom>
-          <a:noFill/>
-        </p:spPr>
-        <p:txBody>
-          <a:bodyPr wrap="square" rtlCol="0">
-            <a:spAutoFit/>
-          </a:bodyPr>
-          <a:lstStyle/>
-          <a:p>
-            <a:pPr algn="ctr"/>
-            <a:r>
-              <a:rPr lang="zh-CN" altLang="en-US" sz="3600" dirty="0"/>
-              <a:t>无需针对任何</a:t>
-            </a:r>
-            <a:r>
-              <a:rPr lang="en-US" altLang="zh-CN" sz="3600" dirty="0"/>
-              <a:t>XDSL</a:t>
-            </a:r>
-            <a:r>
-              <a:rPr lang="zh-CN" altLang="en-US" sz="3600" dirty="0"/>
-              <a:t>设计扩展机制</a:t>
-            </a:r>
-            <a:endParaRPr lang="en-US" altLang="zh-CN" sz="3600" dirty="0"/>
-          </a:p>
-          <a:p>
-            <a:pPr algn="ctr"/>
-            <a:r>
-              <a:rPr lang="en-US" altLang="zh-CN" sz="3600" dirty="0"/>
-              <a:t>XDSL</a:t>
-            </a:r>
-            <a:r>
-              <a:rPr lang="zh-CN" altLang="en-US" sz="3600" dirty="0"/>
-              <a:t>可以通过元编程实现无缝嵌入</a:t>
-            </a:r>
-            <a:endParaRPr lang="en-US" altLang="zh-CN" sz="3600" dirty="0"/>
-          </a:p>
-          <a:p>
-            <a:pPr algn="ctr"/>
-            <a:r>
-              <a:rPr lang="zh-CN" altLang="en-US" sz="3600" dirty="0"/>
-              <a:t>统一元模型</a:t>
-            </a:r>
-            <a:endParaRPr lang="en-US" altLang="zh-CN" sz="3600" dirty="0"/>
-          </a:p>
-        </p:txBody>
-      </p:sp>
-    </p:spTree>
-    <p:extLst>
-      <p:ext uri="{BB962C8B-B14F-4D97-AF65-F5344CB8AC3E}">
-        <p14:creationId xmlns:p14="http://schemas.microsoft.com/office/powerpoint/2010/main" val="3394564939"/>
-      </p:ext>
-    </p:extLst>
-  </p:cSld>
-  <p:clrMapOvr>
-    <a:masterClrMapping/>
-  </p:clrMapOvr>
-</p:sld>
-</file>
-
-<file path=ppt/slides/slide17.xml><?xml version="1.0" encoding="utf-8"?>
-<p:sld xmlns:a="http://schemas.openxmlformats.org/drawingml/2006/main" xmlns:r="http://schemas.openxmlformats.org/officeDocument/2006/relationships" xmlns:p="http://schemas.openxmlformats.org/presentationml/2006/main">
-  <p:cSld>
-    <p:spTree>
-      <p:nvGrpSpPr>
-        <p:cNvPr id="1" name="">
-          <a:extLst>
-            <a:ext uri="{FF2B5EF4-FFF2-40B4-BE49-F238E27FC236}">
-              <a16:creationId xmlns:a16="http://schemas.microsoft.com/office/drawing/2014/main" id="{8B6B784D-64F9-9FC6-6478-B3BDB01F95E5}"/>
-            </a:ext>
-          </a:extLst>
-        </p:cNvPr>
-        <p:cNvGrpSpPr/>
-        <p:nvPr/>
-      </p:nvGrpSpPr>
-      <p:grpSpPr>
-        <a:xfrm>
-          <a:off x="0" y="0"/>
-          <a:ext cx="0" cy="0"/>
-          <a:chOff x="0" y="0"/>
-          <a:chExt cx="0" cy="0"/>
-        </a:xfrm>
-      </p:grpSpPr>
-      <p:sp>
-        <p:nvSpPr>
-          <p:cNvPr id="49" name="文本框 48">
-            <a:extLst>
-              <a:ext uri="{FF2B5EF4-FFF2-40B4-BE49-F238E27FC236}">
-                <a16:creationId xmlns:a16="http://schemas.microsoft.com/office/drawing/2014/main" id="{8F499985-7084-C47D-2AAB-B5C785280D60}"/>
-              </a:ext>
-            </a:extLst>
-          </p:cNvPr>
-          <p:cNvSpPr txBox="1"/>
-          <p:nvPr/>
-        </p:nvSpPr>
-        <p:spPr>
-          <a:xfrm>
-            <a:off x="434689" y="267393"/>
-            <a:ext cx="2380430" cy="523220"/>
-          </a:xfrm>
-          <a:prstGeom prst="rect">
-            <a:avLst/>
-          </a:prstGeom>
-          <a:noFill/>
-        </p:spPr>
-        <p:txBody>
-          <a:bodyPr wrap="square" rtlCol="0">
-            <a:spAutoFit/>
-          </a:bodyPr>
-          <a:lstStyle/>
-          <a:p>
-            <a:r>
-              <a:rPr lang="zh-CN" altLang="en-US" sz="2800" b="1" dirty="0"/>
-              <a:t>可视化</a:t>
-            </a:r>
-          </a:p>
-        </p:txBody>
-      </p:sp>
-      <p:sp>
-        <p:nvSpPr>
-          <p:cNvPr id="3" name="文本框 2">
-            <a:extLst>
-              <a:ext uri="{FF2B5EF4-FFF2-40B4-BE49-F238E27FC236}">
-                <a16:creationId xmlns:a16="http://schemas.microsoft.com/office/drawing/2014/main" id="{2F37E3F4-9332-037A-CD77-1785A4B12F5F}"/>
-              </a:ext>
-            </a:extLst>
-          </p:cNvPr>
-          <p:cNvSpPr txBox="1"/>
-          <p:nvPr/>
-        </p:nvSpPr>
-        <p:spPr>
-          <a:xfrm>
-            <a:off x="3148371" y="1658532"/>
-            <a:ext cx="5833243" cy="954107"/>
-          </a:xfrm>
-          <a:prstGeom prst="rect">
-            <a:avLst/>
-          </a:prstGeom>
-          <a:noFill/>
-        </p:spPr>
-        <p:txBody>
-          <a:bodyPr wrap="square" rtlCol="0">
-            <a:spAutoFit/>
-          </a:bodyPr>
-          <a:lstStyle/>
-          <a:p>
-            <a:r>
-              <a:rPr lang="zh-CN" altLang="en-US" sz="2800" dirty="0"/>
-              <a:t>可视化模型 </a:t>
-            </a:r>
-            <a:r>
-              <a:rPr lang="en-US" altLang="zh-CN" sz="2800" dirty="0"/>
-              <a:t>= </a:t>
-            </a:r>
-            <a:r>
-              <a:rPr lang="zh-CN" altLang="en-US" sz="2800" dirty="0"/>
-              <a:t>设计器</a:t>
-            </a:r>
-            <a:r>
-              <a:rPr lang="en-US" altLang="zh-CN" sz="2800" dirty="0"/>
-              <a:t>(DSL)</a:t>
-            </a:r>
-          </a:p>
-          <a:p>
-            <a:r>
-              <a:rPr lang="en-US" altLang="zh-CN" sz="2800" dirty="0"/>
-              <a:t>DSL             = </a:t>
-            </a:r>
-            <a:r>
-              <a:rPr lang="zh-CN" altLang="en-US" sz="2800" dirty="0"/>
-              <a:t>序列化</a:t>
-            </a:r>
-            <a:r>
-              <a:rPr lang="en-US" altLang="zh-CN" sz="2800" dirty="0"/>
-              <a:t>(</a:t>
-            </a:r>
-            <a:r>
-              <a:rPr lang="zh-CN" altLang="en-US" sz="2800" dirty="0"/>
-              <a:t>可视化模型</a:t>
-            </a:r>
-            <a:r>
-              <a:rPr lang="en-US" altLang="zh-CN" sz="2800" dirty="0"/>
-              <a:t>)</a:t>
-            </a:r>
-            <a:endParaRPr lang="zh-CN" altLang="en-US" sz="2800" dirty="0"/>
-          </a:p>
-        </p:txBody>
-      </p:sp>
-      <p:sp>
-        <p:nvSpPr>
-          <p:cNvPr id="6" name="文本框 5">
-            <a:extLst>
-              <a:ext uri="{FF2B5EF4-FFF2-40B4-BE49-F238E27FC236}">
-                <a16:creationId xmlns:a16="http://schemas.microsoft.com/office/drawing/2014/main" id="{47BE9E6B-A017-1DF9-50D9-50BF8CB297D6}"/>
-              </a:ext>
-            </a:extLst>
-          </p:cNvPr>
-          <p:cNvSpPr txBox="1"/>
-          <p:nvPr/>
-        </p:nvSpPr>
-        <p:spPr>
-          <a:xfrm>
-            <a:off x="1176107" y="3480558"/>
-            <a:ext cx="9777773" cy="1200329"/>
-          </a:xfrm>
-          <a:prstGeom prst="rect">
-            <a:avLst/>
-          </a:prstGeom>
-          <a:noFill/>
-        </p:spPr>
-        <p:txBody>
-          <a:bodyPr wrap="square" rtlCol="0">
-            <a:spAutoFit/>
-          </a:bodyPr>
-          <a:lstStyle/>
-          <a:p>
-            <a:pPr algn="ctr"/>
-            <a:r>
-              <a:rPr lang="zh-CN" altLang="en-US" sz="3600" dirty="0"/>
-              <a:t>可视化的本质是模型信息存在多种表象</a:t>
-            </a:r>
-            <a:endParaRPr lang="en-US" altLang="zh-CN" sz="3600" dirty="0"/>
-          </a:p>
-          <a:p>
-            <a:pPr algn="ctr"/>
-            <a:r>
-              <a:rPr lang="zh-CN" altLang="en-US" sz="3600" dirty="0"/>
-              <a:t>不同表象之间可以进行可逆转换</a:t>
-            </a:r>
-          </a:p>
-        </p:txBody>
-      </p:sp>
-    </p:spTree>
-    <p:extLst>
-      <p:ext uri="{BB962C8B-B14F-4D97-AF65-F5344CB8AC3E}">
-        <p14:creationId xmlns:p14="http://schemas.microsoft.com/office/powerpoint/2010/main" val="4212821180"/>
-      </p:ext>
-    </p:extLst>
-  </p:cSld>
-  <p:clrMapOvr>
-    <a:masterClrMapping/>
-  </p:clrMapOvr>
-</p:sld>
-</file>
-
-<file path=ppt/slides/slide18.xml><?xml version="1.0" encoding="utf-8"?>
-<p:sld xmlns:a="http://schemas.openxmlformats.org/drawingml/2006/main" xmlns:r="http://schemas.openxmlformats.org/officeDocument/2006/relationships" xmlns:p="http://schemas.openxmlformats.org/presentationml/2006/main">
-  <p:cSld>
-    <p:spTree>
-      <p:nvGrpSpPr>
-        <p:cNvPr id="1" name="">
-          <a:extLst>
-            <a:ext uri="{FF2B5EF4-FFF2-40B4-BE49-F238E27FC236}">
-              <a16:creationId xmlns:a16="http://schemas.microsoft.com/office/drawing/2014/main" id="{1E8056B9-2174-E9E7-2716-980749CD4C32}"/>
-            </a:ext>
-          </a:extLst>
-        </p:cNvPr>
-        <p:cNvGrpSpPr/>
-        <p:nvPr/>
-      </p:nvGrpSpPr>
-      <p:grpSpPr>
-        <a:xfrm>
-          <a:off x="0" y="0"/>
-          <a:ext cx="0" cy="0"/>
-          <a:chOff x="0" y="0"/>
-          <a:chExt cx="0" cy="0"/>
-        </a:xfrm>
-      </p:grpSpPr>
-      <p:sp>
-        <p:nvSpPr>
-          <p:cNvPr id="49" name="文本框 48">
-            <a:extLst>
-              <a:ext uri="{FF2B5EF4-FFF2-40B4-BE49-F238E27FC236}">
-                <a16:creationId xmlns:a16="http://schemas.microsoft.com/office/drawing/2014/main" id="{7941B9C7-9907-23AC-9ACC-65D19F49BB84}"/>
-              </a:ext>
-            </a:extLst>
-          </p:cNvPr>
-          <p:cNvSpPr txBox="1"/>
-          <p:nvPr/>
-        </p:nvSpPr>
-        <p:spPr>
-          <a:xfrm>
-            <a:off x="434689" y="267393"/>
-            <a:ext cx="3557140" cy="523220"/>
-          </a:xfrm>
-          <a:prstGeom prst="rect">
-            <a:avLst/>
-          </a:prstGeom>
-          <a:noFill/>
-        </p:spPr>
-        <p:txBody>
-          <a:bodyPr wrap="square" rtlCol="0">
-            <a:spAutoFit/>
-          </a:bodyPr>
-          <a:lstStyle/>
-          <a:p>
-            <a:r>
-              <a:rPr lang="zh-CN" altLang="en-US" sz="2800" b="1" dirty="0"/>
-              <a:t>差量化编辑</a:t>
-            </a:r>
-          </a:p>
-        </p:txBody>
-      </p:sp>
-      <p:sp>
-        <p:nvSpPr>
-          <p:cNvPr id="6" name="文本框 5">
-            <a:extLst>
-              <a:ext uri="{FF2B5EF4-FFF2-40B4-BE49-F238E27FC236}">
-                <a16:creationId xmlns:a16="http://schemas.microsoft.com/office/drawing/2014/main" id="{21C57F9F-5326-38FE-8DEA-BA226F534187}"/>
-              </a:ext>
-            </a:extLst>
-          </p:cNvPr>
-          <p:cNvSpPr txBox="1"/>
-          <p:nvPr/>
-        </p:nvSpPr>
-        <p:spPr>
-          <a:xfrm>
-            <a:off x="770407" y="3170445"/>
-            <a:ext cx="9672671" cy="1200329"/>
-          </a:xfrm>
-          <a:prstGeom prst="rect">
-            <a:avLst/>
-          </a:prstGeom>
-          <a:noFill/>
-        </p:spPr>
-        <p:txBody>
-          <a:bodyPr wrap="square" rtlCol="0">
-            <a:spAutoFit/>
-          </a:bodyPr>
-          <a:lstStyle/>
-          <a:p>
-            <a:pPr algn="ctr"/>
-            <a:r>
-              <a:rPr lang="zh-CN" altLang="en-US" sz="3600" dirty="0"/>
-              <a:t>可视化编辑可以执行全量编辑</a:t>
-            </a:r>
-            <a:endParaRPr lang="en-US" altLang="zh-CN" sz="3600" dirty="0"/>
-          </a:p>
-          <a:p>
-            <a:pPr algn="ctr"/>
-            <a:r>
-              <a:rPr lang="zh-CN" altLang="en-US" sz="3600" dirty="0"/>
-              <a:t>自动计算差量变更并单独保存</a:t>
-            </a:r>
-            <a:endParaRPr lang="en-US" altLang="zh-CN" sz="3600" dirty="0"/>
-          </a:p>
-        </p:txBody>
-      </p:sp>
-      <p:sp>
-        <p:nvSpPr>
-          <p:cNvPr id="5" name="文本框 4">
-            <a:extLst>
-              <a:ext uri="{FF2B5EF4-FFF2-40B4-BE49-F238E27FC236}">
-                <a16:creationId xmlns:a16="http://schemas.microsoft.com/office/drawing/2014/main" id="{F8058F2F-2100-4E4B-539A-3DC84DAD8AC1}"/>
-              </a:ext>
-            </a:extLst>
-          </p:cNvPr>
-          <p:cNvSpPr txBox="1"/>
-          <p:nvPr/>
-        </p:nvSpPr>
-        <p:spPr>
-          <a:xfrm>
-            <a:off x="239636" y="979798"/>
-            <a:ext cx="11761076" cy="1077218"/>
-          </a:xfrm>
-          <a:prstGeom prst="rect">
-            <a:avLst/>
-          </a:prstGeom>
-          <a:noFill/>
-        </p:spPr>
-        <p:txBody>
-          <a:bodyPr wrap="square" rtlCol="0">
-            <a:spAutoFit/>
-          </a:bodyPr>
-          <a:lstStyle/>
-          <a:p>
-            <a:pPr algn="ctr"/>
-            <a:r>
-              <a:rPr lang="en-US" altLang="zh-CN" sz="3200" dirty="0" err="1"/>
-              <a:t>PageInEditor</a:t>
-            </a:r>
-            <a:r>
-              <a:rPr lang="en-US" altLang="zh-CN" sz="3200" dirty="0"/>
-              <a:t> = </a:t>
-            </a:r>
-            <a:r>
-              <a:rPr lang="en-US" altLang="zh-CN" sz="3200" dirty="0" err="1"/>
-              <a:t>DeltaPage</a:t>
-            </a:r>
-            <a:r>
-              <a:rPr lang="en-US" altLang="zh-CN" sz="3200" dirty="0"/>
-              <a:t> x-extends Generator&lt;</a:t>
-            </a:r>
-            <a:r>
-              <a:rPr lang="en-US" altLang="zh-CN" sz="3200" dirty="0" err="1"/>
-              <a:t>ViewModel</a:t>
-            </a:r>
-            <a:r>
-              <a:rPr lang="en-US" altLang="zh-CN" sz="3200" dirty="0"/>
-              <a:t>&gt;</a:t>
-            </a:r>
-          </a:p>
-          <a:p>
-            <a:pPr algn="ctr"/>
-            <a:r>
-              <a:rPr lang="en-US" altLang="zh-CN" sz="3200" dirty="0" err="1"/>
-              <a:t>DeltaPage</a:t>
-            </a:r>
-            <a:r>
-              <a:rPr lang="en-US" altLang="zh-CN" sz="3200" dirty="0"/>
-              <a:t> = </a:t>
-            </a:r>
-            <a:r>
-              <a:rPr lang="en-US" altLang="zh-CN" sz="3200" dirty="0" err="1"/>
-              <a:t>PageInEditor</a:t>
-            </a:r>
-            <a:r>
-              <a:rPr lang="en-US" altLang="zh-CN" sz="3200" dirty="0"/>
-              <a:t> x-diff Generator&lt;</a:t>
-            </a:r>
-            <a:r>
-              <a:rPr lang="en-US" altLang="zh-CN" sz="3200" dirty="0" err="1"/>
-              <a:t>ViewModel</a:t>
-            </a:r>
-            <a:r>
-              <a:rPr lang="en-US" altLang="zh-CN" sz="3200" dirty="0"/>
-              <a:t>&gt;</a:t>
-            </a:r>
-          </a:p>
-        </p:txBody>
-      </p:sp>
-    </p:spTree>
-    <p:extLst>
-      <p:ext uri="{BB962C8B-B14F-4D97-AF65-F5344CB8AC3E}">
-        <p14:creationId xmlns:p14="http://schemas.microsoft.com/office/powerpoint/2010/main" val="1105445930"/>
-      </p:ext>
-    </p:extLst>
-  </p:cSld>
-  <p:clrMapOvr>
-    <a:masterClrMapping/>
-  </p:clrMapOvr>
-</p:sld>
-</file>
-
-<file path=ppt/slides/slide19.xml><?xml version="1.0" encoding="utf-8"?>
-<p:sld xmlns:a="http://schemas.openxmlformats.org/drawingml/2006/main" xmlns:r="http://schemas.openxmlformats.org/officeDocument/2006/relationships" xmlns:p="http://schemas.openxmlformats.org/presentationml/2006/main">
-  <p:cSld>
-    <p:spTree>
-      <p:nvGrpSpPr>
-        <p:cNvPr id="1" name="">
-          <a:extLst>
-            <a:ext uri="{FF2B5EF4-FFF2-40B4-BE49-F238E27FC236}">
-              <a16:creationId xmlns:a16="http://schemas.microsoft.com/office/drawing/2014/main" id="{EB163B90-E601-ED1D-7C71-F662D51200AF}"/>
-            </a:ext>
-          </a:extLst>
-        </p:cNvPr>
-        <p:cNvGrpSpPr/>
-        <p:nvPr/>
-      </p:nvGrpSpPr>
-      <p:grpSpPr>
-        <a:xfrm>
-          <a:off x="0" y="0"/>
-          <a:ext cx="0" cy="0"/>
-          <a:chOff x="0" y="0"/>
-          <a:chExt cx="0" cy="0"/>
-        </a:xfrm>
-      </p:grpSpPr>
-      <p:sp>
-        <p:nvSpPr>
-          <p:cNvPr id="49" name="文本框 48">
-            <a:extLst>
-              <a:ext uri="{FF2B5EF4-FFF2-40B4-BE49-F238E27FC236}">
-                <a16:creationId xmlns:a16="http://schemas.microsoft.com/office/drawing/2014/main" id="{007A5F67-71BB-A6B2-3312-625E45B52A16}"/>
-              </a:ext>
-            </a:extLst>
-          </p:cNvPr>
-          <p:cNvSpPr txBox="1"/>
-          <p:nvPr/>
-        </p:nvSpPr>
-        <p:spPr>
-          <a:xfrm>
-            <a:off x="434689" y="267393"/>
-            <a:ext cx="2380430" cy="523220"/>
-          </a:xfrm>
-          <a:prstGeom prst="rect">
-            <a:avLst/>
-          </a:prstGeom>
-          <a:noFill/>
-        </p:spPr>
-        <p:txBody>
-          <a:bodyPr wrap="square" rtlCol="0">
-            <a:spAutoFit/>
-          </a:bodyPr>
-          <a:lstStyle/>
-          <a:p>
-            <a:r>
-              <a:rPr lang="zh-CN" altLang="en-US" sz="2800" b="1" dirty="0"/>
-              <a:t>模板化</a:t>
-            </a:r>
-          </a:p>
-        </p:txBody>
-      </p:sp>
-      <p:sp>
-        <p:nvSpPr>
-          <p:cNvPr id="3" name="文本框 2">
-            <a:extLst>
-              <a:ext uri="{FF2B5EF4-FFF2-40B4-BE49-F238E27FC236}">
-                <a16:creationId xmlns:a16="http://schemas.microsoft.com/office/drawing/2014/main" id="{4C880CE3-CBFC-DB34-CCBE-7697C38F3BCF}"/>
-              </a:ext>
-            </a:extLst>
-          </p:cNvPr>
-          <p:cNvSpPr txBox="1"/>
-          <p:nvPr/>
-        </p:nvSpPr>
-        <p:spPr>
-          <a:xfrm>
-            <a:off x="1563939" y="1412590"/>
-            <a:ext cx="9188144" cy="954107"/>
-          </a:xfrm>
-          <a:prstGeom prst="rect">
-            <a:avLst/>
-          </a:prstGeom>
-          <a:noFill/>
-        </p:spPr>
-        <p:txBody>
-          <a:bodyPr wrap="square" rtlCol="0">
-            <a:spAutoFit/>
-          </a:bodyPr>
-          <a:lstStyle/>
-          <a:p>
-            <a:r>
-              <a:rPr lang="zh-CN" altLang="en-US" sz="2800" dirty="0"/>
-              <a:t>              报表模板 </a:t>
-            </a:r>
-            <a:r>
-              <a:rPr lang="en-US" altLang="zh-CN" sz="2800" dirty="0"/>
-              <a:t>= Excel + </a:t>
-            </a:r>
-            <a:r>
-              <a:rPr lang="zh-CN" altLang="en-US" sz="2800" dirty="0"/>
-              <a:t>报表扩展</a:t>
-            </a:r>
-            <a:endParaRPr lang="en-US" altLang="zh-CN" sz="2800" dirty="0"/>
-          </a:p>
-          <a:p>
-            <a:r>
-              <a:rPr lang="en-US" altLang="zh-CN" sz="2800" dirty="0"/>
-              <a:t>Editor&lt;</a:t>
-            </a:r>
-            <a:r>
-              <a:rPr lang="zh-CN" altLang="en-US" sz="2800" dirty="0"/>
-              <a:t>报表模板</a:t>
-            </a:r>
-            <a:r>
-              <a:rPr lang="en-US" altLang="zh-CN" sz="2800" dirty="0"/>
-              <a:t>&gt; = Editor&lt;Excel&gt; + Editor&lt;</a:t>
-            </a:r>
-            <a:r>
-              <a:rPr lang="zh-CN" altLang="en-US" sz="2800" dirty="0"/>
-              <a:t>报表扩展</a:t>
-            </a:r>
-            <a:r>
-              <a:rPr lang="en-US" altLang="zh-CN" sz="2800" dirty="0"/>
-              <a:t>&gt;</a:t>
-            </a:r>
-          </a:p>
-        </p:txBody>
-      </p:sp>
-      <p:sp>
-        <p:nvSpPr>
-          <p:cNvPr id="6" name="文本框 5">
-            <a:extLst>
-              <a:ext uri="{FF2B5EF4-FFF2-40B4-BE49-F238E27FC236}">
-                <a16:creationId xmlns:a16="http://schemas.microsoft.com/office/drawing/2014/main" id="{85D7D9EC-589E-C0E6-62A7-FDC2202CB2B8}"/>
-              </a:ext>
-            </a:extLst>
-          </p:cNvPr>
-          <p:cNvSpPr txBox="1"/>
-          <p:nvPr/>
-        </p:nvSpPr>
-        <p:spPr>
-          <a:xfrm>
-            <a:off x="1346377" y="3121104"/>
-            <a:ext cx="8939046" cy="1200329"/>
-          </a:xfrm>
-          <a:prstGeom prst="rect">
-            <a:avLst/>
-          </a:prstGeom>
-          <a:noFill/>
-        </p:spPr>
-        <p:txBody>
-          <a:bodyPr wrap="square" rtlCol="0">
-            <a:spAutoFit/>
-          </a:bodyPr>
-          <a:lstStyle/>
-          <a:p>
-            <a:pPr algn="ctr"/>
-            <a:r>
-              <a:rPr lang="zh-CN" altLang="en-US" sz="3600" dirty="0"/>
-              <a:t>任何</a:t>
-            </a:r>
-            <a:r>
-              <a:rPr lang="en-US" altLang="zh-CN" sz="3600" dirty="0"/>
-              <a:t>Excel</a:t>
-            </a:r>
-            <a:r>
-              <a:rPr lang="zh-CN" altLang="en-US" sz="3600" dirty="0"/>
-              <a:t>都是合法的</a:t>
-            </a:r>
-            <a:r>
-              <a:rPr lang="en-US" altLang="zh-CN" sz="3600" dirty="0"/>
-              <a:t>Excel</a:t>
-            </a:r>
-            <a:r>
-              <a:rPr lang="zh-CN" altLang="en-US" sz="3600" dirty="0"/>
-              <a:t>报表模板</a:t>
-            </a:r>
-            <a:endParaRPr lang="en-US" altLang="zh-CN" sz="3600" dirty="0"/>
-          </a:p>
-          <a:p>
-            <a:pPr algn="ctr"/>
-            <a:r>
-              <a:rPr lang="zh-CN" altLang="en-US" sz="3600" dirty="0"/>
-              <a:t>模板设计器可以采用线性化设计</a:t>
-            </a:r>
-          </a:p>
-        </p:txBody>
-      </p:sp>
-    </p:spTree>
-    <p:extLst>
-      <p:ext uri="{BB962C8B-B14F-4D97-AF65-F5344CB8AC3E}">
-        <p14:creationId xmlns:p14="http://schemas.microsoft.com/office/powerpoint/2010/main" val="8076168"/>
+        <p14:creationId xmlns:p14="http://schemas.microsoft.com/office/powerpoint/2010/main" val="124855142"/>
       </p:ext>
     </p:extLst>
   </p:cSld>
@@ -5620,6 +9627,996 @@
         <p:cNvPr id="1" name="">
           <a:extLst>
             <a:ext uri="{FF2B5EF4-FFF2-40B4-BE49-F238E27FC236}">
+              <a16:creationId xmlns:a16="http://schemas.microsoft.com/office/drawing/2014/main" id="{398B4A8D-4A37-457A-B28A-60E5CBF7C159}"/>
+            </a:ext>
+          </a:extLst>
+        </p:cNvPr>
+        <p:cNvGrpSpPr/>
+        <p:nvPr/>
+      </p:nvGrpSpPr>
+      <p:grpSpPr>
+        <a:xfrm>
+          <a:off x="0" y="0"/>
+          <a:ext cx="0" cy="0"/>
+          <a:chOff x="0" y="0"/>
+          <a:chExt cx="0" cy="0"/>
+        </a:xfrm>
+      </p:grpSpPr>
+      <p:sp>
+        <p:nvSpPr>
+          <p:cNvPr id="49" name="文本框 48">
+            <a:extLst>
+              <a:ext uri="{FF2B5EF4-FFF2-40B4-BE49-F238E27FC236}">
+                <a16:creationId xmlns:a16="http://schemas.microsoft.com/office/drawing/2014/main" id="{BFEC9175-B4A9-FB50-360D-E1E59A4C4880}"/>
+              </a:ext>
+            </a:extLst>
+          </p:cNvPr>
+          <p:cNvSpPr txBox="1"/>
+          <p:nvPr/>
+        </p:nvSpPr>
+        <p:spPr>
+          <a:xfrm>
+            <a:off x="434689" y="267393"/>
+            <a:ext cx="2380430" cy="523220"/>
+          </a:xfrm>
+          <a:prstGeom prst="rect">
+            <a:avLst/>
+          </a:prstGeom>
+          <a:noFill/>
+        </p:spPr>
+        <p:txBody>
+          <a:bodyPr wrap="square" rtlCol="0">
+            <a:spAutoFit/>
+          </a:bodyPr>
+          <a:lstStyle/>
+          <a:p>
+            <a:r>
+              <a:rPr lang="en-US" altLang="zh-CN" sz="2800" b="1" dirty="0"/>
+              <a:t>DSL</a:t>
+            </a:r>
+            <a:r>
+              <a:rPr lang="zh-CN" altLang="en-US" sz="2800" b="1" dirty="0"/>
+              <a:t>森林</a:t>
+            </a:r>
+          </a:p>
+        </p:txBody>
+      </p:sp>
+      <p:sp>
+        <p:nvSpPr>
+          <p:cNvPr id="3" name="文本框 2">
+            <a:extLst>
+              <a:ext uri="{FF2B5EF4-FFF2-40B4-BE49-F238E27FC236}">
+                <a16:creationId xmlns:a16="http://schemas.microsoft.com/office/drawing/2014/main" id="{B3A5489D-AFD9-D052-2BEC-4D1F922701B3}"/>
+              </a:ext>
+            </a:extLst>
+          </p:cNvPr>
+          <p:cNvSpPr txBox="1"/>
+          <p:nvPr/>
+        </p:nvSpPr>
+        <p:spPr>
+          <a:xfrm>
+            <a:off x="1261241" y="1658532"/>
+            <a:ext cx="7977352" cy="1815882"/>
+          </a:xfrm>
+          <a:prstGeom prst="rect">
+            <a:avLst/>
+          </a:prstGeom>
+          <a:noFill/>
+        </p:spPr>
+        <p:txBody>
+          <a:bodyPr wrap="square" rtlCol="0">
+            <a:spAutoFit/>
+          </a:bodyPr>
+          <a:lstStyle/>
+          <a:p>
+            <a:r>
+              <a:rPr lang="zh-CN" altLang="en-US" sz="2800" dirty="0"/>
+              <a:t>软件结构空间中发生的一切都通过程序语言表达</a:t>
+            </a:r>
+            <a:endParaRPr lang="en-US" altLang="zh-CN" sz="2800" dirty="0"/>
+          </a:p>
+          <a:p>
+            <a:r>
+              <a:rPr lang="zh-CN" altLang="en-US" sz="2800" dirty="0"/>
+              <a:t>程序语言定义了软件结构空间的描述坐标系</a:t>
+            </a:r>
+            <a:endParaRPr lang="en-US" altLang="zh-CN" sz="2800" dirty="0"/>
+          </a:p>
+          <a:p>
+            <a:r>
+              <a:rPr lang="zh-CN" altLang="en-US" sz="2800" dirty="0"/>
+              <a:t>通用程序语言是全局坐标系</a:t>
+            </a:r>
+            <a:endParaRPr lang="en-US" altLang="zh-CN" sz="2800" dirty="0"/>
+          </a:p>
+          <a:p>
+            <a:r>
+              <a:rPr lang="en-US" altLang="zh-CN" sz="2800" dirty="0"/>
+              <a:t>DSL</a:t>
+            </a:r>
+            <a:r>
+              <a:rPr lang="zh-CN" altLang="en-US" sz="2800" dirty="0"/>
+              <a:t>森林在不同的局部采用不同的领域结构坐标系</a:t>
+            </a:r>
+            <a:endParaRPr lang="en-US" altLang="zh-CN" sz="2800" dirty="0"/>
+          </a:p>
+        </p:txBody>
+      </p:sp>
+      <p:sp>
+        <p:nvSpPr>
+          <p:cNvPr id="6" name="文本框 5">
+            <a:extLst>
+              <a:ext uri="{FF2B5EF4-FFF2-40B4-BE49-F238E27FC236}">
+                <a16:creationId xmlns:a16="http://schemas.microsoft.com/office/drawing/2014/main" id="{A8FBF210-C231-2603-92C2-840F4E6BF386}"/>
+              </a:ext>
+            </a:extLst>
+          </p:cNvPr>
+          <p:cNvSpPr txBox="1"/>
+          <p:nvPr/>
+        </p:nvSpPr>
+        <p:spPr>
+          <a:xfrm>
+            <a:off x="1131964" y="3888648"/>
+            <a:ext cx="8034107" cy="1754326"/>
+          </a:xfrm>
+          <a:prstGeom prst="rect">
+            <a:avLst/>
+          </a:prstGeom>
+          <a:noFill/>
+        </p:spPr>
+        <p:txBody>
+          <a:bodyPr wrap="square" rtlCol="0">
+            <a:spAutoFit/>
+          </a:bodyPr>
+          <a:lstStyle/>
+          <a:p>
+            <a:pPr algn="ctr"/>
+            <a:r>
+              <a:rPr lang="en-US" altLang="zh-CN" sz="3600" dirty="0"/>
+              <a:t>DSL</a:t>
+            </a:r>
+            <a:r>
+              <a:rPr lang="zh-CN" altLang="en-US" sz="3600" dirty="0"/>
+              <a:t>是</a:t>
+            </a:r>
+            <a:r>
+              <a:rPr lang="en-US" altLang="zh-CN" sz="3600" dirty="0"/>
+              <a:t>DDD</a:t>
+            </a:r>
+            <a:r>
+              <a:rPr lang="zh-CN" altLang="en-US" sz="3600" dirty="0"/>
+              <a:t>中领域语言的最高形态</a:t>
+            </a:r>
+            <a:endParaRPr lang="en-US" altLang="zh-CN" sz="3600" dirty="0"/>
+          </a:p>
+          <a:p>
+            <a:pPr algn="ctr"/>
+            <a:r>
+              <a:rPr lang="zh-CN" altLang="en-US" sz="3600" dirty="0"/>
+              <a:t>横向</a:t>
+            </a:r>
+            <a:r>
+              <a:rPr lang="en-US" altLang="zh-CN" sz="3600" dirty="0"/>
+              <a:t>+</a:t>
+            </a:r>
+            <a:r>
+              <a:rPr lang="zh-CN" altLang="en-US" sz="3600" dirty="0"/>
+              <a:t>纵向分解很自然的产生</a:t>
+            </a:r>
+            <a:r>
+              <a:rPr lang="en-US" altLang="zh-CN" sz="3600" dirty="0"/>
+              <a:t>DSL</a:t>
+            </a:r>
+            <a:r>
+              <a:rPr lang="zh-CN" altLang="en-US" sz="3600" dirty="0"/>
+              <a:t>森林</a:t>
+            </a:r>
+            <a:endParaRPr lang="en-US" altLang="zh-CN" sz="3600" dirty="0"/>
+          </a:p>
+          <a:p>
+            <a:pPr algn="ctr"/>
+            <a:endParaRPr lang="zh-CN" altLang="en-US" sz="3600" dirty="0"/>
+          </a:p>
+        </p:txBody>
+      </p:sp>
+    </p:spTree>
+    <p:extLst>
+      <p:ext uri="{BB962C8B-B14F-4D97-AF65-F5344CB8AC3E}">
+        <p14:creationId xmlns:p14="http://schemas.microsoft.com/office/powerpoint/2010/main" val="70641049"/>
+      </p:ext>
+    </p:extLst>
+  </p:cSld>
+  <p:clrMapOvr>
+    <a:masterClrMapping/>
+  </p:clrMapOvr>
+</p:sld>
+</file>
+
+<file path=ppt/slides/slide21.xml><?xml version="1.0" encoding="utf-8"?>
+<p:sld xmlns:a="http://schemas.openxmlformats.org/drawingml/2006/main" xmlns:r="http://schemas.openxmlformats.org/officeDocument/2006/relationships" xmlns:p="http://schemas.openxmlformats.org/presentationml/2006/main">
+  <p:cSld>
+    <p:spTree>
+      <p:nvGrpSpPr>
+        <p:cNvPr id="1" name="">
+          <a:extLst>
+            <a:ext uri="{FF2B5EF4-FFF2-40B4-BE49-F238E27FC236}">
+              <a16:creationId xmlns:a16="http://schemas.microsoft.com/office/drawing/2014/main" id="{73D596EB-6F2F-0AA5-EADC-54681399E5FC}"/>
+            </a:ext>
+          </a:extLst>
+        </p:cNvPr>
+        <p:cNvGrpSpPr/>
+        <p:nvPr/>
+      </p:nvGrpSpPr>
+      <p:grpSpPr>
+        <a:xfrm>
+          <a:off x="0" y="0"/>
+          <a:ext cx="0" cy="0"/>
+          <a:chOff x="0" y="0"/>
+          <a:chExt cx="0" cy="0"/>
+        </a:xfrm>
+      </p:grpSpPr>
+      <p:sp>
+        <p:nvSpPr>
+          <p:cNvPr id="49" name="文本框 48">
+            <a:extLst>
+              <a:ext uri="{FF2B5EF4-FFF2-40B4-BE49-F238E27FC236}">
+                <a16:creationId xmlns:a16="http://schemas.microsoft.com/office/drawing/2014/main" id="{0D68D1F0-F557-179C-279A-DA673AD929A8}"/>
+              </a:ext>
+            </a:extLst>
+          </p:cNvPr>
+          <p:cNvSpPr txBox="1"/>
+          <p:nvPr/>
+        </p:nvSpPr>
+        <p:spPr>
+          <a:xfrm>
+            <a:off x="434689" y="267393"/>
+            <a:ext cx="2380430" cy="523220"/>
+          </a:xfrm>
+          <a:prstGeom prst="rect">
+            <a:avLst/>
+          </a:prstGeom>
+          <a:noFill/>
+        </p:spPr>
+        <p:txBody>
+          <a:bodyPr wrap="square" rtlCol="0">
+            <a:spAutoFit/>
+          </a:bodyPr>
+          <a:lstStyle/>
+          <a:p>
+            <a:r>
+              <a:rPr lang="en-US" altLang="zh-CN" sz="2800" b="1" dirty="0"/>
+              <a:t>DSL</a:t>
+            </a:r>
+            <a:r>
+              <a:rPr lang="zh-CN" altLang="en-US" sz="2800" b="1" dirty="0"/>
+              <a:t>扩展</a:t>
+            </a:r>
+          </a:p>
+        </p:txBody>
+      </p:sp>
+      <p:sp>
+        <p:nvSpPr>
+          <p:cNvPr id="3" name="文本框 2">
+            <a:extLst>
+              <a:ext uri="{FF2B5EF4-FFF2-40B4-BE49-F238E27FC236}">
+                <a16:creationId xmlns:a16="http://schemas.microsoft.com/office/drawing/2014/main" id="{9EEE3978-706F-A45F-66F6-8E5D13B3B7FA}"/>
+              </a:ext>
+            </a:extLst>
+          </p:cNvPr>
+          <p:cNvSpPr txBox="1"/>
+          <p:nvPr/>
+        </p:nvSpPr>
+        <p:spPr>
+          <a:xfrm>
+            <a:off x="819808" y="1658532"/>
+            <a:ext cx="10083624" cy="523220"/>
+          </a:xfrm>
+          <a:prstGeom prst="rect">
+            <a:avLst/>
+          </a:prstGeom>
+          <a:noFill/>
+        </p:spPr>
+        <p:txBody>
+          <a:bodyPr wrap="square" rtlCol="0">
+            <a:spAutoFit/>
+          </a:bodyPr>
+          <a:lstStyle/>
+          <a:p>
+            <a:pPr algn="ctr"/>
+            <a:r>
+              <a:rPr lang="en-US" altLang="zh-CN" sz="2800" dirty="0" err="1"/>
+              <a:t>TaskFlow</a:t>
+            </a:r>
+            <a:r>
+              <a:rPr lang="en-US" altLang="zh-CN" sz="2800" dirty="0"/>
+              <a:t> = TaskFlow0 + G&lt;</a:t>
+            </a:r>
+            <a:r>
+              <a:rPr lang="en-US" altLang="zh-CN" sz="2800" dirty="0" err="1"/>
+              <a:t>BatchTask</a:t>
+            </a:r>
+            <a:r>
+              <a:rPr lang="en-US" altLang="zh-CN" sz="2800" dirty="0"/>
+              <a:t>&gt; +G&lt;</a:t>
+            </a:r>
+            <a:r>
+              <a:rPr lang="en-US" altLang="zh-CN" sz="2800" dirty="0" err="1"/>
+              <a:t>RecordModel</a:t>
+            </a:r>
+            <a:r>
+              <a:rPr lang="en-US" altLang="zh-CN" sz="2800" dirty="0"/>
+              <a:t>&gt;</a:t>
+            </a:r>
+          </a:p>
+        </p:txBody>
+      </p:sp>
+      <p:sp>
+        <p:nvSpPr>
+          <p:cNvPr id="6" name="文本框 5">
+            <a:extLst>
+              <a:ext uri="{FF2B5EF4-FFF2-40B4-BE49-F238E27FC236}">
+                <a16:creationId xmlns:a16="http://schemas.microsoft.com/office/drawing/2014/main" id="{24B167ED-34DF-C8B6-F5FE-D938DB40FD68}"/>
+              </a:ext>
+            </a:extLst>
+          </p:cNvPr>
+          <p:cNvSpPr txBox="1"/>
+          <p:nvPr/>
+        </p:nvSpPr>
+        <p:spPr>
+          <a:xfrm>
+            <a:off x="1358987" y="3131903"/>
+            <a:ext cx="9172379" cy="1754326"/>
+          </a:xfrm>
+          <a:prstGeom prst="rect">
+            <a:avLst/>
+          </a:prstGeom>
+          <a:noFill/>
+        </p:spPr>
+        <p:txBody>
+          <a:bodyPr wrap="square" rtlCol="0">
+            <a:spAutoFit/>
+          </a:bodyPr>
+          <a:lstStyle/>
+          <a:p>
+            <a:pPr algn="ctr"/>
+            <a:r>
+              <a:rPr lang="zh-CN" altLang="en-US" sz="3600" dirty="0"/>
+              <a:t>无需针对任何</a:t>
+            </a:r>
+            <a:r>
+              <a:rPr lang="en-US" altLang="zh-CN" sz="3600" dirty="0"/>
+              <a:t>XDSL</a:t>
+            </a:r>
+            <a:r>
+              <a:rPr lang="zh-CN" altLang="en-US" sz="3600" dirty="0"/>
+              <a:t>设计扩展机制</a:t>
+            </a:r>
+            <a:endParaRPr lang="en-US" altLang="zh-CN" sz="3600" dirty="0"/>
+          </a:p>
+          <a:p>
+            <a:pPr algn="ctr"/>
+            <a:r>
+              <a:rPr lang="en-US" altLang="zh-CN" sz="3600" dirty="0"/>
+              <a:t>XDSL</a:t>
+            </a:r>
+            <a:r>
+              <a:rPr lang="zh-CN" altLang="en-US" sz="3600" dirty="0"/>
+              <a:t>可以通过元编程实现无缝嵌入</a:t>
+            </a:r>
+            <a:endParaRPr lang="en-US" altLang="zh-CN" sz="3600" dirty="0"/>
+          </a:p>
+          <a:p>
+            <a:pPr algn="ctr"/>
+            <a:r>
+              <a:rPr lang="zh-CN" altLang="en-US" sz="3600" dirty="0"/>
+              <a:t>统一元模型</a:t>
+            </a:r>
+            <a:endParaRPr lang="en-US" altLang="zh-CN" sz="3600" dirty="0"/>
+          </a:p>
+        </p:txBody>
+      </p:sp>
+    </p:spTree>
+    <p:extLst>
+      <p:ext uri="{BB962C8B-B14F-4D97-AF65-F5344CB8AC3E}">
+        <p14:creationId xmlns:p14="http://schemas.microsoft.com/office/powerpoint/2010/main" val="3394564939"/>
+      </p:ext>
+    </p:extLst>
+  </p:cSld>
+  <p:clrMapOvr>
+    <a:masterClrMapping/>
+  </p:clrMapOvr>
+</p:sld>
+</file>
+
+<file path=ppt/slides/slide22.xml><?xml version="1.0" encoding="utf-8"?>
+<p:sld xmlns:a="http://schemas.openxmlformats.org/drawingml/2006/main" xmlns:r="http://schemas.openxmlformats.org/officeDocument/2006/relationships" xmlns:p="http://schemas.openxmlformats.org/presentationml/2006/main">
+  <p:cSld>
+    <p:spTree>
+      <p:nvGrpSpPr>
+        <p:cNvPr id="1" name="">
+          <a:extLst>
+            <a:ext uri="{FF2B5EF4-FFF2-40B4-BE49-F238E27FC236}">
+              <a16:creationId xmlns:a16="http://schemas.microsoft.com/office/drawing/2014/main" id="{8B6B784D-64F9-9FC6-6478-B3BDB01F95E5}"/>
+            </a:ext>
+          </a:extLst>
+        </p:cNvPr>
+        <p:cNvGrpSpPr/>
+        <p:nvPr/>
+      </p:nvGrpSpPr>
+      <p:grpSpPr>
+        <a:xfrm>
+          <a:off x="0" y="0"/>
+          <a:ext cx="0" cy="0"/>
+          <a:chOff x="0" y="0"/>
+          <a:chExt cx="0" cy="0"/>
+        </a:xfrm>
+      </p:grpSpPr>
+      <p:sp>
+        <p:nvSpPr>
+          <p:cNvPr id="49" name="文本框 48">
+            <a:extLst>
+              <a:ext uri="{FF2B5EF4-FFF2-40B4-BE49-F238E27FC236}">
+                <a16:creationId xmlns:a16="http://schemas.microsoft.com/office/drawing/2014/main" id="{8F499985-7084-C47D-2AAB-B5C785280D60}"/>
+              </a:ext>
+            </a:extLst>
+          </p:cNvPr>
+          <p:cNvSpPr txBox="1"/>
+          <p:nvPr/>
+        </p:nvSpPr>
+        <p:spPr>
+          <a:xfrm>
+            <a:off x="434689" y="267393"/>
+            <a:ext cx="2380430" cy="523220"/>
+          </a:xfrm>
+          <a:prstGeom prst="rect">
+            <a:avLst/>
+          </a:prstGeom>
+          <a:noFill/>
+        </p:spPr>
+        <p:txBody>
+          <a:bodyPr wrap="square" rtlCol="0">
+            <a:spAutoFit/>
+          </a:bodyPr>
+          <a:lstStyle/>
+          <a:p>
+            <a:r>
+              <a:rPr lang="zh-CN" altLang="en-US" sz="2800" b="1" dirty="0"/>
+              <a:t>可视化</a:t>
+            </a:r>
+          </a:p>
+        </p:txBody>
+      </p:sp>
+      <p:sp>
+        <p:nvSpPr>
+          <p:cNvPr id="3" name="文本框 2">
+            <a:extLst>
+              <a:ext uri="{FF2B5EF4-FFF2-40B4-BE49-F238E27FC236}">
+                <a16:creationId xmlns:a16="http://schemas.microsoft.com/office/drawing/2014/main" id="{2F37E3F4-9332-037A-CD77-1785A4B12F5F}"/>
+              </a:ext>
+            </a:extLst>
+          </p:cNvPr>
+          <p:cNvSpPr txBox="1"/>
+          <p:nvPr/>
+        </p:nvSpPr>
+        <p:spPr>
+          <a:xfrm>
+            <a:off x="3148371" y="1658532"/>
+            <a:ext cx="5833243" cy="954107"/>
+          </a:xfrm>
+          <a:prstGeom prst="rect">
+            <a:avLst/>
+          </a:prstGeom>
+          <a:noFill/>
+        </p:spPr>
+        <p:txBody>
+          <a:bodyPr wrap="square" rtlCol="0">
+            <a:spAutoFit/>
+          </a:bodyPr>
+          <a:lstStyle/>
+          <a:p>
+            <a:r>
+              <a:rPr lang="zh-CN" altLang="en-US" sz="2800" dirty="0"/>
+              <a:t>可视化模型 </a:t>
+            </a:r>
+            <a:r>
+              <a:rPr lang="en-US" altLang="zh-CN" sz="2800" dirty="0"/>
+              <a:t>= </a:t>
+            </a:r>
+            <a:r>
+              <a:rPr lang="zh-CN" altLang="en-US" sz="2800" dirty="0"/>
+              <a:t>设计器</a:t>
+            </a:r>
+            <a:r>
+              <a:rPr lang="en-US" altLang="zh-CN" sz="2800" dirty="0"/>
+              <a:t>(DSL)</a:t>
+            </a:r>
+          </a:p>
+          <a:p>
+            <a:r>
+              <a:rPr lang="en-US" altLang="zh-CN" sz="2800" dirty="0"/>
+              <a:t>DSL             = </a:t>
+            </a:r>
+            <a:r>
+              <a:rPr lang="zh-CN" altLang="en-US" sz="2800" dirty="0"/>
+              <a:t>序列化</a:t>
+            </a:r>
+            <a:r>
+              <a:rPr lang="en-US" altLang="zh-CN" sz="2800" dirty="0"/>
+              <a:t>(</a:t>
+            </a:r>
+            <a:r>
+              <a:rPr lang="zh-CN" altLang="en-US" sz="2800" dirty="0"/>
+              <a:t>可视化模型</a:t>
+            </a:r>
+            <a:r>
+              <a:rPr lang="en-US" altLang="zh-CN" sz="2800" dirty="0"/>
+              <a:t>)</a:t>
+            </a:r>
+            <a:endParaRPr lang="zh-CN" altLang="en-US" sz="2800" dirty="0"/>
+          </a:p>
+        </p:txBody>
+      </p:sp>
+      <p:sp>
+        <p:nvSpPr>
+          <p:cNvPr id="6" name="文本框 5">
+            <a:extLst>
+              <a:ext uri="{FF2B5EF4-FFF2-40B4-BE49-F238E27FC236}">
+                <a16:creationId xmlns:a16="http://schemas.microsoft.com/office/drawing/2014/main" id="{47BE9E6B-A017-1DF9-50D9-50BF8CB297D6}"/>
+              </a:ext>
+            </a:extLst>
+          </p:cNvPr>
+          <p:cNvSpPr txBox="1"/>
+          <p:nvPr/>
+        </p:nvSpPr>
+        <p:spPr>
+          <a:xfrm>
+            <a:off x="1176107" y="3480558"/>
+            <a:ext cx="9777773" cy="1200329"/>
+          </a:xfrm>
+          <a:prstGeom prst="rect">
+            <a:avLst/>
+          </a:prstGeom>
+          <a:noFill/>
+        </p:spPr>
+        <p:txBody>
+          <a:bodyPr wrap="square" rtlCol="0">
+            <a:spAutoFit/>
+          </a:bodyPr>
+          <a:lstStyle/>
+          <a:p>
+            <a:pPr algn="ctr"/>
+            <a:r>
+              <a:rPr lang="zh-CN" altLang="en-US" sz="3600" dirty="0"/>
+              <a:t>可视化的本质是模型信息存在多种表象</a:t>
+            </a:r>
+            <a:endParaRPr lang="en-US" altLang="zh-CN" sz="3600" dirty="0"/>
+          </a:p>
+          <a:p>
+            <a:pPr algn="ctr"/>
+            <a:r>
+              <a:rPr lang="zh-CN" altLang="en-US" sz="3600" dirty="0"/>
+              <a:t>不同表象之间可以进行可逆转换</a:t>
+            </a:r>
+          </a:p>
+        </p:txBody>
+      </p:sp>
+    </p:spTree>
+    <p:extLst>
+      <p:ext uri="{BB962C8B-B14F-4D97-AF65-F5344CB8AC3E}">
+        <p14:creationId xmlns:p14="http://schemas.microsoft.com/office/powerpoint/2010/main" val="4212821180"/>
+      </p:ext>
+    </p:extLst>
+  </p:cSld>
+  <p:clrMapOvr>
+    <a:masterClrMapping/>
+  </p:clrMapOvr>
+</p:sld>
+</file>
+
+<file path=ppt/slides/slide23.xml><?xml version="1.0" encoding="utf-8"?>
+<p:sld xmlns:a="http://schemas.openxmlformats.org/drawingml/2006/main" xmlns:r="http://schemas.openxmlformats.org/officeDocument/2006/relationships" xmlns:p="http://schemas.openxmlformats.org/presentationml/2006/main">
+  <p:cSld>
+    <p:spTree>
+      <p:nvGrpSpPr>
+        <p:cNvPr id="1" name="">
+          <a:extLst>
+            <a:ext uri="{FF2B5EF4-FFF2-40B4-BE49-F238E27FC236}">
+              <a16:creationId xmlns:a16="http://schemas.microsoft.com/office/drawing/2014/main" id="{1E8056B9-2174-E9E7-2716-980749CD4C32}"/>
+            </a:ext>
+          </a:extLst>
+        </p:cNvPr>
+        <p:cNvGrpSpPr/>
+        <p:nvPr/>
+      </p:nvGrpSpPr>
+      <p:grpSpPr>
+        <a:xfrm>
+          <a:off x="0" y="0"/>
+          <a:ext cx="0" cy="0"/>
+          <a:chOff x="0" y="0"/>
+          <a:chExt cx="0" cy="0"/>
+        </a:xfrm>
+      </p:grpSpPr>
+      <p:sp>
+        <p:nvSpPr>
+          <p:cNvPr id="49" name="文本框 48">
+            <a:extLst>
+              <a:ext uri="{FF2B5EF4-FFF2-40B4-BE49-F238E27FC236}">
+                <a16:creationId xmlns:a16="http://schemas.microsoft.com/office/drawing/2014/main" id="{7941B9C7-9907-23AC-9ACC-65D19F49BB84}"/>
+              </a:ext>
+            </a:extLst>
+          </p:cNvPr>
+          <p:cNvSpPr txBox="1"/>
+          <p:nvPr/>
+        </p:nvSpPr>
+        <p:spPr>
+          <a:xfrm>
+            <a:off x="434689" y="267393"/>
+            <a:ext cx="3557140" cy="523220"/>
+          </a:xfrm>
+          <a:prstGeom prst="rect">
+            <a:avLst/>
+          </a:prstGeom>
+          <a:noFill/>
+        </p:spPr>
+        <p:txBody>
+          <a:bodyPr wrap="square" rtlCol="0">
+            <a:spAutoFit/>
+          </a:bodyPr>
+          <a:lstStyle/>
+          <a:p>
+            <a:r>
+              <a:rPr lang="zh-CN" altLang="en-US" sz="2800" b="1" dirty="0"/>
+              <a:t>差量化编辑</a:t>
+            </a:r>
+          </a:p>
+        </p:txBody>
+      </p:sp>
+      <p:sp>
+        <p:nvSpPr>
+          <p:cNvPr id="6" name="文本框 5">
+            <a:extLst>
+              <a:ext uri="{FF2B5EF4-FFF2-40B4-BE49-F238E27FC236}">
+                <a16:creationId xmlns:a16="http://schemas.microsoft.com/office/drawing/2014/main" id="{21C57F9F-5326-38FE-8DEA-BA226F534187}"/>
+              </a:ext>
+            </a:extLst>
+          </p:cNvPr>
+          <p:cNvSpPr txBox="1"/>
+          <p:nvPr/>
+        </p:nvSpPr>
+        <p:spPr>
+          <a:xfrm>
+            <a:off x="770407" y="3170445"/>
+            <a:ext cx="9672671" cy="1200329"/>
+          </a:xfrm>
+          <a:prstGeom prst="rect">
+            <a:avLst/>
+          </a:prstGeom>
+          <a:noFill/>
+        </p:spPr>
+        <p:txBody>
+          <a:bodyPr wrap="square" rtlCol="0">
+            <a:spAutoFit/>
+          </a:bodyPr>
+          <a:lstStyle/>
+          <a:p>
+            <a:pPr algn="ctr"/>
+            <a:r>
+              <a:rPr lang="zh-CN" altLang="en-US" sz="3600" dirty="0"/>
+              <a:t>可视化编辑可以执行全量编辑</a:t>
+            </a:r>
+            <a:endParaRPr lang="en-US" altLang="zh-CN" sz="3600" dirty="0"/>
+          </a:p>
+          <a:p>
+            <a:pPr algn="ctr"/>
+            <a:r>
+              <a:rPr lang="zh-CN" altLang="en-US" sz="3600" dirty="0"/>
+              <a:t>自动计算差量变更并单独保存</a:t>
+            </a:r>
+            <a:endParaRPr lang="en-US" altLang="zh-CN" sz="3600" dirty="0"/>
+          </a:p>
+        </p:txBody>
+      </p:sp>
+      <p:sp>
+        <p:nvSpPr>
+          <p:cNvPr id="5" name="文本框 4">
+            <a:extLst>
+              <a:ext uri="{FF2B5EF4-FFF2-40B4-BE49-F238E27FC236}">
+                <a16:creationId xmlns:a16="http://schemas.microsoft.com/office/drawing/2014/main" id="{F8058F2F-2100-4E4B-539A-3DC84DAD8AC1}"/>
+              </a:ext>
+            </a:extLst>
+          </p:cNvPr>
+          <p:cNvSpPr txBox="1"/>
+          <p:nvPr/>
+        </p:nvSpPr>
+        <p:spPr>
+          <a:xfrm>
+            <a:off x="239636" y="979798"/>
+            <a:ext cx="11761076" cy="1077218"/>
+          </a:xfrm>
+          <a:prstGeom prst="rect">
+            <a:avLst/>
+          </a:prstGeom>
+          <a:noFill/>
+        </p:spPr>
+        <p:txBody>
+          <a:bodyPr wrap="square" rtlCol="0">
+            <a:spAutoFit/>
+          </a:bodyPr>
+          <a:lstStyle/>
+          <a:p>
+            <a:pPr algn="ctr"/>
+            <a:r>
+              <a:rPr lang="en-US" altLang="zh-CN" sz="3200" dirty="0" err="1"/>
+              <a:t>PageInEditor</a:t>
+            </a:r>
+            <a:r>
+              <a:rPr lang="en-US" altLang="zh-CN" sz="3200" dirty="0"/>
+              <a:t> = </a:t>
+            </a:r>
+            <a:r>
+              <a:rPr lang="en-US" altLang="zh-CN" sz="3200" dirty="0" err="1"/>
+              <a:t>DeltaPage</a:t>
+            </a:r>
+            <a:r>
+              <a:rPr lang="en-US" altLang="zh-CN" sz="3200" dirty="0"/>
+              <a:t> x-extends Generator&lt;</a:t>
+            </a:r>
+            <a:r>
+              <a:rPr lang="en-US" altLang="zh-CN" sz="3200" dirty="0" err="1"/>
+              <a:t>ViewModel</a:t>
+            </a:r>
+            <a:r>
+              <a:rPr lang="en-US" altLang="zh-CN" sz="3200" dirty="0"/>
+              <a:t>&gt;</a:t>
+            </a:r>
+          </a:p>
+          <a:p>
+            <a:pPr algn="ctr"/>
+            <a:r>
+              <a:rPr lang="en-US" altLang="zh-CN" sz="3200" dirty="0" err="1"/>
+              <a:t>DeltaPage</a:t>
+            </a:r>
+            <a:r>
+              <a:rPr lang="en-US" altLang="zh-CN" sz="3200" dirty="0"/>
+              <a:t> = </a:t>
+            </a:r>
+            <a:r>
+              <a:rPr lang="en-US" altLang="zh-CN" sz="3200" dirty="0" err="1"/>
+              <a:t>PageInEditor</a:t>
+            </a:r>
+            <a:r>
+              <a:rPr lang="en-US" altLang="zh-CN" sz="3200" dirty="0"/>
+              <a:t> x-diff Generator&lt;</a:t>
+            </a:r>
+            <a:r>
+              <a:rPr lang="en-US" altLang="zh-CN" sz="3200" dirty="0" err="1"/>
+              <a:t>ViewModel</a:t>
+            </a:r>
+            <a:r>
+              <a:rPr lang="en-US" altLang="zh-CN" sz="3200" dirty="0"/>
+              <a:t>&gt;</a:t>
+            </a:r>
+          </a:p>
+        </p:txBody>
+      </p:sp>
+    </p:spTree>
+    <p:extLst>
+      <p:ext uri="{BB962C8B-B14F-4D97-AF65-F5344CB8AC3E}">
+        <p14:creationId xmlns:p14="http://schemas.microsoft.com/office/powerpoint/2010/main" val="1105445930"/>
+      </p:ext>
+    </p:extLst>
+  </p:cSld>
+  <p:clrMapOvr>
+    <a:masterClrMapping/>
+  </p:clrMapOvr>
+</p:sld>
+</file>
+
+<file path=ppt/slides/slide24.xml><?xml version="1.0" encoding="utf-8"?>
+<p:sld xmlns:a="http://schemas.openxmlformats.org/drawingml/2006/main" xmlns:r="http://schemas.openxmlformats.org/officeDocument/2006/relationships" xmlns:p="http://schemas.openxmlformats.org/presentationml/2006/main">
+  <p:cSld>
+    <p:spTree>
+      <p:nvGrpSpPr>
+        <p:cNvPr id="1" name="">
+          <a:extLst>
+            <a:ext uri="{FF2B5EF4-FFF2-40B4-BE49-F238E27FC236}">
+              <a16:creationId xmlns:a16="http://schemas.microsoft.com/office/drawing/2014/main" id="{EB163B90-E601-ED1D-7C71-F662D51200AF}"/>
+            </a:ext>
+          </a:extLst>
+        </p:cNvPr>
+        <p:cNvGrpSpPr/>
+        <p:nvPr/>
+      </p:nvGrpSpPr>
+      <p:grpSpPr>
+        <a:xfrm>
+          <a:off x="0" y="0"/>
+          <a:ext cx="0" cy="0"/>
+          <a:chOff x="0" y="0"/>
+          <a:chExt cx="0" cy="0"/>
+        </a:xfrm>
+      </p:grpSpPr>
+      <p:sp>
+        <p:nvSpPr>
+          <p:cNvPr id="49" name="文本框 48">
+            <a:extLst>
+              <a:ext uri="{FF2B5EF4-FFF2-40B4-BE49-F238E27FC236}">
+                <a16:creationId xmlns:a16="http://schemas.microsoft.com/office/drawing/2014/main" id="{007A5F67-71BB-A6B2-3312-625E45B52A16}"/>
+              </a:ext>
+            </a:extLst>
+          </p:cNvPr>
+          <p:cNvSpPr txBox="1"/>
+          <p:nvPr/>
+        </p:nvSpPr>
+        <p:spPr>
+          <a:xfrm>
+            <a:off x="434689" y="267393"/>
+            <a:ext cx="2380430" cy="523220"/>
+          </a:xfrm>
+          <a:prstGeom prst="rect">
+            <a:avLst/>
+          </a:prstGeom>
+          <a:noFill/>
+        </p:spPr>
+        <p:txBody>
+          <a:bodyPr wrap="square" rtlCol="0">
+            <a:spAutoFit/>
+          </a:bodyPr>
+          <a:lstStyle/>
+          <a:p>
+            <a:r>
+              <a:rPr lang="zh-CN" altLang="en-US" sz="2800" b="1" dirty="0"/>
+              <a:t>模板化</a:t>
+            </a:r>
+          </a:p>
+        </p:txBody>
+      </p:sp>
+      <p:sp>
+        <p:nvSpPr>
+          <p:cNvPr id="3" name="文本框 2">
+            <a:extLst>
+              <a:ext uri="{FF2B5EF4-FFF2-40B4-BE49-F238E27FC236}">
+                <a16:creationId xmlns:a16="http://schemas.microsoft.com/office/drawing/2014/main" id="{4C880CE3-CBFC-DB34-CCBE-7697C38F3BCF}"/>
+              </a:ext>
+            </a:extLst>
+          </p:cNvPr>
+          <p:cNvSpPr txBox="1"/>
+          <p:nvPr/>
+        </p:nvSpPr>
+        <p:spPr>
+          <a:xfrm>
+            <a:off x="1563939" y="1412590"/>
+            <a:ext cx="9188144" cy="954107"/>
+          </a:xfrm>
+          <a:prstGeom prst="rect">
+            <a:avLst/>
+          </a:prstGeom>
+          <a:noFill/>
+        </p:spPr>
+        <p:txBody>
+          <a:bodyPr wrap="square" rtlCol="0">
+            <a:spAutoFit/>
+          </a:bodyPr>
+          <a:lstStyle/>
+          <a:p>
+            <a:r>
+              <a:rPr lang="zh-CN" altLang="en-US" sz="2800" dirty="0"/>
+              <a:t>              报表模板 </a:t>
+            </a:r>
+            <a:r>
+              <a:rPr lang="en-US" altLang="zh-CN" sz="2800" dirty="0"/>
+              <a:t>= Excel + </a:t>
+            </a:r>
+            <a:r>
+              <a:rPr lang="zh-CN" altLang="en-US" sz="2800" dirty="0"/>
+              <a:t>报表扩展</a:t>
+            </a:r>
+            <a:endParaRPr lang="en-US" altLang="zh-CN" sz="2800" dirty="0"/>
+          </a:p>
+          <a:p>
+            <a:r>
+              <a:rPr lang="en-US" altLang="zh-CN" sz="2800" dirty="0"/>
+              <a:t>Editor&lt;</a:t>
+            </a:r>
+            <a:r>
+              <a:rPr lang="zh-CN" altLang="en-US" sz="2800" dirty="0"/>
+              <a:t>报表模板</a:t>
+            </a:r>
+            <a:r>
+              <a:rPr lang="en-US" altLang="zh-CN" sz="2800" dirty="0"/>
+              <a:t>&gt; = Editor&lt;Excel&gt; + Editor&lt;</a:t>
+            </a:r>
+            <a:r>
+              <a:rPr lang="zh-CN" altLang="en-US" sz="2800" dirty="0"/>
+              <a:t>报表扩展</a:t>
+            </a:r>
+            <a:r>
+              <a:rPr lang="en-US" altLang="zh-CN" sz="2800" dirty="0"/>
+              <a:t>&gt;</a:t>
+            </a:r>
+          </a:p>
+        </p:txBody>
+      </p:sp>
+      <p:sp>
+        <p:nvSpPr>
+          <p:cNvPr id="6" name="文本框 5">
+            <a:extLst>
+              <a:ext uri="{FF2B5EF4-FFF2-40B4-BE49-F238E27FC236}">
+                <a16:creationId xmlns:a16="http://schemas.microsoft.com/office/drawing/2014/main" id="{85D7D9EC-589E-C0E6-62A7-FDC2202CB2B8}"/>
+              </a:ext>
+            </a:extLst>
+          </p:cNvPr>
+          <p:cNvSpPr txBox="1"/>
+          <p:nvPr/>
+        </p:nvSpPr>
+        <p:spPr>
+          <a:xfrm>
+            <a:off x="1346377" y="3121104"/>
+            <a:ext cx="8939046" cy="1200329"/>
+          </a:xfrm>
+          <a:prstGeom prst="rect">
+            <a:avLst/>
+          </a:prstGeom>
+          <a:noFill/>
+        </p:spPr>
+        <p:txBody>
+          <a:bodyPr wrap="square" rtlCol="0">
+            <a:spAutoFit/>
+          </a:bodyPr>
+          <a:lstStyle/>
+          <a:p>
+            <a:pPr algn="ctr"/>
+            <a:r>
+              <a:rPr lang="zh-CN" altLang="en-US" sz="3600" dirty="0"/>
+              <a:t>任何</a:t>
+            </a:r>
+            <a:r>
+              <a:rPr lang="en-US" altLang="zh-CN" sz="3600" dirty="0"/>
+              <a:t>Excel</a:t>
+            </a:r>
+            <a:r>
+              <a:rPr lang="zh-CN" altLang="en-US" sz="3600" dirty="0"/>
+              <a:t>都是合法的</a:t>
+            </a:r>
+            <a:r>
+              <a:rPr lang="en-US" altLang="zh-CN" sz="3600" dirty="0"/>
+              <a:t>Excel</a:t>
+            </a:r>
+            <a:r>
+              <a:rPr lang="zh-CN" altLang="en-US" sz="3600" dirty="0"/>
+              <a:t>报表模板</a:t>
+            </a:r>
+            <a:endParaRPr lang="en-US" altLang="zh-CN" sz="3600" dirty="0"/>
+          </a:p>
+          <a:p>
+            <a:pPr algn="ctr"/>
+            <a:r>
+              <a:rPr lang="zh-CN" altLang="en-US" sz="3600" dirty="0"/>
+              <a:t>模板设计器可以采用线性化设计</a:t>
+            </a:r>
+          </a:p>
+        </p:txBody>
+      </p:sp>
+    </p:spTree>
+    <p:extLst>
+      <p:ext uri="{BB962C8B-B14F-4D97-AF65-F5344CB8AC3E}">
+        <p14:creationId xmlns:p14="http://schemas.microsoft.com/office/powerpoint/2010/main" val="8076168"/>
+      </p:ext>
+    </p:extLst>
+  </p:cSld>
+  <p:clrMapOvr>
+    <a:masterClrMapping/>
+  </p:clrMapOvr>
+</p:sld>
+</file>
+
+<file path=ppt/slides/slide25.xml><?xml version="1.0" encoding="utf-8"?>
+<p:sld xmlns:a="http://schemas.openxmlformats.org/drawingml/2006/main" xmlns:r="http://schemas.openxmlformats.org/officeDocument/2006/relationships" xmlns:p="http://schemas.openxmlformats.org/presentationml/2006/main">
+  <p:cSld>
+    <p:spTree>
+      <p:nvGrpSpPr>
+        <p:cNvPr id="1" name="">
+          <a:extLst>
+            <a:ext uri="{FF2B5EF4-FFF2-40B4-BE49-F238E27FC236}">
               <a16:creationId xmlns:a16="http://schemas.microsoft.com/office/drawing/2014/main" id="{8E7A364C-FA4E-4FCE-860A-197DF7E29455}"/>
             </a:ext>
           </a:extLst>
@@ -5874,7 +10871,7 @@
 </p:sld>
 </file>
 
-<file path=ppt/slides/slide21.xml><?xml version="1.0" encoding="utf-8"?>
+<file path=ppt/slides/slide26.xml><?xml version="1.0" encoding="utf-8"?>
 <p:sld xmlns:a="http://schemas.openxmlformats.org/drawingml/2006/main" xmlns:r="http://schemas.openxmlformats.org/officeDocument/2006/relationships" xmlns:p="http://schemas.openxmlformats.org/presentationml/2006/main">
   <p:cSld>
     <p:spTree>
@@ -6043,7 +11040,7 @@
 </p:sld>
 </file>
 
-<file path=ppt/slides/slide22.xml><?xml version="1.0" encoding="utf-8"?>
+<file path=ppt/slides/slide27.xml><?xml version="1.0" encoding="utf-8"?>
 <p:sld xmlns:a="http://schemas.openxmlformats.org/drawingml/2006/main" xmlns:r="http://schemas.openxmlformats.org/officeDocument/2006/relationships" xmlns:p="http://schemas.openxmlformats.org/presentationml/2006/main">
   <p:cSld>
     <p:spTree>
@@ -6939,7 +11936,7 @@
 </p:sld>
 </file>
 
-<file path=ppt/slides/slide23.xml><?xml version="1.0" encoding="utf-8"?>
+<file path=ppt/slides/slide28.xml><?xml version="1.0" encoding="utf-8"?>
 <p:sld xmlns:a="http://schemas.openxmlformats.org/drawingml/2006/main" xmlns:r="http://schemas.openxmlformats.org/officeDocument/2006/relationships" xmlns:p="http://schemas.openxmlformats.org/presentationml/2006/main">
   <p:cSld>
     <p:spTree>
@@ -7165,7 +12162,7 @@
 </p:sld>
 </file>
 
-<file path=ppt/slides/slide24.xml><?xml version="1.0" encoding="utf-8"?>
+<file path=ppt/slides/slide29.xml><?xml version="1.0" encoding="utf-8"?>
 <p:sld xmlns:a="http://schemas.openxmlformats.org/drawingml/2006/main" xmlns:r="http://schemas.openxmlformats.org/officeDocument/2006/relationships" xmlns:p="http://schemas.openxmlformats.org/presentationml/2006/main">
   <p:cSld>
     <p:spTree>
@@ -7381,7 +12378,288 @@
 </p:sld>
 </file>
 
-<file path=ppt/slides/slide25.xml><?xml version="1.0" encoding="utf-8"?>
+<file path=ppt/slides/slide3.xml><?xml version="1.0" encoding="utf-8"?>
+<p:sld xmlns:a="http://schemas.openxmlformats.org/drawingml/2006/main" xmlns:r="http://schemas.openxmlformats.org/officeDocument/2006/relationships" xmlns:p="http://schemas.openxmlformats.org/presentationml/2006/main">
+  <p:cSld>
+    <p:spTree>
+      <p:nvGrpSpPr>
+        <p:cNvPr id="1" name="">
+          <a:extLst>
+            <a:ext uri="{FF2B5EF4-FFF2-40B4-BE49-F238E27FC236}">
+              <a16:creationId xmlns:a16="http://schemas.microsoft.com/office/drawing/2014/main" id="{A06C4391-B621-F9A0-5FCF-E6CDFDE59F42}"/>
+            </a:ext>
+          </a:extLst>
+        </p:cNvPr>
+        <p:cNvGrpSpPr/>
+        <p:nvPr/>
+      </p:nvGrpSpPr>
+      <p:grpSpPr>
+        <a:xfrm>
+          <a:off x="0" y="0"/>
+          <a:ext cx="0" cy="0"/>
+          <a:chOff x="0" y="0"/>
+          <a:chExt cx="0" cy="0"/>
+        </a:xfrm>
+      </p:grpSpPr>
+      <p:sp>
+        <p:nvSpPr>
+          <p:cNvPr id="49" name="文本框 48">
+            <a:extLst>
+              <a:ext uri="{FF2B5EF4-FFF2-40B4-BE49-F238E27FC236}">
+                <a16:creationId xmlns:a16="http://schemas.microsoft.com/office/drawing/2014/main" id="{FCCFA090-07AF-74B8-33CF-E33873817493}"/>
+              </a:ext>
+            </a:extLst>
+          </p:cNvPr>
+          <p:cNvSpPr txBox="1"/>
+          <p:nvPr/>
+        </p:nvSpPr>
+        <p:spPr>
+          <a:xfrm>
+            <a:off x="434688" y="267393"/>
+            <a:ext cx="4591359" cy="523220"/>
+          </a:xfrm>
+          <a:prstGeom prst="rect">
+            <a:avLst/>
+          </a:prstGeom>
+          <a:noFill/>
+        </p:spPr>
+        <p:txBody>
+          <a:bodyPr wrap="square" rtlCol="0">
+            <a:spAutoFit/>
+          </a:bodyPr>
+          <a:lstStyle/>
+          <a:p>
+            <a:pPr marL="0" marR="0" lvl="0" indent="0" algn="l" defTabSz="914400" rtl="0" eaLnBrk="1" fontAlgn="auto" latinLnBrk="0" hangingPunct="1">
+              <a:lnSpc>
+                <a:spcPct val="100000"/>
+              </a:lnSpc>
+              <a:spcBef>
+                <a:spcPts val="0"/>
+              </a:spcBef>
+              <a:spcAft>
+                <a:spcPts val="0"/>
+              </a:spcAft>
+              <a:buClrTx/>
+              <a:buSzTx/>
+              <a:buFontTx/>
+              <a:buNone/>
+              <a:tabLst/>
+              <a:defRPr/>
+            </a:pPr>
+            <a:r>
+              <a:rPr kumimoji="0" lang="zh-CN" altLang="en-US" sz="2800" b="1" i="0" u="none" strike="noStrike" kern="1200" cap="none" spc="0" normalizeH="0" baseline="0" noProof="0" dirty="0">
+                <a:ln>
+                  <a:noFill/>
+                </a:ln>
+                <a:solidFill>
+                  <a:prstClr val="black"/>
+                </a:solidFill>
+                <a:effectLst/>
+                <a:uLnTx/>
+                <a:uFillTx/>
+                <a:latin typeface="等线" panose="020F0502020204030204"/>
+                <a:ea typeface="等线" panose="02010600030101010101" pitchFamily="2" charset="-122"/>
+                <a:cs typeface="+mn-cs"/>
+              </a:rPr>
+              <a:t>图灵完备的第三条技术路线</a:t>
+            </a:r>
+          </a:p>
+        </p:txBody>
+      </p:sp>
+      <p:sp>
+        <p:nvSpPr>
+          <p:cNvPr id="2" name="文本框 1">
+            <a:extLst>
+              <a:ext uri="{FF2B5EF4-FFF2-40B4-BE49-F238E27FC236}">
+                <a16:creationId xmlns:a16="http://schemas.microsoft.com/office/drawing/2014/main" id="{123AE87D-C3A1-2EF7-09D9-800E153C6DAD}"/>
+              </a:ext>
+            </a:extLst>
+          </p:cNvPr>
+          <p:cNvSpPr txBox="1"/>
+          <p:nvPr/>
+        </p:nvSpPr>
+        <p:spPr>
+          <a:xfrm>
+            <a:off x="1954924" y="1416723"/>
+            <a:ext cx="7699879" cy="2554545"/>
+          </a:xfrm>
+          <a:prstGeom prst="rect">
+            <a:avLst/>
+          </a:prstGeom>
+          <a:noFill/>
+        </p:spPr>
+        <p:txBody>
+          <a:bodyPr wrap="square" rtlCol="0">
+            <a:spAutoFit/>
+          </a:bodyPr>
+          <a:lstStyle/>
+          <a:p>
+            <a:r>
+              <a:rPr lang="en-US" altLang="zh-CN" sz="4000" dirty="0"/>
+              <a:t>           Y = F(X)</a:t>
+            </a:r>
+          </a:p>
+          <a:p>
+            <a:pPr algn="ctr"/>
+            <a:r>
+              <a:rPr lang="en-US" altLang="zh-CN" sz="4000" dirty="0"/>
+              <a:t>  = (F0+F1)(X0+X1)</a:t>
+            </a:r>
+          </a:p>
+          <a:p>
+            <a:pPr algn="ctr"/>
+            <a:r>
+              <a:rPr lang="en-US" altLang="zh-CN" sz="4000" dirty="0"/>
+              <a:t>= F0(X0) + Delta</a:t>
+            </a:r>
+          </a:p>
+          <a:p>
+            <a:pPr algn="ctr"/>
+            <a:r>
+              <a:rPr lang="zh-CN" altLang="en-US" sz="4000" dirty="0"/>
+              <a:t>    </a:t>
+            </a:r>
+            <a:endParaRPr lang="en-US" altLang="zh-CN" sz="4000" dirty="0"/>
+          </a:p>
+        </p:txBody>
+      </p:sp>
+      <mc:AlternateContent xmlns:mc="http://schemas.openxmlformats.org/markup-compatibility/2006" xmlns:a14="http://schemas.microsoft.com/office/drawing/2010/main">
+        <mc:Choice Requires="a14">
+          <p:sp>
+            <p:nvSpPr>
+              <p:cNvPr id="3" name="文本框 2">
+                <a:extLst>
+                  <a:ext uri="{FF2B5EF4-FFF2-40B4-BE49-F238E27FC236}">
+                    <a16:creationId xmlns:a16="http://schemas.microsoft.com/office/drawing/2014/main" id="{24E2CD5D-C17B-E1E9-59C4-0C3F645A63B3}"/>
+                  </a:ext>
+                </a:extLst>
+              </p:cNvPr>
+              <p:cNvSpPr txBox="1"/>
+              <p:nvPr/>
+            </p:nvSpPr>
+            <p:spPr>
+              <a:xfrm>
+                <a:off x="1954924" y="3826744"/>
+                <a:ext cx="7863839" cy="1938992"/>
+              </a:xfrm>
+              <a:prstGeom prst="rect">
+                <a:avLst/>
+              </a:prstGeom>
+              <a:noFill/>
+            </p:spPr>
+            <p:txBody>
+              <a:bodyPr wrap="square" rtlCol="0">
+                <a:spAutoFit/>
+              </a:bodyPr>
+              <a:lstStyle/>
+              <a:p>
+                <a:pPr algn="ctr"/>
+                <a:r>
+                  <a:rPr lang="zh-CN" altLang="en-US" sz="4000" dirty="0"/>
+                  <a:t>    图灵机：固定机器，无限数据</a:t>
+                </a:r>
+                <a:endParaRPr lang="en-US" altLang="zh-CN" sz="4000" dirty="0"/>
+              </a:p>
+              <a:p>
+                <a:pPr algn="ctr"/>
+                <a14:m>
+                  <m:oMath xmlns:m="http://schemas.openxmlformats.org/officeDocument/2006/math">
+                    <m:r>
+                      <a:rPr lang="en-US" altLang="zh-CN" sz="4000" b="0" i="1" smtClean="0">
+                        <a:latin typeface="Cambria Math" panose="02040503050406030204" pitchFamily="18" charset="0"/>
+                      </a:rPr>
+                      <m:t>       </m:t>
+                    </m:r>
+                    <m:r>
+                      <a:rPr lang="zh-CN" altLang="en-US" sz="4000" i="1" smtClean="0">
+                        <a:latin typeface="Cambria Math" panose="02040503050406030204" pitchFamily="18" charset="0"/>
+                      </a:rPr>
+                      <m:t>𝜆</m:t>
+                    </m:r>
+                    <m:r>
+                      <a:rPr lang="zh-CN" altLang="en-US" sz="4000" i="1">
+                        <a:latin typeface="Cambria Math" panose="02040503050406030204" pitchFamily="18" charset="0"/>
+                      </a:rPr>
+                      <m:t>演算</m:t>
+                    </m:r>
+                  </m:oMath>
+                </a14:m>
+                <a:r>
+                  <a:rPr lang="zh-CN" altLang="en-US" sz="4000" dirty="0"/>
+                  <a:t>：固定数据，无限机器</a:t>
+                </a:r>
+                <a:endParaRPr lang="en-US" altLang="zh-CN" sz="4000" dirty="0"/>
+              </a:p>
+              <a:p>
+                <a:pPr algn="ctr"/>
+                <a:r>
+                  <a:rPr lang="zh-CN" altLang="en-US" sz="4000" dirty="0"/>
+                  <a:t>可逆计算：有限认知，微扰展开</a:t>
+                </a:r>
+                <a:endParaRPr lang="en-US" altLang="zh-CN" sz="4000" dirty="0"/>
+              </a:p>
+            </p:txBody>
+          </p:sp>
+        </mc:Choice>
+        <mc:Fallback xmlns="">
+          <p:sp>
+            <p:nvSpPr>
+              <p:cNvPr id="3" name="文本框 2">
+                <a:extLst>
+                  <a:ext uri="{FF2B5EF4-FFF2-40B4-BE49-F238E27FC236}">
+                    <a16:creationId xmlns:a16="http://schemas.microsoft.com/office/drawing/2014/main" id="{24E2CD5D-C17B-E1E9-59C4-0C3F645A63B3}"/>
+                  </a:ext>
+                </a:extLst>
+              </p:cNvPr>
+              <p:cNvSpPr txBox="1">
+                <a:spLocks noRot="1" noChangeAspect="1" noMove="1" noResize="1" noEditPoints="1" noAdjustHandles="1" noChangeArrowheads="1" noChangeShapeType="1" noTextEdit="1"/>
+              </p:cNvSpPr>
+              <p:nvPr/>
+            </p:nvSpPr>
+            <p:spPr>
+              <a:xfrm>
+                <a:off x="1954924" y="3826744"/>
+                <a:ext cx="7863839" cy="1938992"/>
+              </a:xfrm>
+              <a:prstGeom prst="rect">
+                <a:avLst/>
+              </a:prstGeom>
+              <a:blipFill>
+                <a:blip r:embed="rId2"/>
+                <a:stretch>
+                  <a:fillRect t="-5660" b="-12579"/>
+                </a:stretch>
+              </a:blipFill>
+            </p:spPr>
+            <p:txBody>
+              <a:bodyPr/>
+              <a:lstStyle/>
+              <a:p>
+                <a:r>
+                  <a:rPr lang="zh-CN" altLang="en-US">
+                    <a:noFill/>
+                  </a:rPr>
+                  <a:t> </a:t>
+                </a:r>
+              </a:p>
+            </p:txBody>
+          </p:sp>
+        </mc:Fallback>
+      </mc:AlternateContent>
+    </p:spTree>
+    <p:extLst>
+      <p:ext uri="{BB962C8B-B14F-4D97-AF65-F5344CB8AC3E}">
+        <p14:creationId xmlns:p14="http://schemas.microsoft.com/office/powerpoint/2010/main" val="4251900169"/>
+      </p:ext>
+    </p:extLst>
+  </p:cSld>
+  <p:clrMapOvr>
+    <a:masterClrMapping/>
+  </p:clrMapOvr>
+</p:sld>
+</file>
+
+<file path=ppt/slides/slide30.xml><?xml version="1.0" encoding="utf-8"?>
 <p:sld xmlns:a="http://schemas.openxmlformats.org/drawingml/2006/main" xmlns:r="http://schemas.openxmlformats.org/officeDocument/2006/relationships" xmlns:p="http://schemas.openxmlformats.org/presentationml/2006/main">
   <p:cSld>
     <p:spTree>
@@ -7656,7 +12934,7 @@
 </p:sld>
 </file>
 
-<file path=ppt/slides/slide26.xml><?xml version="1.0" encoding="utf-8"?>
+<file path=ppt/slides/slide31.xml><?xml version="1.0" encoding="utf-8"?>
 <p:sld xmlns:a="http://schemas.openxmlformats.org/drawingml/2006/main" xmlns:r="http://schemas.openxmlformats.org/officeDocument/2006/relationships" xmlns:p="http://schemas.openxmlformats.org/presentationml/2006/main">
   <p:cSld>
     <p:spTree>
@@ -7902,7 +13180,7 @@
 </p:sld>
 </file>
 
-<file path=ppt/slides/slide27.xml><?xml version="1.0" encoding="utf-8"?>
+<file path=ppt/slides/slide32.xml><?xml version="1.0" encoding="utf-8"?>
 <p:sld xmlns:a="http://schemas.openxmlformats.org/drawingml/2006/main" xmlns:r="http://schemas.openxmlformats.org/officeDocument/2006/relationships" xmlns:p="http://schemas.openxmlformats.org/presentationml/2006/main">
   <p:cSld>
     <p:spTree>
@@ -7999,7 +13277,11 @@
             <a:pPr algn="ctr"/>
             <a:r>
               <a:rPr lang="zh-CN" altLang="en-US" sz="3600" dirty="0"/>
-              <a:t>通过环境间接发生相互作用</a:t>
+              <a:t>通过环境间接</a:t>
+            </a:r>
+            <a:r>
+              <a:rPr lang="zh-CN" altLang="en-US" sz="3600"/>
+              <a:t>发生相互作用</a:t>
             </a:r>
             <a:endParaRPr lang="en-US" altLang="zh-CN" sz="3600" dirty="0"/>
           </a:p>
@@ -8076,287 +13358,6 @@
     <p:extLst>
       <p:ext uri="{BB962C8B-B14F-4D97-AF65-F5344CB8AC3E}">
         <p14:creationId xmlns:p14="http://schemas.microsoft.com/office/powerpoint/2010/main" val="2697688901"/>
-      </p:ext>
-    </p:extLst>
-  </p:cSld>
-  <p:clrMapOvr>
-    <a:masterClrMapping/>
-  </p:clrMapOvr>
-</p:sld>
-</file>
-
-<file path=ppt/slides/slide3.xml><?xml version="1.0" encoding="utf-8"?>
-<p:sld xmlns:a="http://schemas.openxmlformats.org/drawingml/2006/main" xmlns:r="http://schemas.openxmlformats.org/officeDocument/2006/relationships" xmlns:p="http://schemas.openxmlformats.org/presentationml/2006/main">
-  <p:cSld>
-    <p:spTree>
-      <p:nvGrpSpPr>
-        <p:cNvPr id="1" name="">
-          <a:extLst>
-            <a:ext uri="{FF2B5EF4-FFF2-40B4-BE49-F238E27FC236}">
-              <a16:creationId xmlns:a16="http://schemas.microsoft.com/office/drawing/2014/main" id="{A06C4391-B621-F9A0-5FCF-E6CDFDE59F42}"/>
-            </a:ext>
-          </a:extLst>
-        </p:cNvPr>
-        <p:cNvGrpSpPr/>
-        <p:nvPr/>
-      </p:nvGrpSpPr>
-      <p:grpSpPr>
-        <a:xfrm>
-          <a:off x="0" y="0"/>
-          <a:ext cx="0" cy="0"/>
-          <a:chOff x="0" y="0"/>
-          <a:chExt cx="0" cy="0"/>
-        </a:xfrm>
-      </p:grpSpPr>
-      <p:sp>
-        <p:nvSpPr>
-          <p:cNvPr id="49" name="文本框 48">
-            <a:extLst>
-              <a:ext uri="{FF2B5EF4-FFF2-40B4-BE49-F238E27FC236}">
-                <a16:creationId xmlns:a16="http://schemas.microsoft.com/office/drawing/2014/main" id="{FCCFA090-07AF-74B8-33CF-E33873817493}"/>
-              </a:ext>
-            </a:extLst>
-          </p:cNvPr>
-          <p:cNvSpPr txBox="1"/>
-          <p:nvPr/>
-        </p:nvSpPr>
-        <p:spPr>
-          <a:xfrm>
-            <a:off x="434688" y="267393"/>
-            <a:ext cx="4591359" cy="523220"/>
-          </a:xfrm>
-          <a:prstGeom prst="rect">
-            <a:avLst/>
-          </a:prstGeom>
-          <a:noFill/>
-        </p:spPr>
-        <p:txBody>
-          <a:bodyPr wrap="square" rtlCol="0">
-            <a:spAutoFit/>
-          </a:bodyPr>
-          <a:lstStyle/>
-          <a:p>
-            <a:pPr marL="0" marR="0" lvl="0" indent="0" algn="l" defTabSz="914400" rtl="0" eaLnBrk="1" fontAlgn="auto" latinLnBrk="0" hangingPunct="1">
-              <a:lnSpc>
-                <a:spcPct val="100000"/>
-              </a:lnSpc>
-              <a:spcBef>
-                <a:spcPts val="0"/>
-              </a:spcBef>
-              <a:spcAft>
-                <a:spcPts val="0"/>
-              </a:spcAft>
-              <a:buClrTx/>
-              <a:buSzTx/>
-              <a:buFontTx/>
-              <a:buNone/>
-              <a:tabLst/>
-              <a:defRPr/>
-            </a:pPr>
-            <a:r>
-              <a:rPr kumimoji="0" lang="zh-CN" altLang="en-US" sz="2800" b="1" i="0" u="none" strike="noStrike" kern="1200" cap="none" spc="0" normalizeH="0" baseline="0" noProof="0" dirty="0">
-                <a:ln>
-                  <a:noFill/>
-                </a:ln>
-                <a:solidFill>
-                  <a:prstClr val="black"/>
-                </a:solidFill>
-                <a:effectLst/>
-                <a:uLnTx/>
-                <a:uFillTx/>
-                <a:latin typeface="等线" panose="020F0502020204030204"/>
-                <a:ea typeface="等线" panose="02010600030101010101" pitchFamily="2" charset="-122"/>
-                <a:cs typeface="+mn-cs"/>
-              </a:rPr>
-              <a:t>图灵完备的第三条技术路线</a:t>
-            </a:r>
-          </a:p>
-        </p:txBody>
-      </p:sp>
-      <p:sp>
-        <p:nvSpPr>
-          <p:cNvPr id="2" name="文本框 1">
-            <a:extLst>
-              <a:ext uri="{FF2B5EF4-FFF2-40B4-BE49-F238E27FC236}">
-                <a16:creationId xmlns:a16="http://schemas.microsoft.com/office/drawing/2014/main" id="{123AE87D-C3A1-2EF7-09D9-800E153C6DAD}"/>
-              </a:ext>
-            </a:extLst>
-          </p:cNvPr>
-          <p:cNvSpPr txBox="1"/>
-          <p:nvPr/>
-        </p:nvSpPr>
-        <p:spPr>
-          <a:xfrm>
-            <a:off x="1954924" y="1416723"/>
-            <a:ext cx="7699879" cy="2554545"/>
-          </a:xfrm>
-          <a:prstGeom prst="rect">
-            <a:avLst/>
-          </a:prstGeom>
-          <a:noFill/>
-        </p:spPr>
-        <p:txBody>
-          <a:bodyPr wrap="square" rtlCol="0">
-            <a:spAutoFit/>
-          </a:bodyPr>
-          <a:lstStyle/>
-          <a:p>
-            <a:r>
-              <a:rPr lang="en-US" altLang="zh-CN" sz="4000" dirty="0"/>
-              <a:t>           Y = F(X)</a:t>
-            </a:r>
-          </a:p>
-          <a:p>
-            <a:pPr algn="ctr"/>
-            <a:r>
-              <a:rPr lang="en-US" altLang="zh-CN" sz="4000" dirty="0"/>
-              <a:t>  = (F0+F1)(X0+X1)</a:t>
-            </a:r>
-          </a:p>
-          <a:p>
-            <a:pPr algn="ctr"/>
-            <a:r>
-              <a:rPr lang="en-US" altLang="zh-CN" sz="4000" dirty="0"/>
-              <a:t>= F0(X0) + Delta</a:t>
-            </a:r>
-          </a:p>
-          <a:p>
-            <a:pPr algn="ctr"/>
-            <a:r>
-              <a:rPr lang="zh-CN" altLang="en-US" sz="4000" dirty="0"/>
-              <a:t>    </a:t>
-            </a:r>
-            <a:endParaRPr lang="en-US" altLang="zh-CN" sz="4000" dirty="0"/>
-          </a:p>
-        </p:txBody>
-      </p:sp>
-      <mc:AlternateContent xmlns:mc="http://schemas.openxmlformats.org/markup-compatibility/2006" xmlns:a14="http://schemas.microsoft.com/office/drawing/2010/main">
-        <mc:Choice Requires="a14">
-          <p:sp>
-            <p:nvSpPr>
-              <p:cNvPr id="3" name="文本框 2">
-                <a:extLst>
-                  <a:ext uri="{FF2B5EF4-FFF2-40B4-BE49-F238E27FC236}">
-                    <a16:creationId xmlns:a16="http://schemas.microsoft.com/office/drawing/2014/main" id="{24E2CD5D-C17B-E1E9-59C4-0C3F645A63B3}"/>
-                  </a:ext>
-                </a:extLst>
-              </p:cNvPr>
-              <p:cNvSpPr txBox="1"/>
-              <p:nvPr/>
-            </p:nvSpPr>
-            <p:spPr>
-              <a:xfrm>
-                <a:off x="1954924" y="3826744"/>
-                <a:ext cx="7863839" cy="1938992"/>
-              </a:xfrm>
-              <a:prstGeom prst="rect">
-                <a:avLst/>
-              </a:prstGeom>
-              <a:noFill/>
-            </p:spPr>
-            <p:txBody>
-              <a:bodyPr wrap="square" rtlCol="0">
-                <a:spAutoFit/>
-              </a:bodyPr>
-              <a:lstStyle/>
-              <a:p>
-                <a:pPr algn="ctr"/>
-                <a:r>
-                  <a:rPr lang="zh-CN" altLang="en-US" sz="4000" dirty="0"/>
-                  <a:t>    图灵机：固定机器，无限数据</a:t>
-                </a:r>
-                <a:endParaRPr lang="en-US" altLang="zh-CN" sz="4000" dirty="0"/>
-              </a:p>
-              <a:p>
-                <a:pPr algn="ctr"/>
-                <a14:m>
-                  <m:oMath xmlns:m="http://schemas.openxmlformats.org/officeDocument/2006/math">
-                    <m:r>
-                      <a:rPr lang="en-US" altLang="zh-CN" sz="4000" b="0" i="1" smtClean="0">
-                        <a:latin typeface="Cambria Math" panose="02040503050406030204" pitchFamily="18" charset="0"/>
-                      </a:rPr>
-                      <m:t>       </m:t>
-                    </m:r>
-                    <m:r>
-                      <a:rPr lang="zh-CN" altLang="en-US" sz="4000" i="1" smtClean="0">
-                        <a:latin typeface="Cambria Math" panose="02040503050406030204" pitchFamily="18" charset="0"/>
-                      </a:rPr>
-                      <m:t>𝜆</m:t>
-                    </m:r>
-                    <m:r>
-                      <a:rPr lang="zh-CN" altLang="en-US" sz="4000" i="1">
-                        <a:latin typeface="Cambria Math" panose="02040503050406030204" pitchFamily="18" charset="0"/>
-                      </a:rPr>
-                      <m:t>演算</m:t>
-                    </m:r>
-                  </m:oMath>
-                </a14:m>
-                <a:r>
-                  <a:rPr lang="zh-CN" altLang="en-US" sz="4000" dirty="0"/>
-                  <a:t>：固定数据，无限机器</a:t>
-                </a:r>
-                <a:endParaRPr lang="en-US" altLang="zh-CN" sz="4000" dirty="0"/>
-              </a:p>
-              <a:p>
-                <a:pPr algn="ctr"/>
-                <a:r>
-                  <a:rPr lang="zh-CN" altLang="en-US" sz="4000" dirty="0"/>
-                  <a:t>可逆计算：有限认知，微扰展开</a:t>
-                </a:r>
-                <a:endParaRPr lang="en-US" altLang="zh-CN" sz="4000" dirty="0"/>
-              </a:p>
-            </p:txBody>
-          </p:sp>
-        </mc:Choice>
-        <mc:Fallback xmlns="">
-          <p:sp>
-            <p:nvSpPr>
-              <p:cNvPr id="3" name="文本框 2">
-                <a:extLst>
-                  <a:ext uri="{FF2B5EF4-FFF2-40B4-BE49-F238E27FC236}">
-                    <a16:creationId xmlns:a16="http://schemas.microsoft.com/office/drawing/2014/main" id="{24E2CD5D-C17B-E1E9-59C4-0C3F645A63B3}"/>
-                  </a:ext>
-                </a:extLst>
-              </p:cNvPr>
-              <p:cNvSpPr txBox="1">
-                <a:spLocks noRot="1" noChangeAspect="1" noMove="1" noResize="1" noEditPoints="1" noAdjustHandles="1" noChangeArrowheads="1" noChangeShapeType="1" noTextEdit="1"/>
-              </p:cNvSpPr>
-              <p:nvPr/>
-            </p:nvSpPr>
-            <p:spPr>
-              <a:xfrm>
-                <a:off x="1954924" y="3826744"/>
-                <a:ext cx="7863839" cy="1938992"/>
-              </a:xfrm>
-              <a:prstGeom prst="rect">
-                <a:avLst/>
-              </a:prstGeom>
-              <a:blipFill>
-                <a:blip r:embed="rId2"/>
-                <a:stretch>
-                  <a:fillRect t="-5660" b="-12579"/>
-                </a:stretch>
-              </a:blipFill>
-            </p:spPr>
-            <p:txBody>
-              <a:bodyPr/>
-              <a:lstStyle/>
-              <a:p>
-                <a:r>
-                  <a:rPr lang="zh-CN" altLang="en-US">
-                    <a:noFill/>
-                  </a:rPr>
-                  <a:t> </a:t>
-                </a:r>
-              </a:p>
-            </p:txBody>
-          </p:sp>
-        </mc:Fallback>
-      </mc:AlternateContent>
-    </p:spTree>
-    <p:extLst>
-      <p:ext uri="{BB962C8B-B14F-4D97-AF65-F5344CB8AC3E}">
-        <p14:creationId xmlns:p14="http://schemas.microsoft.com/office/powerpoint/2010/main" val="4251900169"/>
       </p:ext>
     </p:extLst>
   </p:cSld>
@@ -8608,39 +13609,9 @@
           </a:bodyPr>
           <a:lstStyle/>
           <a:p>
-            <a:pPr marL="0" marR="0" lvl="0" indent="0" algn="l" defTabSz="914400" rtl="0" eaLnBrk="1" fontAlgn="auto" latinLnBrk="0" hangingPunct="1">
-              <a:lnSpc>
-                <a:spcPct val="100000"/>
-              </a:lnSpc>
-              <a:spcBef>
-                <a:spcPts val="0"/>
-              </a:spcBef>
-              <a:spcAft>
-                <a:spcPts val="0"/>
-              </a:spcAft>
-              <a:buClrTx/>
-              <a:buSzTx/>
-              <a:buFontTx/>
-              <a:buNone/>
-              <a:tabLst/>
-              <a:defRPr/>
-            </a:pPr>
-            <a:r>
-              <a:rPr kumimoji="0" lang="zh-CN" altLang="en-US" sz="2800" b="1" i="0" u="none" strike="noStrike" kern="1200" cap="none" spc="0" normalizeH="0" baseline="0" noProof="0" dirty="0">
-                <a:ln>
-                  <a:noFill/>
-                </a:ln>
-                <a:solidFill>
-                  <a:prstClr val="black"/>
-                </a:solidFill>
-                <a:effectLst/>
-                <a:uLnTx/>
-                <a:uFillTx/>
-                <a:latin typeface="等线" panose="020F0502020204030204"/>
-                <a:ea typeface="等线" panose="02010600030101010101" pitchFamily="2" charset="-122"/>
-                <a:cs typeface="+mn-cs"/>
-              </a:rPr>
-              <a:t>模型驱动架构的补完</a:t>
+            <a:r>
+              <a:rPr lang="zh-CN" altLang="en-US" sz="2800" b="1" dirty="0"/>
+              <a:t>模型驱动的补完计划</a:t>
             </a:r>
           </a:p>
         </p:txBody>
@@ -8754,6 +13725,1610 @@
 </file>
 
 <file path=ppt/slides/slide6.xml><?xml version="1.0" encoding="utf-8"?>
+<p:sld xmlns:a="http://schemas.openxmlformats.org/drawingml/2006/main" xmlns:r="http://schemas.openxmlformats.org/officeDocument/2006/relationships" xmlns:p="http://schemas.openxmlformats.org/presentationml/2006/main">
+  <p:cSld>
+    <p:spTree>
+      <p:nvGrpSpPr>
+        <p:cNvPr id="1" name=""/>
+        <p:cNvGrpSpPr/>
+        <p:nvPr/>
+      </p:nvGrpSpPr>
+      <p:grpSpPr>
+        <a:xfrm>
+          <a:off x="0" y="0"/>
+          <a:ext cx="0" cy="0"/>
+          <a:chOff x="0" y="0"/>
+          <a:chExt cx="0" cy="0"/>
+        </a:xfrm>
+      </p:grpSpPr>
+      <p:sp>
+        <p:nvSpPr>
+          <p:cNvPr id="2" name="椭圆 1">
+            <a:extLst>
+              <a:ext uri="{FF2B5EF4-FFF2-40B4-BE49-F238E27FC236}">
+                <a16:creationId xmlns:a16="http://schemas.microsoft.com/office/drawing/2014/main" id="{9C8D1B08-AABE-CB26-E0DF-B972FCD61D53}"/>
+              </a:ext>
+            </a:extLst>
+          </p:cNvPr>
+          <p:cNvSpPr/>
+          <p:nvPr/>
+        </p:nvSpPr>
+        <p:spPr>
+          <a:xfrm>
+            <a:off x="4388779" y="969073"/>
+            <a:ext cx="1661602" cy="751537"/>
+          </a:xfrm>
+          <a:prstGeom prst="ellipse">
+            <a:avLst/>
+          </a:prstGeom>
+        </p:spPr>
+        <p:style>
+          <a:lnRef idx="2">
+            <a:schemeClr val="accent1">
+              <a:shade val="50000"/>
+            </a:schemeClr>
+          </a:lnRef>
+          <a:fillRef idx="1">
+            <a:schemeClr val="accent1"/>
+          </a:fillRef>
+          <a:effectRef idx="0">
+            <a:schemeClr val="accent1"/>
+          </a:effectRef>
+          <a:fontRef idx="minor">
+            <a:schemeClr val="lt1"/>
+          </a:fontRef>
+        </p:style>
+        <p:txBody>
+          <a:bodyPr rtlCol="0" anchor="ctr"/>
+          <a:lstStyle/>
+          <a:p>
+            <a:pPr algn="ctr"/>
+            <a:r>
+              <a:rPr lang="en-US" altLang="zh-CN" dirty="0"/>
+              <a:t>DSL</a:t>
+            </a:r>
+            <a:endParaRPr lang="zh-CN" altLang="en-US" dirty="0"/>
+          </a:p>
+        </p:txBody>
+      </p:sp>
+      <p:sp>
+        <p:nvSpPr>
+          <p:cNvPr id="3" name="椭圆 2">
+            <a:extLst>
+              <a:ext uri="{FF2B5EF4-FFF2-40B4-BE49-F238E27FC236}">
+                <a16:creationId xmlns:a16="http://schemas.microsoft.com/office/drawing/2014/main" id="{196463FB-5DD0-02E5-1BD9-45C2957449D1}"/>
+              </a:ext>
+            </a:extLst>
+          </p:cNvPr>
+          <p:cNvSpPr/>
+          <p:nvPr/>
+        </p:nvSpPr>
+        <p:spPr>
+          <a:xfrm>
+            <a:off x="7411094" y="974521"/>
+            <a:ext cx="1661603" cy="751537"/>
+          </a:xfrm>
+          <a:prstGeom prst="ellipse">
+            <a:avLst/>
+          </a:prstGeom>
+          <a:solidFill>
+            <a:schemeClr val="tx1"/>
+          </a:solidFill>
+        </p:spPr>
+        <p:style>
+          <a:lnRef idx="2">
+            <a:schemeClr val="accent1">
+              <a:shade val="50000"/>
+            </a:schemeClr>
+          </a:lnRef>
+          <a:fillRef idx="1">
+            <a:schemeClr val="accent1"/>
+          </a:fillRef>
+          <a:effectRef idx="0">
+            <a:schemeClr val="accent1"/>
+          </a:effectRef>
+          <a:fontRef idx="minor">
+            <a:schemeClr val="lt1"/>
+          </a:fontRef>
+        </p:style>
+        <p:txBody>
+          <a:bodyPr rtlCol="0" anchor="ctr"/>
+          <a:lstStyle/>
+          <a:p>
+            <a:pPr algn="ctr"/>
+            <a:r>
+              <a:rPr lang="en-US" altLang="zh-CN" dirty="0"/>
+              <a:t>App</a:t>
+            </a:r>
+            <a:endParaRPr lang="zh-CN" altLang="en-US" dirty="0"/>
+          </a:p>
+        </p:txBody>
+      </p:sp>
+      <p:sp>
+        <p:nvSpPr>
+          <p:cNvPr id="5" name="箭头: 右 4">
+            <a:extLst>
+              <a:ext uri="{FF2B5EF4-FFF2-40B4-BE49-F238E27FC236}">
+                <a16:creationId xmlns:a16="http://schemas.microsoft.com/office/drawing/2014/main" id="{6F3292F0-E1F7-D047-2003-B400FD1A1F57}"/>
+              </a:ext>
+            </a:extLst>
+          </p:cNvPr>
+          <p:cNvSpPr/>
+          <p:nvPr/>
+        </p:nvSpPr>
+        <p:spPr>
+          <a:xfrm>
+            <a:off x="6376951" y="1246661"/>
+            <a:ext cx="849086" cy="122464"/>
+          </a:xfrm>
+          <a:prstGeom prst="rightArrow">
+            <a:avLst/>
+          </a:prstGeom>
+        </p:spPr>
+        <p:style>
+          <a:lnRef idx="2">
+            <a:schemeClr val="accent1">
+              <a:shade val="50000"/>
+            </a:schemeClr>
+          </a:lnRef>
+          <a:fillRef idx="1">
+            <a:schemeClr val="accent1"/>
+          </a:fillRef>
+          <a:effectRef idx="0">
+            <a:schemeClr val="accent1"/>
+          </a:effectRef>
+          <a:fontRef idx="minor">
+            <a:schemeClr val="lt1"/>
+          </a:fontRef>
+        </p:style>
+        <p:txBody>
+          <a:bodyPr rtlCol="0" anchor="ctr"/>
+          <a:lstStyle/>
+          <a:p>
+            <a:pPr algn="ctr"/>
+            <a:endParaRPr lang="zh-CN" altLang="en-US"/>
+          </a:p>
+        </p:txBody>
+      </p:sp>
+      <p:sp>
+        <p:nvSpPr>
+          <p:cNvPr id="26" name="矩形 25">
+            <a:extLst>
+              <a:ext uri="{FF2B5EF4-FFF2-40B4-BE49-F238E27FC236}">
+                <a16:creationId xmlns:a16="http://schemas.microsoft.com/office/drawing/2014/main" id="{7CE1272F-FB37-D915-AAE0-14957294C46B}"/>
+              </a:ext>
+            </a:extLst>
+          </p:cNvPr>
+          <p:cNvSpPr/>
+          <p:nvPr/>
+        </p:nvSpPr>
+        <p:spPr>
+          <a:xfrm>
+            <a:off x="3953768" y="2636917"/>
+            <a:ext cx="2168531" cy="751537"/>
+          </a:xfrm>
+          <a:prstGeom prst="rect">
+            <a:avLst/>
+          </a:prstGeom>
+        </p:spPr>
+        <p:style>
+          <a:lnRef idx="2">
+            <a:schemeClr val="accent1">
+              <a:shade val="50000"/>
+            </a:schemeClr>
+          </a:lnRef>
+          <a:fillRef idx="1">
+            <a:schemeClr val="accent1"/>
+          </a:fillRef>
+          <a:effectRef idx="0">
+            <a:schemeClr val="accent1"/>
+          </a:effectRef>
+          <a:fontRef idx="minor">
+            <a:schemeClr val="lt1"/>
+          </a:fontRef>
+        </p:style>
+        <p:txBody>
+          <a:bodyPr rtlCol="0" anchor="ctr"/>
+          <a:lstStyle/>
+          <a:p>
+            <a:pPr algn="ctr"/>
+            <a:r>
+              <a:rPr lang="en-US" altLang="zh-CN" dirty="0"/>
+              <a:t>Generator&lt;DSL&gt;</a:t>
+            </a:r>
+            <a:endParaRPr lang="zh-CN" altLang="en-US" dirty="0"/>
+          </a:p>
+        </p:txBody>
+      </p:sp>
+      <p:sp>
+        <p:nvSpPr>
+          <p:cNvPr id="27" name="波形 26">
+            <a:extLst>
+              <a:ext uri="{FF2B5EF4-FFF2-40B4-BE49-F238E27FC236}">
+                <a16:creationId xmlns:a16="http://schemas.microsoft.com/office/drawing/2014/main" id="{54F89A0A-395C-1284-2BEF-441CAB1693D9}"/>
+              </a:ext>
+            </a:extLst>
+          </p:cNvPr>
+          <p:cNvSpPr/>
+          <p:nvPr/>
+        </p:nvSpPr>
+        <p:spPr>
+          <a:xfrm>
+            <a:off x="6421347" y="2825394"/>
+            <a:ext cx="849086" cy="184142"/>
+          </a:xfrm>
+          <a:prstGeom prst="wave">
+            <a:avLst/>
+          </a:prstGeom>
+        </p:spPr>
+        <p:style>
+          <a:lnRef idx="2">
+            <a:schemeClr val="accent1">
+              <a:shade val="50000"/>
+            </a:schemeClr>
+          </a:lnRef>
+          <a:fillRef idx="1">
+            <a:schemeClr val="accent1"/>
+          </a:fillRef>
+          <a:effectRef idx="0">
+            <a:schemeClr val="accent1"/>
+          </a:effectRef>
+          <a:fontRef idx="minor">
+            <a:schemeClr val="lt1"/>
+          </a:fontRef>
+        </p:style>
+        <p:txBody>
+          <a:bodyPr rtlCol="0" anchor="ctr"/>
+          <a:lstStyle/>
+          <a:p>
+            <a:pPr algn="ctr"/>
+            <a:endParaRPr lang="zh-CN" altLang="en-US"/>
+          </a:p>
+        </p:txBody>
+      </p:sp>
+      <p:sp>
+        <p:nvSpPr>
+          <p:cNvPr id="28" name="波形 27">
+            <a:extLst>
+              <a:ext uri="{FF2B5EF4-FFF2-40B4-BE49-F238E27FC236}">
+                <a16:creationId xmlns:a16="http://schemas.microsoft.com/office/drawing/2014/main" id="{FD6469EE-34F1-2386-64CF-D5539AA5F783}"/>
+              </a:ext>
+            </a:extLst>
+          </p:cNvPr>
+          <p:cNvSpPr/>
+          <p:nvPr/>
+        </p:nvSpPr>
+        <p:spPr>
+          <a:xfrm>
+            <a:off x="6421347" y="3051422"/>
+            <a:ext cx="849086" cy="184142"/>
+          </a:xfrm>
+          <a:prstGeom prst="wave">
+            <a:avLst/>
+          </a:prstGeom>
+        </p:spPr>
+        <p:style>
+          <a:lnRef idx="2">
+            <a:schemeClr val="accent1">
+              <a:shade val="50000"/>
+            </a:schemeClr>
+          </a:lnRef>
+          <a:fillRef idx="1">
+            <a:schemeClr val="accent1"/>
+          </a:fillRef>
+          <a:effectRef idx="0">
+            <a:schemeClr val="accent1"/>
+          </a:effectRef>
+          <a:fontRef idx="minor">
+            <a:schemeClr val="lt1"/>
+          </a:fontRef>
+        </p:style>
+        <p:txBody>
+          <a:bodyPr rtlCol="0" anchor="ctr"/>
+          <a:lstStyle/>
+          <a:p>
+            <a:pPr algn="ctr"/>
+            <a:endParaRPr lang="zh-CN" altLang="en-US"/>
+          </a:p>
+        </p:txBody>
+      </p:sp>
+      <p:sp>
+        <p:nvSpPr>
+          <p:cNvPr id="29" name="椭圆 28">
+            <a:extLst>
+              <a:ext uri="{FF2B5EF4-FFF2-40B4-BE49-F238E27FC236}">
+                <a16:creationId xmlns:a16="http://schemas.microsoft.com/office/drawing/2014/main" id="{3876BAD3-A6D9-E452-43F0-80BF855A026B}"/>
+              </a:ext>
+            </a:extLst>
+          </p:cNvPr>
+          <p:cNvSpPr/>
+          <p:nvPr/>
+        </p:nvSpPr>
+        <p:spPr>
+          <a:xfrm>
+            <a:off x="7460754" y="2575576"/>
+            <a:ext cx="1661603" cy="751537"/>
+          </a:xfrm>
+          <a:prstGeom prst="ellipse">
+            <a:avLst/>
+          </a:prstGeom>
+          <a:solidFill>
+            <a:schemeClr val="tx1"/>
+          </a:solidFill>
+        </p:spPr>
+        <p:style>
+          <a:lnRef idx="2">
+            <a:schemeClr val="accent1">
+              <a:shade val="50000"/>
+            </a:schemeClr>
+          </a:lnRef>
+          <a:fillRef idx="1">
+            <a:schemeClr val="accent1"/>
+          </a:fillRef>
+          <a:effectRef idx="0">
+            <a:schemeClr val="accent1"/>
+          </a:effectRef>
+          <a:fontRef idx="minor">
+            <a:schemeClr val="lt1"/>
+          </a:fontRef>
+        </p:style>
+        <p:txBody>
+          <a:bodyPr rtlCol="0" anchor="ctr"/>
+          <a:lstStyle/>
+          <a:p>
+            <a:pPr algn="ctr"/>
+            <a:r>
+              <a:rPr lang="en-US" altLang="zh-CN" dirty="0"/>
+              <a:t>App</a:t>
+            </a:r>
+            <a:endParaRPr lang="zh-CN" altLang="en-US" dirty="0"/>
+          </a:p>
+        </p:txBody>
+      </p:sp>
+      <p:sp>
+        <p:nvSpPr>
+          <p:cNvPr id="30" name="椭圆 29">
+            <a:extLst>
+              <a:ext uri="{FF2B5EF4-FFF2-40B4-BE49-F238E27FC236}">
+                <a16:creationId xmlns:a16="http://schemas.microsoft.com/office/drawing/2014/main" id="{616A20E3-C00A-BBC1-D970-B5C701808B2F}"/>
+              </a:ext>
+            </a:extLst>
+          </p:cNvPr>
+          <p:cNvSpPr/>
+          <p:nvPr/>
+        </p:nvSpPr>
+        <p:spPr>
+          <a:xfrm>
+            <a:off x="2239765" y="4515679"/>
+            <a:ext cx="1661603" cy="751537"/>
+          </a:xfrm>
+          <a:prstGeom prst="ellipse">
+            <a:avLst/>
+          </a:prstGeom>
+          <a:solidFill>
+            <a:srgbClr val="00B050"/>
+          </a:solidFill>
+        </p:spPr>
+        <p:style>
+          <a:lnRef idx="2">
+            <a:schemeClr val="accent1">
+              <a:shade val="50000"/>
+            </a:schemeClr>
+          </a:lnRef>
+          <a:fillRef idx="1">
+            <a:schemeClr val="accent1"/>
+          </a:fillRef>
+          <a:effectRef idx="0">
+            <a:schemeClr val="accent1"/>
+          </a:effectRef>
+          <a:fontRef idx="minor">
+            <a:schemeClr val="lt1"/>
+          </a:fontRef>
+        </p:style>
+        <p:txBody>
+          <a:bodyPr rtlCol="0" anchor="ctr"/>
+          <a:lstStyle/>
+          <a:p>
+            <a:pPr algn="ctr"/>
+            <a:r>
+              <a:rPr lang="en-US" altLang="zh-CN" dirty="0"/>
+              <a:t>Delta</a:t>
+            </a:r>
+            <a:endParaRPr lang="zh-CN" altLang="en-US" dirty="0"/>
+          </a:p>
+        </p:txBody>
+      </p:sp>
+      <p:sp>
+        <p:nvSpPr>
+          <p:cNvPr id="34" name="矩形 33">
+            <a:extLst>
+              <a:ext uri="{FF2B5EF4-FFF2-40B4-BE49-F238E27FC236}">
+                <a16:creationId xmlns:a16="http://schemas.microsoft.com/office/drawing/2014/main" id="{9D124D0D-80EC-99EE-1E71-82D0F4D25F32}"/>
+              </a:ext>
+            </a:extLst>
+          </p:cNvPr>
+          <p:cNvSpPr/>
+          <p:nvPr/>
+        </p:nvSpPr>
+        <p:spPr>
+          <a:xfrm>
+            <a:off x="5308602" y="4515788"/>
+            <a:ext cx="2168531" cy="751537"/>
+          </a:xfrm>
+          <a:prstGeom prst="rect">
+            <a:avLst/>
+          </a:prstGeom>
+        </p:spPr>
+        <p:style>
+          <a:lnRef idx="2">
+            <a:schemeClr val="accent1">
+              <a:shade val="50000"/>
+            </a:schemeClr>
+          </a:lnRef>
+          <a:fillRef idx="1">
+            <a:schemeClr val="accent1"/>
+          </a:fillRef>
+          <a:effectRef idx="0">
+            <a:schemeClr val="accent1"/>
+          </a:effectRef>
+          <a:fontRef idx="minor">
+            <a:schemeClr val="lt1"/>
+          </a:fontRef>
+        </p:style>
+        <p:txBody>
+          <a:bodyPr rtlCol="0" anchor="ctr"/>
+          <a:lstStyle/>
+          <a:p>
+            <a:pPr algn="ctr"/>
+            <a:r>
+              <a:rPr lang="en-US" altLang="zh-CN" dirty="0"/>
+              <a:t>Generator&lt;DSL&gt;</a:t>
+            </a:r>
+            <a:endParaRPr lang="zh-CN" altLang="en-US" dirty="0"/>
+          </a:p>
+        </p:txBody>
+      </p:sp>
+      <p:sp>
+        <p:nvSpPr>
+          <p:cNvPr id="35" name="箭头: 右 34">
+            <a:extLst>
+              <a:ext uri="{FF2B5EF4-FFF2-40B4-BE49-F238E27FC236}">
+                <a16:creationId xmlns:a16="http://schemas.microsoft.com/office/drawing/2014/main" id="{4AC889E5-7C6B-345C-EB0D-EA6A15EE3E41}"/>
+              </a:ext>
+            </a:extLst>
+          </p:cNvPr>
+          <p:cNvSpPr/>
+          <p:nvPr/>
+        </p:nvSpPr>
+        <p:spPr>
+          <a:xfrm>
+            <a:off x="4203532" y="4765565"/>
+            <a:ext cx="842481" cy="293960"/>
+          </a:xfrm>
+          <a:prstGeom prst="rightArrow">
+            <a:avLst>
+              <a:gd name="adj1" fmla="val 33704"/>
+              <a:gd name="adj2" fmla="val 50000"/>
+            </a:avLst>
+          </a:prstGeom>
+        </p:spPr>
+        <p:style>
+          <a:lnRef idx="2">
+            <a:schemeClr val="accent1">
+              <a:shade val="50000"/>
+            </a:schemeClr>
+          </a:lnRef>
+          <a:fillRef idx="1">
+            <a:schemeClr val="accent1"/>
+          </a:fillRef>
+          <a:effectRef idx="0">
+            <a:schemeClr val="accent1"/>
+          </a:effectRef>
+          <a:fontRef idx="minor">
+            <a:schemeClr val="lt1"/>
+          </a:fontRef>
+        </p:style>
+        <p:txBody>
+          <a:bodyPr rtlCol="0" anchor="ctr"/>
+          <a:lstStyle/>
+          <a:p>
+            <a:pPr algn="ctr"/>
+            <a:endParaRPr lang="zh-CN" altLang="en-US"/>
+          </a:p>
+        </p:txBody>
+      </p:sp>
+      <p:sp>
+        <p:nvSpPr>
+          <p:cNvPr id="33" name="加号 32">
+            <a:extLst>
+              <a:ext uri="{FF2B5EF4-FFF2-40B4-BE49-F238E27FC236}">
+                <a16:creationId xmlns:a16="http://schemas.microsoft.com/office/drawing/2014/main" id="{679FA90A-2AC3-68A9-EF59-E42519DE28E1}"/>
+              </a:ext>
+            </a:extLst>
+          </p:cNvPr>
+          <p:cNvSpPr/>
+          <p:nvPr/>
+        </p:nvSpPr>
+        <p:spPr>
+          <a:xfrm>
+            <a:off x="4058597" y="4536485"/>
+            <a:ext cx="977142" cy="751537"/>
+          </a:xfrm>
+          <a:prstGeom prst="mathPlus">
+            <a:avLst/>
+          </a:prstGeom>
+        </p:spPr>
+        <p:style>
+          <a:lnRef idx="2">
+            <a:schemeClr val="accent1">
+              <a:shade val="50000"/>
+            </a:schemeClr>
+          </a:lnRef>
+          <a:fillRef idx="1">
+            <a:schemeClr val="accent1"/>
+          </a:fillRef>
+          <a:effectRef idx="0">
+            <a:schemeClr val="accent1"/>
+          </a:effectRef>
+          <a:fontRef idx="minor">
+            <a:schemeClr val="lt1"/>
+          </a:fontRef>
+        </p:style>
+        <p:txBody>
+          <a:bodyPr rtlCol="0" anchor="ctr"/>
+          <a:lstStyle/>
+          <a:p>
+            <a:pPr algn="ctr"/>
+            <a:endParaRPr lang="zh-CN" altLang="en-US"/>
+          </a:p>
+        </p:txBody>
+      </p:sp>
+      <p:sp>
+        <p:nvSpPr>
+          <p:cNvPr id="37" name="矩形 36">
+            <a:extLst>
+              <a:ext uri="{FF2B5EF4-FFF2-40B4-BE49-F238E27FC236}">
+                <a16:creationId xmlns:a16="http://schemas.microsoft.com/office/drawing/2014/main" id="{0FFC943B-05AA-5C56-2937-2AC8C8200392}"/>
+              </a:ext>
+            </a:extLst>
+          </p:cNvPr>
+          <p:cNvSpPr/>
+          <p:nvPr/>
+        </p:nvSpPr>
+        <p:spPr>
+          <a:xfrm>
+            <a:off x="8001862" y="4940158"/>
+            <a:ext cx="772268" cy="119367"/>
+          </a:xfrm>
+          <a:prstGeom prst="rect">
+            <a:avLst/>
+          </a:prstGeom>
+        </p:spPr>
+        <p:style>
+          <a:lnRef idx="2">
+            <a:schemeClr val="accent1">
+              <a:shade val="50000"/>
+            </a:schemeClr>
+          </a:lnRef>
+          <a:fillRef idx="1">
+            <a:schemeClr val="accent1"/>
+          </a:fillRef>
+          <a:effectRef idx="0">
+            <a:schemeClr val="accent1"/>
+          </a:effectRef>
+          <a:fontRef idx="minor">
+            <a:schemeClr val="lt1"/>
+          </a:fontRef>
+        </p:style>
+        <p:txBody>
+          <a:bodyPr rtlCol="0" anchor="ctr"/>
+          <a:lstStyle/>
+          <a:p>
+            <a:pPr algn="ctr"/>
+            <a:endParaRPr lang="zh-CN" altLang="en-US"/>
+          </a:p>
+        </p:txBody>
+      </p:sp>
+      <p:sp>
+        <p:nvSpPr>
+          <p:cNvPr id="38" name="矩形 37">
+            <a:extLst>
+              <a:ext uri="{FF2B5EF4-FFF2-40B4-BE49-F238E27FC236}">
+                <a16:creationId xmlns:a16="http://schemas.microsoft.com/office/drawing/2014/main" id="{2503C6B9-8588-97A4-FA82-68BDEF9F1EF0}"/>
+              </a:ext>
+            </a:extLst>
+          </p:cNvPr>
+          <p:cNvSpPr/>
+          <p:nvPr/>
+        </p:nvSpPr>
+        <p:spPr>
+          <a:xfrm>
+            <a:off x="8000151" y="4743238"/>
+            <a:ext cx="773979" cy="119367"/>
+          </a:xfrm>
+          <a:prstGeom prst="rect">
+            <a:avLst/>
+          </a:prstGeom>
+        </p:spPr>
+        <p:style>
+          <a:lnRef idx="2">
+            <a:schemeClr val="accent1">
+              <a:shade val="50000"/>
+            </a:schemeClr>
+          </a:lnRef>
+          <a:fillRef idx="1">
+            <a:schemeClr val="accent1"/>
+          </a:fillRef>
+          <a:effectRef idx="0">
+            <a:schemeClr val="accent1"/>
+          </a:effectRef>
+          <a:fontRef idx="minor">
+            <a:schemeClr val="lt1"/>
+          </a:fontRef>
+        </p:style>
+        <p:txBody>
+          <a:bodyPr rtlCol="0" anchor="ctr"/>
+          <a:lstStyle/>
+          <a:p>
+            <a:pPr algn="ctr"/>
+            <a:endParaRPr lang="zh-CN" altLang="en-US"/>
+          </a:p>
+        </p:txBody>
+      </p:sp>
+      <p:sp>
+        <p:nvSpPr>
+          <p:cNvPr id="39" name="椭圆 38">
+            <a:extLst>
+              <a:ext uri="{FF2B5EF4-FFF2-40B4-BE49-F238E27FC236}">
+                <a16:creationId xmlns:a16="http://schemas.microsoft.com/office/drawing/2014/main" id="{4CC97309-4587-F45D-255D-14A6EC6D9BBB}"/>
+              </a:ext>
+            </a:extLst>
+          </p:cNvPr>
+          <p:cNvSpPr/>
+          <p:nvPr/>
+        </p:nvSpPr>
+        <p:spPr>
+          <a:xfrm>
+            <a:off x="9246749" y="4505404"/>
+            <a:ext cx="1661603" cy="751537"/>
+          </a:xfrm>
+          <a:prstGeom prst="ellipse">
+            <a:avLst/>
+          </a:prstGeom>
+          <a:solidFill>
+            <a:schemeClr val="tx1"/>
+          </a:solidFill>
+        </p:spPr>
+        <p:style>
+          <a:lnRef idx="2">
+            <a:schemeClr val="accent1">
+              <a:shade val="50000"/>
+            </a:schemeClr>
+          </a:lnRef>
+          <a:fillRef idx="1">
+            <a:schemeClr val="accent1"/>
+          </a:fillRef>
+          <a:effectRef idx="0">
+            <a:schemeClr val="accent1"/>
+          </a:effectRef>
+          <a:fontRef idx="minor">
+            <a:schemeClr val="lt1"/>
+          </a:fontRef>
+        </p:style>
+        <p:txBody>
+          <a:bodyPr rtlCol="0" anchor="ctr"/>
+          <a:lstStyle/>
+          <a:p>
+            <a:pPr algn="ctr"/>
+            <a:r>
+              <a:rPr lang="en-US" altLang="zh-CN" dirty="0"/>
+              <a:t>App</a:t>
+            </a:r>
+            <a:endParaRPr lang="zh-CN" altLang="en-US" dirty="0"/>
+          </a:p>
+        </p:txBody>
+      </p:sp>
+      <p:sp>
+        <p:nvSpPr>
+          <p:cNvPr id="6" name="文本框 5">
+            <a:extLst>
+              <a:ext uri="{FF2B5EF4-FFF2-40B4-BE49-F238E27FC236}">
+                <a16:creationId xmlns:a16="http://schemas.microsoft.com/office/drawing/2014/main" id="{886044FC-B065-DE39-E07E-69143E830ED5}"/>
+              </a:ext>
+            </a:extLst>
+          </p:cNvPr>
+          <p:cNvSpPr txBox="1"/>
+          <p:nvPr/>
+        </p:nvSpPr>
+        <p:spPr>
+          <a:xfrm>
+            <a:off x="531957" y="275012"/>
+            <a:ext cx="3526640" cy="523220"/>
+          </a:xfrm>
+          <a:prstGeom prst="rect">
+            <a:avLst/>
+          </a:prstGeom>
+          <a:noFill/>
+        </p:spPr>
+        <p:txBody>
+          <a:bodyPr wrap="square" rtlCol="0">
+            <a:spAutoFit/>
+          </a:bodyPr>
+          <a:lstStyle/>
+          <a:p>
+            <a:r>
+              <a:rPr lang="zh-CN" altLang="en-US" sz="2800" b="1" dirty="0"/>
+              <a:t>模型驱动的补完计划</a:t>
+            </a:r>
+          </a:p>
+        </p:txBody>
+      </p:sp>
+    </p:spTree>
+    <p:extLst>
+      <p:ext uri="{BB962C8B-B14F-4D97-AF65-F5344CB8AC3E}">
+        <p14:creationId xmlns:p14="http://schemas.microsoft.com/office/powerpoint/2010/main" val="2796935556"/>
+      </p:ext>
+    </p:extLst>
+  </p:cSld>
+  <p:clrMapOvr>
+    <a:masterClrMapping/>
+  </p:clrMapOvr>
+</p:sld>
+</file>
+
+<file path=ppt/slides/slide7.xml><?xml version="1.0" encoding="utf-8"?>
+<p:sld xmlns:a="http://schemas.openxmlformats.org/drawingml/2006/main" xmlns:r="http://schemas.openxmlformats.org/officeDocument/2006/relationships" xmlns:p="http://schemas.openxmlformats.org/presentationml/2006/main">
+  <p:cSld>
+    <p:spTree>
+      <p:nvGrpSpPr>
+        <p:cNvPr id="1" name=""/>
+        <p:cNvGrpSpPr/>
+        <p:nvPr/>
+      </p:nvGrpSpPr>
+      <p:grpSpPr>
+        <a:xfrm>
+          <a:off x="0" y="0"/>
+          <a:ext cx="0" cy="0"/>
+          <a:chOff x="0" y="0"/>
+          <a:chExt cx="0" cy="0"/>
+        </a:xfrm>
+      </p:grpSpPr>
+      <p:sp>
+        <p:nvSpPr>
+          <p:cNvPr id="4" name="椭圆 3">
+            <a:extLst>
+              <a:ext uri="{FF2B5EF4-FFF2-40B4-BE49-F238E27FC236}">
+                <a16:creationId xmlns:a16="http://schemas.microsoft.com/office/drawing/2014/main" id="{BA21F397-5CAF-7D57-3668-D7E3C34226A2}"/>
+              </a:ext>
+            </a:extLst>
+          </p:cNvPr>
+          <p:cNvSpPr/>
+          <p:nvPr/>
+        </p:nvSpPr>
+        <p:spPr>
+          <a:xfrm>
+            <a:off x="2126752" y="3406063"/>
+            <a:ext cx="1661603" cy="751537"/>
+          </a:xfrm>
+          <a:prstGeom prst="ellipse">
+            <a:avLst/>
+          </a:prstGeom>
+          <a:solidFill>
+            <a:srgbClr val="00B050"/>
+          </a:solidFill>
+        </p:spPr>
+        <p:style>
+          <a:lnRef idx="2">
+            <a:schemeClr val="accent1">
+              <a:shade val="50000"/>
+            </a:schemeClr>
+          </a:lnRef>
+          <a:fillRef idx="1">
+            <a:schemeClr val="accent1"/>
+          </a:fillRef>
+          <a:effectRef idx="0">
+            <a:schemeClr val="accent1"/>
+          </a:effectRef>
+          <a:fontRef idx="minor">
+            <a:schemeClr val="lt1"/>
+          </a:fontRef>
+        </p:style>
+        <p:txBody>
+          <a:bodyPr rtlCol="0" anchor="ctr"/>
+          <a:lstStyle/>
+          <a:p>
+            <a:pPr algn="ctr"/>
+            <a:r>
+              <a:rPr lang="en-US" altLang="zh-CN" dirty="0"/>
+              <a:t>Delta</a:t>
+            </a:r>
+            <a:endParaRPr lang="zh-CN" altLang="en-US" dirty="0"/>
+          </a:p>
+        </p:txBody>
+      </p:sp>
+      <p:sp>
+        <p:nvSpPr>
+          <p:cNvPr id="6" name="矩形 5">
+            <a:extLst>
+              <a:ext uri="{FF2B5EF4-FFF2-40B4-BE49-F238E27FC236}">
+                <a16:creationId xmlns:a16="http://schemas.microsoft.com/office/drawing/2014/main" id="{A592B2C6-E414-8D0D-7C13-EC4AA1091540}"/>
+              </a:ext>
+            </a:extLst>
+          </p:cNvPr>
+          <p:cNvSpPr/>
+          <p:nvPr/>
+        </p:nvSpPr>
+        <p:spPr>
+          <a:xfrm>
+            <a:off x="5195589" y="3406172"/>
+            <a:ext cx="2168531" cy="751537"/>
+          </a:xfrm>
+          <a:prstGeom prst="rect">
+            <a:avLst/>
+          </a:prstGeom>
+        </p:spPr>
+        <p:style>
+          <a:lnRef idx="2">
+            <a:schemeClr val="accent1">
+              <a:shade val="50000"/>
+            </a:schemeClr>
+          </a:lnRef>
+          <a:fillRef idx="1">
+            <a:schemeClr val="accent1"/>
+          </a:fillRef>
+          <a:effectRef idx="0">
+            <a:schemeClr val="accent1"/>
+          </a:effectRef>
+          <a:fontRef idx="minor">
+            <a:schemeClr val="lt1"/>
+          </a:fontRef>
+        </p:style>
+        <p:txBody>
+          <a:bodyPr rtlCol="0" anchor="ctr"/>
+          <a:lstStyle/>
+          <a:p>
+            <a:pPr algn="ctr"/>
+            <a:r>
+              <a:rPr lang="en-US" altLang="zh-CN" dirty="0"/>
+              <a:t>Generator&lt;DSL&gt;</a:t>
+            </a:r>
+            <a:endParaRPr lang="zh-CN" altLang="en-US" dirty="0"/>
+          </a:p>
+        </p:txBody>
+      </p:sp>
+      <p:sp>
+        <p:nvSpPr>
+          <p:cNvPr id="7" name="箭头: 右 6">
+            <a:extLst>
+              <a:ext uri="{FF2B5EF4-FFF2-40B4-BE49-F238E27FC236}">
+                <a16:creationId xmlns:a16="http://schemas.microsoft.com/office/drawing/2014/main" id="{B43E41AE-E5AE-5FD0-C739-3429C3503F2C}"/>
+              </a:ext>
+            </a:extLst>
+          </p:cNvPr>
+          <p:cNvSpPr/>
+          <p:nvPr/>
+        </p:nvSpPr>
+        <p:spPr>
+          <a:xfrm>
+            <a:off x="4090519" y="3655949"/>
+            <a:ext cx="842481" cy="293960"/>
+          </a:xfrm>
+          <a:prstGeom prst="rightArrow">
+            <a:avLst>
+              <a:gd name="adj1" fmla="val 33704"/>
+              <a:gd name="adj2" fmla="val 50000"/>
+            </a:avLst>
+          </a:prstGeom>
+        </p:spPr>
+        <p:style>
+          <a:lnRef idx="2">
+            <a:schemeClr val="accent1">
+              <a:shade val="50000"/>
+            </a:schemeClr>
+          </a:lnRef>
+          <a:fillRef idx="1">
+            <a:schemeClr val="accent1"/>
+          </a:fillRef>
+          <a:effectRef idx="0">
+            <a:schemeClr val="accent1"/>
+          </a:effectRef>
+          <a:fontRef idx="minor">
+            <a:schemeClr val="lt1"/>
+          </a:fontRef>
+        </p:style>
+        <p:txBody>
+          <a:bodyPr rtlCol="0" anchor="ctr"/>
+          <a:lstStyle/>
+          <a:p>
+            <a:pPr algn="ctr"/>
+            <a:endParaRPr lang="zh-CN" altLang="en-US"/>
+          </a:p>
+        </p:txBody>
+      </p:sp>
+      <p:sp>
+        <p:nvSpPr>
+          <p:cNvPr id="8" name="加号 7">
+            <a:extLst>
+              <a:ext uri="{FF2B5EF4-FFF2-40B4-BE49-F238E27FC236}">
+                <a16:creationId xmlns:a16="http://schemas.microsoft.com/office/drawing/2014/main" id="{47CD597C-D8A2-54A4-4573-4EF2E380D9D1}"/>
+              </a:ext>
+            </a:extLst>
+          </p:cNvPr>
+          <p:cNvSpPr/>
+          <p:nvPr/>
+        </p:nvSpPr>
+        <p:spPr>
+          <a:xfrm>
+            <a:off x="3945584" y="3426869"/>
+            <a:ext cx="977142" cy="751537"/>
+          </a:xfrm>
+          <a:prstGeom prst="mathPlus">
+            <a:avLst/>
+          </a:prstGeom>
+        </p:spPr>
+        <p:style>
+          <a:lnRef idx="2">
+            <a:schemeClr val="accent1">
+              <a:shade val="50000"/>
+            </a:schemeClr>
+          </a:lnRef>
+          <a:fillRef idx="1">
+            <a:schemeClr val="accent1"/>
+          </a:fillRef>
+          <a:effectRef idx="0">
+            <a:schemeClr val="accent1"/>
+          </a:effectRef>
+          <a:fontRef idx="minor">
+            <a:schemeClr val="lt1"/>
+          </a:fontRef>
+        </p:style>
+        <p:txBody>
+          <a:bodyPr rtlCol="0" anchor="ctr"/>
+          <a:lstStyle/>
+          <a:p>
+            <a:pPr algn="ctr"/>
+            <a:endParaRPr lang="zh-CN" altLang="en-US"/>
+          </a:p>
+        </p:txBody>
+      </p:sp>
+      <p:sp>
+        <p:nvSpPr>
+          <p:cNvPr id="9" name="矩形 8">
+            <a:extLst>
+              <a:ext uri="{FF2B5EF4-FFF2-40B4-BE49-F238E27FC236}">
+                <a16:creationId xmlns:a16="http://schemas.microsoft.com/office/drawing/2014/main" id="{AB67A7CB-8439-07EF-CCF1-8A27B4C87B7D}"/>
+              </a:ext>
+            </a:extLst>
+          </p:cNvPr>
+          <p:cNvSpPr/>
+          <p:nvPr/>
+        </p:nvSpPr>
+        <p:spPr>
+          <a:xfrm>
+            <a:off x="7888849" y="3830542"/>
+            <a:ext cx="772268" cy="119367"/>
+          </a:xfrm>
+          <a:prstGeom prst="rect">
+            <a:avLst/>
+          </a:prstGeom>
+        </p:spPr>
+        <p:style>
+          <a:lnRef idx="2">
+            <a:schemeClr val="accent1">
+              <a:shade val="50000"/>
+            </a:schemeClr>
+          </a:lnRef>
+          <a:fillRef idx="1">
+            <a:schemeClr val="accent1"/>
+          </a:fillRef>
+          <a:effectRef idx="0">
+            <a:schemeClr val="accent1"/>
+          </a:effectRef>
+          <a:fontRef idx="minor">
+            <a:schemeClr val="lt1"/>
+          </a:fontRef>
+        </p:style>
+        <p:txBody>
+          <a:bodyPr rtlCol="0" anchor="ctr"/>
+          <a:lstStyle/>
+          <a:p>
+            <a:pPr algn="ctr"/>
+            <a:endParaRPr lang="zh-CN" altLang="en-US"/>
+          </a:p>
+        </p:txBody>
+      </p:sp>
+      <p:sp>
+        <p:nvSpPr>
+          <p:cNvPr id="10" name="矩形 9">
+            <a:extLst>
+              <a:ext uri="{FF2B5EF4-FFF2-40B4-BE49-F238E27FC236}">
+                <a16:creationId xmlns:a16="http://schemas.microsoft.com/office/drawing/2014/main" id="{2759FF7F-6595-7E3D-462B-F693C8B55986}"/>
+              </a:ext>
+            </a:extLst>
+          </p:cNvPr>
+          <p:cNvSpPr/>
+          <p:nvPr/>
+        </p:nvSpPr>
+        <p:spPr>
+          <a:xfrm>
+            <a:off x="7887138" y="3633622"/>
+            <a:ext cx="773979" cy="119367"/>
+          </a:xfrm>
+          <a:prstGeom prst="rect">
+            <a:avLst/>
+          </a:prstGeom>
+        </p:spPr>
+        <p:style>
+          <a:lnRef idx="2">
+            <a:schemeClr val="accent1">
+              <a:shade val="50000"/>
+            </a:schemeClr>
+          </a:lnRef>
+          <a:fillRef idx="1">
+            <a:schemeClr val="accent1"/>
+          </a:fillRef>
+          <a:effectRef idx="0">
+            <a:schemeClr val="accent1"/>
+          </a:effectRef>
+          <a:fontRef idx="minor">
+            <a:schemeClr val="lt1"/>
+          </a:fontRef>
+        </p:style>
+        <p:txBody>
+          <a:bodyPr rtlCol="0" anchor="ctr"/>
+          <a:lstStyle/>
+          <a:p>
+            <a:pPr algn="ctr"/>
+            <a:endParaRPr lang="zh-CN" altLang="en-US"/>
+          </a:p>
+        </p:txBody>
+      </p:sp>
+      <p:sp>
+        <p:nvSpPr>
+          <p:cNvPr id="11" name="椭圆 10">
+            <a:extLst>
+              <a:ext uri="{FF2B5EF4-FFF2-40B4-BE49-F238E27FC236}">
+                <a16:creationId xmlns:a16="http://schemas.microsoft.com/office/drawing/2014/main" id="{2AA33660-0ED8-1BD8-58F6-A19187136E03}"/>
+              </a:ext>
+            </a:extLst>
+          </p:cNvPr>
+          <p:cNvSpPr/>
+          <p:nvPr/>
+        </p:nvSpPr>
+        <p:spPr>
+          <a:xfrm>
+            <a:off x="9133736" y="3395788"/>
+            <a:ext cx="1661603" cy="751537"/>
+          </a:xfrm>
+          <a:prstGeom prst="ellipse">
+            <a:avLst/>
+          </a:prstGeom>
+          <a:solidFill>
+            <a:schemeClr val="tx1"/>
+          </a:solidFill>
+        </p:spPr>
+        <p:style>
+          <a:lnRef idx="2">
+            <a:schemeClr val="accent1">
+              <a:shade val="50000"/>
+            </a:schemeClr>
+          </a:lnRef>
+          <a:fillRef idx="1">
+            <a:schemeClr val="accent1"/>
+          </a:fillRef>
+          <a:effectRef idx="0">
+            <a:schemeClr val="accent1"/>
+          </a:effectRef>
+          <a:fontRef idx="minor">
+            <a:schemeClr val="lt1"/>
+          </a:fontRef>
+        </p:style>
+        <p:txBody>
+          <a:bodyPr rtlCol="0" anchor="ctr"/>
+          <a:lstStyle/>
+          <a:p>
+            <a:pPr algn="ctr"/>
+            <a:r>
+              <a:rPr lang="en-US" altLang="zh-CN" dirty="0"/>
+              <a:t>App</a:t>
+            </a:r>
+            <a:endParaRPr lang="zh-CN" altLang="en-US" dirty="0"/>
+          </a:p>
+        </p:txBody>
+      </p:sp>
+      <p:sp>
+        <p:nvSpPr>
+          <p:cNvPr id="12" name="椭圆 11">
+            <a:extLst>
+              <a:ext uri="{FF2B5EF4-FFF2-40B4-BE49-F238E27FC236}">
+                <a16:creationId xmlns:a16="http://schemas.microsoft.com/office/drawing/2014/main" id="{67A5EEEF-AD36-B541-EB53-0DEE4B4F8DA2}"/>
+              </a:ext>
+            </a:extLst>
+          </p:cNvPr>
+          <p:cNvSpPr/>
+          <p:nvPr/>
+        </p:nvSpPr>
+        <p:spPr>
+          <a:xfrm>
+            <a:off x="4963825" y="1246778"/>
+            <a:ext cx="1661603" cy="751537"/>
+          </a:xfrm>
+          <a:prstGeom prst="ellipse">
+            <a:avLst/>
+          </a:prstGeom>
+          <a:solidFill>
+            <a:srgbClr val="C00000"/>
+          </a:solidFill>
+        </p:spPr>
+        <p:style>
+          <a:lnRef idx="2">
+            <a:schemeClr val="accent1">
+              <a:shade val="50000"/>
+            </a:schemeClr>
+          </a:lnRef>
+          <a:fillRef idx="1">
+            <a:schemeClr val="accent1"/>
+          </a:fillRef>
+          <a:effectRef idx="0">
+            <a:schemeClr val="accent1"/>
+          </a:effectRef>
+          <a:fontRef idx="minor">
+            <a:schemeClr val="lt1"/>
+          </a:fontRef>
+        </p:style>
+        <p:txBody>
+          <a:bodyPr rtlCol="0" anchor="ctr"/>
+          <a:lstStyle/>
+          <a:p>
+            <a:pPr algn="ctr"/>
+            <a:r>
+              <a:rPr lang="en-US" altLang="zh-CN" dirty="0"/>
+              <a:t>Delta</a:t>
+            </a:r>
+            <a:endParaRPr lang="zh-CN" altLang="en-US" dirty="0"/>
+          </a:p>
+        </p:txBody>
+      </p:sp>
+      <p:sp>
+        <p:nvSpPr>
+          <p:cNvPr id="13" name="箭头: 右 12">
+            <a:extLst>
+              <a:ext uri="{FF2B5EF4-FFF2-40B4-BE49-F238E27FC236}">
+                <a16:creationId xmlns:a16="http://schemas.microsoft.com/office/drawing/2014/main" id="{8DFA9062-86D1-0683-B576-81B333C92050}"/>
+              </a:ext>
+            </a:extLst>
+          </p:cNvPr>
+          <p:cNvSpPr/>
+          <p:nvPr/>
+        </p:nvSpPr>
+        <p:spPr>
+          <a:xfrm rot="5400000">
+            <a:off x="5672783" y="2823949"/>
+            <a:ext cx="290271" cy="313710"/>
+          </a:xfrm>
+          <a:prstGeom prst="rightArrow">
+            <a:avLst>
+              <a:gd name="adj1" fmla="val 33704"/>
+              <a:gd name="adj2" fmla="val 50000"/>
+            </a:avLst>
+          </a:prstGeom>
+        </p:spPr>
+        <p:style>
+          <a:lnRef idx="2">
+            <a:schemeClr val="accent1">
+              <a:shade val="50000"/>
+            </a:schemeClr>
+          </a:lnRef>
+          <a:fillRef idx="1">
+            <a:schemeClr val="accent1"/>
+          </a:fillRef>
+          <a:effectRef idx="0">
+            <a:schemeClr val="accent1"/>
+          </a:effectRef>
+          <a:fontRef idx="minor">
+            <a:schemeClr val="lt1"/>
+          </a:fontRef>
+        </p:style>
+        <p:txBody>
+          <a:bodyPr rtlCol="0" anchor="ctr"/>
+          <a:lstStyle/>
+          <a:p>
+            <a:pPr algn="ctr"/>
+            <a:endParaRPr lang="zh-CN" altLang="en-US"/>
+          </a:p>
+        </p:txBody>
+      </p:sp>
+      <p:sp>
+        <p:nvSpPr>
+          <p:cNvPr id="14" name="加号 13">
+            <a:extLst>
+              <a:ext uri="{FF2B5EF4-FFF2-40B4-BE49-F238E27FC236}">
+                <a16:creationId xmlns:a16="http://schemas.microsoft.com/office/drawing/2014/main" id="{42E43830-3051-8E87-14A1-B5BEC28AD4FA}"/>
+              </a:ext>
+            </a:extLst>
+          </p:cNvPr>
+          <p:cNvSpPr/>
+          <p:nvPr/>
+        </p:nvSpPr>
+        <p:spPr>
+          <a:xfrm>
+            <a:off x="5330031" y="2326475"/>
+            <a:ext cx="977142" cy="751537"/>
+          </a:xfrm>
+          <a:prstGeom prst="mathPlus">
+            <a:avLst/>
+          </a:prstGeom>
+        </p:spPr>
+        <p:style>
+          <a:lnRef idx="2">
+            <a:schemeClr val="accent1">
+              <a:shade val="50000"/>
+            </a:schemeClr>
+          </a:lnRef>
+          <a:fillRef idx="1">
+            <a:schemeClr val="accent1"/>
+          </a:fillRef>
+          <a:effectRef idx="0">
+            <a:schemeClr val="accent1"/>
+          </a:effectRef>
+          <a:fontRef idx="minor">
+            <a:schemeClr val="lt1"/>
+          </a:fontRef>
+        </p:style>
+        <p:txBody>
+          <a:bodyPr rtlCol="0" anchor="ctr"/>
+          <a:lstStyle/>
+          <a:p>
+            <a:pPr algn="ctr"/>
+            <a:endParaRPr lang="zh-CN" altLang="en-US"/>
+          </a:p>
+        </p:txBody>
+      </p:sp>
+      <p:sp>
+        <p:nvSpPr>
+          <p:cNvPr id="15" name="椭圆 14">
+            <a:extLst>
+              <a:ext uri="{FF2B5EF4-FFF2-40B4-BE49-F238E27FC236}">
+                <a16:creationId xmlns:a16="http://schemas.microsoft.com/office/drawing/2014/main" id="{95E8E489-4AFF-C818-DEDE-77B1C0E5370C}"/>
+              </a:ext>
+            </a:extLst>
+          </p:cNvPr>
+          <p:cNvSpPr/>
+          <p:nvPr/>
+        </p:nvSpPr>
+        <p:spPr>
+          <a:xfrm>
+            <a:off x="2128142" y="1277600"/>
+            <a:ext cx="1661603" cy="751537"/>
+          </a:xfrm>
+          <a:prstGeom prst="ellipse">
+            <a:avLst/>
+          </a:prstGeom>
+          <a:solidFill>
+            <a:srgbClr val="00B050"/>
+          </a:solidFill>
+        </p:spPr>
+        <p:style>
+          <a:lnRef idx="2">
+            <a:schemeClr val="accent1">
+              <a:shade val="50000"/>
+            </a:schemeClr>
+          </a:lnRef>
+          <a:fillRef idx="1">
+            <a:schemeClr val="accent1"/>
+          </a:fillRef>
+          <a:effectRef idx="0">
+            <a:schemeClr val="accent1"/>
+          </a:effectRef>
+          <a:fontRef idx="minor">
+            <a:schemeClr val="lt1"/>
+          </a:fontRef>
+        </p:style>
+        <p:txBody>
+          <a:bodyPr rtlCol="0" anchor="ctr"/>
+          <a:lstStyle/>
+          <a:p>
+            <a:pPr algn="ctr"/>
+            <a:r>
+              <a:rPr lang="en-US" altLang="zh-CN" dirty="0"/>
+              <a:t>Delta</a:t>
+            </a:r>
+            <a:endParaRPr lang="zh-CN" altLang="en-US" dirty="0"/>
+          </a:p>
+        </p:txBody>
+      </p:sp>
+      <p:sp>
+        <p:nvSpPr>
+          <p:cNvPr id="16" name="箭头: 右 15">
+            <a:extLst>
+              <a:ext uri="{FF2B5EF4-FFF2-40B4-BE49-F238E27FC236}">
+                <a16:creationId xmlns:a16="http://schemas.microsoft.com/office/drawing/2014/main" id="{1741330E-2C6B-EB14-BED1-08AA39913B8F}"/>
+              </a:ext>
+            </a:extLst>
+          </p:cNvPr>
+          <p:cNvSpPr/>
+          <p:nvPr/>
+        </p:nvSpPr>
+        <p:spPr>
+          <a:xfrm rot="5400000">
+            <a:off x="2837100" y="2854771"/>
+            <a:ext cx="290271" cy="313710"/>
+          </a:xfrm>
+          <a:prstGeom prst="rightArrow">
+            <a:avLst>
+              <a:gd name="adj1" fmla="val 33704"/>
+              <a:gd name="adj2" fmla="val 50000"/>
+            </a:avLst>
+          </a:prstGeom>
+        </p:spPr>
+        <p:style>
+          <a:lnRef idx="2">
+            <a:schemeClr val="accent1">
+              <a:shade val="50000"/>
+            </a:schemeClr>
+          </a:lnRef>
+          <a:fillRef idx="1">
+            <a:schemeClr val="accent1"/>
+          </a:fillRef>
+          <a:effectRef idx="0">
+            <a:schemeClr val="accent1"/>
+          </a:effectRef>
+          <a:fontRef idx="minor">
+            <a:schemeClr val="lt1"/>
+          </a:fontRef>
+        </p:style>
+        <p:txBody>
+          <a:bodyPr rtlCol="0" anchor="ctr"/>
+          <a:lstStyle/>
+          <a:p>
+            <a:pPr algn="ctr"/>
+            <a:endParaRPr lang="zh-CN" altLang="en-US"/>
+          </a:p>
+        </p:txBody>
+      </p:sp>
+      <p:sp>
+        <p:nvSpPr>
+          <p:cNvPr id="17" name="加号 16">
+            <a:extLst>
+              <a:ext uri="{FF2B5EF4-FFF2-40B4-BE49-F238E27FC236}">
+                <a16:creationId xmlns:a16="http://schemas.microsoft.com/office/drawing/2014/main" id="{23AE8C24-0648-7702-95C8-94D78DF26CE8}"/>
+              </a:ext>
+            </a:extLst>
+          </p:cNvPr>
+          <p:cNvSpPr/>
+          <p:nvPr/>
+        </p:nvSpPr>
+        <p:spPr>
+          <a:xfrm>
+            <a:off x="2494348" y="2357297"/>
+            <a:ext cx="977142" cy="751537"/>
+          </a:xfrm>
+          <a:prstGeom prst="mathPlus">
+            <a:avLst/>
+          </a:prstGeom>
+        </p:spPr>
+        <p:style>
+          <a:lnRef idx="2">
+            <a:schemeClr val="accent1">
+              <a:shade val="50000"/>
+            </a:schemeClr>
+          </a:lnRef>
+          <a:fillRef idx="1">
+            <a:schemeClr val="accent1"/>
+          </a:fillRef>
+          <a:effectRef idx="0">
+            <a:schemeClr val="accent1"/>
+          </a:effectRef>
+          <a:fontRef idx="minor">
+            <a:schemeClr val="lt1"/>
+          </a:fontRef>
+        </p:style>
+        <p:txBody>
+          <a:bodyPr rtlCol="0" anchor="ctr"/>
+          <a:lstStyle/>
+          <a:p>
+            <a:pPr algn="ctr"/>
+            <a:endParaRPr lang="zh-CN" altLang="en-US"/>
+          </a:p>
+        </p:txBody>
+      </p:sp>
+      <p:sp>
+        <p:nvSpPr>
+          <p:cNvPr id="18" name="椭圆 17">
+            <a:extLst>
+              <a:ext uri="{FF2B5EF4-FFF2-40B4-BE49-F238E27FC236}">
+                <a16:creationId xmlns:a16="http://schemas.microsoft.com/office/drawing/2014/main" id="{8233DB15-20BA-8F93-255D-DCA3EF0A8E16}"/>
+              </a:ext>
+            </a:extLst>
+          </p:cNvPr>
+          <p:cNvSpPr/>
+          <p:nvPr/>
+        </p:nvSpPr>
+        <p:spPr>
+          <a:xfrm>
+            <a:off x="5960417" y="5448917"/>
+            <a:ext cx="1661603" cy="751537"/>
+          </a:xfrm>
+          <a:prstGeom prst="ellipse">
+            <a:avLst/>
+          </a:prstGeom>
+          <a:solidFill>
+            <a:srgbClr val="7030A0"/>
+          </a:solidFill>
+        </p:spPr>
+        <p:style>
+          <a:lnRef idx="2">
+            <a:schemeClr val="accent1">
+              <a:shade val="50000"/>
+            </a:schemeClr>
+          </a:lnRef>
+          <a:fillRef idx="1">
+            <a:schemeClr val="accent1"/>
+          </a:fillRef>
+          <a:effectRef idx="0">
+            <a:schemeClr val="accent1"/>
+          </a:effectRef>
+          <a:fontRef idx="minor">
+            <a:schemeClr val="lt1"/>
+          </a:fontRef>
+        </p:style>
+        <p:txBody>
+          <a:bodyPr rtlCol="0" anchor="ctr"/>
+          <a:lstStyle/>
+          <a:p>
+            <a:pPr algn="ctr"/>
+            <a:r>
+              <a:rPr lang="en-US" altLang="zh-CN" dirty="0"/>
+              <a:t>Delta</a:t>
+            </a:r>
+            <a:endParaRPr lang="zh-CN" altLang="en-US" dirty="0"/>
+          </a:p>
+        </p:txBody>
+      </p:sp>
+      <p:sp>
+        <p:nvSpPr>
+          <p:cNvPr id="19" name="箭头: 右 18">
+            <a:extLst>
+              <a:ext uri="{FF2B5EF4-FFF2-40B4-BE49-F238E27FC236}">
+                <a16:creationId xmlns:a16="http://schemas.microsoft.com/office/drawing/2014/main" id="{EB45F6C5-C9EA-AFCD-5C81-399C113B9951}"/>
+              </a:ext>
+            </a:extLst>
+          </p:cNvPr>
+          <p:cNvSpPr/>
+          <p:nvPr/>
+        </p:nvSpPr>
+        <p:spPr>
+          <a:xfrm rot="16200000">
+            <a:off x="6618689" y="4384386"/>
+            <a:ext cx="290271" cy="313710"/>
+          </a:xfrm>
+          <a:prstGeom prst="rightArrow">
+            <a:avLst>
+              <a:gd name="adj1" fmla="val 33704"/>
+              <a:gd name="adj2" fmla="val 50000"/>
+            </a:avLst>
+          </a:prstGeom>
+        </p:spPr>
+        <p:style>
+          <a:lnRef idx="2">
+            <a:schemeClr val="accent1">
+              <a:shade val="50000"/>
+            </a:schemeClr>
+          </a:lnRef>
+          <a:fillRef idx="1">
+            <a:schemeClr val="accent1"/>
+          </a:fillRef>
+          <a:effectRef idx="0">
+            <a:schemeClr val="accent1"/>
+          </a:effectRef>
+          <a:fontRef idx="minor">
+            <a:schemeClr val="lt1"/>
+          </a:fontRef>
+        </p:style>
+        <p:txBody>
+          <a:bodyPr rtlCol="0" anchor="ctr"/>
+          <a:lstStyle/>
+          <a:p>
+            <a:pPr algn="ctr"/>
+            <a:endParaRPr lang="zh-CN" altLang="en-US"/>
+          </a:p>
+        </p:txBody>
+      </p:sp>
+      <p:sp>
+        <p:nvSpPr>
+          <p:cNvPr id="20" name="加号 19">
+            <a:extLst>
+              <a:ext uri="{FF2B5EF4-FFF2-40B4-BE49-F238E27FC236}">
+                <a16:creationId xmlns:a16="http://schemas.microsoft.com/office/drawing/2014/main" id="{2CD4D377-577C-FF2A-AEB9-15AA822BC005}"/>
+              </a:ext>
+            </a:extLst>
+          </p:cNvPr>
+          <p:cNvSpPr/>
+          <p:nvPr/>
+        </p:nvSpPr>
+        <p:spPr>
+          <a:xfrm>
+            <a:off x="6275253" y="4453228"/>
+            <a:ext cx="977142" cy="751537"/>
+          </a:xfrm>
+          <a:prstGeom prst="mathPlus">
+            <a:avLst/>
+          </a:prstGeom>
+        </p:spPr>
+        <p:style>
+          <a:lnRef idx="2">
+            <a:schemeClr val="accent1">
+              <a:shade val="50000"/>
+            </a:schemeClr>
+          </a:lnRef>
+          <a:fillRef idx="1">
+            <a:schemeClr val="accent1"/>
+          </a:fillRef>
+          <a:effectRef idx="0">
+            <a:schemeClr val="accent1"/>
+          </a:effectRef>
+          <a:fontRef idx="minor">
+            <a:schemeClr val="lt1"/>
+          </a:fontRef>
+        </p:style>
+        <p:txBody>
+          <a:bodyPr rtlCol="0" anchor="ctr"/>
+          <a:lstStyle/>
+          <a:p>
+            <a:pPr algn="ctr"/>
+            <a:endParaRPr lang="zh-CN" altLang="en-US"/>
+          </a:p>
+        </p:txBody>
+      </p:sp>
+      <p:sp>
+        <p:nvSpPr>
+          <p:cNvPr id="2" name="文本框 1">
+            <a:extLst>
+              <a:ext uri="{FF2B5EF4-FFF2-40B4-BE49-F238E27FC236}">
+                <a16:creationId xmlns:a16="http://schemas.microsoft.com/office/drawing/2014/main" id="{3C94D8A1-9917-8B97-5FC7-325C311C388B}"/>
+              </a:ext>
+            </a:extLst>
+          </p:cNvPr>
+          <p:cNvSpPr txBox="1"/>
+          <p:nvPr/>
+        </p:nvSpPr>
+        <p:spPr>
+          <a:xfrm>
+            <a:off x="434689" y="267393"/>
+            <a:ext cx="2909886" cy="523220"/>
+          </a:xfrm>
+          <a:prstGeom prst="rect">
+            <a:avLst/>
+          </a:prstGeom>
+          <a:noFill/>
+        </p:spPr>
+        <p:txBody>
+          <a:bodyPr wrap="square" rtlCol="0">
+            <a:spAutoFit/>
+          </a:bodyPr>
+          <a:lstStyle/>
+          <a:p>
+            <a:r>
+              <a:rPr lang="zh-CN" altLang="en-US" sz="2800" b="1" dirty="0"/>
+              <a:t>差量无处不在</a:t>
+            </a:r>
+          </a:p>
+        </p:txBody>
+      </p:sp>
+    </p:spTree>
+    <p:extLst>
+      <p:ext uri="{BB962C8B-B14F-4D97-AF65-F5344CB8AC3E}">
+        <p14:creationId xmlns:p14="http://schemas.microsoft.com/office/powerpoint/2010/main" val="3916503306"/>
+      </p:ext>
+    </p:extLst>
+  </p:cSld>
+  <p:clrMapOvr>
+    <a:masterClrMapping/>
+  </p:clrMapOvr>
+</p:sld>
+</file>
+
+<file path=ppt/slides/slide8.xml><?xml version="1.0" encoding="utf-8"?>
 <p:sld xmlns:a="http://schemas.openxmlformats.org/drawingml/2006/main" xmlns:r="http://schemas.openxmlformats.org/officeDocument/2006/relationships" xmlns:p="http://schemas.openxmlformats.org/presentationml/2006/main">
   <p:cSld>
     <p:spTree>
@@ -8981,7 +15556,7 @@
 </p:sld>
 </file>
 
-<file path=ppt/slides/slide7.xml><?xml version="1.0" encoding="utf-8"?>
+<file path=ppt/slides/slide9.xml><?xml version="1.0" encoding="utf-8"?>
 <p:sld xmlns:a="http://schemas.openxmlformats.org/drawingml/2006/main" xmlns:r="http://schemas.openxmlformats.org/officeDocument/2006/relationships" xmlns:p="http://schemas.openxmlformats.org/presentationml/2006/main">
   <p:cSld>
     <p:spTree>
@@ -9162,336 +15737,6 @@
     <p:extLst>
       <p:ext uri="{BB962C8B-B14F-4D97-AF65-F5344CB8AC3E}">
         <p14:creationId xmlns:p14="http://schemas.microsoft.com/office/powerpoint/2010/main" val="4150188903"/>
-      </p:ext>
-    </p:extLst>
-  </p:cSld>
-  <p:clrMapOvr>
-    <a:masterClrMapping/>
-  </p:clrMapOvr>
-</p:sld>
-</file>
-
-<file path=ppt/slides/slide8.xml><?xml version="1.0" encoding="utf-8"?>
-<p:sld xmlns:a="http://schemas.openxmlformats.org/drawingml/2006/main" xmlns:r="http://schemas.openxmlformats.org/officeDocument/2006/relationships" xmlns:p="http://schemas.openxmlformats.org/presentationml/2006/main">
-  <p:cSld>
-    <p:spTree>
-      <p:nvGrpSpPr>
-        <p:cNvPr id="1" name="">
-          <a:extLst>
-            <a:ext uri="{FF2B5EF4-FFF2-40B4-BE49-F238E27FC236}">
-              <a16:creationId xmlns:a16="http://schemas.microsoft.com/office/drawing/2014/main" id="{AFBAF78E-A903-A3A9-E177-463FF3FC6E24}"/>
-            </a:ext>
-          </a:extLst>
-        </p:cNvPr>
-        <p:cNvGrpSpPr/>
-        <p:nvPr/>
-      </p:nvGrpSpPr>
-      <p:grpSpPr>
-        <a:xfrm>
-          <a:off x="0" y="0"/>
-          <a:ext cx="0" cy="0"/>
-          <a:chOff x="0" y="0"/>
-          <a:chExt cx="0" cy="0"/>
-        </a:xfrm>
-      </p:grpSpPr>
-      <p:sp>
-        <p:nvSpPr>
-          <p:cNvPr id="49" name="文本框 48">
-            <a:extLst>
-              <a:ext uri="{FF2B5EF4-FFF2-40B4-BE49-F238E27FC236}">
-                <a16:creationId xmlns:a16="http://schemas.microsoft.com/office/drawing/2014/main" id="{6779CDD4-B8DC-4A5E-7EDF-4C4007025443}"/>
-              </a:ext>
-            </a:extLst>
-          </p:cNvPr>
-          <p:cNvSpPr txBox="1"/>
-          <p:nvPr/>
-        </p:nvSpPr>
-        <p:spPr>
-          <a:xfrm>
-            <a:off x="434689" y="267393"/>
-            <a:ext cx="2380430" cy="523220"/>
-          </a:xfrm>
-          <a:prstGeom prst="rect">
-            <a:avLst/>
-          </a:prstGeom>
-          <a:noFill/>
-        </p:spPr>
-        <p:txBody>
-          <a:bodyPr wrap="square" rtlCol="0">
-            <a:spAutoFit/>
-          </a:bodyPr>
-          <a:lstStyle/>
-          <a:p>
-            <a:r>
-              <a:rPr lang="zh-CN" altLang="en-US" sz="2800" b="1" dirty="0"/>
-              <a:t>逆元的产生</a:t>
-            </a:r>
-          </a:p>
-        </p:txBody>
-      </p:sp>
-      <p:sp>
-        <p:nvSpPr>
-          <p:cNvPr id="3" name="文本框 2">
-            <a:extLst>
-              <a:ext uri="{FF2B5EF4-FFF2-40B4-BE49-F238E27FC236}">
-                <a16:creationId xmlns:a16="http://schemas.microsoft.com/office/drawing/2014/main" id="{2680C9B2-288E-934D-E877-B5CB18D27ABF}"/>
-              </a:ext>
-            </a:extLst>
-          </p:cNvPr>
-          <p:cNvSpPr txBox="1"/>
-          <p:nvPr/>
-        </p:nvSpPr>
-        <p:spPr>
-          <a:xfrm>
-            <a:off x="3745888" y="1658532"/>
-            <a:ext cx="4319752" cy="1384995"/>
-          </a:xfrm>
-          <a:prstGeom prst="rect">
-            <a:avLst/>
-          </a:prstGeom>
-          <a:noFill/>
-        </p:spPr>
-        <p:txBody>
-          <a:bodyPr wrap="square" rtlCol="0">
-            <a:spAutoFit/>
-          </a:bodyPr>
-          <a:lstStyle/>
-          <a:p>
-            <a:r>
-              <a:rPr lang="zh-CN" altLang="en-US" sz="2800" dirty="0"/>
-              <a:t>面向对象</a:t>
-            </a:r>
-            <a:r>
-              <a:rPr lang="en-US" altLang="zh-CN" sz="2800" dirty="0"/>
-              <a:t>:   A &gt; B</a:t>
-            </a:r>
-          </a:p>
-          <a:p>
-            <a:r>
-              <a:rPr lang="zh-CN" altLang="en-US" sz="2800" dirty="0"/>
-              <a:t>面向组件</a:t>
-            </a:r>
-            <a:r>
-              <a:rPr lang="en-US" altLang="zh-CN" sz="2800" dirty="0"/>
-              <a:t>:   A = B + C</a:t>
-            </a:r>
-          </a:p>
-          <a:p>
-            <a:r>
-              <a:rPr lang="zh-CN" altLang="en-US" sz="2800" dirty="0"/>
-              <a:t>可逆计算</a:t>
-            </a:r>
-            <a:r>
-              <a:rPr lang="en-US" altLang="zh-CN" sz="2800" dirty="0"/>
-              <a:t>:   B = A + (-C)</a:t>
-            </a:r>
-            <a:endParaRPr lang="zh-CN" altLang="en-US" sz="2800" dirty="0"/>
-          </a:p>
-        </p:txBody>
-      </p:sp>
-      <p:sp>
-        <p:nvSpPr>
-          <p:cNvPr id="6" name="文本框 5">
-            <a:extLst>
-              <a:ext uri="{FF2B5EF4-FFF2-40B4-BE49-F238E27FC236}">
-                <a16:creationId xmlns:a16="http://schemas.microsoft.com/office/drawing/2014/main" id="{22790147-C0DC-1F35-3480-DE87D41870AF}"/>
-              </a:ext>
-            </a:extLst>
-          </p:cNvPr>
-          <p:cNvSpPr txBox="1"/>
-          <p:nvPr/>
-        </p:nvSpPr>
-        <p:spPr>
-          <a:xfrm>
-            <a:off x="1425202" y="3890930"/>
-            <a:ext cx="8034107" cy="646331"/>
-          </a:xfrm>
-          <a:prstGeom prst="rect">
-            <a:avLst/>
-          </a:prstGeom>
-          <a:noFill/>
-        </p:spPr>
-        <p:txBody>
-          <a:bodyPr wrap="square" rtlCol="0">
-            <a:spAutoFit/>
-          </a:bodyPr>
-          <a:lstStyle/>
-          <a:p>
-            <a:pPr algn="ctr"/>
-            <a:r>
-              <a:rPr lang="zh-CN" altLang="en-US" sz="3600" dirty="0"/>
-              <a:t>逆元扩大了软件结构的解空间</a:t>
-            </a:r>
-          </a:p>
-        </p:txBody>
-      </p:sp>
-    </p:spTree>
-    <p:extLst>
-      <p:ext uri="{BB962C8B-B14F-4D97-AF65-F5344CB8AC3E}">
-        <p14:creationId xmlns:p14="http://schemas.microsoft.com/office/powerpoint/2010/main" val="51415810"/>
-      </p:ext>
-    </p:extLst>
-  </p:cSld>
-  <p:clrMapOvr>
-    <a:masterClrMapping/>
-  </p:clrMapOvr>
-</p:sld>
-</file>
-
-<file path=ppt/slides/slide9.xml><?xml version="1.0" encoding="utf-8"?>
-<p:sld xmlns:a="http://schemas.openxmlformats.org/drawingml/2006/main" xmlns:r="http://schemas.openxmlformats.org/officeDocument/2006/relationships" xmlns:p="http://schemas.openxmlformats.org/presentationml/2006/main">
-  <p:cSld>
-    <p:spTree>
-      <p:nvGrpSpPr>
-        <p:cNvPr id="1" name=""/>
-        <p:cNvGrpSpPr/>
-        <p:nvPr/>
-      </p:nvGrpSpPr>
-      <p:grpSpPr>
-        <a:xfrm>
-          <a:off x="0" y="0"/>
-          <a:ext cx="0" cy="0"/>
-          <a:chOff x="0" y="0"/>
-          <a:chExt cx="0" cy="0"/>
-        </a:xfrm>
-      </p:grpSpPr>
-      <p:sp>
-        <p:nvSpPr>
-          <p:cNvPr id="49" name="文本框 48">
-            <a:extLst>
-              <a:ext uri="{FF2B5EF4-FFF2-40B4-BE49-F238E27FC236}">
-                <a16:creationId xmlns:a16="http://schemas.microsoft.com/office/drawing/2014/main" id="{C76386B8-0A78-88D0-283F-26AEFDECAB74}"/>
-              </a:ext>
-            </a:extLst>
-          </p:cNvPr>
-          <p:cNvSpPr txBox="1"/>
-          <p:nvPr/>
-        </p:nvSpPr>
-        <p:spPr>
-          <a:xfrm>
-            <a:off x="434689" y="267393"/>
-            <a:ext cx="2380430" cy="523220"/>
-          </a:xfrm>
-          <a:prstGeom prst="rect">
-            <a:avLst/>
-          </a:prstGeom>
-          <a:noFill/>
-        </p:spPr>
-        <p:txBody>
-          <a:bodyPr wrap="square" rtlCol="0">
-            <a:spAutoFit/>
-          </a:bodyPr>
-          <a:lstStyle/>
-          <a:p>
-            <a:r>
-              <a:rPr lang="zh-CN" altLang="en-US" sz="2800" b="1" dirty="0"/>
-              <a:t>可扩展性</a:t>
-            </a:r>
-          </a:p>
-        </p:txBody>
-      </p:sp>
-      <p:sp>
-        <p:nvSpPr>
-          <p:cNvPr id="3" name="文本框 2">
-            <a:extLst>
-              <a:ext uri="{FF2B5EF4-FFF2-40B4-BE49-F238E27FC236}">
-                <a16:creationId xmlns:a16="http://schemas.microsoft.com/office/drawing/2014/main" id="{6FEEDF94-46E1-3F91-1224-CABDAE33A731}"/>
-              </a:ext>
-            </a:extLst>
-          </p:cNvPr>
-          <p:cNvSpPr txBox="1"/>
-          <p:nvPr/>
-        </p:nvSpPr>
-        <p:spPr>
-          <a:xfrm>
-            <a:off x="3745888" y="1658532"/>
-            <a:ext cx="4319752" cy="1815882"/>
-          </a:xfrm>
-          <a:prstGeom prst="rect">
-            <a:avLst/>
-          </a:prstGeom>
-          <a:noFill/>
-        </p:spPr>
-        <p:txBody>
-          <a:bodyPr wrap="square" rtlCol="0">
-            <a:spAutoFit/>
-          </a:bodyPr>
-          <a:lstStyle/>
-          <a:p>
-            <a:r>
-              <a:rPr lang="en-US" altLang="zh-CN" sz="2800" dirty="0"/>
-              <a:t>X = A + B + C</a:t>
-            </a:r>
-          </a:p>
-          <a:p>
-            <a:r>
-              <a:rPr lang="en-US" altLang="zh-CN" sz="2800" dirty="0"/>
-              <a:t>Y = A + B + D  </a:t>
-            </a:r>
-          </a:p>
-          <a:p>
-            <a:r>
-              <a:rPr lang="en-US" altLang="zh-CN" sz="2800" dirty="0"/>
-              <a:t>   = A + B + C + (-C + D)</a:t>
-            </a:r>
-          </a:p>
-          <a:p>
-            <a:r>
-              <a:rPr lang="en-US" altLang="zh-CN" sz="2800" dirty="0"/>
-              <a:t>Y = X + Delta</a:t>
-            </a:r>
-            <a:endParaRPr lang="zh-CN" altLang="en-US" sz="2800" dirty="0"/>
-          </a:p>
-        </p:txBody>
-      </p:sp>
-      <p:sp>
-        <p:nvSpPr>
-          <p:cNvPr id="6" name="文本框 5">
-            <a:extLst>
-              <a:ext uri="{FF2B5EF4-FFF2-40B4-BE49-F238E27FC236}">
-                <a16:creationId xmlns:a16="http://schemas.microsoft.com/office/drawing/2014/main" id="{3B9F05A1-3675-9D1C-5771-E2B1A0F3B015}"/>
-              </a:ext>
-            </a:extLst>
-          </p:cNvPr>
-          <p:cNvSpPr txBox="1"/>
-          <p:nvPr/>
-        </p:nvSpPr>
-        <p:spPr>
-          <a:xfrm>
-            <a:off x="1425202" y="3890930"/>
-            <a:ext cx="8034107" cy="646331"/>
-          </a:xfrm>
-          <a:prstGeom prst="rect">
-            <a:avLst/>
-          </a:prstGeom>
-          <a:noFill/>
-        </p:spPr>
-        <p:txBody>
-          <a:bodyPr wrap="square" rtlCol="0">
-            <a:spAutoFit/>
-          </a:bodyPr>
-          <a:lstStyle/>
-          <a:p>
-            <a:pPr algn="ctr"/>
-            <a:r>
-              <a:rPr lang="zh-CN" altLang="en-US" sz="3600" dirty="0"/>
-              <a:t>可扩展性等价于</a:t>
-            </a:r>
-            <a:r>
-              <a:rPr lang="en-US" altLang="zh-CN" sz="3600" dirty="0"/>
-              <a:t>Delta</a:t>
-            </a:r>
-            <a:r>
-              <a:rPr lang="zh-CN" altLang="en-US" sz="3600" dirty="0"/>
-              <a:t>的运算规律</a:t>
-            </a:r>
-          </a:p>
-        </p:txBody>
-      </p:sp>
-    </p:spTree>
-    <p:extLst>
-      <p:ext uri="{BB962C8B-B14F-4D97-AF65-F5344CB8AC3E}">
-        <p14:creationId xmlns:p14="http://schemas.microsoft.com/office/powerpoint/2010/main" val="138928013"/>
       </p:ext>
     </p:extLst>
   </p:cSld>
@@ -9794,4 +16039,10 @@
     </a:ext>
   </a:extLst>
 </a:theme>
+</file>
+
+<file path=docMetadata/LabelInfo.xml><?xml version="1.0" encoding="utf-8"?>
+<clbl:labelList xmlns:clbl="http://schemas.microsoft.com/office/2020/mipLabelMetadata">
+  <clbl:label id="{0a217bfd-7fc6-4e23-babe-07368f99370d}" enabled="1" method="Standard" siteId="{fda9decf-e892-43ac-9d9f-1a493f9f98d0}" contentBits="0" removed="0"/>
+</clbl:labelList>
 </file>
--- a/src/ppt/theory-of-reversible-computation.pptx
+++ b/src/ppt/theory-of-reversible-computation.pptx
@@ -302,7 +302,7 @@
           <a:p>
             <a:fld id="{781BEADB-AF5A-4392-865E-B1E711821C65}" type="datetimeFigureOut">
               <a:rPr lang="zh-CN" altLang="en-US" smtClean="0"/>
-              <a:t>2024/12/19</a:t>
+              <a:t>2024/12/23</a:t>
             </a:fld>
             <a:endParaRPr lang="zh-CN" altLang="en-US"/>
           </a:p>
@@ -500,7 +500,7 @@
           <a:p>
             <a:fld id="{781BEADB-AF5A-4392-865E-B1E711821C65}" type="datetimeFigureOut">
               <a:rPr lang="zh-CN" altLang="en-US" smtClean="0"/>
-              <a:t>2024/12/19</a:t>
+              <a:t>2024/12/23</a:t>
             </a:fld>
             <a:endParaRPr lang="zh-CN" altLang="en-US"/>
           </a:p>
@@ -708,7 +708,7 @@
           <a:p>
             <a:fld id="{781BEADB-AF5A-4392-865E-B1E711821C65}" type="datetimeFigureOut">
               <a:rPr lang="zh-CN" altLang="en-US" smtClean="0"/>
-              <a:t>2024/12/19</a:t>
+              <a:t>2024/12/23</a:t>
             </a:fld>
             <a:endParaRPr lang="zh-CN" altLang="en-US"/>
           </a:p>
@@ -906,7 +906,7 @@
           <a:p>
             <a:fld id="{781BEADB-AF5A-4392-865E-B1E711821C65}" type="datetimeFigureOut">
               <a:rPr lang="zh-CN" altLang="en-US" smtClean="0"/>
-              <a:t>2024/12/19</a:t>
+              <a:t>2024/12/23</a:t>
             </a:fld>
             <a:endParaRPr lang="zh-CN" altLang="en-US"/>
           </a:p>
@@ -1181,7 +1181,7 @@
           <a:p>
             <a:fld id="{781BEADB-AF5A-4392-865E-B1E711821C65}" type="datetimeFigureOut">
               <a:rPr lang="zh-CN" altLang="en-US" smtClean="0"/>
-              <a:t>2024/12/19</a:t>
+              <a:t>2024/12/23</a:t>
             </a:fld>
             <a:endParaRPr lang="zh-CN" altLang="en-US"/>
           </a:p>
@@ -1446,7 +1446,7 @@
           <a:p>
             <a:fld id="{781BEADB-AF5A-4392-865E-B1E711821C65}" type="datetimeFigureOut">
               <a:rPr lang="zh-CN" altLang="en-US" smtClean="0"/>
-              <a:t>2024/12/19</a:t>
+              <a:t>2024/12/23</a:t>
             </a:fld>
             <a:endParaRPr lang="zh-CN" altLang="en-US"/>
           </a:p>
@@ -1858,7 +1858,7 @@
           <a:p>
             <a:fld id="{781BEADB-AF5A-4392-865E-B1E711821C65}" type="datetimeFigureOut">
               <a:rPr lang="zh-CN" altLang="en-US" smtClean="0"/>
-              <a:t>2024/12/19</a:t>
+              <a:t>2024/12/23</a:t>
             </a:fld>
             <a:endParaRPr lang="zh-CN" altLang="en-US"/>
           </a:p>
@@ -1999,7 +1999,7 @@
           <a:p>
             <a:fld id="{781BEADB-AF5A-4392-865E-B1E711821C65}" type="datetimeFigureOut">
               <a:rPr lang="zh-CN" altLang="en-US" smtClean="0"/>
-              <a:t>2024/12/19</a:t>
+              <a:t>2024/12/23</a:t>
             </a:fld>
             <a:endParaRPr lang="zh-CN" altLang="en-US"/>
           </a:p>
@@ -2112,7 +2112,7 @@
           <a:p>
             <a:fld id="{781BEADB-AF5A-4392-865E-B1E711821C65}" type="datetimeFigureOut">
               <a:rPr lang="zh-CN" altLang="en-US" smtClean="0"/>
-              <a:t>2024/12/19</a:t>
+              <a:t>2024/12/23</a:t>
             </a:fld>
             <a:endParaRPr lang="zh-CN" altLang="en-US"/>
           </a:p>
@@ -2423,7 +2423,7 @@
           <a:p>
             <a:fld id="{781BEADB-AF5A-4392-865E-B1E711821C65}" type="datetimeFigureOut">
               <a:rPr lang="zh-CN" altLang="en-US" smtClean="0"/>
-              <a:t>2024/12/19</a:t>
+              <a:t>2024/12/23</a:t>
             </a:fld>
             <a:endParaRPr lang="zh-CN" altLang="en-US"/>
           </a:p>
@@ -2711,7 +2711,7 @@
           <a:p>
             <a:fld id="{781BEADB-AF5A-4392-865E-B1E711821C65}" type="datetimeFigureOut">
               <a:rPr lang="zh-CN" altLang="en-US" smtClean="0"/>
-              <a:t>2024/12/19</a:t>
+              <a:t>2024/12/23</a:t>
             </a:fld>
             <a:endParaRPr lang="zh-CN" altLang="en-US"/>
           </a:p>
@@ -2952,7 +2952,7 @@
           <a:p>
             <a:fld id="{781BEADB-AF5A-4392-865E-B1E711821C65}" type="datetimeFigureOut">
               <a:rPr lang="zh-CN" altLang="en-US" smtClean="0"/>
-              <a:t>2024/12/19</a:t>
+              <a:t>2024/12/23</a:t>
             </a:fld>
             <a:endParaRPr lang="zh-CN" altLang="en-US"/>
           </a:p>
@@ -3603,8 +3603,8 @@
         </p:nvSpPr>
         <p:spPr>
           <a:xfrm>
-            <a:off x="1425202" y="3890930"/>
-            <a:ext cx="8034107" cy="646331"/>
+            <a:off x="1390520" y="3884623"/>
+            <a:ext cx="9266970" cy="1754326"/>
           </a:xfrm>
           <a:prstGeom prst="rect">
             <a:avLst/>
@@ -3621,6 +3621,22 @@
             <a:r>
               <a:rPr lang="zh-CN" altLang="en-US" sz="3600" dirty="0"/>
               <a:t>逆元扩大了软件结构的解空间</a:t>
+            </a:r>
+            <a:endParaRPr lang="en-US" altLang="zh-CN" sz="3600" dirty="0"/>
+          </a:p>
+          <a:p>
+            <a:pPr algn="ctr"/>
+            <a:r>
+              <a:rPr lang="zh-CN" altLang="en-US" sz="3600" dirty="0"/>
+              <a:t>原先不存在通用解的技术问题转为通用解</a:t>
+            </a:r>
+            <a:endParaRPr lang="en-US" altLang="zh-CN" sz="3600" dirty="0"/>
+          </a:p>
+          <a:p>
+            <a:pPr algn="ctr"/>
+            <a:r>
+              <a:rPr lang="zh-CN" altLang="en-US" sz="3600" dirty="0"/>
+              <a:t>可扩展性相关的设计能够抽象为固化实现</a:t>
             </a:r>
           </a:p>
         </p:txBody>
@@ -7234,6 +7250,54 @@
           </a:p>
         </p:txBody>
       </p:sp>
+      <p:sp>
+        <p:nvSpPr>
+          <p:cNvPr id="19" name="文本框 18">
+            <a:extLst>
+              <a:ext uri="{FF2B5EF4-FFF2-40B4-BE49-F238E27FC236}">
+                <a16:creationId xmlns:a16="http://schemas.microsoft.com/office/drawing/2014/main" id="{D444CF4E-ADFF-F645-8C32-5AC5D219F5E4}"/>
+              </a:ext>
+            </a:extLst>
+          </p:cNvPr>
+          <p:cNvSpPr txBox="1"/>
+          <p:nvPr/>
+        </p:nvSpPr>
+        <p:spPr>
+          <a:xfrm>
+            <a:off x="1717818" y="5886845"/>
+            <a:ext cx="8034107" cy="646331"/>
+          </a:xfrm>
+          <a:prstGeom prst="rect">
+            <a:avLst/>
+          </a:prstGeom>
+          <a:noFill/>
+        </p:spPr>
+        <p:txBody>
+          <a:bodyPr wrap="square" rtlCol="0">
+            <a:spAutoFit/>
+          </a:bodyPr>
+          <a:lstStyle/>
+          <a:p>
+            <a:pPr algn="ctr"/>
+            <a:r>
+              <a:rPr lang="en-US" altLang="zh-CN" sz="3600" dirty="0"/>
+              <a:t>DSL</a:t>
+            </a:r>
+            <a:r>
+              <a:rPr lang="zh-CN" altLang="en-US" sz="3600" dirty="0"/>
+              <a:t>结构空间支持更强大的</a:t>
+            </a:r>
+            <a:r>
+              <a:rPr lang="en-US" altLang="zh-CN" sz="3600" dirty="0"/>
+              <a:t>Delta</a:t>
+            </a:r>
+            <a:r>
+              <a:rPr lang="zh-CN" altLang="en-US" sz="3600" dirty="0"/>
+              <a:t>运算</a:t>
+            </a:r>
+          </a:p>
+        </p:txBody>
+      </p:sp>
     </p:spTree>
     <p:extLst>
       <p:ext uri="{BB962C8B-B14F-4D97-AF65-F5344CB8AC3E}">
@@ -7398,7 +7462,7 @@
         <p:spPr>
           <a:xfrm>
             <a:off x="1425202" y="3890930"/>
-            <a:ext cx="10197137" cy="1200329"/>
+            <a:ext cx="10197137" cy="2308324"/>
           </a:xfrm>
           <a:prstGeom prst="rect">
             <a:avLst/>
@@ -7413,16 +7477,12 @@
           <a:p>
             <a:pPr algn="ctr"/>
             <a:r>
-              <a:rPr lang="zh-CN" altLang="en-US" sz="3600" dirty="0"/>
-              <a:t>众多分散的</a:t>
-            </a:r>
-            <a:r>
               <a:rPr lang="en-US" altLang="zh-CN" sz="3600" dirty="0"/>
               <a:t>Delta</a:t>
             </a:r>
             <a:r>
               <a:rPr lang="zh-CN" altLang="en-US" sz="3600" dirty="0"/>
-              <a:t>汇聚为一个独立的整体</a:t>
+              <a:t>分散产生，但又能汇聚为一个独立的整体</a:t>
             </a:r>
             <a:endParaRPr lang="en-US" altLang="zh-CN" sz="3600" dirty="0"/>
           </a:p>
@@ -7431,6 +7491,34 @@
             <a:r>
               <a:rPr lang="zh-CN" altLang="en-US" sz="3600" dirty="0"/>
               <a:t>必然存在可用于定位的无所不在的领域坐标系</a:t>
+            </a:r>
+            <a:endParaRPr lang="en-US" altLang="zh-CN" sz="3600" dirty="0"/>
+          </a:p>
+          <a:p>
+            <a:pPr algn="ctr"/>
+            <a:r>
+              <a:rPr lang="en-US" altLang="zh-CN" sz="3600" dirty="0"/>
+              <a:t>Delta</a:t>
+            </a:r>
+            <a:r>
+              <a:rPr lang="zh-CN" altLang="en-US" sz="3600" dirty="0"/>
+              <a:t>具有唯一的领域坐标</a:t>
+            </a:r>
+            <a:endParaRPr lang="en-US" altLang="zh-CN" sz="3600" dirty="0"/>
+          </a:p>
+          <a:p>
+            <a:pPr algn="ctr"/>
+            <a:r>
+              <a:rPr lang="zh-CN" altLang="en-US" sz="3600" dirty="0"/>
+              <a:t>同一坐标处的</a:t>
+            </a:r>
+            <a:r>
+              <a:rPr lang="en-US" altLang="zh-CN" sz="3600" dirty="0"/>
+              <a:t>Delta</a:t>
+            </a:r>
+            <a:r>
+              <a:rPr lang="zh-CN" altLang="en-US" sz="3600" dirty="0"/>
+              <a:t>相互叠加</a:t>
             </a:r>
           </a:p>
         </p:txBody>
@@ -7572,8 +7660,8 @@
         </p:nvSpPr>
         <p:spPr>
           <a:xfrm>
-            <a:off x="1425202" y="3890930"/>
-            <a:ext cx="10197137" cy="1200329"/>
+            <a:off x="964849" y="3814474"/>
+            <a:ext cx="10670102" cy="1200329"/>
           </a:xfrm>
           <a:prstGeom prst="rect">
             <a:avLst/>
@@ -7586,10 +7674,9 @@
           </a:bodyPr>
           <a:lstStyle/>
           <a:p>
-            <a:pPr algn="ctr"/>
             <a:r>
               <a:rPr lang="zh-CN" altLang="en-US" sz="3600" dirty="0"/>
-              <a:t>同一个</a:t>
+              <a:t>复用：同一个</a:t>
             </a:r>
             <a:r>
               <a:rPr lang="en-US" altLang="zh-CN" sz="3600" dirty="0"/>
@@ -7610,10 +7697,9 @@
             <a:endParaRPr lang="en-US" altLang="zh-CN" sz="3600" dirty="0"/>
           </a:p>
           <a:p>
-            <a:pPr algn="ctr"/>
             <a:r>
               <a:rPr lang="zh-CN" altLang="en-US" sz="3600" dirty="0"/>
-              <a:t>多个</a:t>
+              <a:t>抽象：多个</a:t>
             </a:r>
             <a:r>
               <a:rPr lang="en-US" altLang="zh-CN" sz="3600" dirty="0"/>
@@ -7777,7 +7863,7 @@
         <p:spPr>
           <a:xfrm>
             <a:off x="1068376" y="3645197"/>
-            <a:ext cx="10055248" cy="1200329"/>
+            <a:ext cx="10055248" cy="2308324"/>
           </a:xfrm>
           <a:prstGeom prst="rect">
             <a:avLst/>
@@ -7834,6 +7920,34 @@
             <a:r>
               <a:rPr lang="zh-CN" altLang="en-US" sz="3600" dirty="0"/>
               <a:t>概念重建程序结构空间</a:t>
+            </a:r>
+            <a:endParaRPr lang="en-US" altLang="zh-CN" sz="3600" dirty="0"/>
+          </a:p>
+          <a:p>
+            <a:pPr algn="ctr"/>
+            <a:r>
+              <a:rPr lang="en-US" altLang="zh-CN" sz="3600" dirty="0"/>
+              <a:t>Tree</a:t>
+            </a:r>
+            <a:r>
+              <a:rPr lang="zh-CN" altLang="en-US" sz="3600" dirty="0"/>
+              <a:t>结构引入具有丰富语义的领域坐标</a:t>
+            </a:r>
+            <a:endParaRPr lang="en-US" altLang="zh-CN" sz="3600" dirty="0"/>
+          </a:p>
+          <a:p>
+            <a:pPr algn="ctr"/>
+            <a:r>
+              <a:rPr lang="zh-CN" altLang="en-US" sz="3600" dirty="0"/>
+              <a:t>领域空间的</a:t>
+            </a:r>
+            <a:r>
+              <a:rPr lang="en-US" altLang="zh-CN" sz="3600" dirty="0"/>
+              <a:t>Delta</a:t>
+            </a:r>
+            <a:r>
+              <a:rPr lang="zh-CN" altLang="en-US" sz="3600" dirty="0"/>
+              <a:t>才可以扩展到传统语言之外</a:t>
             </a:r>
           </a:p>
         </p:txBody>
@@ -7989,8 +8103,8 @@
         </p:nvSpPr>
         <p:spPr>
           <a:xfrm>
-            <a:off x="475679" y="3573338"/>
-            <a:ext cx="8034107" cy="646331"/>
+            <a:off x="1131964" y="3377846"/>
+            <a:ext cx="10206596" cy="1754326"/>
           </a:xfrm>
           <a:prstGeom prst="rect">
             <a:avLst/>
@@ -8006,7 +8120,51 @@
             <a:pPr algn="ctr"/>
             <a:r>
               <a:rPr lang="zh-CN" altLang="en-US" sz="3600" dirty="0"/>
-              <a:t>投影到特性向量空间</a:t>
+              <a:t>每个</a:t>
+            </a:r>
+            <a:r>
+              <a:rPr lang="en-US" altLang="zh-CN" sz="3600" dirty="0"/>
+              <a:t>DSL</a:t>
+            </a:r>
+            <a:r>
+              <a:rPr lang="zh-CN" altLang="en-US" sz="3600" dirty="0"/>
+              <a:t>提供一个独立的特性维度</a:t>
+            </a:r>
+            <a:endParaRPr lang="en-US" altLang="zh-CN" sz="3600" dirty="0"/>
+          </a:p>
+          <a:p>
+            <a:pPr algn="ctr"/>
+            <a:r>
+              <a:rPr lang="en-US" altLang="zh-CN" sz="3600" dirty="0"/>
+              <a:t>App</a:t>
+            </a:r>
+            <a:r>
+              <a:rPr lang="zh-CN" altLang="en-US" sz="3600" dirty="0"/>
+              <a:t>投影到特性向量空间，自然实现特性分解</a:t>
+            </a:r>
+            <a:endParaRPr lang="en-US" altLang="zh-CN" sz="3600" dirty="0"/>
+          </a:p>
+          <a:p>
+            <a:pPr algn="ctr"/>
+            <a:r>
+              <a:rPr lang="zh-CN" altLang="en-US" sz="3600" dirty="0"/>
+              <a:t>通过</a:t>
+            </a:r>
+            <a:r>
+              <a:rPr lang="en-US" altLang="zh-CN" sz="3600" dirty="0"/>
+              <a:t>Delta</a:t>
+            </a:r>
+            <a:r>
+              <a:rPr lang="zh-CN" altLang="en-US" sz="3600" dirty="0"/>
+              <a:t>补足现有</a:t>
+            </a:r>
+            <a:r>
+              <a:rPr lang="en-US" altLang="zh-CN" sz="3600" dirty="0"/>
+              <a:t>DSL</a:t>
+            </a:r>
+            <a:r>
+              <a:rPr lang="zh-CN" altLang="en-US" sz="3600" dirty="0"/>
+              <a:t>不充分的部分</a:t>
             </a:r>
           </a:p>
         </p:txBody>
@@ -8096,7 +8254,7 @@
         </p:nvSpPr>
         <p:spPr>
           <a:xfrm>
-            <a:off x="2232397" y="1658532"/>
+            <a:off x="3039590" y="1418899"/>
             <a:ext cx="5833243" cy="1815882"/>
           </a:xfrm>
           <a:prstGeom prst="rect">
@@ -8150,8 +8308,8 @@
         </p:nvSpPr>
         <p:spPr>
           <a:xfrm>
-            <a:off x="1131964" y="3888648"/>
-            <a:ext cx="8034107" cy="1200329"/>
+            <a:off x="717329" y="3623220"/>
+            <a:ext cx="10477763" cy="2308324"/>
           </a:xfrm>
           <a:prstGeom prst="rect">
             <a:avLst/>
@@ -8167,7 +8325,7 @@
             <a:pPr algn="ctr"/>
             <a:r>
               <a:rPr lang="zh-CN" altLang="en-US" sz="3600" dirty="0"/>
-              <a:t>类似深度学习的深度分解</a:t>
+              <a:t>复杂的推理分解为多个步骤</a:t>
             </a:r>
             <a:endParaRPr lang="en-US" altLang="zh-CN" sz="3600" dirty="0"/>
           </a:p>
@@ -8175,8 +8333,33 @@
             <a:pPr algn="ctr"/>
             <a:r>
               <a:rPr lang="zh-CN" altLang="en-US" sz="3600" dirty="0"/>
-              <a:t>差量化的软件生产线</a:t>
-            </a:r>
+              <a:t>每个步骤再进行差量化</a:t>
+            </a:r>
+            <a:endParaRPr lang="en-US" altLang="zh-CN" sz="3600" dirty="0"/>
+          </a:p>
+          <a:p>
+            <a:pPr algn="ctr"/>
+            <a:r>
+              <a:rPr lang="zh-CN" altLang="en-US" sz="3600" dirty="0"/>
+              <a:t>通过</a:t>
+            </a:r>
+            <a:r>
+              <a:rPr lang="en-US" altLang="zh-CN" sz="3600" dirty="0"/>
+              <a:t>Delta</a:t>
+            </a:r>
+            <a:r>
+              <a:rPr lang="zh-CN" altLang="en-US" sz="3600" dirty="0"/>
+              <a:t>修正前一步骤的推理结果</a:t>
+            </a:r>
+            <a:endParaRPr lang="en-US" altLang="zh-CN" sz="3600" dirty="0"/>
+          </a:p>
+          <a:p>
+            <a:pPr algn="ctr"/>
+            <a:r>
+              <a:rPr lang="zh-CN" altLang="en-US" sz="3600" dirty="0"/>
+              <a:t>整体模式类似深度学习的深度分解</a:t>
+            </a:r>
+            <a:endParaRPr lang="en-US" altLang="zh-CN" sz="3600" dirty="0"/>
           </a:p>
         </p:txBody>
       </p:sp>
@@ -8489,7 +8672,7 @@
         <p:spPr>
           <a:xfrm>
             <a:off x="434689" y="267393"/>
-            <a:ext cx="2380430" cy="523220"/>
+            <a:ext cx="3632814" cy="523220"/>
           </a:xfrm>
           <a:prstGeom prst="rect">
             <a:avLst/>
@@ -8504,7 +8687,7 @@
           <a:p>
             <a:r>
               <a:rPr lang="zh-CN" altLang="en-US" sz="2800" b="1" dirty="0"/>
-              <a:t>差量流水线</a:t>
+              <a:t>差量化的软件生产线</a:t>
             </a:r>
           </a:p>
         </p:txBody>
@@ -9582,7 +9765,7 @@
           <a:p>
             <a:r>
               <a:rPr lang="zh-CN" altLang="en-US" sz="3600" dirty="0"/>
-              <a:t>粒子：离散个体，相互组合    </a:t>
+              <a:t>粒子：离散个体，嵌套组合    </a:t>
             </a:r>
             <a:endParaRPr lang="en-US" altLang="zh-CN" sz="3600" dirty="0"/>
           </a:p>
@@ -9695,8 +9878,8 @@
         </p:nvSpPr>
         <p:spPr>
           <a:xfrm>
-            <a:off x="1261241" y="1658532"/>
-            <a:ext cx="7977352" cy="1815882"/>
+            <a:off x="1261240" y="1658532"/>
+            <a:ext cx="8626891" cy="1815882"/>
           </a:xfrm>
           <a:prstGeom prst="rect">
             <a:avLst/>
@@ -9709,6 +9892,10 @@
           </a:bodyPr>
           <a:lstStyle/>
           <a:p>
+            <a:pPr marL="457200" indent="-457200">
+              <a:buFont typeface="Wingdings" panose="05000000000000000000" pitchFamily="2" charset="2"/>
+              <a:buChar char="Ø"/>
+            </a:pPr>
             <a:r>
               <a:rPr lang="zh-CN" altLang="en-US" sz="2800" dirty="0"/>
               <a:t>软件结构空间中发生的一切都通过程序语言表达</a:t>
@@ -9716,6 +9903,10 @@
             <a:endParaRPr lang="en-US" altLang="zh-CN" sz="2800" dirty="0"/>
           </a:p>
           <a:p>
+            <a:pPr marL="457200" indent="-457200">
+              <a:buFont typeface="Wingdings" panose="05000000000000000000" pitchFamily="2" charset="2"/>
+              <a:buChar char="Ø"/>
+            </a:pPr>
             <a:r>
               <a:rPr lang="zh-CN" altLang="en-US" sz="2800" dirty="0"/>
               <a:t>程序语言定义了软件结构空间的描述坐标系</a:t>
@@ -9723,6 +9914,10 @@
             <a:endParaRPr lang="en-US" altLang="zh-CN" sz="2800" dirty="0"/>
           </a:p>
           <a:p>
+            <a:pPr marL="457200" indent="-457200">
+              <a:buFont typeface="Wingdings" panose="05000000000000000000" pitchFamily="2" charset="2"/>
+              <a:buChar char="Ø"/>
+            </a:pPr>
             <a:r>
               <a:rPr lang="zh-CN" altLang="en-US" sz="2800" dirty="0"/>
               <a:t>通用程序语言是全局坐标系</a:t>
@@ -9730,6 +9925,10 @@
             <a:endParaRPr lang="en-US" altLang="zh-CN" sz="2800" dirty="0"/>
           </a:p>
           <a:p>
+            <a:pPr marL="457200" indent="-457200">
+              <a:buFont typeface="Wingdings" panose="05000000000000000000" pitchFamily="2" charset="2"/>
+              <a:buChar char="Ø"/>
+            </a:pPr>
             <a:r>
               <a:rPr lang="en-US" altLang="zh-CN" sz="2800" dirty="0"/>
               <a:t>DSL</a:t>
@@ -9964,7 +10163,7 @@
         </p:nvSpPr>
         <p:spPr>
           <a:xfrm>
-            <a:off x="1358987" y="3131903"/>
+            <a:off x="1377905" y="3112984"/>
             <a:ext cx="9172379" cy="1754326"/>
           </a:xfrm>
           <a:prstGeom prst="rect">
@@ -9996,12 +10195,16 @@
           <a:p>
             <a:pPr algn="ctr"/>
             <a:r>
+              <a:rPr lang="zh-CN" altLang="en-US" sz="3600" dirty="0"/>
+              <a:t>多个独立设计的</a:t>
+            </a:r>
+            <a:r>
               <a:rPr lang="en-US" altLang="zh-CN" sz="3600" dirty="0"/>
               <a:t>XDSL</a:t>
             </a:r>
             <a:r>
               <a:rPr lang="zh-CN" altLang="en-US" sz="3600" dirty="0"/>
-              <a:t>可以通过元编程实现无缝嵌入</a:t>
+              <a:t>可以无缝嵌入</a:t>
             </a:r>
             <a:endParaRPr lang="en-US" altLang="zh-CN" sz="3600" dirty="0"/>
           </a:p>
@@ -10009,7 +10212,7 @@
             <a:pPr algn="ctr"/>
             <a:r>
               <a:rPr lang="zh-CN" altLang="en-US" sz="3600" dirty="0"/>
-              <a:t>统一元模型</a:t>
+              <a:t>统一元模型和元编程机制</a:t>
             </a:r>
             <a:endParaRPr lang="en-US" altLang="zh-CN" sz="3600" dirty="0"/>
           </a:p>
@@ -10330,7 +10533,7 @@
         </p:nvSpPr>
         <p:spPr>
           <a:xfrm>
-            <a:off x="239636" y="979798"/>
+            <a:off x="239636" y="1282495"/>
             <a:ext cx="11761076" cy="1077218"/>
           </a:xfrm>
           <a:prstGeom prst="rect">
@@ -11098,8 +11301,8 @@
           </a:p>
         </p:txBody>
       </p:sp>
-      <mc:AlternateContent xmlns:mc="http://schemas.openxmlformats.org/markup-compatibility/2006" xmlns:a14="http://schemas.microsoft.com/office/drawing/2010/main">
-        <mc:Choice Requires="a14">
+      <mc:AlternateContent xmlns:mc="http://schemas.openxmlformats.org/markup-compatibility/2006">
+        <mc:Choice xmlns:a14="http://schemas.microsoft.com/office/drawing/2010/main" Requires="a14">
           <p:sp>
             <p:nvSpPr>
               <p:cNvPr id="3" name="文本框 2">
@@ -11435,12 +11638,6 @@
                               </m:r>
                             </m:sub>
                           </m:sSub>
-                          <m:r>
-                            <a:rPr lang="en-US" altLang="zh-CN" sz="2800" b="0" i="1" smtClean="0">
-                              <a:latin typeface="Cambria Math" panose="02040503050406030204" pitchFamily="18" charset="0"/>
-                            </a:rPr>
-                            <m:t>𝑓</m:t>
-                          </m:r>
                           <m:r>
                             <a:rPr lang="en-US" altLang="zh-CN" sz="2800" b="0" i="1" smtClean="0">
                               <a:latin typeface="Cambria Math" panose="02040503050406030204" pitchFamily="18" charset="0"/>
@@ -11825,7 +12022,7 @@
             </p:txBody>
           </p:sp>
         </mc:Choice>
-        <mc:Fallback xmlns="">
+        <mc:Fallback>
           <p:sp>
             <p:nvSpPr>
               <p:cNvPr id="3" name="文本框 2">
@@ -12646,6 +12843,78 @@
           </p:sp>
         </mc:Fallback>
       </mc:AlternateContent>
+      <p:pic>
+        <p:nvPicPr>
+          <p:cNvPr id="4" name="图片 3">
+            <a:extLst>
+              <a:ext uri="{FF2B5EF4-FFF2-40B4-BE49-F238E27FC236}">
+                <a16:creationId xmlns:a16="http://schemas.microsoft.com/office/drawing/2014/main" id="{3EEB75A8-8BD7-0745-5526-16A17F2D245E}"/>
+              </a:ext>
+            </a:extLst>
+          </p:cNvPr>
+          <p:cNvPicPr>
+            <a:picLocks noChangeAspect="1"/>
+          </p:cNvPicPr>
+          <p:nvPr/>
+        </p:nvPicPr>
+        <p:blipFill>
+          <a:blip r:embed="rId3">
+            <a:extLst>
+              <a:ext uri="{28A0092B-C50C-407E-A947-70E740481C1C}">
+                <a14:useLocalDpi xmlns:a14="http://schemas.microsoft.com/office/drawing/2010/main" val="0"/>
+              </a:ext>
+            </a:extLst>
+          </a:blip>
+          <a:stretch>
+            <a:fillRect/>
+          </a:stretch>
+        </p:blipFill>
+        <p:spPr>
+          <a:xfrm>
+            <a:off x="1014573" y="1671145"/>
+            <a:ext cx="1552782" cy="1636184"/>
+          </a:xfrm>
+          <a:prstGeom prst="rect">
+            <a:avLst/>
+          </a:prstGeom>
+        </p:spPr>
+      </p:pic>
+      <p:pic>
+        <p:nvPicPr>
+          <p:cNvPr id="5" name="图片 4">
+            <a:extLst>
+              <a:ext uri="{FF2B5EF4-FFF2-40B4-BE49-F238E27FC236}">
+                <a16:creationId xmlns:a16="http://schemas.microsoft.com/office/drawing/2014/main" id="{ED374DB6-53A8-03A1-CE6A-1BC6250A834B}"/>
+              </a:ext>
+            </a:extLst>
+          </p:cNvPr>
+          <p:cNvPicPr>
+            <a:picLocks noChangeAspect="1"/>
+          </p:cNvPicPr>
+          <p:nvPr/>
+        </p:nvPicPr>
+        <p:blipFill>
+          <a:blip r:embed="rId4">
+            <a:extLst>
+              <a:ext uri="{28A0092B-C50C-407E-A947-70E740481C1C}">
+                <a14:useLocalDpi xmlns:a14="http://schemas.microsoft.com/office/drawing/2010/main" val="0"/>
+              </a:ext>
+            </a:extLst>
+          </a:blip>
+          <a:stretch>
+            <a:fillRect/>
+          </a:stretch>
+        </p:blipFill>
+        <p:spPr>
+          <a:xfrm>
+            <a:off x="8396361" y="1416723"/>
+            <a:ext cx="3096580" cy="1636184"/>
+          </a:xfrm>
+          <a:prstGeom prst="rect">
+            <a:avLst/>
+          </a:prstGeom>
+        </p:spPr>
+      </p:pic>
     </p:spTree>
     <p:extLst>
       <p:ext uri="{BB962C8B-B14F-4D97-AF65-F5344CB8AC3E}">
@@ -13527,19 +13796,88 @@
             <a:pPr algn="ctr"/>
             <a:r>
               <a:rPr lang="zh-CN" altLang="en-US" sz="4000" dirty="0"/>
-              <a:t>面向语言</a:t>
-            </a:r>
-            <a:r>
-              <a:rPr lang="zh-CN" altLang="en-US" sz="4000"/>
-              <a:t>编程范式</a:t>
-            </a:r>
-            <a:endParaRPr lang="en-US" altLang="zh-CN" sz="4000"/>
+              <a:t>面向语言编程范式</a:t>
+            </a:r>
+            <a:endParaRPr lang="en-US" altLang="zh-CN" sz="4000" dirty="0"/>
           </a:p>
           <a:p>
             <a:pPr algn="ctr"/>
             <a:r>
               <a:rPr lang="zh-CN" altLang="en-US" sz="4000" dirty="0"/>
               <a:t>产生式编程与面向差量编程的结合</a:t>
+            </a:r>
+            <a:endParaRPr lang="en-US" altLang="zh-CN" sz="4000" dirty="0"/>
+          </a:p>
+        </p:txBody>
+      </p:sp>
+      <p:sp>
+        <p:nvSpPr>
+          <p:cNvPr id="4" name="文本框 3">
+            <a:extLst>
+              <a:ext uri="{FF2B5EF4-FFF2-40B4-BE49-F238E27FC236}">
+                <a16:creationId xmlns:a16="http://schemas.microsoft.com/office/drawing/2014/main" id="{1C256784-3E2B-F698-D320-9644199B98F4}"/>
+              </a:ext>
+            </a:extLst>
+          </p:cNvPr>
+          <p:cNvSpPr txBox="1"/>
+          <p:nvPr/>
+        </p:nvSpPr>
+        <p:spPr>
+          <a:xfrm>
+            <a:off x="1167699" y="4708095"/>
+            <a:ext cx="10353741" cy="1323439"/>
+          </a:xfrm>
+          <a:prstGeom prst="rect">
+            <a:avLst/>
+          </a:prstGeom>
+          <a:noFill/>
+        </p:spPr>
+        <p:txBody>
+          <a:bodyPr wrap="square" rtlCol="0">
+            <a:spAutoFit/>
+          </a:bodyPr>
+          <a:lstStyle/>
+          <a:p>
+            <a:pPr algn="ctr"/>
+            <a:r>
+              <a:rPr lang="zh-CN" altLang="en-US" sz="4000" dirty="0"/>
+              <a:t>先开发一个</a:t>
+            </a:r>
+            <a:r>
+              <a:rPr lang="en-US" altLang="zh-CN" sz="4000" dirty="0"/>
+              <a:t>DSL</a:t>
+            </a:r>
+            <a:r>
+              <a:rPr lang="zh-CN" altLang="en-US" sz="4000" dirty="0"/>
+              <a:t>，再用</a:t>
+            </a:r>
+            <a:r>
+              <a:rPr lang="en-US" altLang="zh-CN" sz="4000" dirty="0"/>
+              <a:t>DSL</a:t>
+            </a:r>
+            <a:r>
+              <a:rPr lang="zh-CN" altLang="en-US" sz="4000" dirty="0"/>
+              <a:t>表达业务</a:t>
+            </a:r>
+            <a:endParaRPr lang="en-US" altLang="zh-CN" sz="4000" dirty="0"/>
+          </a:p>
+          <a:p>
+            <a:pPr algn="ctr"/>
+            <a:r>
+              <a:rPr lang="en-US" altLang="zh-CN" sz="4000" dirty="0"/>
+              <a:t>DSL</a:t>
+            </a:r>
+            <a:r>
+              <a:rPr lang="zh-CN" altLang="en-US" sz="4000" dirty="0"/>
+              <a:t>是高效领域表达，细节差异用</a:t>
+            </a:r>
+            <a:r>
+              <a:rPr lang="en-US" altLang="zh-CN" sz="4000" dirty="0"/>
+              <a:t>Delta</a:t>
+            </a:r>
+            <a:r>
+              <a:rPr lang="zh-CN" altLang="en-US" sz="4000" dirty="0"/>
+              <a:t>补足</a:t>
             </a:r>
             <a:endParaRPr lang="en-US" altLang="zh-CN" sz="4000" dirty="0"/>
           </a:p>
@@ -13904,7 +14242,7 @@
         </p:nvSpPr>
         <p:spPr>
           <a:xfrm>
-            <a:off x="3953768" y="2636917"/>
+            <a:off x="3953768" y="2447732"/>
             <a:ext cx="2168531" cy="751537"/>
           </a:xfrm>
           <a:prstGeom prst="rect">
@@ -13954,7 +14292,7 @@
         </p:nvSpPr>
         <p:spPr>
           <a:xfrm>
-            <a:off x="6421347" y="2825394"/>
+            <a:off x="6421347" y="2636209"/>
             <a:ext cx="849086" cy="184142"/>
           </a:xfrm>
           <a:prstGeom prst="wave">
@@ -14000,7 +14338,7 @@
         </p:nvSpPr>
         <p:spPr>
           <a:xfrm>
-            <a:off x="6421347" y="3051422"/>
+            <a:off x="6421347" y="2862237"/>
             <a:ext cx="849086" cy="184142"/>
           </a:xfrm>
           <a:prstGeom prst="wave">
@@ -14046,7 +14384,7 @@
         </p:nvSpPr>
         <p:spPr>
           <a:xfrm>
-            <a:off x="7460754" y="2575576"/>
+            <a:off x="7460754" y="2386391"/>
             <a:ext cx="1661603" cy="751537"/>
           </a:xfrm>
           <a:prstGeom prst="ellipse">
@@ -14099,7 +14437,7 @@
         </p:nvSpPr>
         <p:spPr>
           <a:xfrm>
-            <a:off x="2239765" y="4515679"/>
+            <a:off x="2239765" y="4086859"/>
             <a:ext cx="1661603" cy="751537"/>
           </a:xfrm>
           <a:prstGeom prst="ellipse">
@@ -14152,7 +14490,7 @@
         </p:nvSpPr>
         <p:spPr>
           <a:xfrm>
-            <a:off x="5308602" y="4515788"/>
+            <a:off x="5308602" y="4086968"/>
             <a:ext cx="2168531" cy="751537"/>
           </a:xfrm>
           <a:prstGeom prst="rect">
@@ -14202,7 +14540,7 @@
         </p:nvSpPr>
         <p:spPr>
           <a:xfrm>
-            <a:off x="4203532" y="4765565"/>
+            <a:off x="4203532" y="4336745"/>
             <a:ext cx="842481" cy="293960"/>
           </a:xfrm>
           <a:prstGeom prst="rightArrow">
@@ -14251,7 +14589,7 @@
         </p:nvSpPr>
         <p:spPr>
           <a:xfrm>
-            <a:off x="4058597" y="4536485"/>
+            <a:off x="4058597" y="4107665"/>
             <a:ext cx="977142" cy="751537"/>
           </a:xfrm>
           <a:prstGeom prst="mathPlus">
@@ -14297,7 +14635,7 @@
         </p:nvSpPr>
         <p:spPr>
           <a:xfrm>
-            <a:off x="8001862" y="4940158"/>
+            <a:off x="8001862" y="4511338"/>
             <a:ext cx="772268" cy="119367"/>
           </a:xfrm>
           <a:prstGeom prst="rect">
@@ -14343,7 +14681,7 @@
         </p:nvSpPr>
         <p:spPr>
           <a:xfrm>
-            <a:off x="8000151" y="4743238"/>
+            <a:off x="8000151" y="4314418"/>
             <a:ext cx="773979" cy="119367"/>
           </a:xfrm>
           <a:prstGeom prst="rect">
@@ -14389,7 +14727,7 @@
         </p:nvSpPr>
         <p:spPr>
           <a:xfrm>
-            <a:off x="9246749" y="4505404"/>
+            <a:off x="9246749" y="4076584"/>
             <a:ext cx="1661603" cy="751537"/>
           </a:xfrm>
           <a:prstGeom prst="ellipse">
@@ -14460,6 +14798,43 @@
               <a:rPr lang="zh-CN" altLang="en-US" sz="2800" b="1" dirty="0"/>
               <a:t>模型驱动的补完计划</a:t>
             </a:r>
+          </a:p>
+        </p:txBody>
+      </p:sp>
+      <p:sp>
+        <p:nvSpPr>
+          <p:cNvPr id="4" name="文本框 3">
+            <a:extLst>
+              <a:ext uri="{FF2B5EF4-FFF2-40B4-BE49-F238E27FC236}">
+                <a16:creationId xmlns:a16="http://schemas.microsoft.com/office/drawing/2014/main" id="{4AC67432-C592-3D0F-5F9F-8C8A3FBCBAC1}"/>
+              </a:ext>
+            </a:extLst>
+          </p:cNvPr>
+          <p:cNvSpPr txBox="1"/>
+          <p:nvPr/>
+        </p:nvSpPr>
+        <p:spPr>
+          <a:xfrm>
+            <a:off x="1825896" y="5681749"/>
+            <a:ext cx="9661109" cy="707886"/>
+          </a:xfrm>
+          <a:prstGeom prst="rect">
+            <a:avLst/>
+          </a:prstGeom>
+          <a:noFill/>
+        </p:spPr>
+        <p:txBody>
+          <a:bodyPr wrap="square" rtlCol="0">
+            <a:spAutoFit/>
+          </a:bodyPr>
+          <a:lstStyle/>
+          <a:p>
+            <a:pPr algn="ctr"/>
+            <a:r>
+              <a:rPr lang="zh-CN" altLang="en-US" sz="4000" dirty="0"/>
+              <a:t>模型如何驱动的完备方案</a:t>
+            </a:r>
+            <a:endParaRPr lang="en-US" altLang="zh-CN" sz="4000" dirty="0"/>
           </a:p>
         </p:txBody>
       </p:sp>
@@ -15447,8 +15822,8 @@
         </p:nvSpPr>
         <p:spPr>
           <a:xfrm>
-            <a:off x="271167" y="1416723"/>
-            <a:ext cx="11773688" cy="707886"/>
+            <a:off x="3449495" y="1552735"/>
+            <a:ext cx="8595360" cy="1938992"/>
           </a:xfrm>
           <a:prstGeom prst="rect">
             <a:avLst/>
@@ -15476,8 +15851,18 @@
             </a:r>
             <a:r>
               <a:rPr lang="en-US" altLang="zh-CN" sz="4000" dirty="0"/>
-              <a:t>&gt; overlay-fs </a:t>
-            </a:r>
+              <a:t>&gt; </a:t>
+            </a:r>
+          </a:p>
+          <a:p>
+            <a:pPr algn="ctr"/>
+            <a:r>
+              <a:rPr lang="en-US" altLang="zh-CN" sz="4000" dirty="0"/>
+              <a:t>overlay-fs </a:t>
+            </a:r>
+          </a:p>
+          <a:p>
+            <a:pPr algn="ctr"/>
             <a:r>
               <a:rPr lang="en-US" altLang="zh-CN" sz="4000" dirty="0" err="1"/>
               <a:t>BaseImage</a:t>
@@ -15500,7 +15885,7 @@
         </p:nvSpPr>
         <p:spPr>
           <a:xfrm>
-            <a:off x="1090974" y="3366272"/>
+            <a:off x="1090974" y="4286977"/>
             <a:ext cx="10089931" cy="1938992"/>
           </a:xfrm>
           <a:prstGeom prst="rect">
@@ -15543,6 +15928,42 @@
           </a:p>
         </p:txBody>
       </p:sp>
+      <p:pic>
+        <p:nvPicPr>
+          <p:cNvPr id="4" name="图片 3">
+            <a:extLst>
+              <a:ext uri="{FF2B5EF4-FFF2-40B4-BE49-F238E27FC236}">
+                <a16:creationId xmlns:a16="http://schemas.microsoft.com/office/drawing/2014/main" id="{0B94DFDC-F2F5-91B6-E51C-BE519F1FCEF0}"/>
+              </a:ext>
+            </a:extLst>
+          </p:cNvPr>
+          <p:cNvPicPr>
+            <a:picLocks noChangeAspect="1"/>
+          </p:cNvPicPr>
+          <p:nvPr/>
+        </p:nvPicPr>
+        <p:blipFill>
+          <a:blip r:embed="rId2">
+            <a:extLst>
+              <a:ext uri="{28A0092B-C50C-407E-A947-70E740481C1C}">
+                <a14:useLocalDpi xmlns:a14="http://schemas.microsoft.com/office/drawing/2010/main" val="0"/>
+              </a:ext>
+            </a:extLst>
+          </a:blip>
+          <a:stretch>
+            <a:fillRect/>
+          </a:stretch>
+        </p:blipFill>
+        <p:spPr>
+          <a:xfrm>
+            <a:off x="787992" y="1259117"/>
+            <a:ext cx="2976813" cy="2232610"/>
+          </a:xfrm>
+          <a:prstGeom prst="rect">
+            <a:avLst/>
+          </a:prstGeom>
+        </p:spPr>
+      </p:pic>
     </p:spTree>
     <p:extLst>
       <p:ext uri="{BB962C8B-B14F-4D97-AF65-F5344CB8AC3E}">
